--- a/Project/Coursework_ip.pptx
+++ b/Project/Coursework_ip.pptx
@@ -6,24 +6,25 @@
     <p:sldMasterId id="2147483698" r:id="rId2"/>
   </p:sldMasterIdLst>
   <p:notesMasterIdLst>
-    <p:notesMasterId r:id="rId15"/>
+    <p:notesMasterId r:id="rId16"/>
   </p:notesMasterIdLst>
   <p:handoutMasterIdLst>
-    <p:handoutMasterId r:id="rId16"/>
+    <p:handoutMasterId r:id="rId17"/>
   </p:handoutMasterIdLst>
   <p:sldIdLst>
     <p:sldId id="265" r:id="rId3"/>
     <p:sldId id="262" r:id="rId4"/>
     <p:sldId id="275" r:id="rId5"/>
     <p:sldId id="266" r:id="rId6"/>
-    <p:sldId id="271" r:id="rId7"/>
-    <p:sldId id="267" r:id="rId8"/>
-    <p:sldId id="274" r:id="rId9"/>
-    <p:sldId id="268" r:id="rId10"/>
-    <p:sldId id="270" r:id="rId11"/>
-    <p:sldId id="273" r:id="rId12"/>
-    <p:sldId id="269" r:id="rId13"/>
-    <p:sldId id="263" r:id="rId14"/>
+    <p:sldId id="276" r:id="rId7"/>
+    <p:sldId id="271" r:id="rId8"/>
+    <p:sldId id="267" r:id="rId9"/>
+    <p:sldId id="274" r:id="rId10"/>
+    <p:sldId id="268" r:id="rId11"/>
+    <p:sldId id="270" r:id="rId12"/>
+    <p:sldId id="273" r:id="rId13"/>
+    <p:sldId id="269" r:id="rId14"/>
+    <p:sldId id="263" r:id="rId15"/>
   </p:sldIdLst>
   <p:sldSz cx="9144000" cy="5143500" type="screen16x9"/>
   <p:notesSz cx="6858000" cy="9144000"/>
@@ -224,7 +225,7 @@
             <a:fld id="{19412975-4CFD-C441-A244-B7FD9A9579C2}" type="datetimeFigureOut">
               <a:rPr lang="en-US" smtClean="0"/>
               <a:pPr/>
-              <a:t>5/17/2018</a:t>
+              <a:t>5/21/2018</a:t>
             </a:fld>
             <a:endParaRPr lang="en-US"/>
           </a:p>
@@ -392,7 +393,7 @@
             <a:fld id="{6DAFD1C8-470D-774F-8B40-381C3059BD4A}" type="datetimeFigureOut">
               <a:rPr lang="en-US" smtClean="0"/>
               <a:pPr/>
-              <a:t>5/17/2018</a:t>
+              <a:t>5/21/2018</a:t>
             </a:fld>
             <a:endParaRPr lang="en-US"/>
           </a:p>
@@ -5714,11 +5715,7 @@
           <a:p>
             <a:r>
               <a:rPr lang="en-US" sz="4000" dirty="0" smtClean="0"/>
-              <a:t>Citation </a:t>
-            </a:r>
-            <a:r>
-              <a:rPr lang="en-US" sz="4000" dirty="0" smtClean="0"/>
-              <a:t>network analysis</a:t>
+              <a:t>Citation network analysis</a:t>
             </a:r>
             <a:endParaRPr lang="en-US" sz="4000" dirty="0"/>
           </a:p>
@@ -5775,2296 +5772,6 @@
 </file>
 
 <file path=ppt/slides/slide10.xml><?xml version="1.0" encoding="utf-8"?>
-<p:sld xmlns:a="http://schemas.openxmlformats.org/drawingml/2006/main" xmlns:r="http://schemas.openxmlformats.org/officeDocument/2006/relationships" xmlns:p="http://schemas.openxmlformats.org/presentationml/2006/main" show="0">
-  <p:cSld>
-    <p:bg>
-      <p:bgPr>
-        <a:solidFill>
-          <a:schemeClr val="bg1"/>
-        </a:solidFill>
-        <a:effectLst/>
-      </p:bgPr>
-    </p:bg>
-    <p:spTree>
-      <p:nvGrpSpPr>
-        <p:cNvPr id="1" name=""/>
-        <p:cNvGrpSpPr/>
-        <p:nvPr/>
-      </p:nvGrpSpPr>
-      <p:grpSpPr>
-        <a:xfrm>
-          <a:off x="0" y="0"/>
-          <a:ext cx="0" cy="0"/>
-          <a:chOff x="0" y="0"/>
-          <a:chExt cx="0" cy="0"/>
-        </a:xfrm>
-      </p:grpSpPr>
-      <p:sp>
-        <p:nvSpPr>
-          <p:cNvPr id="2" name="Title 1"/>
-          <p:cNvSpPr>
-            <a:spLocks noGrp="1"/>
-          </p:cNvSpPr>
-          <p:nvPr>
-            <p:ph type="title"/>
-          </p:nvPr>
-        </p:nvSpPr>
-        <p:spPr>
-          <a:xfrm>
-            <a:off x="457200" y="238634"/>
-            <a:ext cx="8229600" cy="620483"/>
-          </a:xfrm>
-        </p:spPr>
-        <p:txBody>
-          <a:bodyPr/>
-          <a:lstStyle/>
-          <a:p>
-            <a:r>
-              <a:rPr lang="en-US" dirty="0" smtClean="0"/>
-              <a:t>Other Metrics</a:t>
-            </a:r>
-            <a:endParaRPr lang="ru-RU" dirty="0"/>
-          </a:p>
-        </p:txBody>
-      </p:sp>
-      <p:pic>
-        <p:nvPicPr>
-          <p:cNvPr id="6" name="Picture 5"/>
-          <p:cNvPicPr>
-            <a:picLocks noChangeAspect="1"/>
-          </p:cNvPicPr>
-          <p:nvPr/>
-        </p:nvPicPr>
-        <p:blipFill>
-          <a:blip r:embed="rId2"/>
-          <a:stretch>
-            <a:fillRect/>
-          </a:stretch>
-        </p:blipFill>
-        <p:spPr>
-          <a:xfrm>
-            <a:off x="722312" y="2395537"/>
-            <a:ext cx="2466975" cy="352425"/>
-          </a:xfrm>
-          <a:prstGeom prst="rect">
-            <a:avLst/>
-          </a:prstGeom>
-        </p:spPr>
-      </p:pic>
-      <p:sp>
-        <p:nvSpPr>
-          <p:cNvPr id="7" name="Content Placeholder 6"/>
-          <p:cNvSpPr>
-            <a:spLocks noGrp="1"/>
-          </p:cNvSpPr>
-          <p:nvPr>
-            <p:ph sz="half" idx="1"/>
-          </p:nvPr>
-        </p:nvSpPr>
-        <p:spPr/>
-        <p:txBody>
-          <a:bodyPr/>
-          <a:lstStyle/>
-          <a:p>
-            <a:endParaRPr lang="ru-RU"/>
-          </a:p>
-        </p:txBody>
-      </p:sp>
-    </p:spTree>
-    <p:extLst>
-      <p:ext uri="{BB962C8B-B14F-4D97-AF65-F5344CB8AC3E}">
-        <p14:creationId xmlns:p14="http://schemas.microsoft.com/office/powerpoint/2010/main" val="4028347123"/>
-      </p:ext>
-    </p:extLst>
-  </p:cSld>
-  <p:clrMapOvr>
-    <a:masterClrMapping/>
-  </p:clrMapOvr>
-  <mc:AlternateContent xmlns:mc="http://schemas.openxmlformats.org/markup-compatibility/2006" xmlns:p14="http://schemas.microsoft.com/office/powerpoint/2010/main">
-    <mc:Choice Requires="p14">
-      <p:transition spd="slow" p14:dur="2000"/>
-    </mc:Choice>
-    <mc:Fallback xmlns="">
-      <p:transition spd="slow"/>
-    </mc:Fallback>
-  </mc:AlternateContent>
-</p:sld>
-</file>
-
-<file path=ppt/slides/slide11.xml><?xml version="1.0" encoding="utf-8"?>
-<p:sld xmlns:a="http://schemas.openxmlformats.org/drawingml/2006/main" xmlns:r="http://schemas.openxmlformats.org/officeDocument/2006/relationships" xmlns:p="http://schemas.openxmlformats.org/presentationml/2006/main">
-  <p:cSld>
-    <p:bg>
-      <p:bgPr>
-        <a:solidFill>
-          <a:schemeClr val="bg1"/>
-        </a:solidFill>
-        <a:effectLst/>
-      </p:bgPr>
-    </p:bg>
-    <p:spTree>
-      <p:nvGrpSpPr>
-        <p:cNvPr id="1" name=""/>
-        <p:cNvGrpSpPr/>
-        <p:nvPr/>
-      </p:nvGrpSpPr>
-      <p:grpSpPr>
-        <a:xfrm>
-          <a:off x="0" y="0"/>
-          <a:ext cx="0" cy="0"/>
-          <a:chOff x="0" y="0"/>
-          <a:chExt cx="0" cy="0"/>
-        </a:xfrm>
-      </p:grpSpPr>
-      <p:sp>
-        <p:nvSpPr>
-          <p:cNvPr id="2" name="Title 1"/>
-          <p:cNvSpPr>
-            <a:spLocks noGrp="1"/>
-          </p:cNvSpPr>
-          <p:nvPr>
-            <p:ph type="title"/>
-          </p:nvPr>
-        </p:nvSpPr>
-        <p:spPr>
-          <a:xfrm>
-            <a:off x="457200" y="383381"/>
-            <a:ext cx="6273934" cy="620483"/>
-          </a:xfrm>
-        </p:spPr>
-        <p:txBody>
-          <a:bodyPr/>
-          <a:lstStyle/>
-          <a:p>
-            <a:r>
-              <a:rPr lang="en-US" dirty="0" smtClean="0"/>
-              <a:t>Models to check</a:t>
-            </a:r>
-            <a:endParaRPr lang="ru-RU" dirty="0"/>
-          </a:p>
-        </p:txBody>
-      </p:sp>
-      <p:sp>
-        <p:nvSpPr>
-          <p:cNvPr id="3" name="Content Placeholder 2"/>
-          <p:cNvSpPr>
-            <a:spLocks noGrp="1"/>
-          </p:cNvSpPr>
-          <p:nvPr>
-            <p:ph sz="half" idx="1"/>
-          </p:nvPr>
-        </p:nvSpPr>
-        <p:spPr>
-          <a:xfrm>
-            <a:off x="457200" y="1130300"/>
-            <a:ext cx="6273934" cy="3464323"/>
-          </a:xfrm>
-        </p:spPr>
-        <p:txBody>
-          <a:bodyPr/>
-          <a:lstStyle/>
-          <a:p>
-            <a:pPr marL="0" indent="0">
-              <a:buNone/>
-            </a:pPr>
-            <a:r>
-              <a:rPr lang="en-US" dirty="0" smtClean="0"/>
-              <a:t>Not exactly matches the power low</a:t>
-            </a:r>
-          </a:p>
-          <a:p>
-            <a:pPr marL="0" indent="0">
-              <a:buNone/>
-            </a:pPr>
-            <a:r>
-              <a:rPr lang="en-US" dirty="0" smtClean="0"/>
-              <a:t>- BA model</a:t>
-            </a:r>
-            <a:endParaRPr lang="ru-RU" dirty="0"/>
-          </a:p>
-        </p:txBody>
-      </p:sp>
-    </p:spTree>
-    <p:extLst>
-      <p:ext uri="{BB962C8B-B14F-4D97-AF65-F5344CB8AC3E}">
-        <p14:creationId xmlns:p14="http://schemas.microsoft.com/office/powerpoint/2010/main" val="484092184"/>
-      </p:ext>
-    </p:extLst>
-  </p:cSld>
-  <p:clrMapOvr>
-    <a:masterClrMapping/>
-  </p:clrMapOvr>
-</p:sld>
-</file>
-
-<file path=ppt/slides/slide12.xml><?xml version="1.0" encoding="utf-8"?>
-<p:sld xmlns:a="http://schemas.openxmlformats.org/drawingml/2006/main" xmlns:r="http://schemas.openxmlformats.org/officeDocument/2006/relationships" xmlns:p="http://schemas.openxmlformats.org/presentationml/2006/main">
-  <p:cSld>
-    <p:bg>
-      <p:bgPr>
-        <a:blipFill dpi="0" rotWithShape="1">
-          <a:blip r:embed="rId2">
-            <a:lum/>
-          </a:blip>
-          <a:srcRect/>
-          <a:stretch>
-            <a:fillRect/>
-          </a:stretch>
-        </a:blipFill>
-        <a:effectLst/>
-      </p:bgPr>
-    </p:bg>
-    <p:spTree>
-      <p:nvGrpSpPr>
-        <p:cNvPr id="1" name=""/>
-        <p:cNvGrpSpPr/>
-        <p:nvPr/>
-      </p:nvGrpSpPr>
-      <p:grpSpPr>
-        <a:xfrm>
-          <a:off x="0" y="0"/>
-          <a:ext cx="0" cy="0"/>
-          <a:chOff x="0" y="0"/>
-          <a:chExt cx="0" cy="0"/>
-        </a:xfrm>
-      </p:grpSpPr>
-      <p:sp>
-        <p:nvSpPr>
-          <p:cNvPr id="2" name="Title 1"/>
-          <p:cNvSpPr>
-            <a:spLocks noGrp="1"/>
-          </p:cNvSpPr>
-          <p:nvPr>
-            <p:ph type="title"/>
-          </p:nvPr>
-        </p:nvSpPr>
-        <p:spPr>
-          <a:xfrm>
-            <a:off x="457200" y="1801258"/>
-            <a:ext cx="8229600" cy="620483"/>
-          </a:xfrm>
-        </p:spPr>
-        <p:txBody>
-          <a:bodyPr/>
-          <a:lstStyle/>
-          <a:p>
-            <a:r>
-              <a:rPr lang="en-US" dirty="0" smtClean="0"/>
-              <a:t>Thank you</a:t>
-            </a:r>
-            <a:r>
-              <a:rPr lang="ru-RU" dirty="0" smtClean="0"/>
-              <a:t>!</a:t>
-            </a:r>
-            <a:endParaRPr lang="en-US" dirty="0"/>
-          </a:p>
-        </p:txBody>
-      </p:sp>
-    </p:spTree>
-    <p:extLst>
-      <p:ext uri="{BB962C8B-B14F-4D97-AF65-F5344CB8AC3E}">
-        <p14:creationId xmlns:p14="http://schemas.microsoft.com/office/powerpoint/2010/main" val="1864942597"/>
-      </p:ext>
-    </p:extLst>
-  </p:cSld>
-  <p:clrMapOvr>
-    <a:masterClrMapping/>
-  </p:clrMapOvr>
-  <p:timing>
-    <p:tnLst>
-      <p:par>
-        <p:cTn id="1" dur="indefinite" restart="never" nodeType="tmRoot"/>
-      </p:par>
-    </p:tnLst>
-  </p:timing>
-</p:sld>
-</file>
-
-<file path=ppt/slides/slide2.xml><?xml version="1.0" encoding="utf-8"?>
-<p:sld xmlns:a="http://schemas.openxmlformats.org/drawingml/2006/main" xmlns:r="http://schemas.openxmlformats.org/officeDocument/2006/relationships" xmlns:p="http://schemas.openxmlformats.org/presentationml/2006/main">
-  <p:cSld>
-    <p:bg>
-      <p:bgPr>
-        <a:solidFill>
-          <a:schemeClr val="bg1"/>
-        </a:solidFill>
-        <a:effectLst/>
-      </p:bgPr>
-    </p:bg>
-    <p:spTree>
-      <p:nvGrpSpPr>
-        <p:cNvPr id="1" name=""/>
-        <p:cNvGrpSpPr/>
-        <p:nvPr/>
-      </p:nvGrpSpPr>
-      <p:grpSpPr>
-        <a:xfrm>
-          <a:off x="0" y="0"/>
-          <a:ext cx="0" cy="0"/>
-          <a:chOff x="0" y="0"/>
-          <a:chExt cx="0" cy="0"/>
-        </a:xfrm>
-      </p:grpSpPr>
-      <p:sp>
-        <p:nvSpPr>
-          <p:cNvPr id="3" name="Content Placeholder 2"/>
-          <p:cNvSpPr>
-            <a:spLocks noGrp="1"/>
-          </p:cNvSpPr>
-          <p:nvPr>
-            <p:ph sz="half" idx="1"/>
-          </p:nvPr>
-        </p:nvSpPr>
-        <p:spPr>
-          <a:xfrm>
-            <a:off x="457197" y="2906605"/>
-            <a:ext cx="8229601" cy="1618263"/>
-          </a:xfrm>
-        </p:spPr>
-        <p:txBody>
-          <a:bodyPr>
-            <a:normAutofit/>
-          </a:bodyPr>
-          <a:lstStyle/>
-          <a:p>
-            <a:pPr marL="0" indent="0" algn="just">
-              <a:spcBef>
-                <a:spcPts val="0"/>
-              </a:spcBef>
-              <a:buNone/>
-            </a:pPr>
-            <a:r>
-              <a:rPr lang="en-US" b="1" dirty="0" smtClean="0"/>
-              <a:t>Properties:</a:t>
-            </a:r>
-          </a:p>
-          <a:p>
-            <a:pPr algn="just">
-              <a:spcBef>
-                <a:spcPts val="0"/>
-              </a:spcBef>
-              <a:buFontTx/>
-              <a:buChar char="-"/>
-            </a:pPr>
-            <a:r>
-              <a:rPr lang="en-US" dirty="0" smtClean="0"/>
-              <a:t>directed;</a:t>
-            </a:r>
-          </a:p>
-          <a:p>
-            <a:pPr algn="just">
-              <a:spcBef>
-                <a:spcPts val="0"/>
-              </a:spcBef>
-              <a:buFontTx/>
-              <a:buChar char="-"/>
-            </a:pPr>
-            <a:r>
-              <a:rPr lang="en-US" dirty="0" smtClean="0"/>
-              <a:t>34 546 vertices (publications)</a:t>
-            </a:r>
-          </a:p>
-          <a:p>
-            <a:pPr algn="just">
-              <a:spcBef>
-                <a:spcPts val="0"/>
-              </a:spcBef>
-              <a:buFontTx/>
-              <a:buChar char="-"/>
-            </a:pPr>
-            <a:r>
-              <a:rPr lang="en-US" dirty="0" smtClean="0"/>
-              <a:t>421 578 edges (citations)</a:t>
-            </a:r>
-            <a:endParaRPr lang="en-US" dirty="0"/>
-          </a:p>
-        </p:txBody>
-      </p:sp>
-      <p:sp>
-        <p:nvSpPr>
-          <p:cNvPr id="4" name="Content Placeholder 2"/>
-          <p:cNvSpPr txBox="1">
-            <a:spLocks/>
-          </p:cNvSpPr>
-          <p:nvPr/>
-        </p:nvSpPr>
-        <p:spPr>
-          <a:xfrm>
-            <a:off x="457196" y="925405"/>
-            <a:ext cx="8229601" cy="1618263"/>
-          </a:xfrm>
-          <a:prstGeom prst="rect">
-            <a:avLst/>
-          </a:prstGeom>
-        </p:spPr>
-        <p:txBody>
-          <a:bodyPr vert="horz" lIns="91440" tIns="45720" rIns="91440" bIns="45720" rtlCol="0">
-            <a:normAutofit/>
-          </a:bodyPr>
-          <a:lstStyle>
-            <a:lvl1pPr marL="342900" indent="-342900" algn="l" defTabSz="457200" rtl="0" eaLnBrk="1" latinLnBrk="0" hangingPunct="1">
-              <a:spcBef>
-                <a:spcPct val="20000"/>
-              </a:spcBef>
-              <a:buSzPct val="100000"/>
-              <a:buFontTx/>
-              <a:buBlip>
-                <a:blip r:embed="rId2"/>
-              </a:buBlip>
-              <a:defRPr sz="2400" kern="1200">
-                <a:solidFill>
-                  <a:schemeClr val="tx1"/>
-                </a:solidFill>
-                <a:latin typeface="+mn-lt"/>
-                <a:ea typeface="+mn-ea"/>
-                <a:cs typeface="+mn-cs"/>
-              </a:defRPr>
-            </a:lvl1pPr>
-            <a:lvl2pPr marL="742950" indent="-285750" algn="l" defTabSz="457200" rtl="0" eaLnBrk="1" latinLnBrk="0" hangingPunct="1">
-              <a:spcBef>
-                <a:spcPct val="20000"/>
-              </a:spcBef>
-              <a:buFont typeface="Arial"/>
-              <a:buChar char="•"/>
-              <a:defRPr sz="2400" kern="1200">
-                <a:solidFill>
-                  <a:schemeClr val="tx1"/>
-                </a:solidFill>
-                <a:latin typeface="+mn-lt"/>
-                <a:ea typeface="+mn-ea"/>
-                <a:cs typeface="+mn-cs"/>
-              </a:defRPr>
-            </a:lvl2pPr>
-            <a:lvl3pPr marL="1143000" indent="-228600" algn="l" defTabSz="457200" rtl="0" eaLnBrk="1" latinLnBrk="0" hangingPunct="1">
-              <a:spcBef>
-                <a:spcPct val="20000"/>
-              </a:spcBef>
-              <a:buFont typeface="Arial"/>
-              <a:buChar char="•"/>
-              <a:defRPr sz="2000" kern="1200">
-                <a:solidFill>
-                  <a:schemeClr val="tx1"/>
-                </a:solidFill>
-                <a:latin typeface="+mn-lt"/>
-                <a:ea typeface="+mn-ea"/>
-                <a:cs typeface="+mn-cs"/>
-              </a:defRPr>
-            </a:lvl3pPr>
-            <a:lvl4pPr marL="1600200" indent="-228600" algn="l" defTabSz="457200" rtl="0" eaLnBrk="1" latinLnBrk="0" hangingPunct="1">
-              <a:spcBef>
-                <a:spcPct val="20000"/>
-              </a:spcBef>
-              <a:buFont typeface="Arial"/>
-              <a:buChar char="•"/>
-              <a:defRPr sz="1800" kern="1200">
-                <a:solidFill>
-                  <a:schemeClr val="tx1"/>
-                </a:solidFill>
-                <a:latin typeface="+mn-lt"/>
-                <a:ea typeface="+mn-ea"/>
-                <a:cs typeface="+mn-cs"/>
-              </a:defRPr>
-            </a:lvl4pPr>
-            <a:lvl5pPr marL="2057400" indent="-228600" algn="l" defTabSz="457200" rtl="0" eaLnBrk="1" latinLnBrk="0" hangingPunct="1">
-              <a:spcBef>
-                <a:spcPct val="20000"/>
-              </a:spcBef>
-              <a:buFont typeface="Arial"/>
-              <a:buChar char="•"/>
-              <a:defRPr sz="1800" kern="1200">
-                <a:solidFill>
-                  <a:schemeClr val="tx1"/>
-                </a:solidFill>
-                <a:latin typeface="+mn-lt"/>
-                <a:ea typeface="+mn-ea"/>
-                <a:cs typeface="+mn-cs"/>
-              </a:defRPr>
-            </a:lvl5pPr>
-            <a:lvl6pPr marL="2514600" indent="-228600" algn="l" defTabSz="457200" rtl="0" eaLnBrk="1" latinLnBrk="0" hangingPunct="1">
-              <a:spcBef>
-                <a:spcPct val="20000"/>
-              </a:spcBef>
-              <a:buFont typeface="Arial"/>
-              <a:buChar char="•"/>
-              <a:defRPr sz="1800" kern="1200">
-                <a:solidFill>
-                  <a:schemeClr val="tx1"/>
-                </a:solidFill>
-                <a:latin typeface="+mn-lt"/>
-                <a:ea typeface="+mn-ea"/>
-                <a:cs typeface="+mn-cs"/>
-              </a:defRPr>
-            </a:lvl6pPr>
-            <a:lvl7pPr marL="2971800" indent="-228600" algn="l" defTabSz="457200" rtl="0" eaLnBrk="1" latinLnBrk="0" hangingPunct="1">
-              <a:spcBef>
-                <a:spcPct val="20000"/>
-              </a:spcBef>
-              <a:buFont typeface="Arial"/>
-              <a:buChar char="•"/>
-              <a:defRPr sz="1800" kern="1200">
-                <a:solidFill>
-                  <a:schemeClr val="tx1"/>
-                </a:solidFill>
-                <a:latin typeface="+mn-lt"/>
-                <a:ea typeface="+mn-ea"/>
-                <a:cs typeface="+mn-cs"/>
-              </a:defRPr>
-            </a:lvl7pPr>
-            <a:lvl8pPr marL="3429000" indent="-228600" algn="l" defTabSz="457200" rtl="0" eaLnBrk="1" latinLnBrk="0" hangingPunct="1">
-              <a:spcBef>
-                <a:spcPct val="20000"/>
-              </a:spcBef>
-              <a:buFont typeface="Arial"/>
-              <a:buChar char="•"/>
-              <a:defRPr sz="1800" kern="1200">
-                <a:solidFill>
-                  <a:schemeClr val="tx1"/>
-                </a:solidFill>
-                <a:latin typeface="+mn-lt"/>
-                <a:ea typeface="+mn-ea"/>
-                <a:cs typeface="+mn-cs"/>
-              </a:defRPr>
-            </a:lvl8pPr>
-            <a:lvl9pPr marL="3886200" indent="-228600" algn="l" defTabSz="457200" rtl="0" eaLnBrk="1" latinLnBrk="0" hangingPunct="1">
-              <a:spcBef>
-                <a:spcPct val="20000"/>
-              </a:spcBef>
-              <a:buFont typeface="Arial"/>
-              <a:buChar char="•"/>
-              <a:defRPr sz="1800" kern="1200">
-                <a:solidFill>
-                  <a:schemeClr val="tx1"/>
-                </a:solidFill>
-                <a:latin typeface="+mn-lt"/>
-                <a:ea typeface="+mn-ea"/>
-                <a:cs typeface="+mn-cs"/>
-              </a:defRPr>
-            </a:lvl9pPr>
-          </a:lstStyle>
-          <a:p>
-            <a:pPr marL="0" indent="0" algn="just">
-              <a:spcBef>
-                <a:spcPts val="0"/>
-              </a:spcBef>
-              <a:buFontTx/>
-              <a:buNone/>
-            </a:pPr>
-            <a:r>
-              <a:rPr lang="en-US" dirty="0" smtClean="0"/>
-              <a:t>The network of publications in the </a:t>
-            </a:r>
-            <a:r>
-              <a:rPr lang="en-US" dirty="0" err="1" smtClean="0"/>
-              <a:t>arXiv's</a:t>
-            </a:r>
-            <a:r>
-              <a:rPr lang="en-US" dirty="0" smtClean="0"/>
-              <a:t> High Energy Physics Phenomenology (</a:t>
-            </a:r>
-            <a:r>
-              <a:rPr lang="en-US" dirty="0" err="1" smtClean="0"/>
-              <a:t>hep-ph</a:t>
-            </a:r>
-            <a:r>
-              <a:rPr lang="en-US" dirty="0" smtClean="0"/>
-              <a:t>) section. The directed links that connect the publications are citations. Some publications cite themselves, and therefore the network contains loops.</a:t>
-            </a:r>
-            <a:endParaRPr lang="en-US" dirty="0"/>
-          </a:p>
-        </p:txBody>
-      </p:sp>
-      <p:sp>
-        <p:nvSpPr>
-          <p:cNvPr id="5" name="Title 1"/>
-          <p:cNvSpPr txBox="1">
-            <a:spLocks/>
-          </p:cNvSpPr>
-          <p:nvPr/>
-        </p:nvSpPr>
-        <p:spPr>
-          <a:xfrm>
-            <a:off x="457200" y="128595"/>
-            <a:ext cx="6273934" cy="620483"/>
-          </a:xfrm>
-          <a:prstGeom prst="rect">
-            <a:avLst/>
-          </a:prstGeom>
-        </p:spPr>
-        <p:txBody>
-          <a:bodyPr vert="horz" lIns="91440" tIns="45720" rIns="91440" bIns="45720" rtlCol="0" anchor="ctr">
-            <a:normAutofit/>
-          </a:bodyPr>
-          <a:lstStyle>
-            <a:lvl1pPr algn="l" defTabSz="457200" rtl="0" eaLnBrk="1" latinLnBrk="0" hangingPunct="1">
-              <a:spcBef>
-                <a:spcPct val="0"/>
-              </a:spcBef>
-              <a:buNone/>
-              <a:defRPr sz="3200" b="1" i="0" kern="1200" baseline="0">
-                <a:solidFill>
-                  <a:schemeClr val="tx1"/>
-                </a:solidFill>
-                <a:latin typeface="+mj-lt"/>
-                <a:ea typeface="+mj-ea"/>
-                <a:cs typeface="+mj-cs"/>
-              </a:defRPr>
-            </a:lvl1pPr>
-          </a:lstStyle>
-          <a:p>
-            <a:r>
-              <a:rPr lang="en-US" dirty="0" smtClean="0"/>
-              <a:t>Short Description</a:t>
-            </a:r>
-            <a:endParaRPr lang="ru-RU" dirty="0"/>
-          </a:p>
-        </p:txBody>
-      </p:sp>
-    </p:spTree>
-    <p:extLst>
-      <p:ext uri="{BB962C8B-B14F-4D97-AF65-F5344CB8AC3E}">
-        <p14:creationId xmlns:p14="http://schemas.microsoft.com/office/powerpoint/2010/main" val="238712034"/>
-      </p:ext>
-    </p:extLst>
-  </p:cSld>
-  <p:clrMapOvr>
-    <a:masterClrMapping/>
-  </p:clrMapOvr>
-  <p:timing>
-    <p:tnLst>
-      <p:par>
-        <p:cTn id="1" dur="indefinite" restart="never" nodeType="tmRoot"/>
-      </p:par>
-    </p:tnLst>
-  </p:timing>
-</p:sld>
-</file>
-
-<file path=ppt/slides/slide3.xml><?xml version="1.0" encoding="utf-8"?>
-<p:sld xmlns:a="http://schemas.openxmlformats.org/drawingml/2006/main" xmlns:r="http://schemas.openxmlformats.org/officeDocument/2006/relationships" xmlns:p="http://schemas.openxmlformats.org/presentationml/2006/main">
-  <p:cSld>
-    <p:bg>
-      <p:bgPr>
-        <a:solidFill>
-          <a:schemeClr val="bg1"/>
-        </a:solidFill>
-        <a:effectLst/>
-      </p:bgPr>
-    </p:bg>
-    <p:spTree>
-      <p:nvGrpSpPr>
-        <p:cNvPr id="1" name=""/>
-        <p:cNvGrpSpPr/>
-        <p:nvPr/>
-      </p:nvGrpSpPr>
-      <p:grpSpPr>
-        <a:xfrm>
-          <a:off x="0" y="0"/>
-          <a:ext cx="0" cy="0"/>
-          <a:chOff x="0" y="0"/>
-          <a:chExt cx="0" cy="0"/>
-        </a:xfrm>
-      </p:grpSpPr>
-      <p:pic>
-        <p:nvPicPr>
-          <p:cNvPr id="3" name="Picture 2"/>
-          <p:cNvPicPr>
-            <a:picLocks noChangeAspect="1"/>
-          </p:cNvPicPr>
-          <p:nvPr/>
-        </p:nvPicPr>
-        <p:blipFill>
-          <a:blip r:embed="rId2">
-            <a:extLst>
-              <a:ext uri="{28A0092B-C50C-407E-A947-70E740481C1C}">
-                <a14:useLocalDpi xmlns:a14="http://schemas.microsoft.com/office/drawing/2010/main" val="0"/>
-              </a:ext>
-            </a:extLst>
-          </a:blip>
-          <a:stretch>
-            <a:fillRect/>
-          </a:stretch>
-        </p:blipFill>
-        <p:spPr>
-          <a:xfrm>
-            <a:off x="0" y="559953"/>
-            <a:ext cx="4572000" cy="4572000"/>
-          </a:xfrm>
-          <a:prstGeom prst="rect">
-            <a:avLst/>
-          </a:prstGeom>
-        </p:spPr>
-      </p:pic>
-      <p:pic>
-        <p:nvPicPr>
-          <p:cNvPr id="4" name="Picture 3"/>
-          <p:cNvPicPr>
-            <a:picLocks noChangeAspect="1"/>
-          </p:cNvPicPr>
-          <p:nvPr/>
-        </p:nvPicPr>
-        <p:blipFill>
-          <a:blip r:embed="rId3">
-            <a:extLst>
-              <a:ext uri="{28A0092B-C50C-407E-A947-70E740481C1C}">
-                <a14:useLocalDpi xmlns:a14="http://schemas.microsoft.com/office/drawing/2010/main" val="0"/>
-              </a:ext>
-            </a:extLst>
-          </a:blip>
-          <a:stretch>
-            <a:fillRect/>
-          </a:stretch>
-        </p:blipFill>
-        <p:spPr>
-          <a:xfrm>
-            <a:off x="4572000" y="559953"/>
-            <a:ext cx="4572000" cy="4572000"/>
-          </a:xfrm>
-          <a:prstGeom prst="rect">
-            <a:avLst/>
-          </a:prstGeom>
-        </p:spPr>
-      </p:pic>
-      <p:sp>
-        <p:nvSpPr>
-          <p:cNvPr id="5" name="Title 1"/>
-          <p:cNvSpPr txBox="1">
-            <a:spLocks/>
-          </p:cNvSpPr>
-          <p:nvPr/>
-        </p:nvSpPr>
-        <p:spPr>
-          <a:xfrm>
-            <a:off x="1295400" y="100749"/>
-            <a:ext cx="1981200" cy="538155"/>
-          </a:xfrm>
-          <a:prstGeom prst="rect">
-            <a:avLst/>
-          </a:prstGeom>
-        </p:spPr>
-        <p:txBody>
-          <a:bodyPr vert="horz" lIns="91440" tIns="45720" rIns="91440" bIns="45720" rtlCol="0" anchor="ctr">
-            <a:normAutofit lnSpcReduction="10000"/>
-          </a:bodyPr>
-          <a:lstStyle>
-            <a:lvl1pPr algn="l" defTabSz="457200" rtl="0" eaLnBrk="1" latinLnBrk="0" hangingPunct="1">
-              <a:spcBef>
-                <a:spcPct val="0"/>
-              </a:spcBef>
-              <a:buNone/>
-              <a:defRPr sz="3200" b="1" i="0" kern="1200" baseline="0">
-                <a:solidFill>
-                  <a:schemeClr val="tx1"/>
-                </a:solidFill>
-                <a:latin typeface="+mj-lt"/>
-                <a:ea typeface="+mj-ea"/>
-                <a:cs typeface="+mj-cs"/>
-              </a:defRPr>
-            </a:lvl1pPr>
-          </a:lstStyle>
-          <a:p>
-            <a:r>
-              <a:rPr lang="en-US" dirty="0" smtClean="0"/>
-              <a:t>In-degree</a:t>
-            </a:r>
-            <a:endParaRPr lang="ru-RU" dirty="0"/>
-          </a:p>
-        </p:txBody>
-      </p:sp>
-      <p:sp>
-        <p:nvSpPr>
-          <p:cNvPr id="6" name="Title 1"/>
-          <p:cNvSpPr txBox="1">
-            <a:spLocks/>
-          </p:cNvSpPr>
-          <p:nvPr/>
-        </p:nvSpPr>
-        <p:spPr>
-          <a:xfrm>
-            <a:off x="5778500" y="48340"/>
-            <a:ext cx="2159000" cy="642971"/>
-          </a:xfrm>
-          <a:prstGeom prst="rect">
-            <a:avLst/>
-          </a:prstGeom>
-        </p:spPr>
-        <p:txBody>
-          <a:bodyPr vert="horz" lIns="91440" tIns="45720" rIns="91440" bIns="45720" rtlCol="0" anchor="ctr">
-            <a:normAutofit/>
-          </a:bodyPr>
-          <a:lstStyle>
-            <a:lvl1pPr algn="l" defTabSz="457200" rtl="0" eaLnBrk="1" latinLnBrk="0" hangingPunct="1">
-              <a:spcBef>
-                <a:spcPct val="0"/>
-              </a:spcBef>
-              <a:buNone/>
-              <a:defRPr sz="3200" b="1" i="0" kern="1200" baseline="0">
-                <a:solidFill>
-                  <a:schemeClr val="tx1"/>
-                </a:solidFill>
-                <a:latin typeface="+mj-lt"/>
-                <a:ea typeface="+mj-ea"/>
-                <a:cs typeface="+mj-cs"/>
-              </a:defRPr>
-            </a:lvl1pPr>
-          </a:lstStyle>
-          <a:p>
-            <a:r>
-              <a:rPr lang="en-US" dirty="0" smtClean="0"/>
-              <a:t>Out</a:t>
-            </a:r>
-            <a:r>
-              <a:rPr lang="en-US" dirty="0" smtClean="0"/>
-              <a:t>-degree</a:t>
-            </a:r>
-            <a:endParaRPr lang="ru-RU" dirty="0"/>
-          </a:p>
-        </p:txBody>
-      </p:sp>
-    </p:spTree>
-    <p:extLst>
-      <p:ext uri="{BB962C8B-B14F-4D97-AF65-F5344CB8AC3E}">
-        <p14:creationId xmlns:p14="http://schemas.microsoft.com/office/powerpoint/2010/main" val="2247482143"/>
-      </p:ext>
-    </p:extLst>
-  </p:cSld>
-  <p:clrMapOvr>
-    <a:masterClrMapping/>
-  </p:clrMapOvr>
-</p:sld>
-</file>
-
-<file path=ppt/slides/slide4.xml><?xml version="1.0" encoding="utf-8"?>
-<p:sld xmlns:a="http://schemas.openxmlformats.org/drawingml/2006/main" xmlns:r="http://schemas.openxmlformats.org/officeDocument/2006/relationships" xmlns:p="http://schemas.openxmlformats.org/presentationml/2006/main">
-  <p:cSld>
-    <p:bg>
-      <p:bgPr>
-        <a:solidFill>
-          <a:schemeClr val="bg1"/>
-        </a:solidFill>
-        <a:effectLst/>
-      </p:bgPr>
-    </p:bg>
-    <p:spTree>
-      <p:nvGrpSpPr>
-        <p:cNvPr id="1" name=""/>
-        <p:cNvGrpSpPr/>
-        <p:nvPr/>
-      </p:nvGrpSpPr>
-      <p:grpSpPr>
-        <a:xfrm>
-          <a:off x="0" y="0"/>
-          <a:ext cx="0" cy="0"/>
-          <a:chOff x="0" y="0"/>
-          <a:chExt cx="0" cy="0"/>
-        </a:xfrm>
-      </p:grpSpPr>
-      <p:sp>
-        <p:nvSpPr>
-          <p:cNvPr id="2" name="Название 1"/>
-          <p:cNvSpPr>
-            <a:spLocks noGrp="1"/>
-          </p:cNvSpPr>
-          <p:nvPr>
-            <p:ph type="title"/>
-          </p:nvPr>
-        </p:nvSpPr>
-        <p:spPr/>
-        <p:txBody>
-          <a:bodyPr/>
-          <a:lstStyle/>
-          <a:p>
-            <a:endParaRPr lang="ru-RU"/>
-          </a:p>
-        </p:txBody>
-      </p:sp>
-      <p:pic>
-        <p:nvPicPr>
-          <p:cNvPr id="4" name="Content Placeholder 3"/>
-          <p:cNvPicPr>
-            <a:picLocks noGrp="1" noChangeAspect="1"/>
-          </p:cNvPicPr>
-          <p:nvPr>
-            <p:ph sz="half" idx="1"/>
-          </p:nvPr>
-        </p:nvPicPr>
-        <p:blipFill>
-          <a:blip r:embed="rId2">
-            <a:extLst>
-              <a:ext uri="{28A0092B-C50C-407E-A947-70E740481C1C}">
-                <a14:useLocalDpi xmlns:a14="http://schemas.microsoft.com/office/drawing/2010/main" val="0"/>
-              </a:ext>
-            </a:extLst>
-          </a:blip>
-          <a:stretch>
-            <a:fillRect/>
-          </a:stretch>
-        </p:blipFill>
-        <p:spPr>
-          <a:xfrm>
-            <a:off x="5255" y="927381"/>
-            <a:ext cx="4566807" cy="3425105"/>
-          </a:xfrm>
-        </p:spPr>
-      </p:pic>
-      <p:pic>
-        <p:nvPicPr>
-          <p:cNvPr id="5" name="Picture 4"/>
-          <p:cNvPicPr>
-            <a:picLocks noChangeAspect="1"/>
-          </p:cNvPicPr>
-          <p:nvPr/>
-        </p:nvPicPr>
-        <p:blipFill>
-          <a:blip r:embed="rId3">
-            <a:extLst>
-              <a:ext uri="{28A0092B-C50C-407E-A947-70E740481C1C}">
-                <a14:useLocalDpi xmlns:a14="http://schemas.microsoft.com/office/drawing/2010/main" val="0"/>
-              </a:ext>
-            </a:extLst>
-          </a:blip>
-          <a:stretch>
-            <a:fillRect/>
-          </a:stretch>
-        </p:blipFill>
-        <p:spPr>
-          <a:xfrm>
-            <a:off x="4572062" y="958911"/>
-            <a:ext cx="4566808" cy="3425105"/>
-          </a:xfrm>
-          <a:prstGeom prst="rect">
-            <a:avLst/>
-          </a:prstGeom>
-        </p:spPr>
-      </p:pic>
-      <p:sp>
-        <p:nvSpPr>
-          <p:cNvPr id="7" name="Title 1"/>
-          <p:cNvSpPr txBox="1">
-            <a:spLocks/>
-          </p:cNvSpPr>
-          <p:nvPr/>
-        </p:nvSpPr>
-        <p:spPr>
-          <a:xfrm>
-            <a:off x="457200" y="97064"/>
-            <a:ext cx="6273934" cy="620483"/>
-          </a:xfrm>
-          <a:prstGeom prst="rect">
-            <a:avLst/>
-          </a:prstGeom>
-        </p:spPr>
-        <p:txBody>
-          <a:bodyPr vert="horz" lIns="91440" tIns="45720" rIns="91440" bIns="45720" rtlCol="0" anchor="ctr">
-            <a:normAutofit/>
-          </a:bodyPr>
-          <a:lstStyle>
-            <a:lvl1pPr algn="l" defTabSz="457200" rtl="0" eaLnBrk="1" latinLnBrk="0" hangingPunct="1">
-              <a:spcBef>
-                <a:spcPct val="0"/>
-              </a:spcBef>
-              <a:buNone/>
-              <a:defRPr sz="3200" b="1" i="0" kern="1200" baseline="0">
-                <a:solidFill>
-                  <a:schemeClr val="tx1"/>
-                </a:solidFill>
-                <a:latin typeface="+mj-lt"/>
-                <a:ea typeface="+mj-ea"/>
-                <a:cs typeface="+mj-cs"/>
-              </a:defRPr>
-            </a:lvl1pPr>
-          </a:lstStyle>
-          <a:p>
-            <a:r>
-              <a:rPr lang="en-US" dirty="0" smtClean="0"/>
-              <a:t>Degree Distributions</a:t>
-            </a:r>
-            <a:endParaRPr lang="ru-RU" dirty="0"/>
-          </a:p>
-        </p:txBody>
-      </p:sp>
-      <p:sp>
-        <p:nvSpPr>
-          <p:cNvPr id="3" name="TextBox 2"/>
-          <p:cNvSpPr txBox="1"/>
-          <p:nvPr/>
-        </p:nvSpPr>
-        <p:spPr>
-          <a:xfrm flipH="1">
-            <a:off x="203900" y="4530787"/>
-            <a:ext cx="5145340" cy="369332"/>
-          </a:xfrm>
-          <a:prstGeom prst="rect">
-            <a:avLst/>
-          </a:prstGeom>
-          <a:noFill/>
-        </p:spPr>
-        <p:txBody>
-          <a:bodyPr wrap="square" rtlCol="0">
-            <a:spAutoFit/>
-          </a:bodyPr>
-          <a:lstStyle/>
-          <a:p>
-            <a:r>
-              <a:rPr lang="en-US" dirty="0" smtClean="0"/>
-              <a:t>Average degree: </a:t>
-            </a:r>
-            <a:r>
-              <a:rPr lang="en-US" dirty="0" err="1" smtClean="0"/>
-              <a:t>Gephi</a:t>
-            </a:r>
-            <a:r>
-              <a:rPr lang="en-US" dirty="0" smtClean="0"/>
-              <a:t> (12.203)</a:t>
-            </a:r>
-            <a:endParaRPr lang="ru-RU" dirty="0"/>
-          </a:p>
-        </p:txBody>
-      </p:sp>
-    </p:spTree>
-    <p:extLst>
-      <p:ext uri="{BB962C8B-B14F-4D97-AF65-F5344CB8AC3E}">
-        <p14:creationId xmlns:p14="http://schemas.microsoft.com/office/powerpoint/2010/main" val="191886464"/>
-      </p:ext>
-    </p:extLst>
-  </p:cSld>
-  <p:clrMapOvr>
-    <a:masterClrMapping/>
-  </p:clrMapOvr>
-  <p:timing>
-    <p:tnLst>
-      <p:par>
-        <p:cTn id="1" dur="indefinite" restart="never" nodeType="tmRoot"/>
-      </p:par>
-    </p:tnLst>
-  </p:timing>
-</p:sld>
-</file>
-
-<file path=ppt/slides/slide5.xml><?xml version="1.0" encoding="utf-8"?>
-<p:sld xmlns:a="http://schemas.openxmlformats.org/drawingml/2006/main" xmlns:r="http://schemas.openxmlformats.org/officeDocument/2006/relationships" xmlns:p="http://schemas.openxmlformats.org/presentationml/2006/main">
-  <p:cSld>
-    <p:bg>
-      <p:bgPr>
-        <a:solidFill>
-          <a:schemeClr val="bg1"/>
-        </a:solidFill>
-        <a:effectLst/>
-      </p:bgPr>
-    </p:bg>
-    <p:spTree>
-      <p:nvGrpSpPr>
-        <p:cNvPr id="1" name=""/>
-        <p:cNvGrpSpPr/>
-        <p:nvPr/>
-      </p:nvGrpSpPr>
-      <p:grpSpPr>
-        <a:xfrm>
-          <a:off x="0" y="0"/>
-          <a:ext cx="0" cy="0"/>
-          <a:chOff x="0" y="0"/>
-          <a:chExt cx="0" cy="0"/>
-        </a:xfrm>
-      </p:grpSpPr>
-      <p:sp>
-        <p:nvSpPr>
-          <p:cNvPr id="2" name="Title 1"/>
-          <p:cNvSpPr>
-            <a:spLocks noGrp="1"/>
-          </p:cNvSpPr>
-          <p:nvPr>
-            <p:ph type="title"/>
-          </p:nvPr>
-        </p:nvSpPr>
-        <p:spPr>
-          <a:xfrm>
-            <a:off x="279400" y="306899"/>
-            <a:ext cx="6273934" cy="620483"/>
-          </a:xfrm>
-        </p:spPr>
-        <p:txBody>
-          <a:bodyPr/>
-          <a:lstStyle/>
-          <a:p>
-            <a:r>
-              <a:rPr lang="en-US" dirty="0" smtClean="0"/>
-              <a:t>Distances</a:t>
-            </a:r>
-            <a:endParaRPr lang="ru-RU" dirty="0"/>
-          </a:p>
-        </p:txBody>
-      </p:sp>
-      <p:pic>
-        <p:nvPicPr>
-          <p:cNvPr id="5" name="Picture 4"/>
-          <p:cNvPicPr>
-            <a:picLocks noChangeAspect="1"/>
-          </p:cNvPicPr>
-          <p:nvPr/>
-        </p:nvPicPr>
-        <p:blipFill>
-          <a:blip r:embed="rId2"/>
-          <a:stretch>
-            <a:fillRect/>
-          </a:stretch>
-        </p:blipFill>
-        <p:spPr>
-          <a:xfrm>
-            <a:off x="6786562" y="4226323"/>
-            <a:ext cx="2124075" cy="457200"/>
-          </a:xfrm>
-          <a:prstGeom prst="rect">
-            <a:avLst/>
-          </a:prstGeom>
-        </p:spPr>
-      </p:pic>
-      <p:pic>
-        <p:nvPicPr>
-          <p:cNvPr id="10" name="Content Placeholder 9"/>
-          <p:cNvPicPr>
-            <a:picLocks noGrp="1" noChangeAspect="1"/>
-          </p:cNvPicPr>
-          <p:nvPr>
-            <p:ph sz="half" idx="1"/>
-          </p:nvPr>
-        </p:nvPicPr>
-        <p:blipFill>
-          <a:blip r:embed="rId3">
-            <a:extLst>
-              <a:ext uri="{28A0092B-C50C-407E-A947-70E740481C1C}">
-                <a14:useLocalDpi xmlns:a14="http://schemas.microsoft.com/office/drawing/2010/main" val="0"/>
-              </a:ext>
-            </a:extLst>
-          </a:blip>
-          <a:stretch>
-            <a:fillRect/>
-          </a:stretch>
-        </p:blipFill>
-        <p:spPr>
-          <a:xfrm>
-            <a:off x="2641205" y="1085850"/>
-            <a:ext cx="3556529" cy="2847975"/>
-          </a:xfrm>
-        </p:spPr>
-      </p:pic>
-    </p:spTree>
-    <p:extLst>
-      <p:ext uri="{BB962C8B-B14F-4D97-AF65-F5344CB8AC3E}">
-        <p14:creationId xmlns:p14="http://schemas.microsoft.com/office/powerpoint/2010/main" val="3164072325"/>
-      </p:ext>
-    </p:extLst>
-  </p:cSld>
-  <p:clrMapOvr>
-    <a:masterClrMapping/>
-  </p:clrMapOvr>
-</p:sld>
-</file>
-
-<file path=ppt/slides/slide6.xml><?xml version="1.0" encoding="utf-8"?>
-<p:sld xmlns:a="http://schemas.openxmlformats.org/drawingml/2006/main" xmlns:r="http://schemas.openxmlformats.org/officeDocument/2006/relationships" xmlns:p="http://schemas.openxmlformats.org/presentationml/2006/main">
-  <p:cSld>
-    <p:bg>
-      <p:bgPr>
-        <a:solidFill>
-          <a:schemeClr val="bg1"/>
-        </a:solidFill>
-        <a:effectLst/>
-      </p:bgPr>
-    </p:bg>
-    <p:spTree>
-      <p:nvGrpSpPr>
-        <p:cNvPr id="1" name=""/>
-        <p:cNvGrpSpPr/>
-        <p:nvPr/>
-      </p:nvGrpSpPr>
-      <p:grpSpPr>
-        <a:xfrm>
-          <a:off x="0" y="0"/>
-          <a:ext cx="0" cy="0"/>
-          <a:chOff x="0" y="0"/>
-          <a:chExt cx="0" cy="0"/>
-        </a:xfrm>
-      </p:grpSpPr>
-      <p:pic>
-        <p:nvPicPr>
-          <p:cNvPr id="2" name="Picture 1"/>
-          <p:cNvPicPr>
-            <a:picLocks noChangeAspect="1"/>
-          </p:cNvPicPr>
-          <p:nvPr/>
-        </p:nvPicPr>
-        <p:blipFill>
-          <a:blip r:embed="rId2"/>
-          <a:stretch>
-            <a:fillRect/>
-          </a:stretch>
-        </p:blipFill>
-        <p:spPr>
-          <a:xfrm>
-            <a:off x="633412" y="4623027"/>
-            <a:ext cx="1781175" cy="142875"/>
-          </a:xfrm>
-          <a:prstGeom prst="rect">
-            <a:avLst/>
-          </a:prstGeom>
-        </p:spPr>
-      </p:pic>
-      <p:sp>
-        <p:nvSpPr>
-          <p:cNvPr id="3" name="Title 1"/>
-          <p:cNvSpPr txBox="1">
-            <a:spLocks/>
-          </p:cNvSpPr>
-          <p:nvPr/>
-        </p:nvSpPr>
-        <p:spPr>
-          <a:xfrm>
-            <a:off x="457200" y="128595"/>
-            <a:ext cx="6273934" cy="620483"/>
-          </a:xfrm>
-          <a:prstGeom prst="rect">
-            <a:avLst/>
-          </a:prstGeom>
-        </p:spPr>
-        <p:txBody>
-          <a:bodyPr vert="horz" lIns="91440" tIns="45720" rIns="91440" bIns="45720" rtlCol="0" anchor="ctr">
-            <a:normAutofit/>
-          </a:bodyPr>
-          <a:lstStyle>
-            <a:lvl1pPr algn="l" defTabSz="457200" rtl="0" eaLnBrk="1" latinLnBrk="0" hangingPunct="1">
-              <a:spcBef>
-                <a:spcPct val="0"/>
-              </a:spcBef>
-              <a:buNone/>
-              <a:defRPr sz="3200" b="1" i="0" kern="1200" baseline="0">
-                <a:solidFill>
-                  <a:schemeClr val="tx1"/>
-                </a:solidFill>
-                <a:latin typeface="+mj-lt"/>
-                <a:ea typeface="+mj-ea"/>
-                <a:cs typeface="+mj-cs"/>
-              </a:defRPr>
-            </a:lvl1pPr>
-          </a:lstStyle>
-          <a:p>
-            <a:r>
-              <a:rPr lang="en-US" dirty="0" smtClean="0"/>
-              <a:t>Clustering Coefficient Distribution</a:t>
-            </a:r>
-            <a:endParaRPr lang="ru-RU" dirty="0"/>
-          </a:p>
-        </p:txBody>
-      </p:sp>
-      <p:pic>
-        <p:nvPicPr>
-          <p:cNvPr id="4" name="Picture 3"/>
-          <p:cNvPicPr>
-            <a:picLocks noChangeAspect="1"/>
-          </p:cNvPicPr>
-          <p:nvPr/>
-        </p:nvPicPr>
-        <p:blipFill>
-          <a:blip r:embed="rId3">
-            <a:extLst>
-              <a:ext uri="{28A0092B-C50C-407E-A947-70E740481C1C}">
-                <a14:useLocalDpi xmlns:a14="http://schemas.microsoft.com/office/drawing/2010/main" val="0"/>
-              </a:ext>
-            </a:extLst>
-          </a:blip>
-          <a:stretch>
-            <a:fillRect/>
-          </a:stretch>
-        </p:blipFill>
-        <p:spPr>
-          <a:xfrm>
-            <a:off x="2300287" y="885361"/>
-            <a:ext cx="4545013" cy="3601382"/>
-          </a:xfrm>
-          <a:prstGeom prst="rect">
-            <a:avLst/>
-          </a:prstGeom>
-        </p:spPr>
-      </p:pic>
-    </p:spTree>
-    <p:extLst>
-      <p:ext uri="{BB962C8B-B14F-4D97-AF65-F5344CB8AC3E}">
-        <p14:creationId xmlns:p14="http://schemas.microsoft.com/office/powerpoint/2010/main" val="379777001"/>
-      </p:ext>
-    </p:extLst>
-  </p:cSld>
-  <p:clrMapOvr>
-    <a:masterClrMapping/>
-  </p:clrMapOvr>
-  <p:timing>
-    <p:tnLst>
-      <p:par>
-        <p:cTn id="1" dur="indefinite" restart="never" nodeType="tmRoot"/>
-      </p:par>
-    </p:tnLst>
-  </p:timing>
-</p:sld>
-</file>
-
-<file path=ppt/slides/slide7.xml><?xml version="1.0" encoding="utf-8"?>
-<p:sld xmlns:a="http://schemas.openxmlformats.org/drawingml/2006/main" xmlns:r="http://schemas.openxmlformats.org/officeDocument/2006/relationships" xmlns:p="http://schemas.openxmlformats.org/presentationml/2006/main">
-  <p:cSld>
-    <p:bg>
-      <p:bgPr>
-        <a:solidFill>
-          <a:schemeClr val="bg1"/>
-        </a:solidFill>
-        <a:effectLst/>
-      </p:bgPr>
-    </p:bg>
-    <p:spTree>
-      <p:nvGrpSpPr>
-        <p:cNvPr id="1" name=""/>
-        <p:cNvGrpSpPr/>
-        <p:nvPr/>
-      </p:nvGrpSpPr>
-      <p:grpSpPr>
-        <a:xfrm>
-          <a:off x="0" y="0"/>
-          <a:ext cx="0" cy="0"/>
-          <a:chOff x="0" y="0"/>
-          <a:chExt cx="0" cy="0"/>
-        </a:xfrm>
-      </p:grpSpPr>
-      <p:sp>
-        <p:nvSpPr>
-          <p:cNvPr id="2" name="Title 1"/>
-          <p:cNvSpPr>
-            <a:spLocks noGrp="1"/>
-          </p:cNvSpPr>
-          <p:nvPr>
-            <p:ph type="title"/>
-          </p:nvPr>
-        </p:nvSpPr>
-        <p:spPr>
-          <a:xfrm>
-            <a:off x="457200" y="306899"/>
-            <a:ext cx="7016262" cy="620483"/>
-          </a:xfrm>
-        </p:spPr>
-        <p:txBody>
-          <a:bodyPr>
-            <a:normAutofit/>
-          </a:bodyPr>
-          <a:lstStyle/>
-          <a:p>
-            <a:r>
-              <a:rPr lang="en-US" dirty="0" err="1" smtClean="0"/>
-              <a:t>Betweenness</a:t>
-            </a:r>
-            <a:r>
-              <a:rPr lang="en-US" dirty="0" smtClean="0"/>
-              <a:t> Centrality in log </a:t>
-            </a:r>
-            <a:r>
-              <a:rPr lang="en-US" dirty="0" err="1" smtClean="0"/>
-              <a:t>log</a:t>
-            </a:r>
-            <a:r>
-              <a:rPr lang="en-US" dirty="0" smtClean="0"/>
-              <a:t> scale</a:t>
-            </a:r>
-            <a:endParaRPr lang="ru-RU" dirty="0"/>
-          </a:p>
-        </p:txBody>
-      </p:sp>
-      <p:pic>
-        <p:nvPicPr>
-          <p:cNvPr id="4" name="Content Placeholder 3"/>
-          <p:cNvPicPr>
-            <a:picLocks noGrp="1" noChangeAspect="1"/>
-          </p:cNvPicPr>
-          <p:nvPr>
-            <p:ph sz="half" idx="1"/>
-          </p:nvPr>
-        </p:nvPicPr>
-        <p:blipFill>
-          <a:blip r:embed="rId2">
-            <a:extLst>
-              <a:ext uri="{28A0092B-C50C-407E-A947-70E740481C1C}">
-                <a14:useLocalDpi xmlns:a14="http://schemas.microsoft.com/office/drawing/2010/main" val="0"/>
-              </a:ext>
-            </a:extLst>
-          </a:blip>
-          <a:stretch>
-            <a:fillRect/>
-          </a:stretch>
-        </p:blipFill>
-        <p:spPr>
-          <a:xfrm>
-            <a:off x="224911" y="927382"/>
-            <a:ext cx="4195233" cy="3146425"/>
-          </a:xfrm>
-        </p:spPr>
-      </p:pic>
-      <mc:AlternateContent xmlns:mc="http://schemas.openxmlformats.org/markup-compatibility/2006" xmlns:a14="http://schemas.microsoft.com/office/drawing/2010/main">
-        <mc:Choice Requires="a14">
-          <p:sp>
-            <p:nvSpPr>
-              <p:cNvPr id="3" name="TextBox 2"/>
-              <p:cNvSpPr txBox="1"/>
-              <p:nvPr/>
-            </p:nvSpPr>
-            <p:spPr>
-              <a:xfrm>
-                <a:off x="457200" y="4554415"/>
-                <a:ext cx="7925888" cy="369332"/>
-              </a:xfrm>
-              <a:prstGeom prst="rect">
-                <a:avLst/>
-              </a:prstGeom>
-              <a:noFill/>
-            </p:spPr>
-            <p:txBody>
-              <a:bodyPr wrap="none" rtlCol="0">
-                <a:spAutoFit/>
-              </a:bodyPr>
-              <a:lstStyle/>
-              <a:p>
-                <a14:m>
-                  <m:oMath xmlns:m="http://schemas.openxmlformats.org/officeDocument/2006/math">
-                    <m:sSub>
-                      <m:sSubPr>
-                        <m:ctrlPr>
-                          <a:rPr lang="ru-RU" i="1" smtClean="0">
-                            <a:latin typeface="Cambria Math" panose="02040503050406030204" pitchFamily="18" charset="0"/>
-                          </a:rPr>
-                        </m:ctrlPr>
-                      </m:sSubPr>
-                      <m:e>
-                        <m:r>
-                          <a:rPr lang="ru-RU" b="0" i="1" smtClean="0">
-                            <a:latin typeface="Cambria Math" panose="02040503050406030204" pitchFamily="18" charset="0"/>
-                          </a:rPr>
-                          <m:t>С</m:t>
-                        </m:r>
-                      </m:e>
-                      <m:sub>
-                        <m:r>
-                          <a:rPr lang="en-US" b="0" i="1" smtClean="0">
-                            <a:latin typeface="Cambria Math" panose="02040503050406030204" pitchFamily="18" charset="0"/>
-                          </a:rPr>
-                          <m:t>𝐵</m:t>
-                        </m:r>
-                      </m:sub>
-                    </m:sSub>
-                    <m:r>
-                      <a:rPr lang="en-US" b="0" i="1" smtClean="0">
-                        <a:latin typeface="Cambria Math" panose="02040503050406030204" pitchFamily="18" charset="0"/>
-                      </a:rPr>
-                      <m:t>(</m:t>
-                    </m:r>
-                    <m:sSub>
-                      <m:sSubPr>
-                        <m:ctrlPr>
-                          <a:rPr lang="en-US" b="0" i="1" smtClean="0">
-                            <a:latin typeface="Cambria Math" panose="02040503050406030204" pitchFamily="18" charset="0"/>
-                          </a:rPr>
-                        </m:ctrlPr>
-                      </m:sSubPr>
-                      <m:e>
-                        <m:r>
-                          <a:rPr lang="ru-RU" b="0" i="1" smtClean="0">
-                            <a:latin typeface="Cambria Math" panose="02040503050406030204" pitchFamily="18" charset="0"/>
-                            <a:ea typeface="Cambria Math" panose="02040503050406030204" pitchFamily="18" charset="0"/>
-                          </a:rPr>
-                          <m:t>𝜈</m:t>
-                        </m:r>
-                      </m:e>
-                      <m:sub>
-                        <m:r>
-                          <a:rPr lang="en-US" b="0" i="1" smtClean="0">
-                            <a:latin typeface="Cambria Math" panose="02040503050406030204" pitchFamily="18" charset="0"/>
-                            <a:ea typeface="Cambria Math" panose="02040503050406030204" pitchFamily="18" charset="0"/>
-                          </a:rPr>
-                          <m:t>𝜅</m:t>
-                        </m:r>
-                      </m:sub>
-                    </m:sSub>
-                    <m:r>
-                      <a:rPr lang="en-US" b="0" i="1" smtClean="0">
-                        <a:latin typeface="Cambria Math" panose="02040503050406030204" pitchFamily="18" charset="0"/>
-                      </a:rPr>
-                      <m:t>)</m:t>
-                    </m:r>
-                  </m:oMath>
-                </a14:m>
-                <a:r>
-                  <a:rPr lang="ru-RU" dirty="0" smtClean="0"/>
-                  <a:t> </a:t>
-                </a:r>
-                <a:r>
-                  <a:rPr lang="en-US" dirty="0" smtClean="0"/>
-                  <a:t>evaluates the appearance of node </a:t>
-                </a:r>
-                <a14:m>
-                  <m:oMath xmlns:m="http://schemas.openxmlformats.org/officeDocument/2006/math">
-                    <m:sSub>
-                      <m:sSubPr>
-                        <m:ctrlPr>
-                          <a:rPr lang="en-US" i="1">
-                            <a:latin typeface="Cambria Math" panose="02040503050406030204" pitchFamily="18" charset="0"/>
-                          </a:rPr>
-                        </m:ctrlPr>
-                      </m:sSubPr>
-                      <m:e>
-                        <m:r>
-                          <a:rPr lang="ru-RU" i="1">
-                            <a:latin typeface="Cambria Math" panose="02040503050406030204" pitchFamily="18" charset="0"/>
-                            <a:ea typeface="Cambria Math" panose="02040503050406030204" pitchFamily="18" charset="0"/>
-                          </a:rPr>
-                          <m:t>𝜈</m:t>
-                        </m:r>
-                      </m:e>
-                      <m:sub>
-                        <m:r>
-                          <a:rPr lang="en-US" i="1">
-                            <a:latin typeface="Cambria Math" panose="02040503050406030204" pitchFamily="18" charset="0"/>
-                            <a:ea typeface="Cambria Math" panose="02040503050406030204" pitchFamily="18" charset="0"/>
-                          </a:rPr>
-                          <m:t>𝜅</m:t>
-                        </m:r>
-                      </m:sub>
-                    </m:sSub>
-                  </m:oMath>
-                </a14:m>
-                <a:r>
-                  <a:rPr lang="en-US" dirty="0" smtClean="0"/>
-                  <a:t> on the all shortest paths in a network</a:t>
-                </a:r>
-                <a:endParaRPr lang="ru-RU" dirty="0"/>
-              </a:p>
-            </p:txBody>
-          </p:sp>
-        </mc:Choice>
-        <mc:Fallback xmlns="">
-          <p:sp>
-            <p:nvSpPr>
-              <p:cNvPr id="3" name="TextBox 2"/>
-              <p:cNvSpPr txBox="1">
-                <a:spLocks noRot="1" noChangeAspect="1" noMove="1" noResize="1" noEditPoints="1" noAdjustHandles="1" noChangeArrowheads="1" noChangeShapeType="1" noTextEdit="1"/>
-              </p:cNvSpPr>
-              <p:nvPr/>
-            </p:nvSpPr>
-            <p:spPr>
-              <a:xfrm>
-                <a:off x="457200" y="4554415"/>
-                <a:ext cx="7925888" cy="369332"/>
-              </a:xfrm>
-              <a:prstGeom prst="rect">
-                <a:avLst/>
-              </a:prstGeom>
-              <a:blipFill>
-                <a:blip r:embed="rId3"/>
-                <a:stretch>
-                  <a:fillRect t="-8197" b="-24590"/>
-                </a:stretch>
-              </a:blipFill>
-            </p:spPr>
-            <p:txBody>
-              <a:bodyPr/>
-              <a:lstStyle/>
-              <a:p>
-                <a:r>
-                  <a:rPr lang="ru-RU">
-                    <a:noFill/>
-                  </a:rPr>
-                  <a:t> </a:t>
-                </a:r>
-              </a:p>
-            </p:txBody>
-          </p:sp>
-        </mc:Fallback>
-      </mc:AlternateContent>
-      <p:sp>
-        <p:nvSpPr>
-          <p:cNvPr id="5" name="Content Placeholder 2"/>
-          <p:cNvSpPr txBox="1">
-            <a:spLocks/>
-          </p:cNvSpPr>
-          <p:nvPr/>
-        </p:nvSpPr>
-        <p:spPr>
-          <a:xfrm>
-            <a:off x="4420144" y="1127021"/>
-            <a:ext cx="4135277" cy="2057613"/>
-          </a:xfrm>
-          <a:prstGeom prst="rect">
-            <a:avLst/>
-          </a:prstGeom>
-        </p:spPr>
-        <p:txBody>
-          <a:bodyPr vert="horz" lIns="91440" tIns="45720" rIns="91440" bIns="45720" rtlCol="0">
-            <a:normAutofit/>
-          </a:bodyPr>
-          <a:lstStyle>
-            <a:lvl1pPr marL="342900" indent="-342900" algn="l" defTabSz="457200" rtl="0" eaLnBrk="1" latinLnBrk="0" hangingPunct="1">
-              <a:spcBef>
-                <a:spcPct val="20000"/>
-              </a:spcBef>
-              <a:buSzPct val="100000"/>
-              <a:buFontTx/>
-              <a:buBlip>
-                <a:blip r:embed="rId4"/>
-              </a:buBlip>
-              <a:defRPr sz="2400" kern="1200">
-                <a:solidFill>
-                  <a:schemeClr val="tx1"/>
-                </a:solidFill>
-                <a:latin typeface="+mn-lt"/>
-                <a:ea typeface="+mn-ea"/>
-                <a:cs typeface="+mn-cs"/>
-              </a:defRPr>
-            </a:lvl1pPr>
-            <a:lvl2pPr marL="742950" indent="-285750" algn="l" defTabSz="457200" rtl="0" eaLnBrk="1" latinLnBrk="0" hangingPunct="1">
-              <a:spcBef>
-                <a:spcPct val="20000"/>
-              </a:spcBef>
-              <a:buFont typeface="Arial"/>
-              <a:buChar char="•"/>
-              <a:defRPr sz="2400" kern="1200">
-                <a:solidFill>
-                  <a:schemeClr val="tx1"/>
-                </a:solidFill>
-                <a:latin typeface="+mn-lt"/>
-                <a:ea typeface="+mn-ea"/>
-                <a:cs typeface="+mn-cs"/>
-              </a:defRPr>
-            </a:lvl2pPr>
-            <a:lvl3pPr marL="1143000" indent="-228600" algn="l" defTabSz="457200" rtl="0" eaLnBrk="1" latinLnBrk="0" hangingPunct="1">
-              <a:spcBef>
-                <a:spcPct val="20000"/>
-              </a:spcBef>
-              <a:buFont typeface="Arial"/>
-              <a:buChar char="•"/>
-              <a:defRPr sz="2000" kern="1200">
-                <a:solidFill>
-                  <a:schemeClr val="tx1"/>
-                </a:solidFill>
-                <a:latin typeface="+mn-lt"/>
-                <a:ea typeface="+mn-ea"/>
-                <a:cs typeface="+mn-cs"/>
-              </a:defRPr>
-            </a:lvl3pPr>
-            <a:lvl4pPr marL="1600200" indent="-228600" algn="l" defTabSz="457200" rtl="0" eaLnBrk="1" latinLnBrk="0" hangingPunct="1">
-              <a:spcBef>
-                <a:spcPct val="20000"/>
-              </a:spcBef>
-              <a:buFont typeface="Arial"/>
-              <a:buChar char="•"/>
-              <a:defRPr sz="1800" kern="1200">
-                <a:solidFill>
-                  <a:schemeClr val="tx1"/>
-                </a:solidFill>
-                <a:latin typeface="+mn-lt"/>
-                <a:ea typeface="+mn-ea"/>
-                <a:cs typeface="+mn-cs"/>
-              </a:defRPr>
-            </a:lvl4pPr>
-            <a:lvl5pPr marL="2057400" indent="-228600" algn="l" defTabSz="457200" rtl="0" eaLnBrk="1" latinLnBrk="0" hangingPunct="1">
-              <a:spcBef>
-                <a:spcPct val="20000"/>
-              </a:spcBef>
-              <a:buFont typeface="Arial"/>
-              <a:buChar char="•"/>
-              <a:defRPr sz="1800" kern="1200">
-                <a:solidFill>
-                  <a:schemeClr val="tx1"/>
-                </a:solidFill>
-                <a:latin typeface="+mn-lt"/>
-                <a:ea typeface="+mn-ea"/>
-                <a:cs typeface="+mn-cs"/>
-              </a:defRPr>
-            </a:lvl5pPr>
-            <a:lvl6pPr marL="2514600" indent="-228600" algn="l" defTabSz="457200" rtl="0" eaLnBrk="1" latinLnBrk="0" hangingPunct="1">
-              <a:spcBef>
-                <a:spcPct val="20000"/>
-              </a:spcBef>
-              <a:buFont typeface="Arial"/>
-              <a:buChar char="•"/>
-              <a:defRPr sz="1800" kern="1200">
-                <a:solidFill>
-                  <a:schemeClr val="tx1"/>
-                </a:solidFill>
-                <a:latin typeface="+mn-lt"/>
-                <a:ea typeface="+mn-ea"/>
-                <a:cs typeface="+mn-cs"/>
-              </a:defRPr>
-            </a:lvl6pPr>
-            <a:lvl7pPr marL="2971800" indent="-228600" algn="l" defTabSz="457200" rtl="0" eaLnBrk="1" latinLnBrk="0" hangingPunct="1">
-              <a:spcBef>
-                <a:spcPct val="20000"/>
-              </a:spcBef>
-              <a:buFont typeface="Arial"/>
-              <a:buChar char="•"/>
-              <a:defRPr sz="1800" kern="1200">
-                <a:solidFill>
-                  <a:schemeClr val="tx1"/>
-                </a:solidFill>
-                <a:latin typeface="+mn-lt"/>
-                <a:ea typeface="+mn-ea"/>
-                <a:cs typeface="+mn-cs"/>
-              </a:defRPr>
-            </a:lvl7pPr>
-            <a:lvl8pPr marL="3429000" indent="-228600" algn="l" defTabSz="457200" rtl="0" eaLnBrk="1" latinLnBrk="0" hangingPunct="1">
-              <a:spcBef>
-                <a:spcPct val="20000"/>
-              </a:spcBef>
-              <a:buFont typeface="Arial"/>
-              <a:buChar char="•"/>
-              <a:defRPr sz="1800" kern="1200">
-                <a:solidFill>
-                  <a:schemeClr val="tx1"/>
-                </a:solidFill>
-                <a:latin typeface="+mn-lt"/>
-                <a:ea typeface="+mn-ea"/>
-                <a:cs typeface="+mn-cs"/>
-              </a:defRPr>
-            </a:lvl8pPr>
-            <a:lvl9pPr marL="3886200" indent="-228600" algn="l" defTabSz="457200" rtl="0" eaLnBrk="1" latinLnBrk="0" hangingPunct="1">
-              <a:spcBef>
-                <a:spcPct val="20000"/>
-              </a:spcBef>
-              <a:buFont typeface="Arial"/>
-              <a:buChar char="•"/>
-              <a:defRPr sz="1800" kern="1200">
-                <a:solidFill>
-                  <a:schemeClr val="tx1"/>
-                </a:solidFill>
-                <a:latin typeface="+mn-lt"/>
-                <a:ea typeface="+mn-ea"/>
-                <a:cs typeface="+mn-cs"/>
-              </a:defRPr>
-            </a:lvl9pPr>
-          </a:lstStyle>
-          <a:p>
-            <a:pPr marL="0" indent="0" algn="just">
-              <a:buFontTx/>
-              <a:buNone/>
-            </a:pPr>
-            <a:r>
-              <a:rPr lang="en-US" dirty="0" smtClean="0"/>
-              <a:t>What does </a:t>
-            </a:r>
-            <a:r>
-              <a:rPr lang="en-US" dirty="0" err="1" smtClean="0"/>
-              <a:t>Gephi</a:t>
-            </a:r>
-            <a:r>
-              <a:rPr lang="en-US" dirty="0" smtClean="0"/>
-              <a:t> tries to say?</a:t>
-            </a:r>
-            <a:endParaRPr lang="ru-RU" dirty="0"/>
-          </a:p>
-        </p:txBody>
-      </p:sp>
-    </p:spTree>
-    <p:extLst>
-      <p:ext uri="{BB962C8B-B14F-4D97-AF65-F5344CB8AC3E}">
-        <p14:creationId xmlns:p14="http://schemas.microsoft.com/office/powerpoint/2010/main" val="3123058431"/>
-      </p:ext>
-    </p:extLst>
-  </p:cSld>
-  <p:clrMapOvr>
-    <a:masterClrMapping/>
-  </p:clrMapOvr>
-</p:sld>
-</file>
-
-<file path=ppt/slides/slide8.xml><?xml version="1.0" encoding="utf-8"?>
-<p:sld xmlns:a="http://schemas.openxmlformats.org/drawingml/2006/main" xmlns:r="http://schemas.openxmlformats.org/officeDocument/2006/relationships" xmlns:p="http://schemas.openxmlformats.org/presentationml/2006/main">
-  <p:cSld>
-    <p:bg>
-      <p:bgPr>
-        <a:solidFill>
-          <a:schemeClr val="bg1"/>
-        </a:solidFill>
-        <a:effectLst/>
-      </p:bgPr>
-    </p:bg>
-    <p:spTree>
-      <p:nvGrpSpPr>
-        <p:cNvPr id="1" name=""/>
-        <p:cNvGrpSpPr/>
-        <p:nvPr/>
-      </p:nvGrpSpPr>
-      <p:grpSpPr>
-        <a:xfrm>
-          <a:off x="0" y="0"/>
-          <a:ext cx="0" cy="0"/>
-          <a:chOff x="0" y="0"/>
-          <a:chExt cx="0" cy="0"/>
-        </a:xfrm>
-      </p:grpSpPr>
-      <p:sp>
-        <p:nvSpPr>
-          <p:cNvPr id="2" name="Title 1"/>
-          <p:cNvSpPr>
-            <a:spLocks noGrp="1"/>
-          </p:cNvSpPr>
-          <p:nvPr>
-            <p:ph type="title"/>
-          </p:nvPr>
-        </p:nvSpPr>
-        <p:spPr>
-          <a:xfrm>
-            <a:off x="457200" y="128595"/>
-            <a:ext cx="6273934" cy="620483"/>
-          </a:xfrm>
-        </p:spPr>
-        <p:txBody>
-          <a:bodyPr/>
-          <a:lstStyle/>
-          <a:p>
-            <a:r>
-              <a:rPr lang="en-US" dirty="0" err="1" smtClean="0"/>
-              <a:t>Assortativity</a:t>
-            </a:r>
-            <a:endParaRPr lang="ru-RU" dirty="0"/>
-          </a:p>
-        </p:txBody>
-      </p:sp>
-      <p:sp>
-        <p:nvSpPr>
-          <p:cNvPr id="3" name="Content Placeholder 2"/>
-          <p:cNvSpPr>
-            <a:spLocks noGrp="1"/>
-          </p:cNvSpPr>
-          <p:nvPr>
-            <p:ph sz="half" idx="1"/>
-          </p:nvPr>
-        </p:nvSpPr>
-        <p:spPr>
-          <a:xfrm>
-            <a:off x="342900" y="990387"/>
-            <a:ext cx="4507037" cy="1486113"/>
-          </a:xfrm>
-        </p:spPr>
-        <p:txBody>
-          <a:bodyPr>
-            <a:normAutofit/>
-          </a:bodyPr>
-          <a:lstStyle/>
-          <a:p>
-            <a:pPr marL="0" indent="0" algn="just">
-              <a:buNone/>
-            </a:pPr>
-            <a:r>
-              <a:rPr lang="en-US" dirty="0"/>
-              <a:t>The average degree connectivity is the average nearest neighbor degree of nodes with degree k. </a:t>
-            </a:r>
-            <a:endParaRPr lang="ru-RU" dirty="0"/>
-          </a:p>
-        </p:txBody>
-      </p:sp>
-      <p:pic>
-        <p:nvPicPr>
-          <p:cNvPr id="4" name="Picture 3"/>
-          <p:cNvPicPr>
-            <a:picLocks noChangeAspect="1"/>
-          </p:cNvPicPr>
-          <p:nvPr/>
-        </p:nvPicPr>
-        <p:blipFill>
-          <a:blip r:embed="rId2">
-            <a:extLst>
-              <a:ext uri="{28A0092B-C50C-407E-A947-70E740481C1C}">
-                <a14:useLocalDpi xmlns:a14="http://schemas.microsoft.com/office/drawing/2010/main" val="0"/>
-              </a:ext>
-            </a:extLst>
-          </a:blip>
-          <a:stretch>
-            <a:fillRect/>
-          </a:stretch>
-        </p:blipFill>
-        <p:spPr>
-          <a:xfrm>
-            <a:off x="4849937" y="749078"/>
-            <a:ext cx="4116263" cy="3087197"/>
-          </a:xfrm>
-          <a:prstGeom prst="rect">
-            <a:avLst/>
-          </a:prstGeom>
-        </p:spPr>
-      </p:pic>
-      <p:sp>
-        <p:nvSpPr>
-          <p:cNvPr id="5" name="Content Placeholder 2"/>
-          <p:cNvSpPr txBox="1">
-            <a:spLocks/>
-          </p:cNvSpPr>
-          <p:nvPr/>
-        </p:nvSpPr>
-        <p:spPr>
-          <a:xfrm>
-            <a:off x="457200" y="4204574"/>
-            <a:ext cx="8509000" cy="758347"/>
-          </a:xfrm>
-          <a:prstGeom prst="rect">
-            <a:avLst/>
-          </a:prstGeom>
-        </p:spPr>
-        <p:txBody>
-          <a:bodyPr vert="horz" lIns="91440" tIns="45720" rIns="91440" bIns="45720" rtlCol="0">
-            <a:normAutofit/>
-          </a:bodyPr>
-          <a:lstStyle>
-            <a:lvl1pPr marL="342900" indent="-342900" algn="l" defTabSz="457200" rtl="0" eaLnBrk="1" latinLnBrk="0" hangingPunct="1">
-              <a:spcBef>
-                <a:spcPct val="20000"/>
-              </a:spcBef>
-              <a:buSzPct val="100000"/>
-              <a:buFontTx/>
-              <a:buBlip>
-                <a:blip r:embed="rId3"/>
-              </a:buBlip>
-              <a:defRPr sz="2400" kern="1200">
-                <a:solidFill>
-                  <a:schemeClr val="tx1"/>
-                </a:solidFill>
-                <a:latin typeface="+mn-lt"/>
-                <a:ea typeface="+mn-ea"/>
-                <a:cs typeface="+mn-cs"/>
-              </a:defRPr>
-            </a:lvl1pPr>
-            <a:lvl2pPr marL="742950" indent="-285750" algn="l" defTabSz="457200" rtl="0" eaLnBrk="1" latinLnBrk="0" hangingPunct="1">
-              <a:spcBef>
-                <a:spcPct val="20000"/>
-              </a:spcBef>
-              <a:buFont typeface="Arial"/>
-              <a:buChar char="•"/>
-              <a:defRPr sz="2400" kern="1200">
-                <a:solidFill>
-                  <a:schemeClr val="tx1"/>
-                </a:solidFill>
-                <a:latin typeface="+mn-lt"/>
-                <a:ea typeface="+mn-ea"/>
-                <a:cs typeface="+mn-cs"/>
-              </a:defRPr>
-            </a:lvl2pPr>
-            <a:lvl3pPr marL="1143000" indent="-228600" algn="l" defTabSz="457200" rtl="0" eaLnBrk="1" latinLnBrk="0" hangingPunct="1">
-              <a:spcBef>
-                <a:spcPct val="20000"/>
-              </a:spcBef>
-              <a:buFont typeface="Arial"/>
-              <a:buChar char="•"/>
-              <a:defRPr sz="2000" kern="1200">
-                <a:solidFill>
-                  <a:schemeClr val="tx1"/>
-                </a:solidFill>
-                <a:latin typeface="+mn-lt"/>
-                <a:ea typeface="+mn-ea"/>
-                <a:cs typeface="+mn-cs"/>
-              </a:defRPr>
-            </a:lvl3pPr>
-            <a:lvl4pPr marL="1600200" indent="-228600" algn="l" defTabSz="457200" rtl="0" eaLnBrk="1" latinLnBrk="0" hangingPunct="1">
-              <a:spcBef>
-                <a:spcPct val="20000"/>
-              </a:spcBef>
-              <a:buFont typeface="Arial"/>
-              <a:buChar char="•"/>
-              <a:defRPr sz="1800" kern="1200">
-                <a:solidFill>
-                  <a:schemeClr val="tx1"/>
-                </a:solidFill>
-                <a:latin typeface="+mn-lt"/>
-                <a:ea typeface="+mn-ea"/>
-                <a:cs typeface="+mn-cs"/>
-              </a:defRPr>
-            </a:lvl4pPr>
-            <a:lvl5pPr marL="2057400" indent="-228600" algn="l" defTabSz="457200" rtl="0" eaLnBrk="1" latinLnBrk="0" hangingPunct="1">
-              <a:spcBef>
-                <a:spcPct val="20000"/>
-              </a:spcBef>
-              <a:buFont typeface="Arial"/>
-              <a:buChar char="•"/>
-              <a:defRPr sz="1800" kern="1200">
-                <a:solidFill>
-                  <a:schemeClr val="tx1"/>
-                </a:solidFill>
-                <a:latin typeface="+mn-lt"/>
-                <a:ea typeface="+mn-ea"/>
-                <a:cs typeface="+mn-cs"/>
-              </a:defRPr>
-            </a:lvl5pPr>
-            <a:lvl6pPr marL="2514600" indent="-228600" algn="l" defTabSz="457200" rtl="0" eaLnBrk="1" latinLnBrk="0" hangingPunct="1">
-              <a:spcBef>
-                <a:spcPct val="20000"/>
-              </a:spcBef>
-              <a:buFont typeface="Arial"/>
-              <a:buChar char="•"/>
-              <a:defRPr sz="1800" kern="1200">
-                <a:solidFill>
-                  <a:schemeClr val="tx1"/>
-                </a:solidFill>
-                <a:latin typeface="+mn-lt"/>
-                <a:ea typeface="+mn-ea"/>
-                <a:cs typeface="+mn-cs"/>
-              </a:defRPr>
-            </a:lvl6pPr>
-            <a:lvl7pPr marL="2971800" indent="-228600" algn="l" defTabSz="457200" rtl="0" eaLnBrk="1" latinLnBrk="0" hangingPunct="1">
-              <a:spcBef>
-                <a:spcPct val="20000"/>
-              </a:spcBef>
-              <a:buFont typeface="Arial"/>
-              <a:buChar char="•"/>
-              <a:defRPr sz="1800" kern="1200">
-                <a:solidFill>
-                  <a:schemeClr val="tx1"/>
-                </a:solidFill>
-                <a:latin typeface="+mn-lt"/>
-                <a:ea typeface="+mn-ea"/>
-                <a:cs typeface="+mn-cs"/>
-              </a:defRPr>
-            </a:lvl7pPr>
-            <a:lvl8pPr marL="3429000" indent="-228600" algn="l" defTabSz="457200" rtl="0" eaLnBrk="1" latinLnBrk="0" hangingPunct="1">
-              <a:spcBef>
-                <a:spcPct val="20000"/>
-              </a:spcBef>
-              <a:buFont typeface="Arial"/>
-              <a:buChar char="•"/>
-              <a:defRPr sz="1800" kern="1200">
-                <a:solidFill>
-                  <a:schemeClr val="tx1"/>
-                </a:solidFill>
-                <a:latin typeface="+mn-lt"/>
-                <a:ea typeface="+mn-ea"/>
-                <a:cs typeface="+mn-cs"/>
-              </a:defRPr>
-            </a:lvl8pPr>
-            <a:lvl9pPr marL="3886200" indent="-228600" algn="l" defTabSz="457200" rtl="0" eaLnBrk="1" latinLnBrk="0" hangingPunct="1">
-              <a:spcBef>
-                <a:spcPct val="20000"/>
-              </a:spcBef>
-              <a:buFont typeface="Arial"/>
-              <a:buChar char="•"/>
-              <a:defRPr sz="1800" kern="1200">
-                <a:solidFill>
-                  <a:schemeClr val="tx1"/>
-                </a:solidFill>
-                <a:latin typeface="+mn-lt"/>
-                <a:ea typeface="+mn-ea"/>
-                <a:cs typeface="+mn-cs"/>
-              </a:defRPr>
-            </a:lvl9pPr>
-          </a:lstStyle>
-          <a:p>
-            <a:pPr marL="0" indent="0" algn="just">
-              <a:buNone/>
-            </a:pPr>
-            <a:r>
-              <a:rPr lang="en-US" dirty="0" smtClean="0"/>
-              <a:t>Degree Pearson correlation coefficient: </a:t>
-            </a:r>
-            <a:r>
-              <a:rPr lang="en-US" dirty="0"/>
-              <a:t>-0.002628226403824088</a:t>
-            </a:r>
-            <a:endParaRPr lang="ru-RU" dirty="0"/>
-          </a:p>
-        </p:txBody>
-      </p:sp>
-      <p:sp>
-        <p:nvSpPr>
-          <p:cNvPr id="7" name="Content Placeholder 2"/>
-          <p:cNvSpPr txBox="1">
-            <a:spLocks/>
-          </p:cNvSpPr>
-          <p:nvPr/>
-        </p:nvSpPr>
-        <p:spPr>
-          <a:xfrm>
-            <a:off x="342900" y="2688323"/>
-            <a:ext cx="4507037" cy="1147952"/>
-          </a:xfrm>
-          <a:prstGeom prst="rect">
-            <a:avLst/>
-          </a:prstGeom>
-        </p:spPr>
-        <p:txBody>
-          <a:bodyPr vert="horz" lIns="91440" tIns="45720" rIns="91440" bIns="45720" rtlCol="0">
-            <a:normAutofit/>
-          </a:bodyPr>
-          <a:lstStyle>
-            <a:lvl1pPr marL="342900" indent="-342900" algn="l" defTabSz="457200" rtl="0" eaLnBrk="1" latinLnBrk="0" hangingPunct="1">
-              <a:spcBef>
-                <a:spcPct val="20000"/>
-              </a:spcBef>
-              <a:buSzPct val="100000"/>
-              <a:buFontTx/>
-              <a:buBlip>
-                <a:blip r:embed="rId3"/>
-              </a:buBlip>
-              <a:defRPr sz="2400" kern="1200">
-                <a:solidFill>
-                  <a:schemeClr val="tx1"/>
-                </a:solidFill>
-                <a:latin typeface="+mn-lt"/>
-                <a:ea typeface="+mn-ea"/>
-                <a:cs typeface="+mn-cs"/>
-              </a:defRPr>
-            </a:lvl1pPr>
-            <a:lvl2pPr marL="742950" indent="-285750" algn="l" defTabSz="457200" rtl="0" eaLnBrk="1" latinLnBrk="0" hangingPunct="1">
-              <a:spcBef>
-                <a:spcPct val="20000"/>
-              </a:spcBef>
-              <a:buFont typeface="Arial"/>
-              <a:buChar char="•"/>
-              <a:defRPr sz="2400" kern="1200">
-                <a:solidFill>
-                  <a:schemeClr val="tx1"/>
-                </a:solidFill>
-                <a:latin typeface="+mn-lt"/>
-                <a:ea typeface="+mn-ea"/>
-                <a:cs typeface="+mn-cs"/>
-              </a:defRPr>
-            </a:lvl2pPr>
-            <a:lvl3pPr marL="1143000" indent="-228600" algn="l" defTabSz="457200" rtl="0" eaLnBrk="1" latinLnBrk="0" hangingPunct="1">
-              <a:spcBef>
-                <a:spcPct val="20000"/>
-              </a:spcBef>
-              <a:buFont typeface="Arial"/>
-              <a:buChar char="•"/>
-              <a:defRPr sz="2000" kern="1200">
-                <a:solidFill>
-                  <a:schemeClr val="tx1"/>
-                </a:solidFill>
-                <a:latin typeface="+mn-lt"/>
-                <a:ea typeface="+mn-ea"/>
-                <a:cs typeface="+mn-cs"/>
-              </a:defRPr>
-            </a:lvl3pPr>
-            <a:lvl4pPr marL="1600200" indent="-228600" algn="l" defTabSz="457200" rtl="0" eaLnBrk="1" latinLnBrk="0" hangingPunct="1">
-              <a:spcBef>
-                <a:spcPct val="20000"/>
-              </a:spcBef>
-              <a:buFont typeface="Arial"/>
-              <a:buChar char="•"/>
-              <a:defRPr sz="1800" kern="1200">
-                <a:solidFill>
-                  <a:schemeClr val="tx1"/>
-                </a:solidFill>
-                <a:latin typeface="+mn-lt"/>
-                <a:ea typeface="+mn-ea"/>
-                <a:cs typeface="+mn-cs"/>
-              </a:defRPr>
-            </a:lvl4pPr>
-            <a:lvl5pPr marL="2057400" indent="-228600" algn="l" defTabSz="457200" rtl="0" eaLnBrk="1" latinLnBrk="0" hangingPunct="1">
-              <a:spcBef>
-                <a:spcPct val="20000"/>
-              </a:spcBef>
-              <a:buFont typeface="Arial"/>
-              <a:buChar char="•"/>
-              <a:defRPr sz="1800" kern="1200">
-                <a:solidFill>
-                  <a:schemeClr val="tx1"/>
-                </a:solidFill>
-                <a:latin typeface="+mn-lt"/>
-                <a:ea typeface="+mn-ea"/>
-                <a:cs typeface="+mn-cs"/>
-              </a:defRPr>
-            </a:lvl5pPr>
-            <a:lvl6pPr marL="2514600" indent="-228600" algn="l" defTabSz="457200" rtl="0" eaLnBrk="1" latinLnBrk="0" hangingPunct="1">
-              <a:spcBef>
-                <a:spcPct val="20000"/>
-              </a:spcBef>
-              <a:buFont typeface="Arial"/>
-              <a:buChar char="•"/>
-              <a:defRPr sz="1800" kern="1200">
-                <a:solidFill>
-                  <a:schemeClr val="tx1"/>
-                </a:solidFill>
-                <a:latin typeface="+mn-lt"/>
-                <a:ea typeface="+mn-ea"/>
-                <a:cs typeface="+mn-cs"/>
-              </a:defRPr>
-            </a:lvl6pPr>
-            <a:lvl7pPr marL="2971800" indent="-228600" algn="l" defTabSz="457200" rtl="0" eaLnBrk="1" latinLnBrk="0" hangingPunct="1">
-              <a:spcBef>
-                <a:spcPct val="20000"/>
-              </a:spcBef>
-              <a:buFont typeface="Arial"/>
-              <a:buChar char="•"/>
-              <a:defRPr sz="1800" kern="1200">
-                <a:solidFill>
-                  <a:schemeClr val="tx1"/>
-                </a:solidFill>
-                <a:latin typeface="+mn-lt"/>
-                <a:ea typeface="+mn-ea"/>
-                <a:cs typeface="+mn-cs"/>
-              </a:defRPr>
-            </a:lvl7pPr>
-            <a:lvl8pPr marL="3429000" indent="-228600" algn="l" defTabSz="457200" rtl="0" eaLnBrk="1" latinLnBrk="0" hangingPunct="1">
-              <a:spcBef>
-                <a:spcPct val="20000"/>
-              </a:spcBef>
-              <a:buFont typeface="Arial"/>
-              <a:buChar char="•"/>
-              <a:defRPr sz="1800" kern="1200">
-                <a:solidFill>
-                  <a:schemeClr val="tx1"/>
-                </a:solidFill>
-                <a:latin typeface="+mn-lt"/>
-                <a:ea typeface="+mn-ea"/>
-                <a:cs typeface="+mn-cs"/>
-              </a:defRPr>
-            </a:lvl8pPr>
-            <a:lvl9pPr marL="3886200" indent="-228600" algn="l" defTabSz="457200" rtl="0" eaLnBrk="1" latinLnBrk="0" hangingPunct="1">
-              <a:spcBef>
-                <a:spcPct val="20000"/>
-              </a:spcBef>
-              <a:buFont typeface="Arial"/>
-              <a:buChar char="•"/>
-              <a:defRPr sz="1800" kern="1200">
-                <a:solidFill>
-                  <a:schemeClr val="tx1"/>
-                </a:solidFill>
-                <a:latin typeface="+mn-lt"/>
-                <a:ea typeface="+mn-ea"/>
-                <a:cs typeface="+mn-cs"/>
-              </a:defRPr>
-            </a:lvl9pPr>
-          </a:lstStyle>
-          <a:p>
-            <a:pPr marL="0" indent="0" algn="just">
-              <a:buNone/>
-            </a:pPr>
-            <a:r>
-              <a:rPr lang="en-US" dirty="0" smtClean="0"/>
-              <a:t>This network is </a:t>
-            </a:r>
-            <a:r>
-              <a:rPr lang="en-US" dirty="0" err="1" smtClean="0"/>
-              <a:t>disassortative</a:t>
-            </a:r>
-            <a:endParaRPr lang="en-US" dirty="0" smtClean="0"/>
-          </a:p>
-        </p:txBody>
-      </p:sp>
-    </p:spTree>
-    <p:extLst>
-      <p:ext uri="{BB962C8B-B14F-4D97-AF65-F5344CB8AC3E}">
-        <p14:creationId xmlns:p14="http://schemas.microsoft.com/office/powerpoint/2010/main" val="2827962398"/>
-      </p:ext>
-    </p:extLst>
-  </p:cSld>
-  <p:clrMapOvr>
-    <a:masterClrMapping/>
-  </p:clrMapOvr>
-  <p:timing>
-    <p:tnLst>
-      <p:par>
-        <p:cTn id="1" dur="indefinite" restart="never" nodeType="tmRoot"/>
-      </p:par>
-    </p:tnLst>
-  </p:timing>
-</p:sld>
-</file>
-
-<file path=ppt/slides/slide9.xml><?xml version="1.0" encoding="utf-8"?>
 <p:sld xmlns:a="http://schemas.openxmlformats.org/drawingml/2006/main" xmlns:r="http://schemas.openxmlformats.org/officeDocument/2006/relationships" xmlns:p="http://schemas.openxmlformats.org/presentationml/2006/main">
   <p:cSld>
     <p:bg>
@@ -8730,6 +6437,2611 @@
     <p:extLst>
       <p:ext uri="{BB962C8B-B14F-4D97-AF65-F5344CB8AC3E}">
         <p14:creationId xmlns:p14="http://schemas.microsoft.com/office/powerpoint/2010/main" val="3400051497"/>
+      </p:ext>
+    </p:extLst>
+  </p:cSld>
+  <p:clrMapOvr>
+    <a:masterClrMapping/>
+  </p:clrMapOvr>
+  <p:timing>
+    <p:tnLst>
+      <p:par>
+        <p:cTn id="1" dur="indefinite" restart="never" nodeType="tmRoot"/>
+      </p:par>
+    </p:tnLst>
+  </p:timing>
+</p:sld>
+</file>
+
+<file path=ppt/slides/slide11.xml><?xml version="1.0" encoding="utf-8"?>
+<p:sld xmlns:a="http://schemas.openxmlformats.org/drawingml/2006/main" xmlns:r="http://schemas.openxmlformats.org/officeDocument/2006/relationships" xmlns:p="http://schemas.openxmlformats.org/presentationml/2006/main" show="0">
+  <p:cSld>
+    <p:bg>
+      <p:bgPr>
+        <a:solidFill>
+          <a:schemeClr val="bg1"/>
+        </a:solidFill>
+        <a:effectLst/>
+      </p:bgPr>
+    </p:bg>
+    <p:spTree>
+      <p:nvGrpSpPr>
+        <p:cNvPr id="1" name=""/>
+        <p:cNvGrpSpPr/>
+        <p:nvPr/>
+      </p:nvGrpSpPr>
+      <p:grpSpPr>
+        <a:xfrm>
+          <a:off x="0" y="0"/>
+          <a:ext cx="0" cy="0"/>
+          <a:chOff x="0" y="0"/>
+          <a:chExt cx="0" cy="0"/>
+        </a:xfrm>
+      </p:grpSpPr>
+      <p:sp>
+        <p:nvSpPr>
+          <p:cNvPr id="2" name="Title 1"/>
+          <p:cNvSpPr>
+            <a:spLocks noGrp="1"/>
+          </p:cNvSpPr>
+          <p:nvPr>
+            <p:ph type="title"/>
+          </p:nvPr>
+        </p:nvSpPr>
+        <p:spPr>
+          <a:xfrm>
+            <a:off x="457200" y="238634"/>
+            <a:ext cx="8229600" cy="620483"/>
+          </a:xfrm>
+        </p:spPr>
+        <p:txBody>
+          <a:bodyPr/>
+          <a:lstStyle/>
+          <a:p>
+            <a:r>
+              <a:rPr lang="en-US" dirty="0" smtClean="0"/>
+              <a:t>Other Metrics</a:t>
+            </a:r>
+            <a:endParaRPr lang="ru-RU" dirty="0"/>
+          </a:p>
+        </p:txBody>
+      </p:sp>
+      <p:pic>
+        <p:nvPicPr>
+          <p:cNvPr id="6" name="Picture 5"/>
+          <p:cNvPicPr>
+            <a:picLocks noChangeAspect="1"/>
+          </p:cNvPicPr>
+          <p:nvPr/>
+        </p:nvPicPr>
+        <p:blipFill>
+          <a:blip r:embed="rId2"/>
+          <a:stretch>
+            <a:fillRect/>
+          </a:stretch>
+        </p:blipFill>
+        <p:spPr>
+          <a:xfrm>
+            <a:off x="722312" y="2395537"/>
+            <a:ext cx="2466975" cy="352425"/>
+          </a:xfrm>
+          <a:prstGeom prst="rect">
+            <a:avLst/>
+          </a:prstGeom>
+        </p:spPr>
+      </p:pic>
+      <p:sp>
+        <p:nvSpPr>
+          <p:cNvPr id="7" name="Content Placeholder 6"/>
+          <p:cNvSpPr>
+            <a:spLocks noGrp="1"/>
+          </p:cNvSpPr>
+          <p:nvPr>
+            <p:ph sz="half" idx="1"/>
+          </p:nvPr>
+        </p:nvSpPr>
+        <p:spPr/>
+        <p:txBody>
+          <a:bodyPr/>
+          <a:lstStyle/>
+          <a:p>
+            <a:endParaRPr lang="ru-RU"/>
+          </a:p>
+        </p:txBody>
+      </p:sp>
+    </p:spTree>
+    <p:extLst>
+      <p:ext uri="{BB962C8B-B14F-4D97-AF65-F5344CB8AC3E}">
+        <p14:creationId xmlns:p14="http://schemas.microsoft.com/office/powerpoint/2010/main" val="4028347123"/>
+      </p:ext>
+    </p:extLst>
+  </p:cSld>
+  <p:clrMapOvr>
+    <a:masterClrMapping/>
+  </p:clrMapOvr>
+  <mc:AlternateContent xmlns:mc="http://schemas.openxmlformats.org/markup-compatibility/2006" xmlns:p14="http://schemas.microsoft.com/office/powerpoint/2010/main">
+    <mc:Choice Requires="p14">
+      <p:transition spd="slow" p14:dur="2000"/>
+    </mc:Choice>
+    <mc:Fallback xmlns="">
+      <p:transition spd="slow"/>
+    </mc:Fallback>
+  </mc:AlternateContent>
+</p:sld>
+</file>
+
+<file path=ppt/slides/slide12.xml><?xml version="1.0" encoding="utf-8"?>
+<p:sld xmlns:a="http://schemas.openxmlformats.org/drawingml/2006/main" xmlns:r="http://schemas.openxmlformats.org/officeDocument/2006/relationships" xmlns:p="http://schemas.openxmlformats.org/presentationml/2006/main">
+  <p:cSld>
+    <p:bg>
+      <p:bgPr>
+        <a:solidFill>
+          <a:schemeClr val="bg1"/>
+        </a:solidFill>
+        <a:effectLst/>
+      </p:bgPr>
+    </p:bg>
+    <p:spTree>
+      <p:nvGrpSpPr>
+        <p:cNvPr id="1" name=""/>
+        <p:cNvGrpSpPr/>
+        <p:nvPr/>
+      </p:nvGrpSpPr>
+      <p:grpSpPr>
+        <a:xfrm>
+          <a:off x="0" y="0"/>
+          <a:ext cx="0" cy="0"/>
+          <a:chOff x="0" y="0"/>
+          <a:chExt cx="0" cy="0"/>
+        </a:xfrm>
+      </p:grpSpPr>
+      <p:sp>
+        <p:nvSpPr>
+          <p:cNvPr id="2" name="Title 1"/>
+          <p:cNvSpPr>
+            <a:spLocks noGrp="1"/>
+          </p:cNvSpPr>
+          <p:nvPr>
+            <p:ph type="title"/>
+          </p:nvPr>
+        </p:nvSpPr>
+        <p:spPr>
+          <a:xfrm>
+            <a:off x="457200" y="383381"/>
+            <a:ext cx="6273934" cy="620483"/>
+          </a:xfrm>
+        </p:spPr>
+        <p:txBody>
+          <a:bodyPr/>
+          <a:lstStyle/>
+          <a:p>
+            <a:r>
+              <a:rPr lang="en-US" dirty="0" smtClean="0"/>
+              <a:t>Models to check</a:t>
+            </a:r>
+            <a:endParaRPr lang="ru-RU" dirty="0"/>
+          </a:p>
+        </p:txBody>
+      </p:sp>
+      <p:sp>
+        <p:nvSpPr>
+          <p:cNvPr id="3" name="Content Placeholder 2"/>
+          <p:cNvSpPr>
+            <a:spLocks noGrp="1"/>
+          </p:cNvSpPr>
+          <p:nvPr>
+            <p:ph sz="half" idx="1"/>
+          </p:nvPr>
+        </p:nvSpPr>
+        <p:spPr>
+          <a:xfrm>
+            <a:off x="457200" y="1130300"/>
+            <a:ext cx="6273934" cy="3464323"/>
+          </a:xfrm>
+        </p:spPr>
+        <p:txBody>
+          <a:bodyPr/>
+          <a:lstStyle/>
+          <a:p>
+            <a:pPr marL="0" indent="0">
+              <a:buNone/>
+            </a:pPr>
+            <a:r>
+              <a:rPr lang="en-US" dirty="0" smtClean="0"/>
+              <a:t>Not exactly matches the power low</a:t>
+            </a:r>
+          </a:p>
+          <a:p>
+            <a:pPr marL="0" indent="0">
+              <a:buNone/>
+            </a:pPr>
+            <a:r>
+              <a:rPr lang="en-US" dirty="0" smtClean="0"/>
+              <a:t>- BA model</a:t>
+            </a:r>
+            <a:endParaRPr lang="ru-RU" dirty="0"/>
+          </a:p>
+        </p:txBody>
+      </p:sp>
+    </p:spTree>
+    <p:extLst>
+      <p:ext uri="{BB962C8B-B14F-4D97-AF65-F5344CB8AC3E}">
+        <p14:creationId xmlns:p14="http://schemas.microsoft.com/office/powerpoint/2010/main" val="484092184"/>
+      </p:ext>
+    </p:extLst>
+  </p:cSld>
+  <p:clrMapOvr>
+    <a:masterClrMapping/>
+  </p:clrMapOvr>
+</p:sld>
+</file>
+
+<file path=ppt/slides/slide13.xml><?xml version="1.0" encoding="utf-8"?>
+<p:sld xmlns:a="http://schemas.openxmlformats.org/drawingml/2006/main" xmlns:r="http://schemas.openxmlformats.org/officeDocument/2006/relationships" xmlns:p="http://schemas.openxmlformats.org/presentationml/2006/main">
+  <p:cSld>
+    <p:bg>
+      <p:bgPr>
+        <a:blipFill dpi="0" rotWithShape="1">
+          <a:blip r:embed="rId2">
+            <a:lum/>
+          </a:blip>
+          <a:srcRect/>
+          <a:stretch>
+            <a:fillRect/>
+          </a:stretch>
+        </a:blipFill>
+        <a:effectLst/>
+      </p:bgPr>
+    </p:bg>
+    <p:spTree>
+      <p:nvGrpSpPr>
+        <p:cNvPr id="1" name=""/>
+        <p:cNvGrpSpPr/>
+        <p:nvPr/>
+      </p:nvGrpSpPr>
+      <p:grpSpPr>
+        <a:xfrm>
+          <a:off x="0" y="0"/>
+          <a:ext cx="0" cy="0"/>
+          <a:chOff x="0" y="0"/>
+          <a:chExt cx="0" cy="0"/>
+        </a:xfrm>
+      </p:grpSpPr>
+      <p:sp>
+        <p:nvSpPr>
+          <p:cNvPr id="2" name="Title 1"/>
+          <p:cNvSpPr>
+            <a:spLocks noGrp="1"/>
+          </p:cNvSpPr>
+          <p:nvPr>
+            <p:ph type="title"/>
+          </p:nvPr>
+        </p:nvSpPr>
+        <p:spPr>
+          <a:xfrm>
+            <a:off x="457200" y="1801258"/>
+            <a:ext cx="8229600" cy="620483"/>
+          </a:xfrm>
+        </p:spPr>
+        <p:txBody>
+          <a:bodyPr/>
+          <a:lstStyle/>
+          <a:p>
+            <a:r>
+              <a:rPr lang="en-US" dirty="0" smtClean="0"/>
+              <a:t>Thank you</a:t>
+            </a:r>
+            <a:r>
+              <a:rPr lang="ru-RU" dirty="0" smtClean="0"/>
+              <a:t>!</a:t>
+            </a:r>
+            <a:endParaRPr lang="en-US" dirty="0"/>
+          </a:p>
+        </p:txBody>
+      </p:sp>
+    </p:spTree>
+    <p:extLst>
+      <p:ext uri="{BB962C8B-B14F-4D97-AF65-F5344CB8AC3E}">
+        <p14:creationId xmlns:p14="http://schemas.microsoft.com/office/powerpoint/2010/main" val="1864942597"/>
+      </p:ext>
+    </p:extLst>
+  </p:cSld>
+  <p:clrMapOvr>
+    <a:masterClrMapping/>
+  </p:clrMapOvr>
+  <p:timing>
+    <p:tnLst>
+      <p:par>
+        <p:cTn id="1" dur="indefinite" restart="never" nodeType="tmRoot"/>
+      </p:par>
+    </p:tnLst>
+  </p:timing>
+</p:sld>
+</file>
+
+<file path=ppt/slides/slide2.xml><?xml version="1.0" encoding="utf-8"?>
+<p:sld xmlns:a="http://schemas.openxmlformats.org/drawingml/2006/main" xmlns:r="http://schemas.openxmlformats.org/officeDocument/2006/relationships" xmlns:p="http://schemas.openxmlformats.org/presentationml/2006/main">
+  <p:cSld>
+    <p:bg>
+      <p:bgPr>
+        <a:solidFill>
+          <a:schemeClr val="bg1"/>
+        </a:solidFill>
+        <a:effectLst/>
+      </p:bgPr>
+    </p:bg>
+    <p:spTree>
+      <p:nvGrpSpPr>
+        <p:cNvPr id="1" name=""/>
+        <p:cNvGrpSpPr/>
+        <p:nvPr/>
+      </p:nvGrpSpPr>
+      <p:grpSpPr>
+        <a:xfrm>
+          <a:off x="0" y="0"/>
+          <a:ext cx="0" cy="0"/>
+          <a:chOff x="0" y="0"/>
+          <a:chExt cx="0" cy="0"/>
+        </a:xfrm>
+      </p:grpSpPr>
+      <p:sp>
+        <p:nvSpPr>
+          <p:cNvPr id="3" name="Content Placeholder 2"/>
+          <p:cNvSpPr>
+            <a:spLocks noGrp="1"/>
+          </p:cNvSpPr>
+          <p:nvPr>
+            <p:ph sz="half" idx="1"/>
+          </p:nvPr>
+        </p:nvSpPr>
+        <p:spPr>
+          <a:xfrm>
+            <a:off x="457197" y="2906605"/>
+            <a:ext cx="8229601" cy="1618263"/>
+          </a:xfrm>
+        </p:spPr>
+        <p:txBody>
+          <a:bodyPr>
+            <a:normAutofit/>
+          </a:bodyPr>
+          <a:lstStyle/>
+          <a:p>
+            <a:pPr marL="0" indent="0" algn="just">
+              <a:spcBef>
+                <a:spcPts val="0"/>
+              </a:spcBef>
+              <a:buNone/>
+            </a:pPr>
+            <a:r>
+              <a:rPr lang="en-US" b="1" dirty="0" smtClean="0"/>
+              <a:t>Properties:</a:t>
+            </a:r>
+          </a:p>
+          <a:p>
+            <a:pPr algn="just">
+              <a:spcBef>
+                <a:spcPts val="0"/>
+              </a:spcBef>
+              <a:buFontTx/>
+              <a:buChar char="-"/>
+            </a:pPr>
+            <a:r>
+              <a:rPr lang="en-US" dirty="0" smtClean="0"/>
+              <a:t>directed;</a:t>
+            </a:r>
+          </a:p>
+          <a:p>
+            <a:pPr algn="just">
+              <a:spcBef>
+                <a:spcPts val="0"/>
+              </a:spcBef>
+              <a:buFontTx/>
+              <a:buChar char="-"/>
+            </a:pPr>
+            <a:r>
+              <a:rPr lang="en-US" dirty="0" smtClean="0"/>
+              <a:t>34 546 vertices (publications)</a:t>
+            </a:r>
+          </a:p>
+          <a:p>
+            <a:pPr algn="just">
+              <a:spcBef>
+                <a:spcPts val="0"/>
+              </a:spcBef>
+              <a:buFontTx/>
+              <a:buChar char="-"/>
+            </a:pPr>
+            <a:r>
+              <a:rPr lang="en-US" dirty="0" smtClean="0"/>
+              <a:t>421 578 edges (citations)</a:t>
+            </a:r>
+            <a:endParaRPr lang="en-US" dirty="0"/>
+          </a:p>
+        </p:txBody>
+      </p:sp>
+      <p:sp>
+        <p:nvSpPr>
+          <p:cNvPr id="4" name="Content Placeholder 2"/>
+          <p:cNvSpPr txBox="1">
+            <a:spLocks/>
+          </p:cNvSpPr>
+          <p:nvPr/>
+        </p:nvSpPr>
+        <p:spPr>
+          <a:xfrm>
+            <a:off x="457196" y="925405"/>
+            <a:ext cx="8229601" cy="1618263"/>
+          </a:xfrm>
+          <a:prstGeom prst="rect">
+            <a:avLst/>
+          </a:prstGeom>
+        </p:spPr>
+        <p:txBody>
+          <a:bodyPr vert="horz" lIns="91440" tIns="45720" rIns="91440" bIns="45720" rtlCol="0">
+            <a:normAutofit/>
+          </a:bodyPr>
+          <a:lstStyle>
+            <a:lvl1pPr marL="342900" indent="-342900" algn="l" defTabSz="457200" rtl="0" eaLnBrk="1" latinLnBrk="0" hangingPunct="1">
+              <a:spcBef>
+                <a:spcPct val="20000"/>
+              </a:spcBef>
+              <a:buSzPct val="100000"/>
+              <a:buFontTx/>
+              <a:buBlip>
+                <a:blip r:embed="rId2"/>
+              </a:buBlip>
+              <a:defRPr sz="2400" kern="1200">
+                <a:solidFill>
+                  <a:schemeClr val="tx1"/>
+                </a:solidFill>
+                <a:latin typeface="+mn-lt"/>
+                <a:ea typeface="+mn-ea"/>
+                <a:cs typeface="+mn-cs"/>
+              </a:defRPr>
+            </a:lvl1pPr>
+            <a:lvl2pPr marL="742950" indent="-285750" algn="l" defTabSz="457200" rtl="0" eaLnBrk="1" latinLnBrk="0" hangingPunct="1">
+              <a:spcBef>
+                <a:spcPct val="20000"/>
+              </a:spcBef>
+              <a:buFont typeface="Arial"/>
+              <a:buChar char="•"/>
+              <a:defRPr sz="2400" kern="1200">
+                <a:solidFill>
+                  <a:schemeClr val="tx1"/>
+                </a:solidFill>
+                <a:latin typeface="+mn-lt"/>
+                <a:ea typeface="+mn-ea"/>
+                <a:cs typeface="+mn-cs"/>
+              </a:defRPr>
+            </a:lvl2pPr>
+            <a:lvl3pPr marL="1143000" indent="-228600" algn="l" defTabSz="457200" rtl="0" eaLnBrk="1" latinLnBrk="0" hangingPunct="1">
+              <a:spcBef>
+                <a:spcPct val="20000"/>
+              </a:spcBef>
+              <a:buFont typeface="Arial"/>
+              <a:buChar char="•"/>
+              <a:defRPr sz="2000" kern="1200">
+                <a:solidFill>
+                  <a:schemeClr val="tx1"/>
+                </a:solidFill>
+                <a:latin typeface="+mn-lt"/>
+                <a:ea typeface="+mn-ea"/>
+                <a:cs typeface="+mn-cs"/>
+              </a:defRPr>
+            </a:lvl3pPr>
+            <a:lvl4pPr marL="1600200" indent="-228600" algn="l" defTabSz="457200" rtl="0" eaLnBrk="1" latinLnBrk="0" hangingPunct="1">
+              <a:spcBef>
+                <a:spcPct val="20000"/>
+              </a:spcBef>
+              <a:buFont typeface="Arial"/>
+              <a:buChar char="•"/>
+              <a:defRPr sz="1800" kern="1200">
+                <a:solidFill>
+                  <a:schemeClr val="tx1"/>
+                </a:solidFill>
+                <a:latin typeface="+mn-lt"/>
+                <a:ea typeface="+mn-ea"/>
+                <a:cs typeface="+mn-cs"/>
+              </a:defRPr>
+            </a:lvl4pPr>
+            <a:lvl5pPr marL="2057400" indent="-228600" algn="l" defTabSz="457200" rtl="0" eaLnBrk="1" latinLnBrk="0" hangingPunct="1">
+              <a:spcBef>
+                <a:spcPct val="20000"/>
+              </a:spcBef>
+              <a:buFont typeface="Arial"/>
+              <a:buChar char="•"/>
+              <a:defRPr sz="1800" kern="1200">
+                <a:solidFill>
+                  <a:schemeClr val="tx1"/>
+                </a:solidFill>
+                <a:latin typeface="+mn-lt"/>
+                <a:ea typeface="+mn-ea"/>
+                <a:cs typeface="+mn-cs"/>
+              </a:defRPr>
+            </a:lvl5pPr>
+            <a:lvl6pPr marL="2514600" indent="-228600" algn="l" defTabSz="457200" rtl="0" eaLnBrk="1" latinLnBrk="0" hangingPunct="1">
+              <a:spcBef>
+                <a:spcPct val="20000"/>
+              </a:spcBef>
+              <a:buFont typeface="Arial"/>
+              <a:buChar char="•"/>
+              <a:defRPr sz="1800" kern="1200">
+                <a:solidFill>
+                  <a:schemeClr val="tx1"/>
+                </a:solidFill>
+                <a:latin typeface="+mn-lt"/>
+                <a:ea typeface="+mn-ea"/>
+                <a:cs typeface="+mn-cs"/>
+              </a:defRPr>
+            </a:lvl6pPr>
+            <a:lvl7pPr marL="2971800" indent="-228600" algn="l" defTabSz="457200" rtl="0" eaLnBrk="1" latinLnBrk="0" hangingPunct="1">
+              <a:spcBef>
+                <a:spcPct val="20000"/>
+              </a:spcBef>
+              <a:buFont typeface="Arial"/>
+              <a:buChar char="•"/>
+              <a:defRPr sz="1800" kern="1200">
+                <a:solidFill>
+                  <a:schemeClr val="tx1"/>
+                </a:solidFill>
+                <a:latin typeface="+mn-lt"/>
+                <a:ea typeface="+mn-ea"/>
+                <a:cs typeface="+mn-cs"/>
+              </a:defRPr>
+            </a:lvl7pPr>
+            <a:lvl8pPr marL="3429000" indent="-228600" algn="l" defTabSz="457200" rtl="0" eaLnBrk="1" latinLnBrk="0" hangingPunct="1">
+              <a:spcBef>
+                <a:spcPct val="20000"/>
+              </a:spcBef>
+              <a:buFont typeface="Arial"/>
+              <a:buChar char="•"/>
+              <a:defRPr sz="1800" kern="1200">
+                <a:solidFill>
+                  <a:schemeClr val="tx1"/>
+                </a:solidFill>
+                <a:latin typeface="+mn-lt"/>
+                <a:ea typeface="+mn-ea"/>
+                <a:cs typeface="+mn-cs"/>
+              </a:defRPr>
+            </a:lvl8pPr>
+            <a:lvl9pPr marL="3886200" indent="-228600" algn="l" defTabSz="457200" rtl="0" eaLnBrk="1" latinLnBrk="0" hangingPunct="1">
+              <a:spcBef>
+                <a:spcPct val="20000"/>
+              </a:spcBef>
+              <a:buFont typeface="Arial"/>
+              <a:buChar char="•"/>
+              <a:defRPr sz="1800" kern="1200">
+                <a:solidFill>
+                  <a:schemeClr val="tx1"/>
+                </a:solidFill>
+                <a:latin typeface="+mn-lt"/>
+                <a:ea typeface="+mn-ea"/>
+                <a:cs typeface="+mn-cs"/>
+              </a:defRPr>
+            </a:lvl9pPr>
+          </a:lstStyle>
+          <a:p>
+            <a:pPr marL="0" indent="0" algn="just">
+              <a:spcBef>
+                <a:spcPts val="0"/>
+              </a:spcBef>
+              <a:buFontTx/>
+              <a:buNone/>
+            </a:pPr>
+            <a:r>
+              <a:rPr lang="en-US" dirty="0" smtClean="0"/>
+              <a:t>The network of publications in the </a:t>
+            </a:r>
+            <a:r>
+              <a:rPr lang="en-US" dirty="0" err="1" smtClean="0"/>
+              <a:t>arXiv's</a:t>
+            </a:r>
+            <a:r>
+              <a:rPr lang="en-US" dirty="0" smtClean="0"/>
+              <a:t> High Energy Physics Phenomenology (</a:t>
+            </a:r>
+            <a:r>
+              <a:rPr lang="en-US" dirty="0" err="1" smtClean="0"/>
+              <a:t>hep-ph</a:t>
+            </a:r>
+            <a:r>
+              <a:rPr lang="en-US" dirty="0" smtClean="0"/>
+              <a:t>) section. The directed links that connect the publications are citations. Some publications cite themselves, and therefore the network contains loops.</a:t>
+            </a:r>
+            <a:endParaRPr lang="en-US" dirty="0"/>
+          </a:p>
+        </p:txBody>
+      </p:sp>
+      <p:sp>
+        <p:nvSpPr>
+          <p:cNvPr id="5" name="Title 1"/>
+          <p:cNvSpPr txBox="1">
+            <a:spLocks/>
+          </p:cNvSpPr>
+          <p:nvPr/>
+        </p:nvSpPr>
+        <p:spPr>
+          <a:xfrm>
+            <a:off x="457200" y="128595"/>
+            <a:ext cx="6273934" cy="620483"/>
+          </a:xfrm>
+          <a:prstGeom prst="rect">
+            <a:avLst/>
+          </a:prstGeom>
+        </p:spPr>
+        <p:txBody>
+          <a:bodyPr vert="horz" lIns="91440" tIns="45720" rIns="91440" bIns="45720" rtlCol="0" anchor="ctr">
+            <a:normAutofit/>
+          </a:bodyPr>
+          <a:lstStyle>
+            <a:lvl1pPr algn="l" defTabSz="457200" rtl="0" eaLnBrk="1" latinLnBrk="0" hangingPunct="1">
+              <a:spcBef>
+                <a:spcPct val="0"/>
+              </a:spcBef>
+              <a:buNone/>
+              <a:defRPr sz="3200" b="1" i="0" kern="1200" baseline="0">
+                <a:solidFill>
+                  <a:schemeClr val="tx1"/>
+                </a:solidFill>
+                <a:latin typeface="+mj-lt"/>
+                <a:ea typeface="+mj-ea"/>
+                <a:cs typeface="+mj-cs"/>
+              </a:defRPr>
+            </a:lvl1pPr>
+          </a:lstStyle>
+          <a:p>
+            <a:r>
+              <a:rPr lang="en-US" dirty="0" smtClean="0"/>
+              <a:t>Short Description</a:t>
+            </a:r>
+            <a:endParaRPr lang="ru-RU" dirty="0"/>
+          </a:p>
+        </p:txBody>
+      </p:sp>
+    </p:spTree>
+    <p:extLst>
+      <p:ext uri="{BB962C8B-B14F-4D97-AF65-F5344CB8AC3E}">
+        <p14:creationId xmlns:p14="http://schemas.microsoft.com/office/powerpoint/2010/main" val="238712034"/>
+      </p:ext>
+    </p:extLst>
+  </p:cSld>
+  <p:clrMapOvr>
+    <a:masterClrMapping/>
+  </p:clrMapOvr>
+  <p:timing>
+    <p:tnLst>
+      <p:par>
+        <p:cTn id="1" dur="indefinite" restart="never" nodeType="tmRoot"/>
+      </p:par>
+    </p:tnLst>
+  </p:timing>
+</p:sld>
+</file>
+
+<file path=ppt/slides/slide3.xml><?xml version="1.0" encoding="utf-8"?>
+<p:sld xmlns:a="http://schemas.openxmlformats.org/drawingml/2006/main" xmlns:r="http://schemas.openxmlformats.org/officeDocument/2006/relationships" xmlns:p="http://schemas.openxmlformats.org/presentationml/2006/main">
+  <p:cSld>
+    <p:bg>
+      <p:bgPr>
+        <a:solidFill>
+          <a:schemeClr val="bg1"/>
+        </a:solidFill>
+        <a:effectLst/>
+      </p:bgPr>
+    </p:bg>
+    <p:spTree>
+      <p:nvGrpSpPr>
+        <p:cNvPr id="1" name=""/>
+        <p:cNvGrpSpPr/>
+        <p:nvPr/>
+      </p:nvGrpSpPr>
+      <p:grpSpPr>
+        <a:xfrm>
+          <a:off x="0" y="0"/>
+          <a:ext cx="0" cy="0"/>
+          <a:chOff x="0" y="0"/>
+          <a:chExt cx="0" cy="0"/>
+        </a:xfrm>
+      </p:grpSpPr>
+      <p:pic>
+        <p:nvPicPr>
+          <p:cNvPr id="3" name="Picture 2"/>
+          <p:cNvPicPr>
+            <a:picLocks noChangeAspect="1"/>
+          </p:cNvPicPr>
+          <p:nvPr/>
+        </p:nvPicPr>
+        <p:blipFill>
+          <a:blip r:embed="rId2">
+            <a:extLst>
+              <a:ext uri="{28A0092B-C50C-407E-A947-70E740481C1C}">
+                <a14:useLocalDpi xmlns:a14="http://schemas.microsoft.com/office/drawing/2010/main" val="0"/>
+              </a:ext>
+            </a:extLst>
+          </a:blip>
+          <a:stretch>
+            <a:fillRect/>
+          </a:stretch>
+        </p:blipFill>
+        <p:spPr>
+          <a:xfrm>
+            <a:off x="0" y="559953"/>
+            <a:ext cx="4572000" cy="4572000"/>
+          </a:xfrm>
+          <a:prstGeom prst="rect">
+            <a:avLst/>
+          </a:prstGeom>
+        </p:spPr>
+      </p:pic>
+      <p:pic>
+        <p:nvPicPr>
+          <p:cNvPr id="4" name="Picture 3"/>
+          <p:cNvPicPr>
+            <a:picLocks noChangeAspect="1"/>
+          </p:cNvPicPr>
+          <p:nvPr/>
+        </p:nvPicPr>
+        <p:blipFill>
+          <a:blip r:embed="rId3">
+            <a:extLst>
+              <a:ext uri="{28A0092B-C50C-407E-A947-70E740481C1C}">
+                <a14:useLocalDpi xmlns:a14="http://schemas.microsoft.com/office/drawing/2010/main" val="0"/>
+              </a:ext>
+            </a:extLst>
+          </a:blip>
+          <a:stretch>
+            <a:fillRect/>
+          </a:stretch>
+        </p:blipFill>
+        <p:spPr>
+          <a:xfrm>
+            <a:off x="4572000" y="559953"/>
+            <a:ext cx="4572000" cy="4572000"/>
+          </a:xfrm>
+          <a:prstGeom prst="rect">
+            <a:avLst/>
+          </a:prstGeom>
+        </p:spPr>
+      </p:pic>
+      <p:sp>
+        <p:nvSpPr>
+          <p:cNvPr id="5" name="Title 1"/>
+          <p:cNvSpPr txBox="1">
+            <a:spLocks/>
+          </p:cNvSpPr>
+          <p:nvPr/>
+        </p:nvSpPr>
+        <p:spPr>
+          <a:xfrm>
+            <a:off x="1295400" y="100749"/>
+            <a:ext cx="1981200" cy="538155"/>
+          </a:xfrm>
+          <a:prstGeom prst="rect">
+            <a:avLst/>
+          </a:prstGeom>
+        </p:spPr>
+        <p:txBody>
+          <a:bodyPr vert="horz" lIns="91440" tIns="45720" rIns="91440" bIns="45720" rtlCol="0" anchor="ctr">
+            <a:normAutofit lnSpcReduction="10000"/>
+          </a:bodyPr>
+          <a:lstStyle>
+            <a:lvl1pPr algn="l" defTabSz="457200" rtl="0" eaLnBrk="1" latinLnBrk="0" hangingPunct="1">
+              <a:spcBef>
+                <a:spcPct val="0"/>
+              </a:spcBef>
+              <a:buNone/>
+              <a:defRPr sz="3200" b="1" i="0" kern="1200" baseline="0">
+                <a:solidFill>
+                  <a:schemeClr val="tx1"/>
+                </a:solidFill>
+                <a:latin typeface="+mj-lt"/>
+                <a:ea typeface="+mj-ea"/>
+                <a:cs typeface="+mj-cs"/>
+              </a:defRPr>
+            </a:lvl1pPr>
+          </a:lstStyle>
+          <a:p>
+            <a:r>
+              <a:rPr lang="en-US" dirty="0" smtClean="0"/>
+              <a:t>In-degree</a:t>
+            </a:r>
+            <a:endParaRPr lang="ru-RU" dirty="0"/>
+          </a:p>
+        </p:txBody>
+      </p:sp>
+      <p:sp>
+        <p:nvSpPr>
+          <p:cNvPr id="6" name="Title 1"/>
+          <p:cNvSpPr txBox="1">
+            <a:spLocks/>
+          </p:cNvSpPr>
+          <p:nvPr/>
+        </p:nvSpPr>
+        <p:spPr>
+          <a:xfrm>
+            <a:off x="5778500" y="48340"/>
+            <a:ext cx="2159000" cy="642971"/>
+          </a:xfrm>
+          <a:prstGeom prst="rect">
+            <a:avLst/>
+          </a:prstGeom>
+        </p:spPr>
+        <p:txBody>
+          <a:bodyPr vert="horz" lIns="91440" tIns="45720" rIns="91440" bIns="45720" rtlCol="0" anchor="ctr">
+            <a:normAutofit/>
+          </a:bodyPr>
+          <a:lstStyle>
+            <a:lvl1pPr algn="l" defTabSz="457200" rtl="0" eaLnBrk="1" latinLnBrk="0" hangingPunct="1">
+              <a:spcBef>
+                <a:spcPct val="0"/>
+              </a:spcBef>
+              <a:buNone/>
+              <a:defRPr sz="3200" b="1" i="0" kern="1200" baseline="0">
+                <a:solidFill>
+                  <a:schemeClr val="tx1"/>
+                </a:solidFill>
+                <a:latin typeface="+mj-lt"/>
+                <a:ea typeface="+mj-ea"/>
+                <a:cs typeface="+mj-cs"/>
+              </a:defRPr>
+            </a:lvl1pPr>
+          </a:lstStyle>
+          <a:p>
+            <a:r>
+              <a:rPr lang="en-US" dirty="0" smtClean="0"/>
+              <a:t>Out-degree</a:t>
+            </a:r>
+            <a:endParaRPr lang="ru-RU" dirty="0"/>
+          </a:p>
+        </p:txBody>
+      </p:sp>
+    </p:spTree>
+    <p:extLst>
+      <p:ext uri="{BB962C8B-B14F-4D97-AF65-F5344CB8AC3E}">
+        <p14:creationId xmlns:p14="http://schemas.microsoft.com/office/powerpoint/2010/main" val="2247482143"/>
+      </p:ext>
+    </p:extLst>
+  </p:cSld>
+  <p:clrMapOvr>
+    <a:masterClrMapping/>
+  </p:clrMapOvr>
+</p:sld>
+</file>
+
+<file path=ppt/slides/slide4.xml><?xml version="1.0" encoding="utf-8"?>
+<p:sld xmlns:a="http://schemas.openxmlformats.org/drawingml/2006/main" xmlns:r="http://schemas.openxmlformats.org/officeDocument/2006/relationships" xmlns:p="http://schemas.openxmlformats.org/presentationml/2006/main">
+  <p:cSld>
+    <p:bg>
+      <p:bgPr>
+        <a:solidFill>
+          <a:schemeClr val="bg1"/>
+        </a:solidFill>
+        <a:effectLst/>
+      </p:bgPr>
+    </p:bg>
+    <p:spTree>
+      <p:nvGrpSpPr>
+        <p:cNvPr id="1" name=""/>
+        <p:cNvGrpSpPr/>
+        <p:nvPr/>
+      </p:nvGrpSpPr>
+      <p:grpSpPr>
+        <a:xfrm>
+          <a:off x="0" y="0"/>
+          <a:ext cx="0" cy="0"/>
+          <a:chOff x="0" y="0"/>
+          <a:chExt cx="0" cy="0"/>
+        </a:xfrm>
+      </p:grpSpPr>
+      <p:sp>
+        <p:nvSpPr>
+          <p:cNvPr id="2" name="Название 1"/>
+          <p:cNvSpPr>
+            <a:spLocks noGrp="1"/>
+          </p:cNvSpPr>
+          <p:nvPr>
+            <p:ph type="title"/>
+          </p:nvPr>
+        </p:nvSpPr>
+        <p:spPr/>
+        <p:txBody>
+          <a:bodyPr/>
+          <a:lstStyle/>
+          <a:p>
+            <a:endParaRPr lang="ru-RU"/>
+          </a:p>
+        </p:txBody>
+      </p:sp>
+      <p:pic>
+        <p:nvPicPr>
+          <p:cNvPr id="4" name="Content Placeholder 3"/>
+          <p:cNvPicPr>
+            <a:picLocks noGrp="1" noChangeAspect="1"/>
+          </p:cNvPicPr>
+          <p:nvPr>
+            <p:ph sz="half" idx="1"/>
+          </p:nvPr>
+        </p:nvPicPr>
+        <p:blipFill>
+          <a:blip r:embed="rId2">
+            <a:extLst>
+              <a:ext uri="{28A0092B-C50C-407E-A947-70E740481C1C}">
+                <a14:useLocalDpi xmlns:a14="http://schemas.microsoft.com/office/drawing/2010/main" val="0"/>
+              </a:ext>
+            </a:extLst>
+          </a:blip>
+          <a:stretch>
+            <a:fillRect/>
+          </a:stretch>
+        </p:blipFill>
+        <p:spPr>
+          <a:xfrm>
+            <a:off x="5255" y="927381"/>
+            <a:ext cx="4566807" cy="3425105"/>
+          </a:xfrm>
+        </p:spPr>
+      </p:pic>
+      <p:pic>
+        <p:nvPicPr>
+          <p:cNvPr id="5" name="Picture 4"/>
+          <p:cNvPicPr>
+            <a:picLocks noChangeAspect="1"/>
+          </p:cNvPicPr>
+          <p:nvPr/>
+        </p:nvPicPr>
+        <p:blipFill>
+          <a:blip r:embed="rId3">
+            <a:extLst>
+              <a:ext uri="{28A0092B-C50C-407E-A947-70E740481C1C}">
+                <a14:useLocalDpi xmlns:a14="http://schemas.microsoft.com/office/drawing/2010/main" val="0"/>
+              </a:ext>
+            </a:extLst>
+          </a:blip>
+          <a:stretch>
+            <a:fillRect/>
+          </a:stretch>
+        </p:blipFill>
+        <p:spPr>
+          <a:xfrm>
+            <a:off x="4572062" y="958911"/>
+            <a:ext cx="4566808" cy="3425105"/>
+          </a:xfrm>
+          <a:prstGeom prst="rect">
+            <a:avLst/>
+          </a:prstGeom>
+        </p:spPr>
+      </p:pic>
+      <p:sp>
+        <p:nvSpPr>
+          <p:cNvPr id="7" name="Title 1"/>
+          <p:cNvSpPr txBox="1">
+            <a:spLocks/>
+          </p:cNvSpPr>
+          <p:nvPr/>
+        </p:nvSpPr>
+        <p:spPr>
+          <a:xfrm>
+            <a:off x="457200" y="97064"/>
+            <a:ext cx="6273934" cy="620483"/>
+          </a:xfrm>
+          <a:prstGeom prst="rect">
+            <a:avLst/>
+          </a:prstGeom>
+        </p:spPr>
+        <p:txBody>
+          <a:bodyPr vert="horz" lIns="91440" tIns="45720" rIns="91440" bIns="45720" rtlCol="0" anchor="ctr">
+            <a:normAutofit/>
+          </a:bodyPr>
+          <a:lstStyle>
+            <a:lvl1pPr algn="l" defTabSz="457200" rtl="0" eaLnBrk="1" latinLnBrk="0" hangingPunct="1">
+              <a:spcBef>
+                <a:spcPct val="0"/>
+              </a:spcBef>
+              <a:buNone/>
+              <a:defRPr sz="3200" b="1" i="0" kern="1200" baseline="0">
+                <a:solidFill>
+                  <a:schemeClr val="tx1"/>
+                </a:solidFill>
+                <a:latin typeface="+mj-lt"/>
+                <a:ea typeface="+mj-ea"/>
+                <a:cs typeface="+mj-cs"/>
+              </a:defRPr>
+            </a:lvl1pPr>
+          </a:lstStyle>
+          <a:p>
+            <a:r>
+              <a:rPr lang="en-US" dirty="0" smtClean="0"/>
+              <a:t>Degree Distributions</a:t>
+            </a:r>
+            <a:endParaRPr lang="ru-RU" dirty="0"/>
+          </a:p>
+        </p:txBody>
+      </p:sp>
+      <p:sp>
+        <p:nvSpPr>
+          <p:cNvPr id="3" name="TextBox 2"/>
+          <p:cNvSpPr txBox="1"/>
+          <p:nvPr/>
+        </p:nvSpPr>
+        <p:spPr>
+          <a:xfrm flipH="1">
+            <a:off x="203900" y="4530787"/>
+            <a:ext cx="5145340" cy="369332"/>
+          </a:xfrm>
+          <a:prstGeom prst="rect">
+            <a:avLst/>
+          </a:prstGeom>
+          <a:noFill/>
+        </p:spPr>
+        <p:txBody>
+          <a:bodyPr wrap="square" rtlCol="0">
+            <a:spAutoFit/>
+          </a:bodyPr>
+          <a:lstStyle/>
+          <a:p>
+            <a:r>
+              <a:rPr lang="en-US" dirty="0" smtClean="0"/>
+              <a:t>Average degree: </a:t>
+            </a:r>
+            <a:r>
+              <a:rPr lang="en-US" dirty="0" err="1" smtClean="0"/>
+              <a:t>Gephi</a:t>
+            </a:r>
+            <a:r>
+              <a:rPr lang="en-US" dirty="0" smtClean="0"/>
+              <a:t> (12.203)</a:t>
+            </a:r>
+            <a:endParaRPr lang="ru-RU" dirty="0"/>
+          </a:p>
+        </p:txBody>
+      </p:sp>
+    </p:spTree>
+    <p:extLst>
+      <p:ext uri="{BB962C8B-B14F-4D97-AF65-F5344CB8AC3E}">
+        <p14:creationId xmlns:p14="http://schemas.microsoft.com/office/powerpoint/2010/main" val="191886464"/>
+      </p:ext>
+    </p:extLst>
+  </p:cSld>
+  <p:clrMapOvr>
+    <a:masterClrMapping/>
+  </p:clrMapOvr>
+  <p:timing>
+    <p:tnLst>
+      <p:par>
+        <p:cTn id="1" dur="indefinite" restart="never" nodeType="tmRoot"/>
+      </p:par>
+    </p:tnLst>
+  </p:timing>
+</p:sld>
+</file>
+
+<file path=ppt/slides/slide5.xml><?xml version="1.0" encoding="utf-8"?>
+<p:sld xmlns:a="http://schemas.openxmlformats.org/drawingml/2006/main" xmlns:r="http://schemas.openxmlformats.org/officeDocument/2006/relationships" xmlns:p="http://schemas.openxmlformats.org/presentationml/2006/main">
+  <p:cSld>
+    <p:bg>
+      <p:bgPr>
+        <a:solidFill>
+          <a:schemeClr val="bg1"/>
+        </a:solidFill>
+        <a:effectLst/>
+      </p:bgPr>
+    </p:bg>
+    <p:spTree>
+      <p:nvGrpSpPr>
+        <p:cNvPr id="1" name=""/>
+        <p:cNvGrpSpPr/>
+        <p:nvPr/>
+      </p:nvGrpSpPr>
+      <p:grpSpPr>
+        <a:xfrm>
+          <a:off x="0" y="0"/>
+          <a:ext cx="0" cy="0"/>
+          <a:chOff x="0" y="0"/>
+          <a:chExt cx="0" cy="0"/>
+        </a:xfrm>
+      </p:grpSpPr>
+      <p:sp>
+        <p:nvSpPr>
+          <p:cNvPr id="3" name="Title 1"/>
+          <p:cNvSpPr txBox="1">
+            <a:spLocks/>
+          </p:cNvSpPr>
+          <p:nvPr/>
+        </p:nvSpPr>
+        <p:spPr>
+          <a:xfrm>
+            <a:off x="457200" y="97064"/>
+            <a:ext cx="6273934" cy="620483"/>
+          </a:xfrm>
+          <a:prstGeom prst="rect">
+            <a:avLst/>
+          </a:prstGeom>
+        </p:spPr>
+        <p:txBody>
+          <a:bodyPr vert="horz" lIns="91440" tIns="45720" rIns="91440" bIns="45720" rtlCol="0" anchor="ctr">
+            <a:normAutofit/>
+          </a:bodyPr>
+          <a:lstStyle>
+            <a:lvl1pPr algn="l" defTabSz="457200" rtl="0" eaLnBrk="1" latinLnBrk="0" hangingPunct="1">
+              <a:spcBef>
+                <a:spcPct val="0"/>
+              </a:spcBef>
+              <a:buNone/>
+              <a:defRPr sz="3200" b="1" i="0" kern="1200" baseline="0">
+                <a:solidFill>
+                  <a:schemeClr val="tx1"/>
+                </a:solidFill>
+                <a:latin typeface="+mj-lt"/>
+                <a:ea typeface="+mj-ea"/>
+                <a:cs typeface="+mj-cs"/>
+              </a:defRPr>
+            </a:lvl1pPr>
+          </a:lstStyle>
+          <a:p>
+            <a:r>
+              <a:rPr lang="en-US" dirty="0" smtClean="0"/>
+              <a:t>Filtering</a:t>
+            </a:r>
+            <a:r>
+              <a:rPr lang="en-US" dirty="0" smtClean="0"/>
+              <a:t> the giant component</a:t>
+            </a:r>
+            <a:endParaRPr lang="ru-RU" dirty="0"/>
+          </a:p>
+        </p:txBody>
+      </p:sp>
+      <p:sp>
+        <p:nvSpPr>
+          <p:cNvPr id="4" name="Content Placeholder 2"/>
+          <p:cNvSpPr txBox="1">
+            <a:spLocks/>
+          </p:cNvSpPr>
+          <p:nvPr/>
+        </p:nvSpPr>
+        <p:spPr>
+          <a:xfrm>
+            <a:off x="457196" y="925405"/>
+            <a:ext cx="8229601" cy="1618263"/>
+          </a:xfrm>
+          <a:prstGeom prst="rect">
+            <a:avLst/>
+          </a:prstGeom>
+        </p:spPr>
+        <p:txBody>
+          <a:bodyPr vert="horz" lIns="91440" tIns="45720" rIns="91440" bIns="45720" rtlCol="0">
+            <a:normAutofit/>
+          </a:bodyPr>
+          <a:lstStyle>
+            <a:lvl1pPr marL="342900" indent="-342900" algn="l" defTabSz="457200" rtl="0" eaLnBrk="1" latinLnBrk="0" hangingPunct="1">
+              <a:spcBef>
+                <a:spcPct val="20000"/>
+              </a:spcBef>
+              <a:buSzPct val="100000"/>
+              <a:buFontTx/>
+              <a:buBlip>
+                <a:blip r:embed="rId2"/>
+              </a:buBlip>
+              <a:defRPr sz="2400" kern="1200">
+                <a:solidFill>
+                  <a:schemeClr val="tx1"/>
+                </a:solidFill>
+                <a:latin typeface="+mn-lt"/>
+                <a:ea typeface="+mn-ea"/>
+                <a:cs typeface="+mn-cs"/>
+              </a:defRPr>
+            </a:lvl1pPr>
+            <a:lvl2pPr marL="742950" indent="-285750" algn="l" defTabSz="457200" rtl="0" eaLnBrk="1" latinLnBrk="0" hangingPunct="1">
+              <a:spcBef>
+                <a:spcPct val="20000"/>
+              </a:spcBef>
+              <a:buFont typeface="Arial"/>
+              <a:buChar char="•"/>
+              <a:defRPr sz="2400" kern="1200">
+                <a:solidFill>
+                  <a:schemeClr val="tx1"/>
+                </a:solidFill>
+                <a:latin typeface="+mn-lt"/>
+                <a:ea typeface="+mn-ea"/>
+                <a:cs typeface="+mn-cs"/>
+              </a:defRPr>
+            </a:lvl2pPr>
+            <a:lvl3pPr marL="1143000" indent="-228600" algn="l" defTabSz="457200" rtl="0" eaLnBrk="1" latinLnBrk="0" hangingPunct="1">
+              <a:spcBef>
+                <a:spcPct val="20000"/>
+              </a:spcBef>
+              <a:buFont typeface="Arial"/>
+              <a:buChar char="•"/>
+              <a:defRPr sz="2000" kern="1200">
+                <a:solidFill>
+                  <a:schemeClr val="tx1"/>
+                </a:solidFill>
+                <a:latin typeface="+mn-lt"/>
+                <a:ea typeface="+mn-ea"/>
+                <a:cs typeface="+mn-cs"/>
+              </a:defRPr>
+            </a:lvl3pPr>
+            <a:lvl4pPr marL="1600200" indent="-228600" algn="l" defTabSz="457200" rtl="0" eaLnBrk="1" latinLnBrk="0" hangingPunct="1">
+              <a:spcBef>
+                <a:spcPct val="20000"/>
+              </a:spcBef>
+              <a:buFont typeface="Arial"/>
+              <a:buChar char="•"/>
+              <a:defRPr sz="1800" kern="1200">
+                <a:solidFill>
+                  <a:schemeClr val="tx1"/>
+                </a:solidFill>
+                <a:latin typeface="+mn-lt"/>
+                <a:ea typeface="+mn-ea"/>
+                <a:cs typeface="+mn-cs"/>
+              </a:defRPr>
+            </a:lvl4pPr>
+            <a:lvl5pPr marL="2057400" indent="-228600" algn="l" defTabSz="457200" rtl="0" eaLnBrk="1" latinLnBrk="0" hangingPunct="1">
+              <a:spcBef>
+                <a:spcPct val="20000"/>
+              </a:spcBef>
+              <a:buFont typeface="Arial"/>
+              <a:buChar char="•"/>
+              <a:defRPr sz="1800" kern="1200">
+                <a:solidFill>
+                  <a:schemeClr val="tx1"/>
+                </a:solidFill>
+                <a:latin typeface="+mn-lt"/>
+                <a:ea typeface="+mn-ea"/>
+                <a:cs typeface="+mn-cs"/>
+              </a:defRPr>
+            </a:lvl5pPr>
+            <a:lvl6pPr marL="2514600" indent="-228600" algn="l" defTabSz="457200" rtl="0" eaLnBrk="1" latinLnBrk="0" hangingPunct="1">
+              <a:spcBef>
+                <a:spcPct val="20000"/>
+              </a:spcBef>
+              <a:buFont typeface="Arial"/>
+              <a:buChar char="•"/>
+              <a:defRPr sz="1800" kern="1200">
+                <a:solidFill>
+                  <a:schemeClr val="tx1"/>
+                </a:solidFill>
+                <a:latin typeface="+mn-lt"/>
+                <a:ea typeface="+mn-ea"/>
+                <a:cs typeface="+mn-cs"/>
+              </a:defRPr>
+            </a:lvl6pPr>
+            <a:lvl7pPr marL="2971800" indent="-228600" algn="l" defTabSz="457200" rtl="0" eaLnBrk="1" latinLnBrk="0" hangingPunct="1">
+              <a:spcBef>
+                <a:spcPct val="20000"/>
+              </a:spcBef>
+              <a:buFont typeface="Arial"/>
+              <a:buChar char="•"/>
+              <a:defRPr sz="1800" kern="1200">
+                <a:solidFill>
+                  <a:schemeClr val="tx1"/>
+                </a:solidFill>
+                <a:latin typeface="+mn-lt"/>
+                <a:ea typeface="+mn-ea"/>
+                <a:cs typeface="+mn-cs"/>
+              </a:defRPr>
+            </a:lvl7pPr>
+            <a:lvl8pPr marL="3429000" indent="-228600" algn="l" defTabSz="457200" rtl="0" eaLnBrk="1" latinLnBrk="0" hangingPunct="1">
+              <a:spcBef>
+                <a:spcPct val="20000"/>
+              </a:spcBef>
+              <a:buFont typeface="Arial"/>
+              <a:buChar char="•"/>
+              <a:defRPr sz="1800" kern="1200">
+                <a:solidFill>
+                  <a:schemeClr val="tx1"/>
+                </a:solidFill>
+                <a:latin typeface="+mn-lt"/>
+                <a:ea typeface="+mn-ea"/>
+                <a:cs typeface="+mn-cs"/>
+              </a:defRPr>
+            </a:lvl8pPr>
+            <a:lvl9pPr marL="3886200" indent="-228600" algn="l" defTabSz="457200" rtl="0" eaLnBrk="1" latinLnBrk="0" hangingPunct="1">
+              <a:spcBef>
+                <a:spcPct val="20000"/>
+              </a:spcBef>
+              <a:buFont typeface="Arial"/>
+              <a:buChar char="•"/>
+              <a:defRPr sz="1800" kern="1200">
+                <a:solidFill>
+                  <a:schemeClr val="tx1"/>
+                </a:solidFill>
+                <a:latin typeface="+mn-lt"/>
+                <a:ea typeface="+mn-ea"/>
+                <a:cs typeface="+mn-cs"/>
+              </a:defRPr>
+            </a:lvl9pPr>
+          </a:lstStyle>
+          <a:p>
+            <a:pPr marL="0" indent="0" algn="just">
+              <a:spcBef>
+                <a:spcPts val="0"/>
+              </a:spcBef>
+              <a:buFontTx/>
+              <a:buNone/>
+            </a:pPr>
+            <a:r>
+              <a:rPr lang="en-US" dirty="0" smtClean="0"/>
+              <a:t>Significant reduce in amount of nodes and edges</a:t>
+            </a:r>
+            <a:r>
+              <a:rPr lang="en-US" dirty="0" smtClean="0"/>
+              <a:t>:</a:t>
+            </a:r>
+          </a:p>
+          <a:p>
+            <a:pPr marL="0" indent="0" algn="just">
+              <a:spcBef>
+                <a:spcPts val="0"/>
+              </a:spcBef>
+              <a:buFontTx/>
+              <a:buNone/>
+            </a:pPr>
+            <a:endParaRPr lang="en-US" dirty="0"/>
+          </a:p>
+          <a:p>
+            <a:pPr marL="0" indent="0" algn="just">
+              <a:spcBef>
+                <a:spcPts val="0"/>
+              </a:spcBef>
+              <a:buNone/>
+            </a:pPr>
+            <a:r>
+              <a:rPr lang="en-US" dirty="0" smtClean="0"/>
+              <a:t>Nodes</a:t>
+            </a:r>
+            <a:r>
+              <a:rPr lang="en-US" dirty="0"/>
+              <a:t>: </a:t>
+            </a:r>
+            <a:r>
+              <a:rPr lang="en-US" dirty="0" smtClean="0"/>
+              <a:t>34546 -&gt; </a:t>
+            </a:r>
+            <a:r>
+              <a:rPr lang="en-US" dirty="0"/>
+              <a:t>12711</a:t>
+            </a:r>
+            <a:endParaRPr lang="en-US" dirty="0" smtClean="0"/>
+          </a:p>
+          <a:p>
+            <a:pPr marL="0" indent="0" algn="just">
+              <a:spcBef>
+                <a:spcPts val="0"/>
+              </a:spcBef>
+              <a:buNone/>
+            </a:pPr>
+            <a:r>
+              <a:rPr lang="en-US" dirty="0" smtClean="0"/>
+              <a:t>Edges</a:t>
+            </a:r>
+            <a:r>
+              <a:rPr lang="en-US" dirty="0"/>
+              <a:t>: 421578 </a:t>
+            </a:r>
+            <a:r>
+              <a:rPr lang="en-US" dirty="0" smtClean="0"/>
+              <a:t>-&gt; 139981</a:t>
+            </a:r>
+            <a:endParaRPr lang="en-US" dirty="0"/>
+          </a:p>
+        </p:txBody>
+      </p:sp>
+      <p:sp>
+        <p:nvSpPr>
+          <p:cNvPr id="5" name="Content Placeholder 2"/>
+          <p:cNvSpPr txBox="1">
+            <a:spLocks/>
+          </p:cNvSpPr>
+          <p:nvPr/>
+        </p:nvSpPr>
+        <p:spPr>
+          <a:xfrm>
+            <a:off x="457200" y="4060371"/>
+            <a:ext cx="8229601" cy="627782"/>
+          </a:xfrm>
+          <a:prstGeom prst="rect">
+            <a:avLst/>
+          </a:prstGeom>
+        </p:spPr>
+        <p:txBody>
+          <a:bodyPr vert="horz" lIns="91440" tIns="45720" rIns="91440" bIns="45720" rtlCol="0">
+            <a:normAutofit/>
+          </a:bodyPr>
+          <a:lstStyle>
+            <a:lvl1pPr marL="342900" indent="-342900" algn="l" defTabSz="457200" rtl="0" eaLnBrk="1" latinLnBrk="0" hangingPunct="1">
+              <a:spcBef>
+                <a:spcPct val="20000"/>
+              </a:spcBef>
+              <a:buSzPct val="100000"/>
+              <a:buFontTx/>
+              <a:buBlip>
+                <a:blip r:embed="rId2"/>
+              </a:buBlip>
+              <a:defRPr sz="2400" kern="1200">
+                <a:solidFill>
+                  <a:schemeClr val="tx1"/>
+                </a:solidFill>
+                <a:latin typeface="+mn-lt"/>
+                <a:ea typeface="+mn-ea"/>
+                <a:cs typeface="+mn-cs"/>
+              </a:defRPr>
+            </a:lvl1pPr>
+            <a:lvl2pPr marL="742950" indent="-285750" algn="l" defTabSz="457200" rtl="0" eaLnBrk="1" latinLnBrk="0" hangingPunct="1">
+              <a:spcBef>
+                <a:spcPct val="20000"/>
+              </a:spcBef>
+              <a:buFont typeface="Arial"/>
+              <a:buChar char="•"/>
+              <a:defRPr sz="2400" kern="1200">
+                <a:solidFill>
+                  <a:schemeClr val="tx1"/>
+                </a:solidFill>
+                <a:latin typeface="+mn-lt"/>
+                <a:ea typeface="+mn-ea"/>
+                <a:cs typeface="+mn-cs"/>
+              </a:defRPr>
+            </a:lvl2pPr>
+            <a:lvl3pPr marL="1143000" indent="-228600" algn="l" defTabSz="457200" rtl="0" eaLnBrk="1" latinLnBrk="0" hangingPunct="1">
+              <a:spcBef>
+                <a:spcPct val="20000"/>
+              </a:spcBef>
+              <a:buFont typeface="Arial"/>
+              <a:buChar char="•"/>
+              <a:defRPr sz="2000" kern="1200">
+                <a:solidFill>
+                  <a:schemeClr val="tx1"/>
+                </a:solidFill>
+                <a:latin typeface="+mn-lt"/>
+                <a:ea typeface="+mn-ea"/>
+                <a:cs typeface="+mn-cs"/>
+              </a:defRPr>
+            </a:lvl3pPr>
+            <a:lvl4pPr marL="1600200" indent="-228600" algn="l" defTabSz="457200" rtl="0" eaLnBrk="1" latinLnBrk="0" hangingPunct="1">
+              <a:spcBef>
+                <a:spcPct val="20000"/>
+              </a:spcBef>
+              <a:buFont typeface="Arial"/>
+              <a:buChar char="•"/>
+              <a:defRPr sz="1800" kern="1200">
+                <a:solidFill>
+                  <a:schemeClr val="tx1"/>
+                </a:solidFill>
+                <a:latin typeface="+mn-lt"/>
+                <a:ea typeface="+mn-ea"/>
+                <a:cs typeface="+mn-cs"/>
+              </a:defRPr>
+            </a:lvl4pPr>
+            <a:lvl5pPr marL="2057400" indent="-228600" algn="l" defTabSz="457200" rtl="0" eaLnBrk="1" latinLnBrk="0" hangingPunct="1">
+              <a:spcBef>
+                <a:spcPct val="20000"/>
+              </a:spcBef>
+              <a:buFont typeface="Arial"/>
+              <a:buChar char="•"/>
+              <a:defRPr sz="1800" kern="1200">
+                <a:solidFill>
+                  <a:schemeClr val="tx1"/>
+                </a:solidFill>
+                <a:latin typeface="+mn-lt"/>
+                <a:ea typeface="+mn-ea"/>
+                <a:cs typeface="+mn-cs"/>
+              </a:defRPr>
+            </a:lvl5pPr>
+            <a:lvl6pPr marL="2514600" indent="-228600" algn="l" defTabSz="457200" rtl="0" eaLnBrk="1" latinLnBrk="0" hangingPunct="1">
+              <a:spcBef>
+                <a:spcPct val="20000"/>
+              </a:spcBef>
+              <a:buFont typeface="Arial"/>
+              <a:buChar char="•"/>
+              <a:defRPr sz="1800" kern="1200">
+                <a:solidFill>
+                  <a:schemeClr val="tx1"/>
+                </a:solidFill>
+                <a:latin typeface="+mn-lt"/>
+                <a:ea typeface="+mn-ea"/>
+                <a:cs typeface="+mn-cs"/>
+              </a:defRPr>
+            </a:lvl6pPr>
+            <a:lvl7pPr marL="2971800" indent="-228600" algn="l" defTabSz="457200" rtl="0" eaLnBrk="1" latinLnBrk="0" hangingPunct="1">
+              <a:spcBef>
+                <a:spcPct val="20000"/>
+              </a:spcBef>
+              <a:buFont typeface="Arial"/>
+              <a:buChar char="•"/>
+              <a:defRPr sz="1800" kern="1200">
+                <a:solidFill>
+                  <a:schemeClr val="tx1"/>
+                </a:solidFill>
+                <a:latin typeface="+mn-lt"/>
+                <a:ea typeface="+mn-ea"/>
+                <a:cs typeface="+mn-cs"/>
+              </a:defRPr>
+            </a:lvl7pPr>
+            <a:lvl8pPr marL="3429000" indent="-228600" algn="l" defTabSz="457200" rtl="0" eaLnBrk="1" latinLnBrk="0" hangingPunct="1">
+              <a:spcBef>
+                <a:spcPct val="20000"/>
+              </a:spcBef>
+              <a:buFont typeface="Arial"/>
+              <a:buChar char="•"/>
+              <a:defRPr sz="1800" kern="1200">
+                <a:solidFill>
+                  <a:schemeClr val="tx1"/>
+                </a:solidFill>
+                <a:latin typeface="+mn-lt"/>
+                <a:ea typeface="+mn-ea"/>
+                <a:cs typeface="+mn-cs"/>
+              </a:defRPr>
+            </a:lvl8pPr>
+            <a:lvl9pPr marL="3886200" indent="-228600" algn="l" defTabSz="457200" rtl="0" eaLnBrk="1" latinLnBrk="0" hangingPunct="1">
+              <a:spcBef>
+                <a:spcPct val="20000"/>
+              </a:spcBef>
+              <a:buFont typeface="Arial"/>
+              <a:buChar char="•"/>
+              <a:defRPr sz="1800" kern="1200">
+                <a:solidFill>
+                  <a:schemeClr val="tx1"/>
+                </a:solidFill>
+                <a:latin typeface="+mn-lt"/>
+                <a:ea typeface="+mn-ea"/>
+                <a:cs typeface="+mn-cs"/>
+              </a:defRPr>
+            </a:lvl9pPr>
+          </a:lstStyle>
+          <a:p>
+            <a:pPr marL="0" indent="0" algn="just">
+              <a:spcBef>
+                <a:spcPts val="0"/>
+              </a:spcBef>
+              <a:buFontTx/>
+              <a:buNone/>
+            </a:pPr>
+            <a:r>
+              <a:rPr lang="en-US" dirty="0" smtClean="0"/>
+              <a:t>TODO: Other components should be checked</a:t>
+            </a:r>
+            <a:endParaRPr lang="en-US" dirty="0"/>
+          </a:p>
+        </p:txBody>
+      </p:sp>
+    </p:spTree>
+    <p:extLst>
+      <p:ext uri="{BB962C8B-B14F-4D97-AF65-F5344CB8AC3E}">
+        <p14:creationId xmlns:p14="http://schemas.microsoft.com/office/powerpoint/2010/main" val="2008142909"/>
+      </p:ext>
+    </p:extLst>
+  </p:cSld>
+  <p:clrMapOvr>
+    <a:masterClrMapping/>
+  </p:clrMapOvr>
+</p:sld>
+</file>
+
+<file path=ppt/slides/slide6.xml><?xml version="1.0" encoding="utf-8"?>
+<p:sld xmlns:a="http://schemas.openxmlformats.org/drawingml/2006/main" xmlns:r="http://schemas.openxmlformats.org/officeDocument/2006/relationships" xmlns:p="http://schemas.openxmlformats.org/presentationml/2006/main">
+  <p:cSld>
+    <p:bg>
+      <p:bgPr>
+        <a:solidFill>
+          <a:schemeClr val="bg1"/>
+        </a:solidFill>
+        <a:effectLst/>
+      </p:bgPr>
+    </p:bg>
+    <p:spTree>
+      <p:nvGrpSpPr>
+        <p:cNvPr id="1" name=""/>
+        <p:cNvGrpSpPr/>
+        <p:nvPr/>
+      </p:nvGrpSpPr>
+      <p:grpSpPr>
+        <a:xfrm>
+          <a:off x="0" y="0"/>
+          <a:ext cx="0" cy="0"/>
+          <a:chOff x="0" y="0"/>
+          <a:chExt cx="0" cy="0"/>
+        </a:xfrm>
+      </p:grpSpPr>
+      <p:sp>
+        <p:nvSpPr>
+          <p:cNvPr id="2" name="Title 1"/>
+          <p:cNvSpPr>
+            <a:spLocks noGrp="1"/>
+          </p:cNvSpPr>
+          <p:nvPr>
+            <p:ph type="title"/>
+          </p:nvPr>
+        </p:nvSpPr>
+        <p:spPr>
+          <a:xfrm>
+            <a:off x="279400" y="306899"/>
+            <a:ext cx="6273934" cy="620483"/>
+          </a:xfrm>
+        </p:spPr>
+        <p:txBody>
+          <a:bodyPr/>
+          <a:lstStyle/>
+          <a:p>
+            <a:r>
+              <a:rPr lang="en-US" dirty="0" smtClean="0"/>
+              <a:t>Distances</a:t>
+            </a:r>
+            <a:endParaRPr lang="ru-RU" dirty="0"/>
+          </a:p>
+        </p:txBody>
+      </p:sp>
+      <p:pic>
+        <p:nvPicPr>
+          <p:cNvPr id="5" name="Picture 4"/>
+          <p:cNvPicPr>
+            <a:picLocks noChangeAspect="1"/>
+          </p:cNvPicPr>
+          <p:nvPr/>
+        </p:nvPicPr>
+        <p:blipFill>
+          <a:blip r:embed="rId2"/>
+          <a:stretch>
+            <a:fillRect/>
+          </a:stretch>
+        </p:blipFill>
+        <p:spPr>
+          <a:xfrm>
+            <a:off x="6786562" y="4226323"/>
+            <a:ext cx="2124075" cy="457200"/>
+          </a:xfrm>
+          <a:prstGeom prst="rect">
+            <a:avLst/>
+          </a:prstGeom>
+        </p:spPr>
+      </p:pic>
+      <p:pic>
+        <p:nvPicPr>
+          <p:cNvPr id="10" name="Content Placeholder 9"/>
+          <p:cNvPicPr>
+            <a:picLocks noGrp="1" noChangeAspect="1"/>
+          </p:cNvPicPr>
+          <p:nvPr>
+            <p:ph sz="half" idx="1"/>
+          </p:nvPr>
+        </p:nvPicPr>
+        <p:blipFill>
+          <a:blip r:embed="rId3">
+            <a:extLst>
+              <a:ext uri="{28A0092B-C50C-407E-A947-70E740481C1C}">
+                <a14:useLocalDpi xmlns:a14="http://schemas.microsoft.com/office/drawing/2010/main" val="0"/>
+              </a:ext>
+            </a:extLst>
+          </a:blip>
+          <a:stretch>
+            <a:fillRect/>
+          </a:stretch>
+        </p:blipFill>
+        <p:spPr>
+          <a:xfrm>
+            <a:off x="2641205" y="1085850"/>
+            <a:ext cx="3556529" cy="2847975"/>
+          </a:xfrm>
+        </p:spPr>
+      </p:pic>
+    </p:spTree>
+    <p:extLst>
+      <p:ext uri="{BB962C8B-B14F-4D97-AF65-F5344CB8AC3E}">
+        <p14:creationId xmlns:p14="http://schemas.microsoft.com/office/powerpoint/2010/main" val="3164072325"/>
+      </p:ext>
+    </p:extLst>
+  </p:cSld>
+  <p:clrMapOvr>
+    <a:masterClrMapping/>
+  </p:clrMapOvr>
+</p:sld>
+</file>
+
+<file path=ppt/slides/slide7.xml><?xml version="1.0" encoding="utf-8"?>
+<p:sld xmlns:a="http://schemas.openxmlformats.org/drawingml/2006/main" xmlns:r="http://schemas.openxmlformats.org/officeDocument/2006/relationships" xmlns:p="http://schemas.openxmlformats.org/presentationml/2006/main">
+  <p:cSld>
+    <p:bg>
+      <p:bgPr>
+        <a:solidFill>
+          <a:schemeClr val="bg1"/>
+        </a:solidFill>
+        <a:effectLst/>
+      </p:bgPr>
+    </p:bg>
+    <p:spTree>
+      <p:nvGrpSpPr>
+        <p:cNvPr id="1" name=""/>
+        <p:cNvGrpSpPr/>
+        <p:nvPr/>
+      </p:nvGrpSpPr>
+      <p:grpSpPr>
+        <a:xfrm>
+          <a:off x="0" y="0"/>
+          <a:ext cx="0" cy="0"/>
+          <a:chOff x="0" y="0"/>
+          <a:chExt cx="0" cy="0"/>
+        </a:xfrm>
+      </p:grpSpPr>
+      <p:pic>
+        <p:nvPicPr>
+          <p:cNvPr id="2" name="Picture 1"/>
+          <p:cNvPicPr>
+            <a:picLocks noChangeAspect="1"/>
+          </p:cNvPicPr>
+          <p:nvPr/>
+        </p:nvPicPr>
+        <p:blipFill>
+          <a:blip r:embed="rId2"/>
+          <a:stretch>
+            <a:fillRect/>
+          </a:stretch>
+        </p:blipFill>
+        <p:spPr>
+          <a:xfrm>
+            <a:off x="633412" y="4623027"/>
+            <a:ext cx="1781175" cy="142875"/>
+          </a:xfrm>
+          <a:prstGeom prst="rect">
+            <a:avLst/>
+          </a:prstGeom>
+        </p:spPr>
+      </p:pic>
+      <p:sp>
+        <p:nvSpPr>
+          <p:cNvPr id="3" name="Title 1"/>
+          <p:cNvSpPr txBox="1">
+            <a:spLocks/>
+          </p:cNvSpPr>
+          <p:nvPr/>
+        </p:nvSpPr>
+        <p:spPr>
+          <a:xfrm>
+            <a:off x="457200" y="128595"/>
+            <a:ext cx="6273934" cy="620483"/>
+          </a:xfrm>
+          <a:prstGeom prst="rect">
+            <a:avLst/>
+          </a:prstGeom>
+        </p:spPr>
+        <p:txBody>
+          <a:bodyPr vert="horz" lIns="91440" tIns="45720" rIns="91440" bIns="45720" rtlCol="0" anchor="ctr">
+            <a:normAutofit/>
+          </a:bodyPr>
+          <a:lstStyle>
+            <a:lvl1pPr algn="l" defTabSz="457200" rtl="0" eaLnBrk="1" latinLnBrk="0" hangingPunct="1">
+              <a:spcBef>
+                <a:spcPct val="0"/>
+              </a:spcBef>
+              <a:buNone/>
+              <a:defRPr sz="3200" b="1" i="0" kern="1200" baseline="0">
+                <a:solidFill>
+                  <a:schemeClr val="tx1"/>
+                </a:solidFill>
+                <a:latin typeface="+mj-lt"/>
+                <a:ea typeface="+mj-ea"/>
+                <a:cs typeface="+mj-cs"/>
+              </a:defRPr>
+            </a:lvl1pPr>
+          </a:lstStyle>
+          <a:p>
+            <a:r>
+              <a:rPr lang="en-US" dirty="0" smtClean="0"/>
+              <a:t>Clustering Coefficient Distribution</a:t>
+            </a:r>
+            <a:endParaRPr lang="ru-RU" dirty="0"/>
+          </a:p>
+        </p:txBody>
+      </p:sp>
+      <p:pic>
+        <p:nvPicPr>
+          <p:cNvPr id="4" name="Picture 3"/>
+          <p:cNvPicPr>
+            <a:picLocks noChangeAspect="1"/>
+          </p:cNvPicPr>
+          <p:nvPr/>
+        </p:nvPicPr>
+        <p:blipFill>
+          <a:blip r:embed="rId3">
+            <a:extLst>
+              <a:ext uri="{28A0092B-C50C-407E-A947-70E740481C1C}">
+                <a14:useLocalDpi xmlns:a14="http://schemas.microsoft.com/office/drawing/2010/main" val="0"/>
+              </a:ext>
+            </a:extLst>
+          </a:blip>
+          <a:stretch>
+            <a:fillRect/>
+          </a:stretch>
+        </p:blipFill>
+        <p:spPr>
+          <a:xfrm>
+            <a:off x="2300287" y="885361"/>
+            <a:ext cx="4545013" cy="3601382"/>
+          </a:xfrm>
+          <a:prstGeom prst="rect">
+            <a:avLst/>
+          </a:prstGeom>
+        </p:spPr>
+      </p:pic>
+    </p:spTree>
+    <p:extLst>
+      <p:ext uri="{BB962C8B-B14F-4D97-AF65-F5344CB8AC3E}">
+        <p14:creationId xmlns:p14="http://schemas.microsoft.com/office/powerpoint/2010/main" val="379777001"/>
+      </p:ext>
+    </p:extLst>
+  </p:cSld>
+  <p:clrMapOvr>
+    <a:masterClrMapping/>
+  </p:clrMapOvr>
+  <p:timing>
+    <p:tnLst>
+      <p:par>
+        <p:cTn id="1" dur="indefinite" restart="never" nodeType="tmRoot"/>
+      </p:par>
+    </p:tnLst>
+  </p:timing>
+</p:sld>
+</file>
+
+<file path=ppt/slides/slide8.xml><?xml version="1.0" encoding="utf-8"?>
+<p:sld xmlns:a="http://schemas.openxmlformats.org/drawingml/2006/main" xmlns:r="http://schemas.openxmlformats.org/officeDocument/2006/relationships" xmlns:p="http://schemas.openxmlformats.org/presentationml/2006/main">
+  <p:cSld>
+    <p:bg>
+      <p:bgPr>
+        <a:solidFill>
+          <a:schemeClr val="bg1"/>
+        </a:solidFill>
+        <a:effectLst/>
+      </p:bgPr>
+    </p:bg>
+    <p:spTree>
+      <p:nvGrpSpPr>
+        <p:cNvPr id="1" name=""/>
+        <p:cNvGrpSpPr/>
+        <p:nvPr/>
+      </p:nvGrpSpPr>
+      <p:grpSpPr>
+        <a:xfrm>
+          <a:off x="0" y="0"/>
+          <a:ext cx="0" cy="0"/>
+          <a:chOff x="0" y="0"/>
+          <a:chExt cx="0" cy="0"/>
+        </a:xfrm>
+      </p:grpSpPr>
+      <p:sp>
+        <p:nvSpPr>
+          <p:cNvPr id="2" name="Title 1"/>
+          <p:cNvSpPr>
+            <a:spLocks noGrp="1"/>
+          </p:cNvSpPr>
+          <p:nvPr>
+            <p:ph type="title"/>
+          </p:nvPr>
+        </p:nvSpPr>
+        <p:spPr>
+          <a:xfrm>
+            <a:off x="457200" y="306899"/>
+            <a:ext cx="7016262" cy="620483"/>
+          </a:xfrm>
+        </p:spPr>
+        <p:txBody>
+          <a:bodyPr>
+            <a:normAutofit/>
+          </a:bodyPr>
+          <a:lstStyle/>
+          <a:p>
+            <a:r>
+              <a:rPr lang="en-US" dirty="0" err="1" smtClean="0"/>
+              <a:t>Betweenness</a:t>
+            </a:r>
+            <a:r>
+              <a:rPr lang="en-US" dirty="0" smtClean="0"/>
+              <a:t> Centrality in log </a:t>
+            </a:r>
+            <a:r>
+              <a:rPr lang="en-US" dirty="0" err="1" smtClean="0"/>
+              <a:t>log</a:t>
+            </a:r>
+            <a:r>
+              <a:rPr lang="en-US" dirty="0" smtClean="0"/>
+              <a:t> scale</a:t>
+            </a:r>
+            <a:endParaRPr lang="ru-RU" dirty="0"/>
+          </a:p>
+        </p:txBody>
+      </p:sp>
+      <p:pic>
+        <p:nvPicPr>
+          <p:cNvPr id="4" name="Content Placeholder 3"/>
+          <p:cNvPicPr>
+            <a:picLocks noGrp="1" noChangeAspect="1"/>
+          </p:cNvPicPr>
+          <p:nvPr>
+            <p:ph sz="half" idx="1"/>
+          </p:nvPr>
+        </p:nvPicPr>
+        <p:blipFill>
+          <a:blip r:embed="rId2">
+            <a:extLst>
+              <a:ext uri="{28A0092B-C50C-407E-A947-70E740481C1C}">
+                <a14:useLocalDpi xmlns:a14="http://schemas.microsoft.com/office/drawing/2010/main" val="0"/>
+              </a:ext>
+            </a:extLst>
+          </a:blip>
+          <a:stretch>
+            <a:fillRect/>
+          </a:stretch>
+        </p:blipFill>
+        <p:spPr>
+          <a:xfrm>
+            <a:off x="224911" y="927382"/>
+            <a:ext cx="4195233" cy="3146425"/>
+          </a:xfrm>
+        </p:spPr>
+      </p:pic>
+      <mc:AlternateContent xmlns:mc="http://schemas.openxmlformats.org/markup-compatibility/2006" xmlns:a14="http://schemas.microsoft.com/office/drawing/2010/main">
+        <mc:Choice Requires="a14">
+          <p:sp>
+            <p:nvSpPr>
+              <p:cNvPr id="3" name="TextBox 2"/>
+              <p:cNvSpPr txBox="1"/>
+              <p:nvPr/>
+            </p:nvSpPr>
+            <p:spPr>
+              <a:xfrm>
+                <a:off x="457200" y="4554415"/>
+                <a:ext cx="7925888" cy="369332"/>
+              </a:xfrm>
+              <a:prstGeom prst="rect">
+                <a:avLst/>
+              </a:prstGeom>
+              <a:noFill/>
+            </p:spPr>
+            <p:txBody>
+              <a:bodyPr wrap="none" rtlCol="0">
+                <a:spAutoFit/>
+              </a:bodyPr>
+              <a:lstStyle/>
+              <a:p>
+                <a14:m>
+                  <m:oMath xmlns:m="http://schemas.openxmlformats.org/officeDocument/2006/math">
+                    <m:sSub>
+                      <m:sSubPr>
+                        <m:ctrlPr>
+                          <a:rPr lang="ru-RU" i="1" smtClean="0">
+                            <a:latin typeface="Cambria Math" panose="02040503050406030204" pitchFamily="18" charset="0"/>
+                          </a:rPr>
+                        </m:ctrlPr>
+                      </m:sSubPr>
+                      <m:e>
+                        <m:r>
+                          <a:rPr lang="ru-RU" b="0" i="1" smtClean="0">
+                            <a:latin typeface="Cambria Math" panose="02040503050406030204" pitchFamily="18" charset="0"/>
+                          </a:rPr>
+                          <m:t>С</m:t>
+                        </m:r>
+                      </m:e>
+                      <m:sub>
+                        <m:r>
+                          <a:rPr lang="en-US" b="0" i="1" smtClean="0">
+                            <a:latin typeface="Cambria Math" panose="02040503050406030204" pitchFamily="18" charset="0"/>
+                          </a:rPr>
+                          <m:t>𝐵</m:t>
+                        </m:r>
+                      </m:sub>
+                    </m:sSub>
+                    <m:r>
+                      <a:rPr lang="en-US" b="0" i="1" smtClean="0">
+                        <a:latin typeface="Cambria Math" panose="02040503050406030204" pitchFamily="18" charset="0"/>
+                      </a:rPr>
+                      <m:t>(</m:t>
+                    </m:r>
+                    <m:sSub>
+                      <m:sSubPr>
+                        <m:ctrlPr>
+                          <a:rPr lang="en-US" b="0" i="1" smtClean="0">
+                            <a:latin typeface="Cambria Math" panose="02040503050406030204" pitchFamily="18" charset="0"/>
+                          </a:rPr>
+                        </m:ctrlPr>
+                      </m:sSubPr>
+                      <m:e>
+                        <m:r>
+                          <a:rPr lang="ru-RU" b="0" i="1" smtClean="0">
+                            <a:latin typeface="Cambria Math" panose="02040503050406030204" pitchFamily="18" charset="0"/>
+                            <a:ea typeface="Cambria Math" panose="02040503050406030204" pitchFamily="18" charset="0"/>
+                          </a:rPr>
+                          <m:t>𝜈</m:t>
+                        </m:r>
+                      </m:e>
+                      <m:sub>
+                        <m:r>
+                          <a:rPr lang="en-US" b="0" i="1" smtClean="0">
+                            <a:latin typeface="Cambria Math" panose="02040503050406030204" pitchFamily="18" charset="0"/>
+                            <a:ea typeface="Cambria Math" panose="02040503050406030204" pitchFamily="18" charset="0"/>
+                          </a:rPr>
+                          <m:t>𝜅</m:t>
+                        </m:r>
+                      </m:sub>
+                    </m:sSub>
+                    <m:r>
+                      <a:rPr lang="en-US" b="0" i="1" smtClean="0">
+                        <a:latin typeface="Cambria Math" panose="02040503050406030204" pitchFamily="18" charset="0"/>
+                      </a:rPr>
+                      <m:t>)</m:t>
+                    </m:r>
+                  </m:oMath>
+                </a14:m>
+                <a:r>
+                  <a:rPr lang="ru-RU" dirty="0" smtClean="0"/>
+                  <a:t> </a:t>
+                </a:r>
+                <a:r>
+                  <a:rPr lang="en-US" dirty="0" smtClean="0"/>
+                  <a:t>evaluates the appearance of node </a:t>
+                </a:r>
+                <a14:m>
+                  <m:oMath xmlns:m="http://schemas.openxmlformats.org/officeDocument/2006/math">
+                    <m:sSub>
+                      <m:sSubPr>
+                        <m:ctrlPr>
+                          <a:rPr lang="en-US" i="1">
+                            <a:latin typeface="Cambria Math" panose="02040503050406030204" pitchFamily="18" charset="0"/>
+                          </a:rPr>
+                        </m:ctrlPr>
+                      </m:sSubPr>
+                      <m:e>
+                        <m:r>
+                          <a:rPr lang="ru-RU" i="1">
+                            <a:latin typeface="Cambria Math" panose="02040503050406030204" pitchFamily="18" charset="0"/>
+                            <a:ea typeface="Cambria Math" panose="02040503050406030204" pitchFamily="18" charset="0"/>
+                          </a:rPr>
+                          <m:t>𝜈</m:t>
+                        </m:r>
+                      </m:e>
+                      <m:sub>
+                        <m:r>
+                          <a:rPr lang="en-US" i="1">
+                            <a:latin typeface="Cambria Math" panose="02040503050406030204" pitchFamily="18" charset="0"/>
+                            <a:ea typeface="Cambria Math" panose="02040503050406030204" pitchFamily="18" charset="0"/>
+                          </a:rPr>
+                          <m:t>𝜅</m:t>
+                        </m:r>
+                      </m:sub>
+                    </m:sSub>
+                  </m:oMath>
+                </a14:m>
+                <a:r>
+                  <a:rPr lang="en-US" dirty="0" smtClean="0"/>
+                  <a:t> on the all shortest paths in a network</a:t>
+                </a:r>
+                <a:endParaRPr lang="ru-RU" dirty="0"/>
+              </a:p>
+            </p:txBody>
+          </p:sp>
+        </mc:Choice>
+        <mc:Fallback xmlns="">
+          <p:sp>
+            <p:nvSpPr>
+              <p:cNvPr id="3" name="TextBox 2"/>
+              <p:cNvSpPr txBox="1">
+                <a:spLocks noRot="1" noChangeAspect="1" noMove="1" noResize="1" noEditPoints="1" noAdjustHandles="1" noChangeArrowheads="1" noChangeShapeType="1" noTextEdit="1"/>
+              </p:cNvSpPr>
+              <p:nvPr/>
+            </p:nvSpPr>
+            <p:spPr>
+              <a:xfrm>
+                <a:off x="457200" y="4554415"/>
+                <a:ext cx="7925888" cy="369332"/>
+              </a:xfrm>
+              <a:prstGeom prst="rect">
+                <a:avLst/>
+              </a:prstGeom>
+              <a:blipFill>
+                <a:blip r:embed="rId3"/>
+                <a:stretch>
+                  <a:fillRect t="-8197" b="-24590"/>
+                </a:stretch>
+              </a:blipFill>
+            </p:spPr>
+            <p:txBody>
+              <a:bodyPr/>
+              <a:lstStyle/>
+              <a:p>
+                <a:r>
+                  <a:rPr lang="ru-RU">
+                    <a:noFill/>
+                  </a:rPr>
+                  <a:t> </a:t>
+                </a:r>
+              </a:p>
+            </p:txBody>
+          </p:sp>
+        </mc:Fallback>
+      </mc:AlternateContent>
+    </p:spTree>
+    <p:extLst>
+      <p:ext uri="{BB962C8B-B14F-4D97-AF65-F5344CB8AC3E}">
+        <p14:creationId xmlns:p14="http://schemas.microsoft.com/office/powerpoint/2010/main" val="3123058431"/>
+      </p:ext>
+    </p:extLst>
+  </p:cSld>
+  <p:clrMapOvr>
+    <a:masterClrMapping/>
+  </p:clrMapOvr>
+</p:sld>
+</file>
+
+<file path=ppt/slides/slide9.xml><?xml version="1.0" encoding="utf-8"?>
+<p:sld xmlns:a="http://schemas.openxmlformats.org/drawingml/2006/main" xmlns:r="http://schemas.openxmlformats.org/officeDocument/2006/relationships" xmlns:p="http://schemas.openxmlformats.org/presentationml/2006/main">
+  <p:cSld>
+    <p:bg>
+      <p:bgPr>
+        <a:solidFill>
+          <a:schemeClr val="bg1"/>
+        </a:solidFill>
+        <a:effectLst/>
+      </p:bgPr>
+    </p:bg>
+    <p:spTree>
+      <p:nvGrpSpPr>
+        <p:cNvPr id="1" name=""/>
+        <p:cNvGrpSpPr/>
+        <p:nvPr/>
+      </p:nvGrpSpPr>
+      <p:grpSpPr>
+        <a:xfrm>
+          <a:off x="0" y="0"/>
+          <a:ext cx="0" cy="0"/>
+          <a:chOff x="0" y="0"/>
+          <a:chExt cx="0" cy="0"/>
+        </a:xfrm>
+      </p:grpSpPr>
+      <p:sp>
+        <p:nvSpPr>
+          <p:cNvPr id="2" name="Title 1"/>
+          <p:cNvSpPr>
+            <a:spLocks noGrp="1"/>
+          </p:cNvSpPr>
+          <p:nvPr>
+            <p:ph type="title"/>
+          </p:nvPr>
+        </p:nvSpPr>
+        <p:spPr>
+          <a:xfrm>
+            <a:off x="457200" y="128595"/>
+            <a:ext cx="6273934" cy="620483"/>
+          </a:xfrm>
+        </p:spPr>
+        <p:txBody>
+          <a:bodyPr/>
+          <a:lstStyle/>
+          <a:p>
+            <a:r>
+              <a:rPr lang="en-US" dirty="0" err="1" smtClean="0"/>
+              <a:t>Assortativity</a:t>
+            </a:r>
+            <a:endParaRPr lang="ru-RU" dirty="0"/>
+          </a:p>
+        </p:txBody>
+      </p:sp>
+      <p:sp>
+        <p:nvSpPr>
+          <p:cNvPr id="3" name="Content Placeholder 2"/>
+          <p:cNvSpPr>
+            <a:spLocks noGrp="1"/>
+          </p:cNvSpPr>
+          <p:nvPr>
+            <p:ph sz="half" idx="1"/>
+          </p:nvPr>
+        </p:nvSpPr>
+        <p:spPr>
+          <a:xfrm>
+            <a:off x="342900" y="990387"/>
+            <a:ext cx="4507037" cy="1486113"/>
+          </a:xfrm>
+        </p:spPr>
+        <p:txBody>
+          <a:bodyPr>
+            <a:normAutofit/>
+          </a:bodyPr>
+          <a:lstStyle/>
+          <a:p>
+            <a:pPr marL="0" indent="0" algn="just">
+              <a:buNone/>
+            </a:pPr>
+            <a:r>
+              <a:rPr lang="en-US" dirty="0"/>
+              <a:t>The average degree connectivity is the average nearest neighbor degree of nodes with degree k. </a:t>
+            </a:r>
+            <a:endParaRPr lang="ru-RU" dirty="0"/>
+          </a:p>
+        </p:txBody>
+      </p:sp>
+      <p:pic>
+        <p:nvPicPr>
+          <p:cNvPr id="4" name="Picture 3"/>
+          <p:cNvPicPr>
+            <a:picLocks noChangeAspect="1"/>
+          </p:cNvPicPr>
+          <p:nvPr/>
+        </p:nvPicPr>
+        <p:blipFill>
+          <a:blip r:embed="rId2">
+            <a:extLst>
+              <a:ext uri="{28A0092B-C50C-407E-A947-70E740481C1C}">
+                <a14:useLocalDpi xmlns:a14="http://schemas.microsoft.com/office/drawing/2010/main" val="0"/>
+              </a:ext>
+            </a:extLst>
+          </a:blip>
+          <a:stretch>
+            <a:fillRect/>
+          </a:stretch>
+        </p:blipFill>
+        <p:spPr>
+          <a:xfrm>
+            <a:off x="4849937" y="749078"/>
+            <a:ext cx="4116263" cy="3087197"/>
+          </a:xfrm>
+          <a:prstGeom prst="rect">
+            <a:avLst/>
+          </a:prstGeom>
+        </p:spPr>
+      </p:pic>
+      <p:sp>
+        <p:nvSpPr>
+          <p:cNvPr id="5" name="Content Placeholder 2"/>
+          <p:cNvSpPr txBox="1">
+            <a:spLocks/>
+          </p:cNvSpPr>
+          <p:nvPr/>
+        </p:nvSpPr>
+        <p:spPr>
+          <a:xfrm>
+            <a:off x="457200" y="4204574"/>
+            <a:ext cx="8509000" cy="758347"/>
+          </a:xfrm>
+          <a:prstGeom prst="rect">
+            <a:avLst/>
+          </a:prstGeom>
+        </p:spPr>
+        <p:txBody>
+          <a:bodyPr vert="horz" lIns="91440" tIns="45720" rIns="91440" bIns="45720" rtlCol="0">
+            <a:normAutofit/>
+          </a:bodyPr>
+          <a:lstStyle>
+            <a:lvl1pPr marL="342900" indent="-342900" algn="l" defTabSz="457200" rtl="0" eaLnBrk="1" latinLnBrk="0" hangingPunct="1">
+              <a:spcBef>
+                <a:spcPct val="20000"/>
+              </a:spcBef>
+              <a:buSzPct val="100000"/>
+              <a:buFontTx/>
+              <a:buBlip>
+                <a:blip r:embed="rId3"/>
+              </a:buBlip>
+              <a:defRPr sz="2400" kern="1200">
+                <a:solidFill>
+                  <a:schemeClr val="tx1"/>
+                </a:solidFill>
+                <a:latin typeface="+mn-lt"/>
+                <a:ea typeface="+mn-ea"/>
+                <a:cs typeface="+mn-cs"/>
+              </a:defRPr>
+            </a:lvl1pPr>
+            <a:lvl2pPr marL="742950" indent="-285750" algn="l" defTabSz="457200" rtl="0" eaLnBrk="1" latinLnBrk="0" hangingPunct="1">
+              <a:spcBef>
+                <a:spcPct val="20000"/>
+              </a:spcBef>
+              <a:buFont typeface="Arial"/>
+              <a:buChar char="•"/>
+              <a:defRPr sz="2400" kern="1200">
+                <a:solidFill>
+                  <a:schemeClr val="tx1"/>
+                </a:solidFill>
+                <a:latin typeface="+mn-lt"/>
+                <a:ea typeface="+mn-ea"/>
+                <a:cs typeface="+mn-cs"/>
+              </a:defRPr>
+            </a:lvl2pPr>
+            <a:lvl3pPr marL="1143000" indent="-228600" algn="l" defTabSz="457200" rtl="0" eaLnBrk="1" latinLnBrk="0" hangingPunct="1">
+              <a:spcBef>
+                <a:spcPct val="20000"/>
+              </a:spcBef>
+              <a:buFont typeface="Arial"/>
+              <a:buChar char="•"/>
+              <a:defRPr sz="2000" kern="1200">
+                <a:solidFill>
+                  <a:schemeClr val="tx1"/>
+                </a:solidFill>
+                <a:latin typeface="+mn-lt"/>
+                <a:ea typeface="+mn-ea"/>
+                <a:cs typeface="+mn-cs"/>
+              </a:defRPr>
+            </a:lvl3pPr>
+            <a:lvl4pPr marL="1600200" indent="-228600" algn="l" defTabSz="457200" rtl="0" eaLnBrk="1" latinLnBrk="0" hangingPunct="1">
+              <a:spcBef>
+                <a:spcPct val="20000"/>
+              </a:spcBef>
+              <a:buFont typeface="Arial"/>
+              <a:buChar char="•"/>
+              <a:defRPr sz="1800" kern="1200">
+                <a:solidFill>
+                  <a:schemeClr val="tx1"/>
+                </a:solidFill>
+                <a:latin typeface="+mn-lt"/>
+                <a:ea typeface="+mn-ea"/>
+                <a:cs typeface="+mn-cs"/>
+              </a:defRPr>
+            </a:lvl4pPr>
+            <a:lvl5pPr marL="2057400" indent="-228600" algn="l" defTabSz="457200" rtl="0" eaLnBrk="1" latinLnBrk="0" hangingPunct="1">
+              <a:spcBef>
+                <a:spcPct val="20000"/>
+              </a:spcBef>
+              <a:buFont typeface="Arial"/>
+              <a:buChar char="•"/>
+              <a:defRPr sz="1800" kern="1200">
+                <a:solidFill>
+                  <a:schemeClr val="tx1"/>
+                </a:solidFill>
+                <a:latin typeface="+mn-lt"/>
+                <a:ea typeface="+mn-ea"/>
+                <a:cs typeface="+mn-cs"/>
+              </a:defRPr>
+            </a:lvl5pPr>
+            <a:lvl6pPr marL="2514600" indent="-228600" algn="l" defTabSz="457200" rtl="0" eaLnBrk="1" latinLnBrk="0" hangingPunct="1">
+              <a:spcBef>
+                <a:spcPct val="20000"/>
+              </a:spcBef>
+              <a:buFont typeface="Arial"/>
+              <a:buChar char="•"/>
+              <a:defRPr sz="1800" kern="1200">
+                <a:solidFill>
+                  <a:schemeClr val="tx1"/>
+                </a:solidFill>
+                <a:latin typeface="+mn-lt"/>
+                <a:ea typeface="+mn-ea"/>
+                <a:cs typeface="+mn-cs"/>
+              </a:defRPr>
+            </a:lvl6pPr>
+            <a:lvl7pPr marL="2971800" indent="-228600" algn="l" defTabSz="457200" rtl="0" eaLnBrk="1" latinLnBrk="0" hangingPunct="1">
+              <a:spcBef>
+                <a:spcPct val="20000"/>
+              </a:spcBef>
+              <a:buFont typeface="Arial"/>
+              <a:buChar char="•"/>
+              <a:defRPr sz="1800" kern="1200">
+                <a:solidFill>
+                  <a:schemeClr val="tx1"/>
+                </a:solidFill>
+                <a:latin typeface="+mn-lt"/>
+                <a:ea typeface="+mn-ea"/>
+                <a:cs typeface="+mn-cs"/>
+              </a:defRPr>
+            </a:lvl7pPr>
+            <a:lvl8pPr marL="3429000" indent="-228600" algn="l" defTabSz="457200" rtl="0" eaLnBrk="1" latinLnBrk="0" hangingPunct="1">
+              <a:spcBef>
+                <a:spcPct val="20000"/>
+              </a:spcBef>
+              <a:buFont typeface="Arial"/>
+              <a:buChar char="•"/>
+              <a:defRPr sz="1800" kern="1200">
+                <a:solidFill>
+                  <a:schemeClr val="tx1"/>
+                </a:solidFill>
+                <a:latin typeface="+mn-lt"/>
+                <a:ea typeface="+mn-ea"/>
+                <a:cs typeface="+mn-cs"/>
+              </a:defRPr>
+            </a:lvl8pPr>
+            <a:lvl9pPr marL="3886200" indent="-228600" algn="l" defTabSz="457200" rtl="0" eaLnBrk="1" latinLnBrk="0" hangingPunct="1">
+              <a:spcBef>
+                <a:spcPct val="20000"/>
+              </a:spcBef>
+              <a:buFont typeface="Arial"/>
+              <a:buChar char="•"/>
+              <a:defRPr sz="1800" kern="1200">
+                <a:solidFill>
+                  <a:schemeClr val="tx1"/>
+                </a:solidFill>
+                <a:latin typeface="+mn-lt"/>
+                <a:ea typeface="+mn-ea"/>
+                <a:cs typeface="+mn-cs"/>
+              </a:defRPr>
+            </a:lvl9pPr>
+          </a:lstStyle>
+          <a:p>
+            <a:pPr marL="0" indent="0" algn="just">
+              <a:buNone/>
+            </a:pPr>
+            <a:r>
+              <a:rPr lang="en-US" dirty="0" smtClean="0"/>
+              <a:t>Degree Pearson correlation coefficient: </a:t>
+            </a:r>
+            <a:r>
+              <a:rPr lang="en-US" dirty="0"/>
+              <a:t>-0.002628226403824088</a:t>
+            </a:r>
+            <a:endParaRPr lang="ru-RU" dirty="0"/>
+          </a:p>
+        </p:txBody>
+      </p:sp>
+      <p:sp>
+        <p:nvSpPr>
+          <p:cNvPr id="7" name="Content Placeholder 2"/>
+          <p:cNvSpPr txBox="1">
+            <a:spLocks/>
+          </p:cNvSpPr>
+          <p:nvPr/>
+        </p:nvSpPr>
+        <p:spPr>
+          <a:xfrm>
+            <a:off x="342900" y="2688323"/>
+            <a:ext cx="4507037" cy="1147952"/>
+          </a:xfrm>
+          <a:prstGeom prst="rect">
+            <a:avLst/>
+          </a:prstGeom>
+        </p:spPr>
+        <p:txBody>
+          <a:bodyPr vert="horz" lIns="91440" tIns="45720" rIns="91440" bIns="45720" rtlCol="0">
+            <a:normAutofit/>
+          </a:bodyPr>
+          <a:lstStyle>
+            <a:lvl1pPr marL="342900" indent="-342900" algn="l" defTabSz="457200" rtl="0" eaLnBrk="1" latinLnBrk="0" hangingPunct="1">
+              <a:spcBef>
+                <a:spcPct val="20000"/>
+              </a:spcBef>
+              <a:buSzPct val="100000"/>
+              <a:buFontTx/>
+              <a:buBlip>
+                <a:blip r:embed="rId3"/>
+              </a:buBlip>
+              <a:defRPr sz="2400" kern="1200">
+                <a:solidFill>
+                  <a:schemeClr val="tx1"/>
+                </a:solidFill>
+                <a:latin typeface="+mn-lt"/>
+                <a:ea typeface="+mn-ea"/>
+                <a:cs typeface="+mn-cs"/>
+              </a:defRPr>
+            </a:lvl1pPr>
+            <a:lvl2pPr marL="742950" indent="-285750" algn="l" defTabSz="457200" rtl="0" eaLnBrk="1" latinLnBrk="0" hangingPunct="1">
+              <a:spcBef>
+                <a:spcPct val="20000"/>
+              </a:spcBef>
+              <a:buFont typeface="Arial"/>
+              <a:buChar char="•"/>
+              <a:defRPr sz="2400" kern="1200">
+                <a:solidFill>
+                  <a:schemeClr val="tx1"/>
+                </a:solidFill>
+                <a:latin typeface="+mn-lt"/>
+                <a:ea typeface="+mn-ea"/>
+                <a:cs typeface="+mn-cs"/>
+              </a:defRPr>
+            </a:lvl2pPr>
+            <a:lvl3pPr marL="1143000" indent="-228600" algn="l" defTabSz="457200" rtl="0" eaLnBrk="1" latinLnBrk="0" hangingPunct="1">
+              <a:spcBef>
+                <a:spcPct val="20000"/>
+              </a:spcBef>
+              <a:buFont typeface="Arial"/>
+              <a:buChar char="•"/>
+              <a:defRPr sz="2000" kern="1200">
+                <a:solidFill>
+                  <a:schemeClr val="tx1"/>
+                </a:solidFill>
+                <a:latin typeface="+mn-lt"/>
+                <a:ea typeface="+mn-ea"/>
+                <a:cs typeface="+mn-cs"/>
+              </a:defRPr>
+            </a:lvl3pPr>
+            <a:lvl4pPr marL="1600200" indent="-228600" algn="l" defTabSz="457200" rtl="0" eaLnBrk="1" latinLnBrk="0" hangingPunct="1">
+              <a:spcBef>
+                <a:spcPct val="20000"/>
+              </a:spcBef>
+              <a:buFont typeface="Arial"/>
+              <a:buChar char="•"/>
+              <a:defRPr sz="1800" kern="1200">
+                <a:solidFill>
+                  <a:schemeClr val="tx1"/>
+                </a:solidFill>
+                <a:latin typeface="+mn-lt"/>
+                <a:ea typeface="+mn-ea"/>
+                <a:cs typeface="+mn-cs"/>
+              </a:defRPr>
+            </a:lvl4pPr>
+            <a:lvl5pPr marL="2057400" indent="-228600" algn="l" defTabSz="457200" rtl="0" eaLnBrk="1" latinLnBrk="0" hangingPunct="1">
+              <a:spcBef>
+                <a:spcPct val="20000"/>
+              </a:spcBef>
+              <a:buFont typeface="Arial"/>
+              <a:buChar char="•"/>
+              <a:defRPr sz="1800" kern="1200">
+                <a:solidFill>
+                  <a:schemeClr val="tx1"/>
+                </a:solidFill>
+                <a:latin typeface="+mn-lt"/>
+                <a:ea typeface="+mn-ea"/>
+                <a:cs typeface="+mn-cs"/>
+              </a:defRPr>
+            </a:lvl5pPr>
+            <a:lvl6pPr marL="2514600" indent="-228600" algn="l" defTabSz="457200" rtl="0" eaLnBrk="1" latinLnBrk="0" hangingPunct="1">
+              <a:spcBef>
+                <a:spcPct val="20000"/>
+              </a:spcBef>
+              <a:buFont typeface="Arial"/>
+              <a:buChar char="•"/>
+              <a:defRPr sz="1800" kern="1200">
+                <a:solidFill>
+                  <a:schemeClr val="tx1"/>
+                </a:solidFill>
+                <a:latin typeface="+mn-lt"/>
+                <a:ea typeface="+mn-ea"/>
+                <a:cs typeface="+mn-cs"/>
+              </a:defRPr>
+            </a:lvl6pPr>
+            <a:lvl7pPr marL="2971800" indent="-228600" algn="l" defTabSz="457200" rtl="0" eaLnBrk="1" latinLnBrk="0" hangingPunct="1">
+              <a:spcBef>
+                <a:spcPct val="20000"/>
+              </a:spcBef>
+              <a:buFont typeface="Arial"/>
+              <a:buChar char="•"/>
+              <a:defRPr sz="1800" kern="1200">
+                <a:solidFill>
+                  <a:schemeClr val="tx1"/>
+                </a:solidFill>
+                <a:latin typeface="+mn-lt"/>
+                <a:ea typeface="+mn-ea"/>
+                <a:cs typeface="+mn-cs"/>
+              </a:defRPr>
+            </a:lvl7pPr>
+            <a:lvl8pPr marL="3429000" indent="-228600" algn="l" defTabSz="457200" rtl="0" eaLnBrk="1" latinLnBrk="0" hangingPunct="1">
+              <a:spcBef>
+                <a:spcPct val="20000"/>
+              </a:spcBef>
+              <a:buFont typeface="Arial"/>
+              <a:buChar char="•"/>
+              <a:defRPr sz="1800" kern="1200">
+                <a:solidFill>
+                  <a:schemeClr val="tx1"/>
+                </a:solidFill>
+                <a:latin typeface="+mn-lt"/>
+                <a:ea typeface="+mn-ea"/>
+                <a:cs typeface="+mn-cs"/>
+              </a:defRPr>
+            </a:lvl8pPr>
+            <a:lvl9pPr marL="3886200" indent="-228600" algn="l" defTabSz="457200" rtl="0" eaLnBrk="1" latinLnBrk="0" hangingPunct="1">
+              <a:spcBef>
+                <a:spcPct val="20000"/>
+              </a:spcBef>
+              <a:buFont typeface="Arial"/>
+              <a:buChar char="•"/>
+              <a:defRPr sz="1800" kern="1200">
+                <a:solidFill>
+                  <a:schemeClr val="tx1"/>
+                </a:solidFill>
+                <a:latin typeface="+mn-lt"/>
+                <a:ea typeface="+mn-ea"/>
+                <a:cs typeface="+mn-cs"/>
+              </a:defRPr>
+            </a:lvl9pPr>
+          </a:lstStyle>
+          <a:p>
+            <a:pPr marL="0" indent="0" algn="just">
+              <a:buNone/>
+            </a:pPr>
+            <a:r>
+              <a:rPr lang="en-US" dirty="0" smtClean="0"/>
+              <a:t>This network is </a:t>
+            </a:r>
+            <a:r>
+              <a:rPr lang="en-US" dirty="0" err="1" smtClean="0"/>
+              <a:t>disassortative</a:t>
+            </a:r>
+            <a:endParaRPr lang="en-US" dirty="0" smtClean="0"/>
+          </a:p>
+        </p:txBody>
+      </p:sp>
+    </p:spTree>
+    <p:extLst>
+      <p:ext uri="{BB962C8B-B14F-4D97-AF65-F5344CB8AC3E}">
+        <p14:creationId xmlns:p14="http://schemas.microsoft.com/office/powerpoint/2010/main" val="2827962398"/>
       </p:ext>
     </p:extLst>
   </p:cSld>

--- a/Project/Coursework_ip.pptx
+++ b/Project/Coursework_ip.pptx
@@ -6,10 +6,10 @@
     <p:sldMasterId id="2147483698" r:id="rId2"/>
   </p:sldMasterIdLst>
   <p:notesMasterIdLst>
-    <p:notesMasterId r:id="rId16"/>
+    <p:notesMasterId r:id="rId18"/>
   </p:notesMasterIdLst>
   <p:handoutMasterIdLst>
-    <p:handoutMasterId r:id="rId17"/>
+    <p:handoutMasterId r:id="rId19"/>
   </p:handoutMasterIdLst>
   <p:sldIdLst>
     <p:sldId id="265" r:id="rId3"/>
@@ -17,14 +17,16 @@
     <p:sldId id="275" r:id="rId5"/>
     <p:sldId id="266" r:id="rId6"/>
     <p:sldId id="276" r:id="rId7"/>
-    <p:sldId id="271" r:id="rId8"/>
-    <p:sldId id="267" r:id="rId9"/>
-    <p:sldId id="274" r:id="rId10"/>
-    <p:sldId id="268" r:id="rId11"/>
-    <p:sldId id="270" r:id="rId12"/>
-    <p:sldId id="273" r:id="rId13"/>
-    <p:sldId id="269" r:id="rId14"/>
-    <p:sldId id="263" r:id="rId15"/>
+    <p:sldId id="277" r:id="rId8"/>
+    <p:sldId id="271" r:id="rId9"/>
+    <p:sldId id="267" r:id="rId10"/>
+    <p:sldId id="274" r:id="rId11"/>
+    <p:sldId id="278" r:id="rId12"/>
+    <p:sldId id="268" r:id="rId13"/>
+    <p:sldId id="270" r:id="rId14"/>
+    <p:sldId id="273" r:id="rId15"/>
+    <p:sldId id="269" r:id="rId16"/>
+    <p:sldId id="263" r:id="rId17"/>
   </p:sldIdLst>
   <p:sldSz cx="9144000" cy="5143500" type="screen16x9"/>
   <p:notesSz cx="6858000" cy="9144000"/>
@@ -5798,6 +5800,587 @@
       </p:grpSpPr>
       <p:sp>
         <p:nvSpPr>
+          <p:cNvPr id="2" name="Footer Placeholder 1"/>
+          <p:cNvSpPr>
+            <a:spLocks noGrp="1"/>
+          </p:cNvSpPr>
+          <p:nvPr>
+            <p:ph type="ftr" sz="quarter" idx="3"/>
+          </p:nvPr>
+        </p:nvSpPr>
+        <p:spPr/>
+        <p:txBody>
+          <a:bodyPr/>
+          <a:lstStyle/>
+          <a:p>
+            <a:r>
+              <a:rPr lang="en-US" smtClean="0"/>
+              <a:t>International Students and Scholars Rock</a:t>
+            </a:r>
+            <a:endParaRPr lang="en-US" dirty="0"/>
+          </a:p>
+        </p:txBody>
+      </p:sp>
+      <p:pic>
+        <p:nvPicPr>
+          <p:cNvPr id="3" name="Picture 2"/>
+          <p:cNvPicPr>
+            <a:picLocks noChangeAspect="1"/>
+          </p:cNvPicPr>
+          <p:nvPr/>
+        </p:nvPicPr>
+        <p:blipFill>
+          <a:blip r:embed="rId2">
+            <a:extLst>
+              <a:ext uri="{28A0092B-C50C-407E-A947-70E740481C1C}">
+                <a14:useLocalDpi xmlns:a14="http://schemas.microsoft.com/office/drawing/2010/main" val="0"/>
+              </a:ext>
+            </a:extLst>
+          </a:blip>
+          <a:stretch>
+            <a:fillRect/>
+          </a:stretch>
+        </p:blipFill>
+        <p:spPr>
+          <a:xfrm>
+            <a:off x="1885400" y="703756"/>
+            <a:ext cx="5451572" cy="4088679"/>
+          </a:xfrm>
+          <a:prstGeom prst="rect">
+            <a:avLst/>
+          </a:prstGeom>
+        </p:spPr>
+      </p:pic>
+    </p:spTree>
+    <p:extLst>
+      <p:ext uri="{BB962C8B-B14F-4D97-AF65-F5344CB8AC3E}">
+        <p14:creationId xmlns:p14="http://schemas.microsoft.com/office/powerpoint/2010/main" val="447801248"/>
+      </p:ext>
+    </p:extLst>
+  </p:cSld>
+  <p:clrMapOvr>
+    <a:masterClrMapping/>
+  </p:clrMapOvr>
+</p:sld>
+</file>
+
+<file path=ppt/slides/slide11.xml><?xml version="1.0" encoding="utf-8"?>
+<p:sld xmlns:a="http://schemas.openxmlformats.org/drawingml/2006/main" xmlns:r="http://schemas.openxmlformats.org/officeDocument/2006/relationships" xmlns:p="http://schemas.openxmlformats.org/presentationml/2006/main">
+  <p:cSld>
+    <p:bg>
+      <p:bgPr>
+        <a:solidFill>
+          <a:schemeClr val="bg1"/>
+        </a:solidFill>
+        <a:effectLst/>
+      </p:bgPr>
+    </p:bg>
+    <p:spTree>
+      <p:nvGrpSpPr>
+        <p:cNvPr id="1" name=""/>
+        <p:cNvGrpSpPr/>
+        <p:nvPr/>
+      </p:nvGrpSpPr>
+      <p:grpSpPr>
+        <a:xfrm>
+          <a:off x="0" y="0"/>
+          <a:ext cx="0" cy="0"/>
+          <a:chOff x="0" y="0"/>
+          <a:chExt cx="0" cy="0"/>
+        </a:xfrm>
+      </p:grpSpPr>
+      <p:sp>
+        <p:nvSpPr>
+          <p:cNvPr id="2" name="Title 1"/>
+          <p:cNvSpPr>
+            <a:spLocks noGrp="1"/>
+          </p:cNvSpPr>
+          <p:nvPr>
+            <p:ph type="title"/>
+          </p:nvPr>
+        </p:nvSpPr>
+        <p:spPr>
+          <a:xfrm>
+            <a:off x="457200" y="128595"/>
+            <a:ext cx="6273934" cy="620483"/>
+          </a:xfrm>
+        </p:spPr>
+        <p:txBody>
+          <a:bodyPr/>
+          <a:lstStyle/>
+          <a:p>
+            <a:r>
+              <a:rPr lang="en-US" dirty="0" err="1" smtClean="0"/>
+              <a:t>Assortativity</a:t>
+            </a:r>
+            <a:endParaRPr lang="ru-RU" dirty="0"/>
+          </a:p>
+        </p:txBody>
+      </p:sp>
+      <p:sp>
+        <p:nvSpPr>
+          <p:cNvPr id="3" name="Content Placeholder 2"/>
+          <p:cNvSpPr>
+            <a:spLocks noGrp="1"/>
+          </p:cNvSpPr>
+          <p:nvPr>
+            <p:ph sz="half" idx="1"/>
+          </p:nvPr>
+        </p:nvSpPr>
+        <p:spPr>
+          <a:xfrm>
+            <a:off x="342900" y="990387"/>
+            <a:ext cx="4507037" cy="1486113"/>
+          </a:xfrm>
+        </p:spPr>
+        <p:txBody>
+          <a:bodyPr>
+            <a:normAutofit/>
+          </a:bodyPr>
+          <a:lstStyle/>
+          <a:p>
+            <a:pPr marL="0" indent="0" algn="just">
+              <a:buNone/>
+            </a:pPr>
+            <a:r>
+              <a:rPr lang="en-US" dirty="0"/>
+              <a:t>The average degree connectivity is the average nearest neighbor degree of nodes with degree k. </a:t>
+            </a:r>
+            <a:endParaRPr lang="ru-RU" dirty="0"/>
+          </a:p>
+        </p:txBody>
+      </p:sp>
+      <p:pic>
+        <p:nvPicPr>
+          <p:cNvPr id="4" name="Picture 3"/>
+          <p:cNvPicPr>
+            <a:picLocks noChangeAspect="1"/>
+          </p:cNvPicPr>
+          <p:nvPr/>
+        </p:nvPicPr>
+        <p:blipFill>
+          <a:blip r:embed="rId2">
+            <a:extLst>
+              <a:ext uri="{28A0092B-C50C-407E-A947-70E740481C1C}">
+                <a14:useLocalDpi xmlns:a14="http://schemas.microsoft.com/office/drawing/2010/main" val="0"/>
+              </a:ext>
+            </a:extLst>
+          </a:blip>
+          <a:stretch>
+            <a:fillRect/>
+          </a:stretch>
+        </p:blipFill>
+        <p:spPr>
+          <a:xfrm>
+            <a:off x="4849937" y="749078"/>
+            <a:ext cx="4116263" cy="3087197"/>
+          </a:xfrm>
+          <a:prstGeom prst="rect">
+            <a:avLst/>
+          </a:prstGeom>
+        </p:spPr>
+      </p:pic>
+      <p:sp>
+        <p:nvSpPr>
+          <p:cNvPr id="5" name="Content Placeholder 2"/>
+          <p:cNvSpPr txBox="1">
+            <a:spLocks/>
+          </p:cNvSpPr>
+          <p:nvPr/>
+        </p:nvSpPr>
+        <p:spPr>
+          <a:xfrm>
+            <a:off x="457200" y="4204574"/>
+            <a:ext cx="8509000" cy="758347"/>
+          </a:xfrm>
+          <a:prstGeom prst="rect">
+            <a:avLst/>
+          </a:prstGeom>
+        </p:spPr>
+        <p:txBody>
+          <a:bodyPr vert="horz" lIns="91440" tIns="45720" rIns="91440" bIns="45720" rtlCol="0">
+            <a:normAutofit/>
+          </a:bodyPr>
+          <a:lstStyle>
+            <a:lvl1pPr marL="342900" indent="-342900" algn="l" defTabSz="457200" rtl="0" eaLnBrk="1" latinLnBrk="0" hangingPunct="1">
+              <a:spcBef>
+                <a:spcPct val="20000"/>
+              </a:spcBef>
+              <a:buSzPct val="100000"/>
+              <a:buFontTx/>
+              <a:buBlip>
+                <a:blip r:embed="rId3"/>
+              </a:buBlip>
+              <a:defRPr sz="2400" kern="1200">
+                <a:solidFill>
+                  <a:schemeClr val="tx1"/>
+                </a:solidFill>
+                <a:latin typeface="+mn-lt"/>
+                <a:ea typeface="+mn-ea"/>
+                <a:cs typeface="+mn-cs"/>
+              </a:defRPr>
+            </a:lvl1pPr>
+            <a:lvl2pPr marL="742950" indent="-285750" algn="l" defTabSz="457200" rtl="0" eaLnBrk="1" latinLnBrk="0" hangingPunct="1">
+              <a:spcBef>
+                <a:spcPct val="20000"/>
+              </a:spcBef>
+              <a:buFont typeface="Arial"/>
+              <a:buChar char="•"/>
+              <a:defRPr sz="2400" kern="1200">
+                <a:solidFill>
+                  <a:schemeClr val="tx1"/>
+                </a:solidFill>
+                <a:latin typeface="+mn-lt"/>
+                <a:ea typeface="+mn-ea"/>
+                <a:cs typeface="+mn-cs"/>
+              </a:defRPr>
+            </a:lvl2pPr>
+            <a:lvl3pPr marL="1143000" indent="-228600" algn="l" defTabSz="457200" rtl="0" eaLnBrk="1" latinLnBrk="0" hangingPunct="1">
+              <a:spcBef>
+                <a:spcPct val="20000"/>
+              </a:spcBef>
+              <a:buFont typeface="Arial"/>
+              <a:buChar char="•"/>
+              <a:defRPr sz="2000" kern="1200">
+                <a:solidFill>
+                  <a:schemeClr val="tx1"/>
+                </a:solidFill>
+                <a:latin typeface="+mn-lt"/>
+                <a:ea typeface="+mn-ea"/>
+                <a:cs typeface="+mn-cs"/>
+              </a:defRPr>
+            </a:lvl3pPr>
+            <a:lvl4pPr marL="1600200" indent="-228600" algn="l" defTabSz="457200" rtl="0" eaLnBrk="1" latinLnBrk="0" hangingPunct="1">
+              <a:spcBef>
+                <a:spcPct val="20000"/>
+              </a:spcBef>
+              <a:buFont typeface="Arial"/>
+              <a:buChar char="•"/>
+              <a:defRPr sz="1800" kern="1200">
+                <a:solidFill>
+                  <a:schemeClr val="tx1"/>
+                </a:solidFill>
+                <a:latin typeface="+mn-lt"/>
+                <a:ea typeface="+mn-ea"/>
+                <a:cs typeface="+mn-cs"/>
+              </a:defRPr>
+            </a:lvl4pPr>
+            <a:lvl5pPr marL="2057400" indent="-228600" algn="l" defTabSz="457200" rtl="0" eaLnBrk="1" latinLnBrk="0" hangingPunct="1">
+              <a:spcBef>
+                <a:spcPct val="20000"/>
+              </a:spcBef>
+              <a:buFont typeface="Arial"/>
+              <a:buChar char="•"/>
+              <a:defRPr sz="1800" kern="1200">
+                <a:solidFill>
+                  <a:schemeClr val="tx1"/>
+                </a:solidFill>
+                <a:latin typeface="+mn-lt"/>
+                <a:ea typeface="+mn-ea"/>
+                <a:cs typeface="+mn-cs"/>
+              </a:defRPr>
+            </a:lvl5pPr>
+            <a:lvl6pPr marL="2514600" indent="-228600" algn="l" defTabSz="457200" rtl="0" eaLnBrk="1" latinLnBrk="0" hangingPunct="1">
+              <a:spcBef>
+                <a:spcPct val="20000"/>
+              </a:spcBef>
+              <a:buFont typeface="Arial"/>
+              <a:buChar char="•"/>
+              <a:defRPr sz="1800" kern="1200">
+                <a:solidFill>
+                  <a:schemeClr val="tx1"/>
+                </a:solidFill>
+                <a:latin typeface="+mn-lt"/>
+                <a:ea typeface="+mn-ea"/>
+                <a:cs typeface="+mn-cs"/>
+              </a:defRPr>
+            </a:lvl6pPr>
+            <a:lvl7pPr marL="2971800" indent="-228600" algn="l" defTabSz="457200" rtl="0" eaLnBrk="1" latinLnBrk="0" hangingPunct="1">
+              <a:spcBef>
+                <a:spcPct val="20000"/>
+              </a:spcBef>
+              <a:buFont typeface="Arial"/>
+              <a:buChar char="•"/>
+              <a:defRPr sz="1800" kern="1200">
+                <a:solidFill>
+                  <a:schemeClr val="tx1"/>
+                </a:solidFill>
+                <a:latin typeface="+mn-lt"/>
+                <a:ea typeface="+mn-ea"/>
+                <a:cs typeface="+mn-cs"/>
+              </a:defRPr>
+            </a:lvl7pPr>
+            <a:lvl8pPr marL="3429000" indent="-228600" algn="l" defTabSz="457200" rtl="0" eaLnBrk="1" latinLnBrk="0" hangingPunct="1">
+              <a:spcBef>
+                <a:spcPct val="20000"/>
+              </a:spcBef>
+              <a:buFont typeface="Arial"/>
+              <a:buChar char="•"/>
+              <a:defRPr sz="1800" kern="1200">
+                <a:solidFill>
+                  <a:schemeClr val="tx1"/>
+                </a:solidFill>
+                <a:latin typeface="+mn-lt"/>
+                <a:ea typeface="+mn-ea"/>
+                <a:cs typeface="+mn-cs"/>
+              </a:defRPr>
+            </a:lvl8pPr>
+            <a:lvl9pPr marL="3886200" indent="-228600" algn="l" defTabSz="457200" rtl="0" eaLnBrk="1" latinLnBrk="0" hangingPunct="1">
+              <a:spcBef>
+                <a:spcPct val="20000"/>
+              </a:spcBef>
+              <a:buFont typeface="Arial"/>
+              <a:buChar char="•"/>
+              <a:defRPr sz="1800" kern="1200">
+                <a:solidFill>
+                  <a:schemeClr val="tx1"/>
+                </a:solidFill>
+                <a:latin typeface="+mn-lt"/>
+                <a:ea typeface="+mn-ea"/>
+                <a:cs typeface="+mn-cs"/>
+              </a:defRPr>
+            </a:lvl9pPr>
+          </a:lstStyle>
+          <a:p>
+            <a:pPr marL="0" indent="0" algn="just">
+              <a:buNone/>
+            </a:pPr>
+            <a:r>
+              <a:rPr lang="en-US" dirty="0" smtClean="0"/>
+              <a:t>Degree Pearson correlation coefficient: </a:t>
+            </a:r>
+            <a:r>
+              <a:rPr lang="en-US" dirty="0"/>
+              <a:t>-0.002628226403824088</a:t>
+            </a:r>
+            <a:endParaRPr lang="ru-RU" dirty="0"/>
+          </a:p>
+        </p:txBody>
+      </p:sp>
+      <p:sp>
+        <p:nvSpPr>
+          <p:cNvPr id="7" name="Content Placeholder 2"/>
+          <p:cNvSpPr txBox="1">
+            <a:spLocks/>
+          </p:cNvSpPr>
+          <p:nvPr/>
+        </p:nvSpPr>
+        <p:spPr>
+          <a:xfrm>
+            <a:off x="342900" y="2688323"/>
+            <a:ext cx="4507037" cy="1147952"/>
+          </a:xfrm>
+          <a:prstGeom prst="rect">
+            <a:avLst/>
+          </a:prstGeom>
+        </p:spPr>
+        <p:txBody>
+          <a:bodyPr vert="horz" lIns="91440" tIns="45720" rIns="91440" bIns="45720" rtlCol="0">
+            <a:normAutofit/>
+          </a:bodyPr>
+          <a:lstStyle>
+            <a:lvl1pPr marL="342900" indent="-342900" algn="l" defTabSz="457200" rtl="0" eaLnBrk="1" latinLnBrk="0" hangingPunct="1">
+              <a:spcBef>
+                <a:spcPct val="20000"/>
+              </a:spcBef>
+              <a:buSzPct val="100000"/>
+              <a:buFontTx/>
+              <a:buBlip>
+                <a:blip r:embed="rId3"/>
+              </a:buBlip>
+              <a:defRPr sz="2400" kern="1200">
+                <a:solidFill>
+                  <a:schemeClr val="tx1"/>
+                </a:solidFill>
+                <a:latin typeface="+mn-lt"/>
+                <a:ea typeface="+mn-ea"/>
+                <a:cs typeface="+mn-cs"/>
+              </a:defRPr>
+            </a:lvl1pPr>
+            <a:lvl2pPr marL="742950" indent="-285750" algn="l" defTabSz="457200" rtl="0" eaLnBrk="1" latinLnBrk="0" hangingPunct="1">
+              <a:spcBef>
+                <a:spcPct val="20000"/>
+              </a:spcBef>
+              <a:buFont typeface="Arial"/>
+              <a:buChar char="•"/>
+              <a:defRPr sz="2400" kern="1200">
+                <a:solidFill>
+                  <a:schemeClr val="tx1"/>
+                </a:solidFill>
+                <a:latin typeface="+mn-lt"/>
+                <a:ea typeface="+mn-ea"/>
+                <a:cs typeface="+mn-cs"/>
+              </a:defRPr>
+            </a:lvl2pPr>
+            <a:lvl3pPr marL="1143000" indent="-228600" algn="l" defTabSz="457200" rtl="0" eaLnBrk="1" latinLnBrk="0" hangingPunct="1">
+              <a:spcBef>
+                <a:spcPct val="20000"/>
+              </a:spcBef>
+              <a:buFont typeface="Arial"/>
+              <a:buChar char="•"/>
+              <a:defRPr sz="2000" kern="1200">
+                <a:solidFill>
+                  <a:schemeClr val="tx1"/>
+                </a:solidFill>
+                <a:latin typeface="+mn-lt"/>
+                <a:ea typeface="+mn-ea"/>
+                <a:cs typeface="+mn-cs"/>
+              </a:defRPr>
+            </a:lvl3pPr>
+            <a:lvl4pPr marL="1600200" indent="-228600" algn="l" defTabSz="457200" rtl="0" eaLnBrk="1" latinLnBrk="0" hangingPunct="1">
+              <a:spcBef>
+                <a:spcPct val="20000"/>
+              </a:spcBef>
+              <a:buFont typeface="Arial"/>
+              <a:buChar char="•"/>
+              <a:defRPr sz="1800" kern="1200">
+                <a:solidFill>
+                  <a:schemeClr val="tx1"/>
+                </a:solidFill>
+                <a:latin typeface="+mn-lt"/>
+                <a:ea typeface="+mn-ea"/>
+                <a:cs typeface="+mn-cs"/>
+              </a:defRPr>
+            </a:lvl4pPr>
+            <a:lvl5pPr marL="2057400" indent="-228600" algn="l" defTabSz="457200" rtl="0" eaLnBrk="1" latinLnBrk="0" hangingPunct="1">
+              <a:spcBef>
+                <a:spcPct val="20000"/>
+              </a:spcBef>
+              <a:buFont typeface="Arial"/>
+              <a:buChar char="•"/>
+              <a:defRPr sz="1800" kern="1200">
+                <a:solidFill>
+                  <a:schemeClr val="tx1"/>
+                </a:solidFill>
+                <a:latin typeface="+mn-lt"/>
+                <a:ea typeface="+mn-ea"/>
+                <a:cs typeface="+mn-cs"/>
+              </a:defRPr>
+            </a:lvl5pPr>
+            <a:lvl6pPr marL="2514600" indent="-228600" algn="l" defTabSz="457200" rtl="0" eaLnBrk="1" latinLnBrk="0" hangingPunct="1">
+              <a:spcBef>
+                <a:spcPct val="20000"/>
+              </a:spcBef>
+              <a:buFont typeface="Arial"/>
+              <a:buChar char="•"/>
+              <a:defRPr sz="1800" kern="1200">
+                <a:solidFill>
+                  <a:schemeClr val="tx1"/>
+                </a:solidFill>
+                <a:latin typeface="+mn-lt"/>
+                <a:ea typeface="+mn-ea"/>
+                <a:cs typeface="+mn-cs"/>
+              </a:defRPr>
+            </a:lvl6pPr>
+            <a:lvl7pPr marL="2971800" indent="-228600" algn="l" defTabSz="457200" rtl="0" eaLnBrk="1" latinLnBrk="0" hangingPunct="1">
+              <a:spcBef>
+                <a:spcPct val="20000"/>
+              </a:spcBef>
+              <a:buFont typeface="Arial"/>
+              <a:buChar char="•"/>
+              <a:defRPr sz="1800" kern="1200">
+                <a:solidFill>
+                  <a:schemeClr val="tx1"/>
+                </a:solidFill>
+                <a:latin typeface="+mn-lt"/>
+                <a:ea typeface="+mn-ea"/>
+                <a:cs typeface="+mn-cs"/>
+              </a:defRPr>
+            </a:lvl7pPr>
+            <a:lvl8pPr marL="3429000" indent="-228600" algn="l" defTabSz="457200" rtl="0" eaLnBrk="1" latinLnBrk="0" hangingPunct="1">
+              <a:spcBef>
+                <a:spcPct val="20000"/>
+              </a:spcBef>
+              <a:buFont typeface="Arial"/>
+              <a:buChar char="•"/>
+              <a:defRPr sz="1800" kern="1200">
+                <a:solidFill>
+                  <a:schemeClr val="tx1"/>
+                </a:solidFill>
+                <a:latin typeface="+mn-lt"/>
+                <a:ea typeface="+mn-ea"/>
+                <a:cs typeface="+mn-cs"/>
+              </a:defRPr>
+            </a:lvl8pPr>
+            <a:lvl9pPr marL="3886200" indent="-228600" algn="l" defTabSz="457200" rtl="0" eaLnBrk="1" latinLnBrk="0" hangingPunct="1">
+              <a:spcBef>
+                <a:spcPct val="20000"/>
+              </a:spcBef>
+              <a:buFont typeface="Arial"/>
+              <a:buChar char="•"/>
+              <a:defRPr sz="1800" kern="1200">
+                <a:solidFill>
+                  <a:schemeClr val="tx1"/>
+                </a:solidFill>
+                <a:latin typeface="+mn-lt"/>
+                <a:ea typeface="+mn-ea"/>
+                <a:cs typeface="+mn-cs"/>
+              </a:defRPr>
+            </a:lvl9pPr>
+          </a:lstStyle>
+          <a:p>
+            <a:pPr marL="0" indent="0" algn="just">
+              <a:buNone/>
+            </a:pPr>
+            <a:r>
+              <a:rPr lang="en-US" dirty="0" smtClean="0"/>
+              <a:t>This network is </a:t>
+            </a:r>
+            <a:r>
+              <a:rPr lang="en-US" dirty="0" err="1" smtClean="0"/>
+              <a:t>disassortative</a:t>
+            </a:r>
+            <a:endParaRPr lang="en-US" dirty="0" smtClean="0"/>
+          </a:p>
+        </p:txBody>
+      </p:sp>
+    </p:spTree>
+    <p:extLst>
+      <p:ext uri="{BB962C8B-B14F-4D97-AF65-F5344CB8AC3E}">
+        <p14:creationId xmlns:p14="http://schemas.microsoft.com/office/powerpoint/2010/main" val="2827962398"/>
+      </p:ext>
+    </p:extLst>
+  </p:cSld>
+  <p:clrMapOvr>
+    <a:masterClrMapping/>
+  </p:clrMapOvr>
+  <p:timing>
+    <p:tnLst>
+      <p:par>
+        <p:cTn id="1" dur="indefinite" restart="never" nodeType="tmRoot"/>
+      </p:par>
+    </p:tnLst>
+  </p:timing>
+</p:sld>
+</file>
+
+<file path=ppt/slides/slide12.xml><?xml version="1.0" encoding="utf-8"?>
+<p:sld xmlns:a="http://schemas.openxmlformats.org/drawingml/2006/main" xmlns:r="http://schemas.openxmlformats.org/officeDocument/2006/relationships" xmlns:p="http://schemas.openxmlformats.org/presentationml/2006/main">
+  <p:cSld>
+    <p:bg>
+      <p:bgPr>
+        <a:solidFill>
+          <a:schemeClr val="bg1"/>
+        </a:solidFill>
+        <a:effectLst/>
+      </p:bgPr>
+    </p:bg>
+    <p:spTree>
+      <p:nvGrpSpPr>
+        <p:cNvPr id="1" name=""/>
+        <p:cNvGrpSpPr/>
+        <p:nvPr/>
+      </p:nvGrpSpPr>
+      <p:grpSpPr>
+        <a:xfrm>
+          <a:off x="0" y="0"/>
+          <a:ext cx="0" cy="0"/>
+          <a:chOff x="0" y="0"/>
+          <a:chExt cx="0" cy="0"/>
+        </a:xfrm>
+      </p:grpSpPr>
+      <p:sp>
+        <p:nvSpPr>
           <p:cNvPr id="2" name="Title 1"/>
           <p:cNvSpPr>
             <a:spLocks noGrp="1"/>
@@ -5869,7 +6452,21 @@
                           <a:latin typeface="Cambria Math" panose="02040503050406030204" pitchFamily="18" charset="0"/>
                           <a:ea typeface="Cambria Math" panose="02040503050406030204" pitchFamily="18" charset="0"/>
                         </a:rPr>
-                        <m:t>=1+</m:t>
+                        <m:t>=</m:t>
+                      </m:r>
+                      <m:r>
+                        <a:rPr lang="en-US" b="0" i="1" smtClean="0">
+                          <a:latin typeface="Cambria Math" panose="02040503050406030204" pitchFamily="18" charset="0"/>
+                          <a:ea typeface="Cambria Math" panose="02040503050406030204" pitchFamily="18" charset="0"/>
+                        </a:rPr>
+                        <m:t>1</m:t>
+                      </m:r>
+                      <m:r>
+                        <a:rPr lang="en-US" b="0" i="1" smtClean="0">
+                          <a:latin typeface="Cambria Math" panose="02040503050406030204" pitchFamily="18" charset="0"/>
+                          <a:ea typeface="Cambria Math" panose="02040503050406030204" pitchFamily="18" charset="0"/>
+                        </a:rPr>
+                        <m:t>+</m:t>
                       </m:r>
                       <m:r>
                         <a:rPr lang="en-US" b="0" i="1" smtClean="0">
@@ -6042,7 +6639,14 @@
                               <a:latin typeface="Cambria Math" panose="02040503050406030204" pitchFamily="18" charset="0"/>
                               <a:ea typeface="Cambria Math" panose="02040503050406030204" pitchFamily="18" charset="0"/>
                             </a:rPr>
-                            <m:t>−1</m:t>
+                            <m:t>−</m:t>
+                          </m:r>
+                          <m:r>
+                            <a:rPr lang="en-US" b="0" i="1" smtClean="0">
+                              <a:latin typeface="Cambria Math" panose="02040503050406030204" pitchFamily="18" charset="0"/>
+                              <a:ea typeface="Cambria Math" panose="02040503050406030204" pitchFamily="18" charset="0"/>
+                            </a:rPr>
+                            <m:t>1</m:t>
                           </m:r>
                         </m:sup>
                       </m:sSup>
@@ -6349,7 +6953,35 @@
                           <a:latin typeface="Cambria Math" panose="02040503050406030204" pitchFamily="18" charset="0"/>
                           <a:ea typeface="Cambria Math" panose="02040503050406030204" pitchFamily="18" charset="0"/>
                         </a:rPr>
-                        <m:t> =3.0410 (</m:t>
+                        <m:t> =</m:t>
+                      </m:r>
+                      <m:r>
+                        <a:rPr lang="ru-RU" i="1">
+                          <a:latin typeface="Cambria Math" panose="02040503050406030204" pitchFamily="18" charset="0"/>
+                          <a:ea typeface="Cambria Math" panose="02040503050406030204" pitchFamily="18" charset="0"/>
+                        </a:rPr>
+                        <m:t>3</m:t>
+                      </m:r>
+                      <m:r>
+                        <a:rPr lang="ru-RU" i="1">
+                          <a:latin typeface="Cambria Math" panose="02040503050406030204" pitchFamily="18" charset="0"/>
+                          <a:ea typeface="Cambria Math" panose="02040503050406030204" pitchFamily="18" charset="0"/>
+                        </a:rPr>
+                        <m:t>.</m:t>
+                      </m:r>
+                      <m:r>
+                        <a:rPr lang="ru-RU" i="1">
+                          <a:latin typeface="Cambria Math" panose="02040503050406030204" pitchFamily="18" charset="0"/>
+                          <a:ea typeface="Cambria Math" panose="02040503050406030204" pitchFamily="18" charset="0"/>
+                        </a:rPr>
+                        <m:t>0410</m:t>
+                      </m:r>
+                      <m:r>
+                        <a:rPr lang="ru-RU" i="1">
+                          <a:latin typeface="Cambria Math" panose="02040503050406030204" pitchFamily="18" charset="0"/>
+                          <a:ea typeface="Cambria Math" panose="02040503050406030204" pitchFamily="18" charset="0"/>
+                        </a:rPr>
+                        <m:t> (</m:t>
                       </m:r>
                       <m:sSub>
                         <m:sSubPr>
@@ -6384,7 +7016,21 @@
                           <a:latin typeface="Cambria Math" panose="02040503050406030204" pitchFamily="18" charset="0"/>
                           <a:ea typeface="Cambria Math" panose="02040503050406030204" pitchFamily="18" charset="0"/>
                         </a:rPr>
-                        <m:t>= 42)</m:t>
+                        <m:t>= </m:t>
+                      </m:r>
+                      <m:r>
+                        <a:rPr lang="en-US" i="1">
+                          <a:latin typeface="Cambria Math" panose="02040503050406030204" pitchFamily="18" charset="0"/>
+                          <a:ea typeface="Cambria Math" panose="02040503050406030204" pitchFamily="18" charset="0"/>
+                        </a:rPr>
+                        <m:t>42</m:t>
+                      </m:r>
+                      <m:r>
+                        <a:rPr lang="en-US" i="1">
+                          <a:latin typeface="Cambria Math" panose="02040503050406030204" pitchFamily="18" charset="0"/>
+                          <a:ea typeface="Cambria Math" panose="02040503050406030204" pitchFamily="18" charset="0"/>
+                        </a:rPr>
+                        <m:t>)</m:t>
                       </m:r>
                     </m:oMath>
                   </m:oMathPara>
@@ -6453,7 +7099,7 @@
 </p:sld>
 </file>
 
-<file path=ppt/slides/slide11.xml><?xml version="1.0" encoding="utf-8"?>
+<file path=ppt/slides/slide13.xml><?xml version="1.0" encoding="utf-8"?>
 <p:sld xmlns:a="http://schemas.openxmlformats.org/drawingml/2006/main" xmlns:r="http://schemas.openxmlformats.org/officeDocument/2006/relationships" xmlns:p="http://schemas.openxmlformats.org/presentationml/2006/main" show="0">
   <p:cSld>
     <p:bg>
@@ -6570,7 +7216,7 @@
 </p:sld>
 </file>
 
-<file path=ppt/slides/slide12.xml><?xml version="1.0" encoding="utf-8"?>
+<file path=ppt/slides/slide14.xml><?xml version="1.0" encoding="utf-8"?>
 <p:sld xmlns:a="http://schemas.openxmlformats.org/drawingml/2006/main" xmlns:r="http://schemas.openxmlformats.org/officeDocument/2006/relationships" xmlns:p="http://schemas.openxmlformats.org/presentationml/2006/main">
   <p:cSld>
     <p:bg>
@@ -6676,7 +7322,7 @@
 </p:sld>
 </file>
 
-<file path=ppt/slides/slide13.xml><?xml version="1.0" encoding="utf-8"?>
+<file path=ppt/slides/slide15.xml><?xml version="1.0" encoding="utf-8"?>
 <p:sld xmlns:a="http://schemas.openxmlformats.org/drawingml/2006/main" xmlns:r="http://schemas.openxmlformats.org/officeDocument/2006/relationships" xmlns:p="http://schemas.openxmlformats.org/presentationml/2006/main">
   <p:cSld>
     <p:bg>
@@ -7580,11 +8226,7 @@
           <a:p>
             <a:r>
               <a:rPr lang="en-US" dirty="0" smtClean="0"/>
-              <a:t>Filtering</a:t>
-            </a:r>
-            <a:r>
-              <a:rPr lang="en-US" dirty="0" smtClean="0"/>
-              <a:t> the giant component</a:t>
+              <a:t>Filtering the giant component</a:t>
             </a:r>
             <a:endParaRPr lang="ru-RU" dirty="0"/>
           </a:p>
@@ -7761,11 +8403,7 @@
             </a:pPr>
             <a:r>
               <a:rPr lang="en-US" dirty="0" smtClean="0"/>
-              <a:t>Significant reduce in amount of nodes and edges</a:t>
-            </a:r>
-            <a:r>
-              <a:rPr lang="en-US" dirty="0" smtClean="0"/>
-              <a:t>:</a:t>
+              <a:t>Significant reduce in amount of nodes and edges:</a:t>
             </a:r>
           </a:p>
           <a:p>
@@ -8043,6 +8681,217 @@
       </p:grpSpPr>
       <p:sp>
         <p:nvSpPr>
+          <p:cNvPr id="2" name="Footer Placeholder 1"/>
+          <p:cNvSpPr>
+            <a:spLocks noGrp="1"/>
+          </p:cNvSpPr>
+          <p:nvPr>
+            <p:ph type="ftr" sz="quarter" idx="3"/>
+          </p:nvPr>
+        </p:nvSpPr>
+        <p:spPr/>
+        <p:txBody>
+          <a:bodyPr/>
+          <a:lstStyle/>
+          <a:p>
+            <a:r>
+              <a:rPr lang="en-US" smtClean="0"/>
+              <a:t>International Students and Scholars Rock</a:t>
+            </a:r>
+            <a:endParaRPr lang="en-US" dirty="0"/>
+          </a:p>
+        </p:txBody>
+      </p:sp>
+      <p:pic>
+        <p:nvPicPr>
+          <p:cNvPr id="3" name="Picture 2"/>
+          <p:cNvPicPr>
+            <a:picLocks noChangeAspect="1"/>
+          </p:cNvPicPr>
+          <p:nvPr/>
+        </p:nvPicPr>
+        <p:blipFill>
+          <a:blip r:embed="rId2">
+            <a:extLst>
+              <a:ext uri="{28A0092B-C50C-407E-A947-70E740481C1C}">
+                <a14:useLocalDpi xmlns:a14="http://schemas.microsoft.com/office/drawing/2010/main" val="0"/>
+              </a:ext>
+            </a:extLst>
+          </a:blip>
+          <a:stretch>
+            <a:fillRect/>
+          </a:stretch>
+        </p:blipFill>
+        <p:spPr>
+          <a:xfrm>
+            <a:off x="4571995" y="2571747"/>
+            <a:ext cx="9" cy="6"/>
+          </a:xfrm>
+          <a:prstGeom prst="rect">
+            <a:avLst/>
+          </a:prstGeom>
+        </p:spPr>
+      </p:pic>
+      <p:pic>
+        <p:nvPicPr>
+          <p:cNvPr id="4" name="Picture 3"/>
+          <p:cNvPicPr>
+            <a:picLocks noChangeAspect="1"/>
+          </p:cNvPicPr>
+          <p:nvPr/>
+        </p:nvPicPr>
+        <p:blipFill>
+          <a:blip r:embed="rId2">
+            <a:extLst>
+              <a:ext uri="{28A0092B-C50C-407E-A947-70E740481C1C}">
+                <a14:useLocalDpi xmlns:a14="http://schemas.microsoft.com/office/drawing/2010/main" val="0"/>
+              </a:ext>
+            </a:extLst>
+          </a:blip>
+          <a:stretch>
+            <a:fillRect/>
+          </a:stretch>
+        </p:blipFill>
+        <p:spPr>
+          <a:xfrm>
+            <a:off x="4571995" y="2571747"/>
+            <a:ext cx="9" cy="6"/>
+          </a:xfrm>
+          <a:prstGeom prst="rect">
+            <a:avLst/>
+          </a:prstGeom>
+        </p:spPr>
+      </p:pic>
+      <p:pic>
+        <p:nvPicPr>
+          <p:cNvPr id="5" name="Picture 4"/>
+          <p:cNvPicPr>
+            <a:picLocks noChangeAspect="1"/>
+          </p:cNvPicPr>
+          <p:nvPr/>
+        </p:nvPicPr>
+        <p:blipFill>
+          <a:blip r:embed="rId2">
+            <a:extLst>
+              <a:ext uri="{28A0092B-C50C-407E-A947-70E740481C1C}">
+                <a14:useLocalDpi xmlns:a14="http://schemas.microsoft.com/office/drawing/2010/main" val="0"/>
+              </a:ext>
+            </a:extLst>
+          </a:blip>
+          <a:stretch>
+            <a:fillRect/>
+          </a:stretch>
+        </p:blipFill>
+        <p:spPr>
+          <a:xfrm>
+            <a:off x="4571995" y="2571747"/>
+            <a:ext cx="9" cy="6"/>
+          </a:xfrm>
+          <a:prstGeom prst="rect">
+            <a:avLst/>
+          </a:prstGeom>
+        </p:spPr>
+      </p:pic>
+      <p:pic>
+        <p:nvPicPr>
+          <p:cNvPr id="6" name="Picture 5"/>
+          <p:cNvPicPr>
+            <a:picLocks noChangeAspect="1"/>
+          </p:cNvPicPr>
+          <p:nvPr/>
+        </p:nvPicPr>
+        <p:blipFill>
+          <a:blip r:embed="rId2">
+            <a:extLst>
+              <a:ext uri="{28A0092B-C50C-407E-A947-70E740481C1C}">
+                <a14:useLocalDpi xmlns:a14="http://schemas.microsoft.com/office/drawing/2010/main" val="0"/>
+              </a:ext>
+            </a:extLst>
+          </a:blip>
+          <a:stretch>
+            <a:fillRect/>
+          </a:stretch>
+        </p:blipFill>
+        <p:spPr>
+          <a:xfrm>
+            <a:off x="4571995" y="2571747"/>
+            <a:ext cx="9" cy="6"/>
+          </a:xfrm>
+          <a:prstGeom prst="rect">
+            <a:avLst/>
+          </a:prstGeom>
+        </p:spPr>
+      </p:pic>
+      <p:pic>
+        <p:nvPicPr>
+          <p:cNvPr id="8" name="Picture 7"/>
+          <p:cNvPicPr>
+            <a:picLocks noChangeAspect="1"/>
+          </p:cNvPicPr>
+          <p:nvPr/>
+        </p:nvPicPr>
+        <p:blipFill>
+          <a:blip r:embed="rId2">
+            <a:extLst>
+              <a:ext uri="{28A0092B-C50C-407E-A947-70E740481C1C}">
+                <a14:useLocalDpi xmlns:a14="http://schemas.microsoft.com/office/drawing/2010/main" val="0"/>
+              </a:ext>
+            </a:extLst>
+          </a:blip>
+          <a:stretch>
+            <a:fillRect/>
+          </a:stretch>
+        </p:blipFill>
+        <p:spPr>
+          <a:xfrm>
+            <a:off x="1253549" y="596594"/>
+            <a:ext cx="5878290" cy="3950318"/>
+          </a:xfrm>
+          <a:prstGeom prst="rect">
+            <a:avLst/>
+          </a:prstGeom>
+        </p:spPr>
+      </p:pic>
+    </p:spTree>
+    <p:extLst>
+      <p:ext uri="{BB962C8B-B14F-4D97-AF65-F5344CB8AC3E}">
+        <p14:creationId xmlns:p14="http://schemas.microsoft.com/office/powerpoint/2010/main" val="1704754107"/>
+      </p:ext>
+    </p:extLst>
+  </p:cSld>
+  <p:clrMapOvr>
+    <a:masterClrMapping/>
+  </p:clrMapOvr>
+</p:sld>
+</file>
+
+<file path=ppt/slides/slide7.xml><?xml version="1.0" encoding="utf-8"?>
+<p:sld xmlns:a="http://schemas.openxmlformats.org/drawingml/2006/main" xmlns:r="http://schemas.openxmlformats.org/officeDocument/2006/relationships" xmlns:p="http://schemas.openxmlformats.org/presentationml/2006/main">
+  <p:cSld>
+    <p:bg>
+      <p:bgPr>
+        <a:solidFill>
+          <a:schemeClr val="bg1"/>
+        </a:solidFill>
+        <a:effectLst/>
+      </p:bgPr>
+    </p:bg>
+    <p:spTree>
+      <p:nvGrpSpPr>
+        <p:cNvPr id="1" name=""/>
+        <p:cNvGrpSpPr/>
+        <p:nvPr/>
+      </p:nvGrpSpPr>
+      <p:grpSpPr>
+        <a:xfrm>
+          <a:off x="0" y="0"/>
+          <a:ext cx="0" cy="0"/>
+          <a:chOff x="0" y="0"/>
+          <a:chExt cx="0" cy="0"/>
+        </a:xfrm>
+      </p:grpSpPr>
+      <p:sp>
+        <p:nvSpPr>
           <p:cNvPr id="2" name="Title 1"/>
           <p:cNvSpPr>
             <a:spLocks noGrp="1"/>
@@ -8135,7 +8984,7 @@
 </p:sld>
 </file>
 
-<file path=ppt/slides/slide7.xml><?xml version="1.0" encoding="utf-8"?>
+<file path=ppt/slides/slide8.xml><?xml version="1.0" encoding="utf-8"?>
 <p:sld xmlns:a="http://schemas.openxmlformats.org/drawingml/2006/main" xmlns:r="http://schemas.openxmlformats.org/officeDocument/2006/relationships" xmlns:p="http://schemas.openxmlformats.org/presentationml/2006/main">
   <p:cSld>
     <p:bg>
@@ -8280,7 +9129,7 @@
 </p:sld>
 </file>
 
-<file path=ppt/slides/slide8.xml><?xml version="1.0" encoding="utf-8"?>
+<file path=ppt/slides/slide9.xml><?xml version="1.0" encoding="utf-8"?>
 <p:sld xmlns:a="http://schemas.openxmlformats.org/drawingml/2006/main" xmlns:r="http://schemas.openxmlformats.org/officeDocument/2006/relationships" xmlns:p="http://schemas.openxmlformats.org/presentationml/2006/main">
   <p:cSld>
     <p:bg>
@@ -8565,496 +9414,6 @@
   <p:clrMapOvr>
     <a:masterClrMapping/>
   </p:clrMapOvr>
-</p:sld>
-</file>
-
-<file path=ppt/slides/slide9.xml><?xml version="1.0" encoding="utf-8"?>
-<p:sld xmlns:a="http://schemas.openxmlformats.org/drawingml/2006/main" xmlns:r="http://schemas.openxmlformats.org/officeDocument/2006/relationships" xmlns:p="http://schemas.openxmlformats.org/presentationml/2006/main">
-  <p:cSld>
-    <p:bg>
-      <p:bgPr>
-        <a:solidFill>
-          <a:schemeClr val="bg1"/>
-        </a:solidFill>
-        <a:effectLst/>
-      </p:bgPr>
-    </p:bg>
-    <p:spTree>
-      <p:nvGrpSpPr>
-        <p:cNvPr id="1" name=""/>
-        <p:cNvGrpSpPr/>
-        <p:nvPr/>
-      </p:nvGrpSpPr>
-      <p:grpSpPr>
-        <a:xfrm>
-          <a:off x="0" y="0"/>
-          <a:ext cx="0" cy="0"/>
-          <a:chOff x="0" y="0"/>
-          <a:chExt cx="0" cy="0"/>
-        </a:xfrm>
-      </p:grpSpPr>
-      <p:sp>
-        <p:nvSpPr>
-          <p:cNvPr id="2" name="Title 1"/>
-          <p:cNvSpPr>
-            <a:spLocks noGrp="1"/>
-          </p:cNvSpPr>
-          <p:nvPr>
-            <p:ph type="title"/>
-          </p:nvPr>
-        </p:nvSpPr>
-        <p:spPr>
-          <a:xfrm>
-            <a:off x="457200" y="128595"/>
-            <a:ext cx="6273934" cy="620483"/>
-          </a:xfrm>
-        </p:spPr>
-        <p:txBody>
-          <a:bodyPr/>
-          <a:lstStyle/>
-          <a:p>
-            <a:r>
-              <a:rPr lang="en-US" dirty="0" err="1" smtClean="0"/>
-              <a:t>Assortativity</a:t>
-            </a:r>
-            <a:endParaRPr lang="ru-RU" dirty="0"/>
-          </a:p>
-        </p:txBody>
-      </p:sp>
-      <p:sp>
-        <p:nvSpPr>
-          <p:cNvPr id="3" name="Content Placeholder 2"/>
-          <p:cNvSpPr>
-            <a:spLocks noGrp="1"/>
-          </p:cNvSpPr>
-          <p:nvPr>
-            <p:ph sz="half" idx="1"/>
-          </p:nvPr>
-        </p:nvSpPr>
-        <p:spPr>
-          <a:xfrm>
-            <a:off x="342900" y="990387"/>
-            <a:ext cx="4507037" cy="1486113"/>
-          </a:xfrm>
-        </p:spPr>
-        <p:txBody>
-          <a:bodyPr>
-            <a:normAutofit/>
-          </a:bodyPr>
-          <a:lstStyle/>
-          <a:p>
-            <a:pPr marL="0" indent="0" algn="just">
-              <a:buNone/>
-            </a:pPr>
-            <a:r>
-              <a:rPr lang="en-US" dirty="0"/>
-              <a:t>The average degree connectivity is the average nearest neighbor degree of nodes with degree k. </a:t>
-            </a:r>
-            <a:endParaRPr lang="ru-RU" dirty="0"/>
-          </a:p>
-        </p:txBody>
-      </p:sp>
-      <p:pic>
-        <p:nvPicPr>
-          <p:cNvPr id="4" name="Picture 3"/>
-          <p:cNvPicPr>
-            <a:picLocks noChangeAspect="1"/>
-          </p:cNvPicPr>
-          <p:nvPr/>
-        </p:nvPicPr>
-        <p:blipFill>
-          <a:blip r:embed="rId2">
-            <a:extLst>
-              <a:ext uri="{28A0092B-C50C-407E-A947-70E740481C1C}">
-                <a14:useLocalDpi xmlns:a14="http://schemas.microsoft.com/office/drawing/2010/main" val="0"/>
-              </a:ext>
-            </a:extLst>
-          </a:blip>
-          <a:stretch>
-            <a:fillRect/>
-          </a:stretch>
-        </p:blipFill>
-        <p:spPr>
-          <a:xfrm>
-            <a:off x="4849937" y="749078"/>
-            <a:ext cx="4116263" cy="3087197"/>
-          </a:xfrm>
-          <a:prstGeom prst="rect">
-            <a:avLst/>
-          </a:prstGeom>
-        </p:spPr>
-      </p:pic>
-      <p:sp>
-        <p:nvSpPr>
-          <p:cNvPr id="5" name="Content Placeholder 2"/>
-          <p:cNvSpPr txBox="1">
-            <a:spLocks/>
-          </p:cNvSpPr>
-          <p:nvPr/>
-        </p:nvSpPr>
-        <p:spPr>
-          <a:xfrm>
-            <a:off x="457200" y="4204574"/>
-            <a:ext cx="8509000" cy="758347"/>
-          </a:xfrm>
-          <a:prstGeom prst="rect">
-            <a:avLst/>
-          </a:prstGeom>
-        </p:spPr>
-        <p:txBody>
-          <a:bodyPr vert="horz" lIns="91440" tIns="45720" rIns="91440" bIns="45720" rtlCol="0">
-            <a:normAutofit/>
-          </a:bodyPr>
-          <a:lstStyle>
-            <a:lvl1pPr marL="342900" indent="-342900" algn="l" defTabSz="457200" rtl="0" eaLnBrk="1" latinLnBrk="0" hangingPunct="1">
-              <a:spcBef>
-                <a:spcPct val="20000"/>
-              </a:spcBef>
-              <a:buSzPct val="100000"/>
-              <a:buFontTx/>
-              <a:buBlip>
-                <a:blip r:embed="rId3"/>
-              </a:buBlip>
-              <a:defRPr sz="2400" kern="1200">
-                <a:solidFill>
-                  <a:schemeClr val="tx1"/>
-                </a:solidFill>
-                <a:latin typeface="+mn-lt"/>
-                <a:ea typeface="+mn-ea"/>
-                <a:cs typeface="+mn-cs"/>
-              </a:defRPr>
-            </a:lvl1pPr>
-            <a:lvl2pPr marL="742950" indent="-285750" algn="l" defTabSz="457200" rtl="0" eaLnBrk="1" latinLnBrk="0" hangingPunct="1">
-              <a:spcBef>
-                <a:spcPct val="20000"/>
-              </a:spcBef>
-              <a:buFont typeface="Arial"/>
-              <a:buChar char="•"/>
-              <a:defRPr sz="2400" kern="1200">
-                <a:solidFill>
-                  <a:schemeClr val="tx1"/>
-                </a:solidFill>
-                <a:latin typeface="+mn-lt"/>
-                <a:ea typeface="+mn-ea"/>
-                <a:cs typeface="+mn-cs"/>
-              </a:defRPr>
-            </a:lvl2pPr>
-            <a:lvl3pPr marL="1143000" indent="-228600" algn="l" defTabSz="457200" rtl="0" eaLnBrk="1" latinLnBrk="0" hangingPunct="1">
-              <a:spcBef>
-                <a:spcPct val="20000"/>
-              </a:spcBef>
-              <a:buFont typeface="Arial"/>
-              <a:buChar char="•"/>
-              <a:defRPr sz="2000" kern="1200">
-                <a:solidFill>
-                  <a:schemeClr val="tx1"/>
-                </a:solidFill>
-                <a:latin typeface="+mn-lt"/>
-                <a:ea typeface="+mn-ea"/>
-                <a:cs typeface="+mn-cs"/>
-              </a:defRPr>
-            </a:lvl3pPr>
-            <a:lvl4pPr marL="1600200" indent="-228600" algn="l" defTabSz="457200" rtl="0" eaLnBrk="1" latinLnBrk="0" hangingPunct="1">
-              <a:spcBef>
-                <a:spcPct val="20000"/>
-              </a:spcBef>
-              <a:buFont typeface="Arial"/>
-              <a:buChar char="•"/>
-              <a:defRPr sz="1800" kern="1200">
-                <a:solidFill>
-                  <a:schemeClr val="tx1"/>
-                </a:solidFill>
-                <a:latin typeface="+mn-lt"/>
-                <a:ea typeface="+mn-ea"/>
-                <a:cs typeface="+mn-cs"/>
-              </a:defRPr>
-            </a:lvl4pPr>
-            <a:lvl5pPr marL="2057400" indent="-228600" algn="l" defTabSz="457200" rtl="0" eaLnBrk="1" latinLnBrk="0" hangingPunct="1">
-              <a:spcBef>
-                <a:spcPct val="20000"/>
-              </a:spcBef>
-              <a:buFont typeface="Arial"/>
-              <a:buChar char="•"/>
-              <a:defRPr sz="1800" kern="1200">
-                <a:solidFill>
-                  <a:schemeClr val="tx1"/>
-                </a:solidFill>
-                <a:latin typeface="+mn-lt"/>
-                <a:ea typeface="+mn-ea"/>
-                <a:cs typeface="+mn-cs"/>
-              </a:defRPr>
-            </a:lvl5pPr>
-            <a:lvl6pPr marL="2514600" indent="-228600" algn="l" defTabSz="457200" rtl="0" eaLnBrk="1" latinLnBrk="0" hangingPunct="1">
-              <a:spcBef>
-                <a:spcPct val="20000"/>
-              </a:spcBef>
-              <a:buFont typeface="Arial"/>
-              <a:buChar char="•"/>
-              <a:defRPr sz="1800" kern="1200">
-                <a:solidFill>
-                  <a:schemeClr val="tx1"/>
-                </a:solidFill>
-                <a:latin typeface="+mn-lt"/>
-                <a:ea typeface="+mn-ea"/>
-                <a:cs typeface="+mn-cs"/>
-              </a:defRPr>
-            </a:lvl6pPr>
-            <a:lvl7pPr marL="2971800" indent="-228600" algn="l" defTabSz="457200" rtl="0" eaLnBrk="1" latinLnBrk="0" hangingPunct="1">
-              <a:spcBef>
-                <a:spcPct val="20000"/>
-              </a:spcBef>
-              <a:buFont typeface="Arial"/>
-              <a:buChar char="•"/>
-              <a:defRPr sz="1800" kern="1200">
-                <a:solidFill>
-                  <a:schemeClr val="tx1"/>
-                </a:solidFill>
-                <a:latin typeface="+mn-lt"/>
-                <a:ea typeface="+mn-ea"/>
-                <a:cs typeface="+mn-cs"/>
-              </a:defRPr>
-            </a:lvl7pPr>
-            <a:lvl8pPr marL="3429000" indent="-228600" algn="l" defTabSz="457200" rtl="0" eaLnBrk="1" latinLnBrk="0" hangingPunct="1">
-              <a:spcBef>
-                <a:spcPct val="20000"/>
-              </a:spcBef>
-              <a:buFont typeface="Arial"/>
-              <a:buChar char="•"/>
-              <a:defRPr sz="1800" kern="1200">
-                <a:solidFill>
-                  <a:schemeClr val="tx1"/>
-                </a:solidFill>
-                <a:latin typeface="+mn-lt"/>
-                <a:ea typeface="+mn-ea"/>
-                <a:cs typeface="+mn-cs"/>
-              </a:defRPr>
-            </a:lvl8pPr>
-            <a:lvl9pPr marL="3886200" indent="-228600" algn="l" defTabSz="457200" rtl="0" eaLnBrk="1" latinLnBrk="0" hangingPunct="1">
-              <a:spcBef>
-                <a:spcPct val="20000"/>
-              </a:spcBef>
-              <a:buFont typeface="Arial"/>
-              <a:buChar char="•"/>
-              <a:defRPr sz="1800" kern="1200">
-                <a:solidFill>
-                  <a:schemeClr val="tx1"/>
-                </a:solidFill>
-                <a:latin typeface="+mn-lt"/>
-                <a:ea typeface="+mn-ea"/>
-                <a:cs typeface="+mn-cs"/>
-              </a:defRPr>
-            </a:lvl9pPr>
-          </a:lstStyle>
-          <a:p>
-            <a:pPr marL="0" indent="0" algn="just">
-              <a:buNone/>
-            </a:pPr>
-            <a:r>
-              <a:rPr lang="en-US" dirty="0" smtClean="0"/>
-              <a:t>Degree Pearson correlation coefficient: </a:t>
-            </a:r>
-            <a:r>
-              <a:rPr lang="en-US" dirty="0"/>
-              <a:t>-0.002628226403824088</a:t>
-            </a:r>
-            <a:endParaRPr lang="ru-RU" dirty="0"/>
-          </a:p>
-        </p:txBody>
-      </p:sp>
-      <p:sp>
-        <p:nvSpPr>
-          <p:cNvPr id="7" name="Content Placeholder 2"/>
-          <p:cNvSpPr txBox="1">
-            <a:spLocks/>
-          </p:cNvSpPr>
-          <p:nvPr/>
-        </p:nvSpPr>
-        <p:spPr>
-          <a:xfrm>
-            <a:off x="342900" y="2688323"/>
-            <a:ext cx="4507037" cy="1147952"/>
-          </a:xfrm>
-          <a:prstGeom prst="rect">
-            <a:avLst/>
-          </a:prstGeom>
-        </p:spPr>
-        <p:txBody>
-          <a:bodyPr vert="horz" lIns="91440" tIns="45720" rIns="91440" bIns="45720" rtlCol="0">
-            <a:normAutofit/>
-          </a:bodyPr>
-          <a:lstStyle>
-            <a:lvl1pPr marL="342900" indent="-342900" algn="l" defTabSz="457200" rtl="0" eaLnBrk="1" latinLnBrk="0" hangingPunct="1">
-              <a:spcBef>
-                <a:spcPct val="20000"/>
-              </a:spcBef>
-              <a:buSzPct val="100000"/>
-              <a:buFontTx/>
-              <a:buBlip>
-                <a:blip r:embed="rId3"/>
-              </a:buBlip>
-              <a:defRPr sz="2400" kern="1200">
-                <a:solidFill>
-                  <a:schemeClr val="tx1"/>
-                </a:solidFill>
-                <a:latin typeface="+mn-lt"/>
-                <a:ea typeface="+mn-ea"/>
-                <a:cs typeface="+mn-cs"/>
-              </a:defRPr>
-            </a:lvl1pPr>
-            <a:lvl2pPr marL="742950" indent="-285750" algn="l" defTabSz="457200" rtl="0" eaLnBrk="1" latinLnBrk="0" hangingPunct="1">
-              <a:spcBef>
-                <a:spcPct val="20000"/>
-              </a:spcBef>
-              <a:buFont typeface="Arial"/>
-              <a:buChar char="•"/>
-              <a:defRPr sz="2400" kern="1200">
-                <a:solidFill>
-                  <a:schemeClr val="tx1"/>
-                </a:solidFill>
-                <a:latin typeface="+mn-lt"/>
-                <a:ea typeface="+mn-ea"/>
-                <a:cs typeface="+mn-cs"/>
-              </a:defRPr>
-            </a:lvl2pPr>
-            <a:lvl3pPr marL="1143000" indent="-228600" algn="l" defTabSz="457200" rtl="0" eaLnBrk="1" latinLnBrk="0" hangingPunct="1">
-              <a:spcBef>
-                <a:spcPct val="20000"/>
-              </a:spcBef>
-              <a:buFont typeface="Arial"/>
-              <a:buChar char="•"/>
-              <a:defRPr sz="2000" kern="1200">
-                <a:solidFill>
-                  <a:schemeClr val="tx1"/>
-                </a:solidFill>
-                <a:latin typeface="+mn-lt"/>
-                <a:ea typeface="+mn-ea"/>
-                <a:cs typeface="+mn-cs"/>
-              </a:defRPr>
-            </a:lvl3pPr>
-            <a:lvl4pPr marL="1600200" indent="-228600" algn="l" defTabSz="457200" rtl="0" eaLnBrk="1" latinLnBrk="0" hangingPunct="1">
-              <a:spcBef>
-                <a:spcPct val="20000"/>
-              </a:spcBef>
-              <a:buFont typeface="Arial"/>
-              <a:buChar char="•"/>
-              <a:defRPr sz="1800" kern="1200">
-                <a:solidFill>
-                  <a:schemeClr val="tx1"/>
-                </a:solidFill>
-                <a:latin typeface="+mn-lt"/>
-                <a:ea typeface="+mn-ea"/>
-                <a:cs typeface="+mn-cs"/>
-              </a:defRPr>
-            </a:lvl4pPr>
-            <a:lvl5pPr marL="2057400" indent="-228600" algn="l" defTabSz="457200" rtl="0" eaLnBrk="1" latinLnBrk="0" hangingPunct="1">
-              <a:spcBef>
-                <a:spcPct val="20000"/>
-              </a:spcBef>
-              <a:buFont typeface="Arial"/>
-              <a:buChar char="•"/>
-              <a:defRPr sz="1800" kern="1200">
-                <a:solidFill>
-                  <a:schemeClr val="tx1"/>
-                </a:solidFill>
-                <a:latin typeface="+mn-lt"/>
-                <a:ea typeface="+mn-ea"/>
-                <a:cs typeface="+mn-cs"/>
-              </a:defRPr>
-            </a:lvl5pPr>
-            <a:lvl6pPr marL="2514600" indent="-228600" algn="l" defTabSz="457200" rtl="0" eaLnBrk="1" latinLnBrk="0" hangingPunct="1">
-              <a:spcBef>
-                <a:spcPct val="20000"/>
-              </a:spcBef>
-              <a:buFont typeface="Arial"/>
-              <a:buChar char="•"/>
-              <a:defRPr sz="1800" kern="1200">
-                <a:solidFill>
-                  <a:schemeClr val="tx1"/>
-                </a:solidFill>
-                <a:latin typeface="+mn-lt"/>
-                <a:ea typeface="+mn-ea"/>
-                <a:cs typeface="+mn-cs"/>
-              </a:defRPr>
-            </a:lvl6pPr>
-            <a:lvl7pPr marL="2971800" indent="-228600" algn="l" defTabSz="457200" rtl="0" eaLnBrk="1" latinLnBrk="0" hangingPunct="1">
-              <a:spcBef>
-                <a:spcPct val="20000"/>
-              </a:spcBef>
-              <a:buFont typeface="Arial"/>
-              <a:buChar char="•"/>
-              <a:defRPr sz="1800" kern="1200">
-                <a:solidFill>
-                  <a:schemeClr val="tx1"/>
-                </a:solidFill>
-                <a:latin typeface="+mn-lt"/>
-                <a:ea typeface="+mn-ea"/>
-                <a:cs typeface="+mn-cs"/>
-              </a:defRPr>
-            </a:lvl7pPr>
-            <a:lvl8pPr marL="3429000" indent="-228600" algn="l" defTabSz="457200" rtl="0" eaLnBrk="1" latinLnBrk="0" hangingPunct="1">
-              <a:spcBef>
-                <a:spcPct val="20000"/>
-              </a:spcBef>
-              <a:buFont typeface="Arial"/>
-              <a:buChar char="•"/>
-              <a:defRPr sz="1800" kern="1200">
-                <a:solidFill>
-                  <a:schemeClr val="tx1"/>
-                </a:solidFill>
-                <a:latin typeface="+mn-lt"/>
-                <a:ea typeface="+mn-ea"/>
-                <a:cs typeface="+mn-cs"/>
-              </a:defRPr>
-            </a:lvl8pPr>
-            <a:lvl9pPr marL="3886200" indent="-228600" algn="l" defTabSz="457200" rtl="0" eaLnBrk="1" latinLnBrk="0" hangingPunct="1">
-              <a:spcBef>
-                <a:spcPct val="20000"/>
-              </a:spcBef>
-              <a:buFont typeface="Arial"/>
-              <a:buChar char="•"/>
-              <a:defRPr sz="1800" kern="1200">
-                <a:solidFill>
-                  <a:schemeClr val="tx1"/>
-                </a:solidFill>
-                <a:latin typeface="+mn-lt"/>
-                <a:ea typeface="+mn-ea"/>
-                <a:cs typeface="+mn-cs"/>
-              </a:defRPr>
-            </a:lvl9pPr>
-          </a:lstStyle>
-          <a:p>
-            <a:pPr marL="0" indent="0" algn="just">
-              <a:buNone/>
-            </a:pPr>
-            <a:r>
-              <a:rPr lang="en-US" dirty="0" smtClean="0"/>
-              <a:t>This network is </a:t>
-            </a:r>
-            <a:r>
-              <a:rPr lang="en-US" dirty="0" err="1" smtClean="0"/>
-              <a:t>disassortative</a:t>
-            </a:r>
-            <a:endParaRPr lang="en-US" dirty="0" smtClean="0"/>
-          </a:p>
-        </p:txBody>
-      </p:sp>
-    </p:spTree>
-    <p:extLst>
-      <p:ext uri="{BB962C8B-B14F-4D97-AF65-F5344CB8AC3E}">
-        <p14:creationId xmlns:p14="http://schemas.microsoft.com/office/powerpoint/2010/main" val="2827962398"/>
-      </p:ext>
-    </p:extLst>
-  </p:cSld>
-  <p:clrMapOvr>
-    <a:masterClrMapping/>
-  </p:clrMapOvr>
-  <p:timing>
-    <p:tnLst>
-      <p:par>
-        <p:cTn id="1" dur="indefinite" restart="never" nodeType="tmRoot"/>
-      </p:par>
-    </p:tnLst>
-  </p:timing>
 </p:sld>
 </file>
 

--- a/Project/Coursework_ip.pptx
+++ b/Project/Coursework_ip.pptx
@@ -6,27 +6,29 @@
     <p:sldMasterId id="2147483698" r:id="rId2"/>
   </p:sldMasterIdLst>
   <p:notesMasterIdLst>
-    <p:notesMasterId r:id="rId18"/>
+    <p:notesMasterId r:id="rId20"/>
   </p:notesMasterIdLst>
   <p:handoutMasterIdLst>
-    <p:handoutMasterId r:id="rId19"/>
+    <p:handoutMasterId r:id="rId21"/>
   </p:handoutMasterIdLst>
   <p:sldIdLst>
     <p:sldId id="265" r:id="rId3"/>
     <p:sldId id="262" r:id="rId4"/>
     <p:sldId id="275" r:id="rId5"/>
-    <p:sldId id="266" r:id="rId6"/>
-    <p:sldId id="276" r:id="rId7"/>
-    <p:sldId id="277" r:id="rId8"/>
-    <p:sldId id="271" r:id="rId9"/>
-    <p:sldId id="267" r:id="rId10"/>
-    <p:sldId id="274" r:id="rId11"/>
-    <p:sldId id="278" r:id="rId12"/>
-    <p:sldId id="268" r:id="rId13"/>
-    <p:sldId id="270" r:id="rId14"/>
-    <p:sldId id="273" r:id="rId15"/>
-    <p:sldId id="269" r:id="rId16"/>
-    <p:sldId id="263" r:id="rId17"/>
+    <p:sldId id="276" r:id="rId6"/>
+    <p:sldId id="277" r:id="rId7"/>
+    <p:sldId id="279" r:id="rId8"/>
+    <p:sldId id="266" r:id="rId9"/>
+    <p:sldId id="270" r:id="rId10"/>
+    <p:sldId id="271" r:id="rId11"/>
+    <p:sldId id="267" r:id="rId12"/>
+    <p:sldId id="274" r:id="rId13"/>
+    <p:sldId id="278" r:id="rId14"/>
+    <p:sldId id="268" r:id="rId15"/>
+    <p:sldId id="273" r:id="rId16"/>
+    <p:sldId id="269" r:id="rId17"/>
+    <p:sldId id="280" r:id="rId18"/>
+    <p:sldId id="263" r:id="rId19"/>
   </p:sldIdLst>
   <p:sldSz cx="9144000" cy="5143500" type="screen16x9"/>
   <p:notesSz cx="6858000" cy="9144000"/>
@@ -227,7 +229,7 @@
             <a:fld id="{19412975-4CFD-C441-A244-B7FD9A9579C2}" type="datetimeFigureOut">
               <a:rPr lang="en-US" smtClean="0"/>
               <a:pPr/>
-              <a:t>5/21/2018</a:t>
+              <a:t>5/27/2018</a:t>
             </a:fld>
             <a:endParaRPr lang="en-US"/>
           </a:p>
@@ -395,7 +397,7 @@
             <a:fld id="{6DAFD1C8-470D-774F-8B40-381C3059BD4A}" type="datetimeFigureOut">
               <a:rPr lang="en-US" smtClean="0"/>
               <a:pPr/>
-              <a:t>5/21/2018</a:t>
+              <a:t>5/27/2018</a:t>
             </a:fld>
             <a:endParaRPr lang="en-US"/>
           </a:p>
@@ -5798,35 +5800,10 @@
           <a:chExt cx="0" cy="0"/>
         </a:xfrm>
       </p:grpSpPr>
-      <p:sp>
-        <p:nvSpPr>
-          <p:cNvPr id="2" name="Footer Placeholder 1"/>
-          <p:cNvSpPr>
-            <a:spLocks noGrp="1"/>
-          </p:cNvSpPr>
-          <p:nvPr>
-            <p:ph type="ftr" sz="quarter" idx="3"/>
-          </p:nvPr>
-        </p:nvSpPr>
-        <p:spPr/>
-        <p:txBody>
-          <a:bodyPr/>
-          <a:lstStyle/>
-          <a:p>
-            <a:r>
-              <a:rPr lang="en-US" smtClean="0"/>
-              <a:t>International Students and Scholars Rock</a:t>
-            </a:r>
-            <a:endParaRPr lang="en-US" dirty="0"/>
-          </a:p>
-        </p:txBody>
-      </p:sp>
       <p:pic>
         <p:nvPicPr>
-          <p:cNvPr id="3" name="Picture 2"/>
-          <p:cNvPicPr>
-            <a:picLocks noChangeAspect="1"/>
-          </p:cNvPicPr>
+          <p:cNvPr id="5" name="Picture 4"/>
+          <p:cNvPicPr/>
           <p:nvPr/>
         </p:nvPicPr>
         <p:blipFill>
@@ -5843,137 +5820,8 @@
         </p:blipFill>
         <p:spPr>
           <a:xfrm>
-            <a:off x="1885400" y="703756"/>
-            <a:ext cx="5451572" cy="4088679"/>
-          </a:xfrm>
-          <a:prstGeom prst="rect">
-            <a:avLst/>
-          </a:prstGeom>
-        </p:spPr>
-      </p:pic>
-    </p:spTree>
-    <p:extLst>
-      <p:ext uri="{BB962C8B-B14F-4D97-AF65-F5344CB8AC3E}">
-        <p14:creationId xmlns:p14="http://schemas.microsoft.com/office/powerpoint/2010/main" val="447801248"/>
-      </p:ext>
-    </p:extLst>
-  </p:cSld>
-  <p:clrMapOvr>
-    <a:masterClrMapping/>
-  </p:clrMapOvr>
-</p:sld>
-</file>
-
-<file path=ppt/slides/slide11.xml><?xml version="1.0" encoding="utf-8"?>
-<p:sld xmlns:a="http://schemas.openxmlformats.org/drawingml/2006/main" xmlns:r="http://schemas.openxmlformats.org/officeDocument/2006/relationships" xmlns:p="http://schemas.openxmlformats.org/presentationml/2006/main">
-  <p:cSld>
-    <p:bg>
-      <p:bgPr>
-        <a:solidFill>
-          <a:schemeClr val="bg1"/>
-        </a:solidFill>
-        <a:effectLst/>
-      </p:bgPr>
-    </p:bg>
-    <p:spTree>
-      <p:nvGrpSpPr>
-        <p:cNvPr id="1" name=""/>
-        <p:cNvGrpSpPr/>
-        <p:nvPr/>
-      </p:nvGrpSpPr>
-      <p:grpSpPr>
-        <a:xfrm>
-          <a:off x="0" y="0"/>
-          <a:ext cx="0" cy="0"/>
-          <a:chOff x="0" y="0"/>
-          <a:chExt cx="0" cy="0"/>
-        </a:xfrm>
-      </p:grpSpPr>
-      <p:sp>
-        <p:nvSpPr>
-          <p:cNvPr id="2" name="Title 1"/>
-          <p:cNvSpPr>
-            <a:spLocks noGrp="1"/>
-          </p:cNvSpPr>
-          <p:nvPr>
-            <p:ph type="title"/>
-          </p:nvPr>
-        </p:nvSpPr>
-        <p:spPr>
-          <a:xfrm>
-            <a:off x="457200" y="128595"/>
-            <a:ext cx="6273934" cy="620483"/>
-          </a:xfrm>
-        </p:spPr>
-        <p:txBody>
-          <a:bodyPr/>
-          <a:lstStyle/>
-          <a:p>
-            <a:r>
-              <a:rPr lang="en-US" dirty="0" err="1" smtClean="0"/>
-              <a:t>Assortativity</a:t>
-            </a:r>
-            <a:endParaRPr lang="ru-RU" dirty="0"/>
-          </a:p>
-        </p:txBody>
-      </p:sp>
-      <p:sp>
-        <p:nvSpPr>
-          <p:cNvPr id="3" name="Content Placeholder 2"/>
-          <p:cNvSpPr>
-            <a:spLocks noGrp="1"/>
-          </p:cNvSpPr>
-          <p:nvPr>
-            <p:ph sz="half" idx="1"/>
-          </p:nvPr>
-        </p:nvSpPr>
-        <p:spPr>
-          <a:xfrm>
-            <a:off x="342900" y="990387"/>
-            <a:ext cx="4507037" cy="1486113"/>
-          </a:xfrm>
-        </p:spPr>
-        <p:txBody>
-          <a:bodyPr>
-            <a:normAutofit/>
-          </a:bodyPr>
-          <a:lstStyle/>
-          <a:p>
-            <a:pPr marL="0" indent="0" algn="just">
-              <a:buNone/>
-            </a:pPr>
-            <a:r>
-              <a:rPr lang="en-US" dirty="0"/>
-              <a:t>The average degree connectivity is the average nearest neighbor degree of nodes with degree k. </a:t>
-            </a:r>
-            <a:endParaRPr lang="ru-RU" dirty="0"/>
-          </a:p>
-        </p:txBody>
-      </p:sp>
-      <p:pic>
-        <p:nvPicPr>
-          <p:cNvPr id="4" name="Picture 3"/>
-          <p:cNvPicPr>
-            <a:picLocks noChangeAspect="1"/>
-          </p:cNvPicPr>
-          <p:nvPr/>
-        </p:nvPicPr>
-        <p:blipFill>
-          <a:blip r:embed="rId2">
-            <a:extLst>
-              <a:ext uri="{28A0092B-C50C-407E-A947-70E740481C1C}">
-                <a14:useLocalDpi xmlns:a14="http://schemas.microsoft.com/office/drawing/2010/main" val="0"/>
-              </a:ext>
-            </a:extLst>
-          </a:blip>
-          <a:stretch>
-            <a:fillRect/>
-          </a:stretch>
-        </p:blipFill>
-        <p:spPr>
-          <a:xfrm>
-            <a:off x="4849937" y="749078"/>
-            <a:ext cx="4116263" cy="3087197"/>
+            <a:off x="2635885" y="307275"/>
+            <a:ext cx="6120130" cy="4379595"/>
           </a:xfrm>
           <a:prstGeom prst="rect">
             <a:avLst/>
@@ -5982,7 +5830,7 @@
       </p:pic>
       <p:sp>
         <p:nvSpPr>
-          <p:cNvPr id="5" name="Content Placeholder 2"/>
+          <p:cNvPr id="6" name="Content Placeholder 2"/>
           <p:cNvSpPr txBox="1">
             <a:spLocks/>
           </p:cNvSpPr>
@@ -5990,8 +5838,8 @@
         </p:nvSpPr>
         <p:spPr>
           <a:xfrm>
-            <a:off x="457200" y="4204574"/>
-            <a:ext cx="8509000" cy="758347"/>
+            <a:off x="635000" y="4686870"/>
+            <a:ext cx="8509000" cy="390921"/>
           </a:xfrm>
           <a:prstGeom prst="rect">
             <a:avLst/>
@@ -5999,7 +5847,7 @@
         </p:spPr>
         <p:txBody>
           <a:bodyPr vert="horz" lIns="91440" tIns="45720" rIns="91440" bIns="45720" rtlCol="0">
-            <a:normAutofit/>
+            <a:normAutofit fontScale="92500" lnSpcReduction="20000"/>
           </a:bodyPr>
           <a:lstStyle>
             <a:lvl1pPr marL="342900" indent="-342900" algn="l" defTabSz="457200" rtl="0" eaLnBrk="1" latinLnBrk="0" hangingPunct="1">
@@ -6159,2882 +6007,6 @@
       </p:sp>
       <p:sp>
         <p:nvSpPr>
-          <p:cNvPr id="7" name="Content Placeholder 2"/>
-          <p:cNvSpPr txBox="1">
-            <a:spLocks/>
-          </p:cNvSpPr>
-          <p:nvPr/>
-        </p:nvSpPr>
-        <p:spPr>
-          <a:xfrm>
-            <a:off x="342900" y="2688323"/>
-            <a:ext cx="4507037" cy="1147952"/>
-          </a:xfrm>
-          <a:prstGeom prst="rect">
-            <a:avLst/>
-          </a:prstGeom>
-        </p:spPr>
-        <p:txBody>
-          <a:bodyPr vert="horz" lIns="91440" tIns="45720" rIns="91440" bIns="45720" rtlCol="0">
-            <a:normAutofit/>
-          </a:bodyPr>
-          <a:lstStyle>
-            <a:lvl1pPr marL="342900" indent="-342900" algn="l" defTabSz="457200" rtl="0" eaLnBrk="1" latinLnBrk="0" hangingPunct="1">
-              <a:spcBef>
-                <a:spcPct val="20000"/>
-              </a:spcBef>
-              <a:buSzPct val="100000"/>
-              <a:buFontTx/>
-              <a:buBlip>
-                <a:blip r:embed="rId3"/>
-              </a:buBlip>
-              <a:defRPr sz="2400" kern="1200">
-                <a:solidFill>
-                  <a:schemeClr val="tx1"/>
-                </a:solidFill>
-                <a:latin typeface="+mn-lt"/>
-                <a:ea typeface="+mn-ea"/>
-                <a:cs typeface="+mn-cs"/>
-              </a:defRPr>
-            </a:lvl1pPr>
-            <a:lvl2pPr marL="742950" indent="-285750" algn="l" defTabSz="457200" rtl="0" eaLnBrk="1" latinLnBrk="0" hangingPunct="1">
-              <a:spcBef>
-                <a:spcPct val="20000"/>
-              </a:spcBef>
-              <a:buFont typeface="Arial"/>
-              <a:buChar char="•"/>
-              <a:defRPr sz="2400" kern="1200">
-                <a:solidFill>
-                  <a:schemeClr val="tx1"/>
-                </a:solidFill>
-                <a:latin typeface="+mn-lt"/>
-                <a:ea typeface="+mn-ea"/>
-                <a:cs typeface="+mn-cs"/>
-              </a:defRPr>
-            </a:lvl2pPr>
-            <a:lvl3pPr marL="1143000" indent="-228600" algn="l" defTabSz="457200" rtl="0" eaLnBrk="1" latinLnBrk="0" hangingPunct="1">
-              <a:spcBef>
-                <a:spcPct val="20000"/>
-              </a:spcBef>
-              <a:buFont typeface="Arial"/>
-              <a:buChar char="•"/>
-              <a:defRPr sz="2000" kern="1200">
-                <a:solidFill>
-                  <a:schemeClr val="tx1"/>
-                </a:solidFill>
-                <a:latin typeface="+mn-lt"/>
-                <a:ea typeface="+mn-ea"/>
-                <a:cs typeface="+mn-cs"/>
-              </a:defRPr>
-            </a:lvl3pPr>
-            <a:lvl4pPr marL="1600200" indent="-228600" algn="l" defTabSz="457200" rtl="0" eaLnBrk="1" latinLnBrk="0" hangingPunct="1">
-              <a:spcBef>
-                <a:spcPct val="20000"/>
-              </a:spcBef>
-              <a:buFont typeface="Arial"/>
-              <a:buChar char="•"/>
-              <a:defRPr sz="1800" kern="1200">
-                <a:solidFill>
-                  <a:schemeClr val="tx1"/>
-                </a:solidFill>
-                <a:latin typeface="+mn-lt"/>
-                <a:ea typeface="+mn-ea"/>
-                <a:cs typeface="+mn-cs"/>
-              </a:defRPr>
-            </a:lvl4pPr>
-            <a:lvl5pPr marL="2057400" indent="-228600" algn="l" defTabSz="457200" rtl="0" eaLnBrk="1" latinLnBrk="0" hangingPunct="1">
-              <a:spcBef>
-                <a:spcPct val="20000"/>
-              </a:spcBef>
-              <a:buFont typeface="Arial"/>
-              <a:buChar char="•"/>
-              <a:defRPr sz="1800" kern="1200">
-                <a:solidFill>
-                  <a:schemeClr val="tx1"/>
-                </a:solidFill>
-                <a:latin typeface="+mn-lt"/>
-                <a:ea typeface="+mn-ea"/>
-                <a:cs typeface="+mn-cs"/>
-              </a:defRPr>
-            </a:lvl5pPr>
-            <a:lvl6pPr marL="2514600" indent="-228600" algn="l" defTabSz="457200" rtl="0" eaLnBrk="1" latinLnBrk="0" hangingPunct="1">
-              <a:spcBef>
-                <a:spcPct val="20000"/>
-              </a:spcBef>
-              <a:buFont typeface="Arial"/>
-              <a:buChar char="•"/>
-              <a:defRPr sz="1800" kern="1200">
-                <a:solidFill>
-                  <a:schemeClr val="tx1"/>
-                </a:solidFill>
-                <a:latin typeface="+mn-lt"/>
-                <a:ea typeface="+mn-ea"/>
-                <a:cs typeface="+mn-cs"/>
-              </a:defRPr>
-            </a:lvl6pPr>
-            <a:lvl7pPr marL="2971800" indent="-228600" algn="l" defTabSz="457200" rtl="0" eaLnBrk="1" latinLnBrk="0" hangingPunct="1">
-              <a:spcBef>
-                <a:spcPct val="20000"/>
-              </a:spcBef>
-              <a:buFont typeface="Arial"/>
-              <a:buChar char="•"/>
-              <a:defRPr sz="1800" kern="1200">
-                <a:solidFill>
-                  <a:schemeClr val="tx1"/>
-                </a:solidFill>
-                <a:latin typeface="+mn-lt"/>
-                <a:ea typeface="+mn-ea"/>
-                <a:cs typeface="+mn-cs"/>
-              </a:defRPr>
-            </a:lvl7pPr>
-            <a:lvl8pPr marL="3429000" indent="-228600" algn="l" defTabSz="457200" rtl="0" eaLnBrk="1" latinLnBrk="0" hangingPunct="1">
-              <a:spcBef>
-                <a:spcPct val="20000"/>
-              </a:spcBef>
-              <a:buFont typeface="Arial"/>
-              <a:buChar char="•"/>
-              <a:defRPr sz="1800" kern="1200">
-                <a:solidFill>
-                  <a:schemeClr val="tx1"/>
-                </a:solidFill>
-                <a:latin typeface="+mn-lt"/>
-                <a:ea typeface="+mn-ea"/>
-                <a:cs typeface="+mn-cs"/>
-              </a:defRPr>
-            </a:lvl8pPr>
-            <a:lvl9pPr marL="3886200" indent="-228600" algn="l" defTabSz="457200" rtl="0" eaLnBrk="1" latinLnBrk="0" hangingPunct="1">
-              <a:spcBef>
-                <a:spcPct val="20000"/>
-              </a:spcBef>
-              <a:buFont typeface="Arial"/>
-              <a:buChar char="•"/>
-              <a:defRPr sz="1800" kern="1200">
-                <a:solidFill>
-                  <a:schemeClr val="tx1"/>
-                </a:solidFill>
-                <a:latin typeface="+mn-lt"/>
-                <a:ea typeface="+mn-ea"/>
-                <a:cs typeface="+mn-cs"/>
-              </a:defRPr>
-            </a:lvl9pPr>
-          </a:lstStyle>
-          <a:p>
-            <a:pPr marL="0" indent="0" algn="just">
-              <a:buNone/>
-            </a:pPr>
-            <a:r>
-              <a:rPr lang="en-US" dirty="0" smtClean="0"/>
-              <a:t>This network is </a:t>
-            </a:r>
-            <a:r>
-              <a:rPr lang="en-US" dirty="0" err="1" smtClean="0"/>
-              <a:t>disassortative</a:t>
-            </a:r>
-            <a:endParaRPr lang="en-US" dirty="0" smtClean="0"/>
-          </a:p>
-        </p:txBody>
-      </p:sp>
-    </p:spTree>
-    <p:extLst>
-      <p:ext uri="{BB962C8B-B14F-4D97-AF65-F5344CB8AC3E}">
-        <p14:creationId xmlns:p14="http://schemas.microsoft.com/office/powerpoint/2010/main" val="2827962398"/>
-      </p:ext>
-    </p:extLst>
-  </p:cSld>
-  <p:clrMapOvr>
-    <a:masterClrMapping/>
-  </p:clrMapOvr>
-  <p:timing>
-    <p:tnLst>
-      <p:par>
-        <p:cTn id="1" dur="indefinite" restart="never" nodeType="tmRoot"/>
-      </p:par>
-    </p:tnLst>
-  </p:timing>
-</p:sld>
-</file>
-
-<file path=ppt/slides/slide12.xml><?xml version="1.0" encoding="utf-8"?>
-<p:sld xmlns:a="http://schemas.openxmlformats.org/drawingml/2006/main" xmlns:r="http://schemas.openxmlformats.org/officeDocument/2006/relationships" xmlns:p="http://schemas.openxmlformats.org/presentationml/2006/main">
-  <p:cSld>
-    <p:bg>
-      <p:bgPr>
-        <a:solidFill>
-          <a:schemeClr val="bg1"/>
-        </a:solidFill>
-        <a:effectLst/>
-      </p:bgPr>
-    </p:bg>
-    <p:spTree>
-      <p:nvGrpSpPr>
-        <p:cNvPr id="1" name=""/>
-        <p:cNvGrpSpPr/>
-        <p:nvPr/>
-      </p:nvGrpSpPr>
-      <p:grpSpPr>
-        <a:xfrm>
-          <a:off x="0" y="0"/>
-          <a:ext cx="0" cy="0"/>
-          <a:chOff x="0" y="0"/>
-          <a:chExt cx="0" cy="0"/>
-        </a:xfrm>
-      </p:grpSpPr>
-      <p:sp>
-        <p:nvSpPr>
-          <p:cNvPr id="2" name="Title 1"/>
-          <p:cNvSpPr>
-            <a:spLocks noGrp="1"/>
-          </p:cNvSpPr>
-          <p:nvPr>
-            <p:ph type="title"/>
-          </p:nvPr>
-        </p:nvSpPr>
-        <p:spPr>
-          <a:xfrm>
-            <a:off x="457200" y="128595"/>
-            <a:ext cx="6273934" cy="620483"/>
-          </a:xfrm>
-        </p:spPr>
-        <p:txBody>
-          <a:bodyPr/>
-          <a:lstStyle/>
-          <a:p>
-            <a:r>
-              <a:rPr lang="en-US" dirty="0" smtClean="0"/>
-              <a:t>Estimation of Power Law Exponent</a:t>
-            </a:r>
-            <a:endParaRPr lang="ru-RU" dirty="0"/>
-          </a:p>
-        </p:txBody>
-      </p:sp>
-      <mc:AlternateContent xmlns:mc="http://schemas.openxmlformats.org/markup-compatibility/2006" xmlns:a14="http://schemas.microsoft.com/office/drawing/2010/main">
-        <mc:Choice Requires="a14">
-          <p:sp>
-            <p:nvSpPr>
-              <p:cNvPr id="3" name="Content Placeholder 2"/>
-              <p:cNvSpPr>
-                <a:spLocks noGrp="1"/>
-              </p:cNvSpPr>
-              <p:nvPr>
-                <p:ph sz="half" idx="1"/>
-              </p:nvPr>
-            </p:nvSpPr>
-            <p:spPr>
-              <a:xfrm>
-                <a:off x="457200" y="1016001"/>
-                <a:ext cx="8014138" cy="1673622"/>
-              </a:xfrm>
-            </p:spPr>
-            <p:txBody>
-              <a:bodyPr>
-                <a:normAutofit/>
-              </a:bodyPr>
-              <a:lstStyle/>
-              <a:p>
-                <a:pPr marL="0" indent="0" algn="just">
-                  <a:buNone/>
-                </a:pPr>
-                <a14:m>
-                  <m:oMathPara xmlns:m="http://schemas.openxmlformats.org/officeDocument/2006/math">
-                    <m:oMathParaPr>
-                      <m:jc m:val="centerGroup"/>
-                    </m:oMathParaPr>
-                    <m:oMath xmlns:m="http://schemas.openxmlformats.org/officeDocument/2006/math">
-                      <m:r>
-                        <a:rPr lang="ru-RU" i="1" smtClean="0">
-                          <a:latin typeface="Cambria Math" panose="02040503050406030204" pitchFamily="18" charset="0"/>
-                          <a:ea typeface="Cambria Math" panose="02040503050406030204" pitchFamily="18" charset="0"/>
-                        </a:rPr>
-                        <m:t>𝛾</m:t>
-                      </m:r>
-                      <m:r>
-                        <a:rPr lang="en-US" b="0" i="1" smtClean="0">
-                          <a:latin typeface="Cambria Math" panose="02040503050406030204" pitchFamily="18" charset="0"/>
-                          <a:ea typeface="Cambria Math" panose="02040503050406030204" pitchFamily="18" charset="0"/>
-                        </a:rPr>
-                        <m:t>=</m:t>
-                      </m:r>
-                      <m:r>
-                        <a:rPr lang="en-US" b="0" i="1" smtClean="0">
-                          <a:latin typeface="Cambria Math" panose="02040503050406030204" pitchFamily="18" charset="0"/>
-                          <a:ea typeface="Cambria Math" panose="02040503050406030204" pitchFamily="18" charset="0"/>
-                        </a:rPr>
-                        <m:t>1</m:t>
-                      </m:r>
-                      <m:r>
-                        <a:rPr lang="en-US" b="0" i="1" smtClean="0">
-                          <a:latin typeface="Cambria Math" panose="02040503050406030204" pitchFamily="18" charset="0"/>
-                          <a:ea typeface="Cambria Math" panose="02040503050406030204" pitchFamily="18" charset="0"/>
-                        </a:rPr>
-                        <m:t>+</m:t>
-                      </m:r>
-                      <m:r>
-                        <a:rPr lang="en-US" b="0" i="1" smtClean="0">
-                          <a:latin typeface="Cambria Math" panose="02040503050406030204" pitchFamily="18" charset="0"/>
-                          <a:ea typeface="Cambria Math" panose="02040503050406030204" pitchFamily="18" charset="0"/>
-                        </a:rPr>
-                        <m:t>𝑛</m:t>
-                      </m:r>
-                      <m:sSup>
-                        <m:sSupPr>
-                          <m:ctrlPr>
-                            <a:rPr lang="en-US" b="0" i="1" smtClean="0">
-                              <a:latin typeface="Cambria Math" panose="02040503050406030204" pitchFamily="18" charset="0"/>
-                              <a:ea typeface="Cambria Math" panose="02040503050406030204" pitchFamily="18" charset="0"/>
-                            </a:rPr>
-                          </m:ctrlPr>
-                        </m:sSupPr>
-                        <m:e>
-                          <m:d>
-                            <m:dPr>
-                              <m:ctrlPr>
-                                <a:rPr lang="en-US" i="1">
-                                  <a:latin typeface="Cambria Math" panose="02040503050406030204" pitchFamily="18" charset="0"/>
-                                  <a:ea typeface="Cambria Math" panose="02040503050406030204" pitchFamily="18" charset="0"/>
-                                </a:rPr>
-                              </m:ctrlPr>
-                            </m:dPr>
-                            <m:e>
-                              <m:nary>
-                                <m:naryPr>
-                                  <m:chr m:val="∑"/>
-                                  <m:supHide m:val="on"/>
-                                  <m:ctrlPr>
-                                    <a:rPr lang="en-US" i="1">
-                                      <a:latin typeface="Cambria Math" panose="02040503050406030204" pitchFamily="18" charset="0"/>
-                                      <a:ea typeface="Cambria Math" panose="02040503050406030204" pitchFamily="18" charset="0"/>
-                                    </a:rPr>
-                                  </m:ctrlPr>
-                                </m:naryPr>
-                                <m:sub>
-                                  <m:r>
-                                    <m:rPr>
-                                      <m:brk m:alnAt="7"/>
-                                    </m:rPr>
-                                    <a:rPr lang="en-US" i="1">
-                                      <a:latin typeface="Cambria Math" panose="02040503050406030204" pitchFamily="18" charset="0"/>
-                                      <a:ea typeface="Cambria Math" panose="02040503050406030204" pitchFamily="18" charset="0"/>
-                                    </a:rPr>
-                                    <m:t>𝑢</m:t>
-                                  </m:r>
-                                  <m:r>
-                                    <a:rPr lang="en-US" i="1">
-                                      <a:latin typeface="Cambria Math" panose="02040503050406030204" pitchFamily="18" charset="0"/>
-                                      <a:ea typeface="Cambria Math" panose="02040503050406030204" pitchFamily="18" charset="0"/>
-                                    </a:rPr>
-                                    <m:t>𝜖</m:t>
-                                  </m:r>
-                                  <m:r>
-                                    <a:rPr lang="en-US" i="1">
-                                      <a:latin typeface="Cambria Math" panose="02040503050406030204" pitchFamily="18" charset="0"/>
-                                      <a:ea typeface="Cambria Math" panose="02040503050406030204" pitchFamily="18" charset="0"/>
-                                    </a:rPr>
-                                    <m:t>𝑉</m:t>
-                                  </m:r>
-                                </m:sub>
-                                <m:sup/>
-                                <m:e>
-                                  <m:func>
-                                    <m:funcPr>
-                                      <m:ctrlPr>
-                                        <a:rPr lang="en-US" i="1">
-                                          <a:latin typeface="Cambria Math" panose="02040503050406030204" pitchFamily="18" charset="0"/>
-                                          <a:ea typeface="Cambria Math" panose="02040503050406030204" pitchFamily="18" charset="0"/>
-                                        </a:rPr>
-                                      </m:ctrlPr>
-                                    </m:funcPr>
-                                    <m:fName>
-                                      <m:r>
-                                        <m:rPr>
-                                          <m:sty m:val="p"/>
-                                        </m:rPr>
-                                        <a:rPr lang="en-US">
-                                          <a:latin typeface="Cambria Math" panose="02040503050406030204" pitchFamily="18" charset="0"/>
-                                          <a:ea typeface="Cambria Math" panose="02040503050406030204" pitchFamily="18" charset="0"/>
-                                        </a:rPr>
-                                        <m:t>ln</m:t>
-                                      </m:r>
-                                    </m:fName>
-                                    <m:e>
-                                      <m:f>
-                                        <m:fPr>
-                                          <m:ctrlPr>
-                                            <a:rPr lang="en-US" i="1">
-                                              <a:latin typeface="Cambria Math" panose="02040503050406030204" pitchFamily="18" charset="0"/>
-                                              <a:ea typeface="Cambria Math" panose="02040503050406030204" pitchFamily="18" charset="0"/>
-                                            </a:rPr>
-                                          </m:ctrlPr>
-                                        </m:fPr>
-                                        <m:num>
-                                          <m:r>
-                                            <a:rPr lang="en-US" i="1">
-                                              <a:latin typeface="Cambria Math" panose="02040503050406030204" pitchFamily="18" charset="0"/>
-                                              <a:ea typeface="Cambria Math" panose="02040503050406030204" pitchFamily="18" charset="0"/>
-                                            </a:rPr>
-                                            <m:t>𝑑</m:t>
-                                          </m:r>
-                                          <m:r>
-                                            <a:rPr lang="en-US" i="1">
-                                              <a:latin typeface="Cambria Math" panose="02040503050406030204" pitchFamily="18" charset="0"/>
-                                              <a:ea typeface="Cambria Math" panose="02040503050406030204" pitchFamily="18" charset="0"/>
-                                            </a:rPr>
-                                            <m:t>(</m:t>
-                                          </m:r>
-                                          <m:r>
-                                            <a:rPr lang="en-US" i="1">
-                                              <a:latin typeface="Cambria Math" panose="02040503050406030204" pitchFamily="18" charset="0"/>
-                                              <a:ea typeface="Cambria Math" panose="02040503050406030204" pitchFamily="18" charset="0"/>
-                                            </a:rPr>
-                                            <m:t>𝑢</m:t>
-                                          </m:r>
-                                          <m:r>
-                                            <a:rPr lang="en-US" i="1">
-                                              <a:latin typeface="Cambria Math" panose="02040503050406030204" pitchFamily="18" charset="0"/>
-                                              <a:ea typeface="Cambria Math" panose="02040503050406030204" pitchFamily="18" charset="0"/>
-                                            </a:rPr>
-                                            <m:t>)</m:t>
-                                          </m:r>
-                                        </m:num>
-                                        <m:den>
-                                          <m:sSub>
-                                            <m:sSubPr>
-                                              <m:ctrlPr>
-                                                <a:rPr lang="en-US" i="1">
-                                                  <a:latin typeface="Cambria Math" panose="02040503050406030204" pitchFamily="18" charset="0"/>
-                                                  <a:ea typeface="Cambria Math" panose="02040503050406030204" pitchFamily="18" charset="0"/>
-                                                </a:rPr>
-                                              </m:ctrlPr>
-                                            </m:sSubPr>
-                                            <m:e>
-                                              <m:r>
-                                                <a:rPr lang="en-US" i="1">
-                                                  <a:latin typeface="Cambria Math" panose="02040503050406030204" pitchFamily="18" charset="0"/>
-                                                  <a:ea typeface="Cambria Math" panose="02040503050406030204" pitchFamily="18" charset="0"/>
-                                                </a:rPr>
-                                                <m:t>𝑑</m:t>
-                                              </m:r>
-                                            </m:e>
-                                            <m:sub>
-                                              <m:r>
-                                                <a:rPr lang="en-US" i="1">
-                                                  <a:latin typeface="Cambria Math" panose="02040503050406030204" pitchFamily="18" charset="0"/>
-                                                  <a:ea typeface="Cambria Math" panose="02040503050406030204" pitchFamily="18" charset="0"/>
-                                                </a:rPr>
-                                                <m:t>𝑚𝑖𝑛</m:t>
-                                              </m:r>
-                                            </m:sub>
-                                          </m:sSub>
-                                        </m:den>
-                                      </m:f>
-                                    </m:e>
-                                  </m:func>
-                                </m:e>
-                              </m:nary>
-                            </m:e>
-                          </m:d>
-                        </m:e>
-                        <m:sup>
-                          <m:r>
-                            <a:rPr lang="en-US" b="0" i="1" smtClean="0">
-                              <a:latin typeface="Cambria Math" panose="02040503050406030204" pitchFamily="18" charset="0"/>
-                              <a:ea typeface="Cambria Math" panose="02040503050406030204" pitchFamily="18" charset="0"/>
-                            </a:rPr>
-                            <m:t>−</m:t>
-                          </m:r>
-                          <m:r>
-                            <a:rPr lang="en-US" b="0" i="1" smtClean="0">
-                              <a:latin typeface="Cambria Math" panose="02040503050406030204" pitchFamily="18" charset="0"/>
-                              <a:ea typeface="Cambria Math" panose="02040503050406030204" pitchFamily="18" charset="0"/>
-                            </a:rPr>
-                            <m:t>1</m:t>
-                          </m:r>
-                        </m:sup>
-                      </m:sSup>
-                    </m:oMath>
-                  </m:oMathPara>
-                </a14:m>
-                <a:endParaRPr lang="ru-RU" dirty="0"/>
-              </a:p>
-            </p:txBody>
-          </p:sp>
-        </mc:Choice>
-        <mc:Fallback xmlns="">
-          <p:sp>
-            <p:nvSpPr>
-              <p:cNvPr id="3" name="Content Placeholder 2"/>
-              <p:cNvSpPr>
-                <a:spLocks noGrp="1" noRot="1" noChangeAspect="1" noMove="1" noResize="1" noEditPoints="1" noAdjustHandles="1" noChangeArrowheads="1" noChangeShapeType="1" noTextEdit="1"/>
-              </p:cNvSpPr>
-              <p:nvPr>
-                <p:ph sz="half" idx="1"/>
-              </p:nvPr>
-            </p:nvSpPr>
-            <p:spPr>
-              <a:xfrm>
-                <a:off x="457200" y="1016001"/>
-                <a:ext cx="8014138" cy="1673622"/>
-              </a:xfrm>
-              <a:blipFill>
-                <a:blip r:embed="rId2"/>
-                <a:stretch>
-                  <a:fillRect/>
-                </a:stretch>
-              </a:blipFill>
-            </p:spPr>
-            <p:txBody>
-              <a:bodyPr/>
-              <a:lstStyle/>
-              <a:p>
-                <a:r>
-                  <a:rPr lang="ru-RU">
-                    <a:noFill/>
-                  </a:rPr>
-                  <a:t> </a:t>
-                </a:r>
-              </a:p>
-            </p:txBody>
-          </p:sp>
-        </mc:Fallback>
-      </mc:AlternateContent>
-      <p:sp>
-        <p:nvSpPr>
-          <p:cNvPr id="5" name="TextBox 4"/>
-          <p:cNvSpPr txBox="1"/>
-          <p:nvPr/>
-        </p:nvSpPr>
-        <p:spPr>
-          <a:xfrm>
-            <a:off x="1788886" y="4774168"/>
-            <a:ext cx="7670800" cy="369332"/>
-          </a:xfrm>
-          <a:prstGeom prst="rect">
-            <a:avLst/>
-          </a:prstGeom>
-          <a:noFill/>
-        </p:spPr>
-        <p:txBody>
-          <a:bodyPr wrap="square" rtlCol="0">
-            <a:spAutoFit/>
-          </a:bodyPr>
-          <a:lstStyle/>
-          <a:p>
-            <a:r>
-              <a:rPr lang="en-US" dirty="0">
-                <a:solidFill>
-                  <a:schemeClr val="bg1">
-                    <a:lumMod val="75000"/>
-                  </a:schemeClr>
-                </a:solidFill>
-              </a:rPr>
-              <a:t>Emergence of scaling in random networks. </a:t>
-            </a:r>
-            <a:r>
-              <a:rPr lang="en-US" i="1" dirty="0">
-                <a:solidFill>
-                  <a:schemeClr val="bg1">
-                    <a:lumMod val="75000"/>
-                  </a:schemeClr>
-                </a:solidFill>
-              </a:rPr>
-              <a:t>Science</a:t>
-            </a:r>
-            <a:r>
-              <a:rPr lang="en-US" dirty="0">
-                <a:solidFill>
-                  <a:schemeClr val="bg1">
-                    <a:lumMod val="75000"/>
-                  </a:schemeClr>
-                </a:solidFill>
-              </a:rPr>
-              <a:t>, 286(5439):509–512, 1999.</a:t>
-            </a:r>
-            <a:endParaRPr lang="ru-RU" dirty="0">
-              <a:solidFill>
-                <a:schemeClr val="bg1">
-                  <a:lumMod val="75000"/>
-                </a:schemeClr>
-              </a:solidFill>
-            </a:endParaRPr>
-          </a:p>
-        </p:txBody>
-      </p:sp>
-      <mc:AlternateContent xmlns:mc="http://schemas.openxmlformats.org/markup-compatibility/2006" xmlns:a14="http://schemas.microsoft.com/office/drawing/2010/main">
-        <mc:Choice Requires="a14">
-          <p:sp>
-            <p:nvSpPr>
-              <p:cNvPr id="6" name="Content Placeholder 2"/>
-              <p:cNvSpPr txBox="1">
-                <a:spLocks/>
-              </p:cNvSpPr>
-              <p:nvPr/>
-            </p:nvSpPr>
-            <p:spPr>
-              <a:xfrm>
-                <a:off x="457200" y="2298699"/>
-                <a:ext cx="8128000" cy="2295923"/>
-              </a:xfrm>
-              <a:prstGeom prst="rect">
-                <a:avLst/>
-              </a:prstGeom>
-            </p:spPr>
-            <p:txBody>
-              <a:bodyPr vert="horz" lIns="91440" tIns="45720" rIns="91440" bIns="45720" rtlCol="0">
-                <a:normAutofit/>
-              </a:bodyPr>
-              <a:lstStyle>
-                <a:lvl1pPr marL="342900" indent="-342900" algn="l" defTabSz="457200" rtl="0" eaLnBrk="1" latinLnBrk="0" hangingPunct="1">
-                  <a:spcBef>
-                    <a:spcPct val="20000"/>
-                  </a:spcBef>
-                  <a:buSzPct val="100000"/>
-                  <a:buFontTx/>
-                  <a:buBlip>
-                    <a:blip r:embed="rId3"/>
-                  </a:buBlip>
-                  <a:defRPr sz="2400" kern="1200">
-                    <a:solidFill>
-                      <a:schemeClr val="tx1"/>
-                    </a:solidFill>
-                    <a:latin typeface="+mn-lt"/>
-                    <a:ea typeface="+mn-ea"/>
-                    <a:cs typeface="+mn-cs"/>
-                  </a:defRPr>
-                </a:lvl1pPr>
-                <a:lvl2pPr marL="742950" indent="-285750" algn="l" defTabSz="457200" rtl="0" eaLnBrk="1" latinLnBrk="0" hangingPunct="1">
-                  <a:spcBef>
-                    <a:spcPct val="20000"/>
-                  </a:spcBef>
-                  <a:buFont typeface="Arial"/>
-                  <a:buChar char="•"/>
-                  <a:defRPr sz="2400" kern="1200">
-                    <a:solidFill>
-                      <a:schemeClr val="tx1"/>
-                    </a:solidFill>
-                    <a:latin typeface="+mn-lt"/>
-                    <a:ea typeface="+mn-ea"/>
-                    <a:cs typeface="+mn-cs"/>
-                  </a:defRPr>
-                </a:lvl2pPr>
-                <a:lvl3pPr marL="1143000" indent="-228600" algn="l" defTabSz="457200" rtl="0" eaLnBrk="1" latinLnBrk="0" hangingPunct="1">
-                  <a:spcBef>
-                    <a:spcPct val="20000"/>
-                  </a:spcBef>
-                  <a:buFont typeface="Arial"/>
-                  <a:buChar char="•"/>
-                  <a:defRPr sz="2000" kern="1200">
-                    <a:solidFill>
-                      <a:schemeClr val="tx1"/>
-                    </a:solidFill>
-                    <a:latin typeface="+mn-lt"/>
-                    <a:ea typeface="+mn-ea"/>
-                    <a:cs typeface="+mn-cs"/>
-                  </a:defRPr>
-                </a:lvl3pPr>
-                <a:lvl4pPr marL="1600200" indent="-228600" algn="l" defTabSz="457200" rtl="0" eaLnBrk="1" latinLnBrk="0" hangingPunct="1">
-                  <a:spcBef>
-                    <a:spcPct val="20000"/>
-                  </a:spcBef>
-                  <a:buFont typeface="Arial"/>
-                  <a:buChar char="•"/>
-                  <a:defRPr sz="1800" kern="1200">
-                    <a:solidFill>
-                      <a:schemeClr val="tx1"/>
-                    </a:solidFill>
-                    <a:latin typeface="+mn-lt"/>
-                    <a:ea typeface="+mn-ea"/>
-                    <a:cs typeface="+mn-cs"/>
-                  </a:defRPr>
-                </a:lvl4pPr>
-                <a:lvl5pPr marL="2057400" indent="-228600" algn="l" defTabSz="457200" rtl="0" eaLnBrk="1" latinLnBrk="0" hangingPunct="1">
-                  <a:spcBef>
-                    <a:spcPct val="20000"/>
-                  </a:spcBef>
-                  <a:buFont typeface="Arial"/>
-                  <a:buChar char="•"/>
-                  <a:defRPr sz="1800" kern="1200">
-                    <a:solidFill>
-                      <a:schemeClr val="tx1"/>
-                    </a:solidFill>
-                    <a:latin typeface="+mn-lt"/>
-                    <a:ea typeface="+mn-ea"/>
-                    <a:cs typeface="+mn-cs"/>
-                  </a:defRPr>
-                </a:lvl5pPr>
-                <a:lvl6pPr marL="2514600" indent="-228600" algn="l" defTabSz="457200" rtl="0" eaLnBrk="1" latinLnBrk="0" hangingPunct="1">
-                  <a:spcBef>
-                    <a:spcPct val="20000"/>
-                  </a:spcBef>
-                  <a:buFont typeface="Arial"/>
-                  <a:buChar char="•"/>
-                  <a:defRPr sz="1800" kern="1200">
-                    <a:solidFill>
-                      <a:schemeClr val="tx1"/>
-                    </a:solidFill>
-                    <a:latin typeface="+mn-lt"/>
-                    <a:ea typeface="+mn-ea"/>
-                    <a:cs typeface="+mn-cs"/>
-                  </a:defRPr>
-                </a:lvl6pPr>
-                <a:lvl7pPr marL="2971800" indent="-228600" algn="l" defTabSz="457200" rtl="0" eaLnBrk="1" latinLnBrk="0" hangingPunct="1">
-                  <a:spcBef>
-                    <a:spcPct val="20000"/>
-                  </a:spcBef>
-                  <a:buFont typeface="Arial"/>
-                  <a:buChar char="•"/>
-                  <a:defRPr sz="1800" kern="1200">
-                    <a:solidFill>
-                      <a:schemeClr val="tx1"/>
-                    </a:solidFill>
-                    <a:latin typeface="+mn-lt"/>
-                    <a:ea typeface="+mn-ea"/>
-                    <a:cs typeface="+mn-cs"/>
-                  </a:defRPr>
-                </a:lvl7pPr>
-                <a:lvl8pPr marL="3429000" indent="-228600" algn="l" defTabSz="457200" rtl="0" eaLnBrk="1" latinLnBrk="0" hangingPunct="1">
-                  <a:spcBef>
-                    <a:spcPct val="20000"/>
-                  </a:spcBef>
-                  <a:buFont typeface="Arial"/>
-                  <a:buChar char="•"/>
-                  <a:defRPr sz="1800" kern="1200">
-                    <a:solidFill>
-                      <a:schemeClr val="tx1"/>
-                    </a:solidFill>
-                    <a:latin typeface="+mn-lt"/>
-                    <a:ea typeface="+mn-ea"/>
-                    <a:cs typeface="+mn-cs"/>
-                  </a:defRPr>
-                </a:lvl8pPr>
-                <a:lvl9pPr marL="3886200" indent="-228600" algn="l" defTabSz="457200" rtl="0" eaLnBrk="1" latinLnBrk="0" hangingPunct="1">
-                  <a:spcBef>
-                    <a:spcPct val="20000"/>
-                  </a:spcBef>
-                  <a:buFont typeface="Arial"/>
-                  <a:buChar char="•"/>
-                  <a:defRPr sz="1800" kern="1200">
-                    <a:solidFill>
-                      <a:schemeClr val="tx1"/>
-                    </a:solidFill>
-                    <a:latin typeface="+mn-lt"/>
-                    <a:ea typeface="+mn-ea"/>
-                    <a:cs typeface="+mn-cs"/>
-                  </a:defRPr>
-                </a:lvl9pPr>
-              </a:lstStyle>
-              <a:p>
-                <a:pPr marL="0" indent="0">
-                  <a:buFontTx/>
-                  <a:buNone/>
-                </a:pPr>
-                <a:r>
-                  <a:rPr lang="en-US" dirty="0" smtClean="0"/>
-                  <a:t>Here,</a:t>
-                </a:r>
-              </a:p>
-              <a:p>
-                <a:pPr marL="0" indent="0">
-                  <a:buNone/>
-                </a:pPr>
-                <a14:m>
-                  <m:oMathPara xmlns:m="http://schemas.openxmlformats.org/officeDocument/2006/math">
-                    <m:oMathParaPr>
-                      <m:jc m:val="centerGroup"/>
-                    </m:oMathParaPr>
-                    <m:oMath xmlns:m="http://schemas.openxmlformats.org/officeDocument/2006/math">
-                      <m:r>
-                        <a:rPr lang="ru-RU" i="1">
-                          <a:latin typeface="Cambria Math" panose="02040503050406030204" pitchFamily="18" charset="0"/>
-                          <a:ea typeface="Cambria Math" panose="02040503050406030204" pitchFamily="18" charset="0"/>
-                        </a:rPr>
-                        <m:t>𝛾</m:t>
-                      </m:r>
-                      <m:r>
-                        <a:rPr lang="ru-RU" i="1">
-                          <a:latin typeface="Cambria Math" panose="02040503050406030204" pitchFamily="18" charset="0"/>
-                          <a:ea typeface="Cambria Math" panose="02040503050406030204" pitchFamily="18" charset="0"/>
-                        </a:rPr>
-                        <m:t> =</m:t>
-                      </m:r>
-                      <m:r>
-                        <a:rPr lang="ru-RU" i="1">
-                          <a:latin typeface="Cambria Math" panose="02040503050406030204" pitchFamily="18" charset="0"/>
-                          <a:ea typeface="Cambria Math" panose="02040503050406030204" pitchFamily="18" charset="0"/>
-                        </a:rPr>
-                        <m:t>3</m:t>
-                      </m:r>
-                      <m:r>
-                        <a:rPr lang="ru-RU" i="1">
-                          <a:latin typeface="Cambria Math" panose="02040503050406030204" pitchFamily="18" charset="0"/>
-                          <a:ea typeface="Cambria Math" panose="02040503050406030204" pitchFamily="18" charset="0"/>
-                        </a:rPr>
-                        <m:t>.</m:t>
-                      </m:r>
-                      <m:r>
-                        <a:rPr lang="ru-RU" i="1">
-                          <a:latin typeface="Cambria Math" panose="02040503050406030204" pitchFamily="18" charset="0"/>
-                          <a:ea typeface="Cambria Math" panose="02040503050406030204" pitchFamily="18" charset="0"/>
-                        </a:rPr>
-                        <m:t>0410</m:t>
-                      </m:r>
-                      <m:r>
-                        <a:rPr lang="ru-RU" i="1">
-                          <a:latin typeface="Cambria Math" panose="02040503050406030204" pitchFamily="18" charset="0"/>
-                          <a:ea typeface="Cambria Math" panose="02040503050406030204" pitchFamily="18" charset="0"/>
-                        </a:rPr>
-                        <m:t> (</m:t>
-                      </m:r>
-                      <m:sSub>
-                        <m:sSubPr>
-                          <m:ctrlPr>
-                            <a:rPr lang="en-US" i="1" smtClean="0">
-                              <a:latin typeface="Cambria Math" panose="02040503050406030204" pitchFamily="18" charset="0"/>
-                              <a:ea typeface="Cambria Math" panose="02040503050406030204" pitchFamily="18" charset="0"/>
-                            </a:rPr>
-                          </m:ctrlPr>
-                        </m:sSubPr>
-                        <m:e>
-                          <m:r>
-                            <a:rPr lang="en-US" b="0" i="1" smtClean="0">
-                              <a:latin typeface="Cambria Math" panose="02040503050406030204" pitchFamily="18" charset="0"/>
-                              <a:ea typeface="Cambria Math" panose="02040503050406030204" pitchFamily="18" charset="0"/>
-                            </a:rPr>
-                            <m:t>𝑑</m:t>
-                          </m:r>
-                        </m:e>
-                        <m:sub>
-                          <m:r>
-                            <a:rPr lang="en-US" b="0" i="1" smtClean="0">
-                              <a:latin typeface="Cambria Math" panose="02040503050406030204" pitchFamily="18" charset="0"/>
-                              <a:ea typeface="Cambria Math" panose="02040503050406030204" pitchFamily="18" charset="0"/>
-                            </a:rPr>
-                            <m:t>𝑚𝑖𝑛</m:t>
-                          </m:r>
-                        </m:sub>
-                      </m:sSub>
-                      <m:r>
-                        <a:rPr lang="en-US" i="1">
-                          <a:latin typeface="Cambria Math" panose="02040503050406030204" pitchFamily="18" charset="0"/>
-                          <a:ea typeface="Cambria Math" panose="02040503050406030204" pitchFamily="18" charset="0"/>
-                        </a:rPr>
-                        <m:t>= </m:t>
-                      </m:r>
-                      <m:r>
-                        <a:rPr lang="en-US" i="1">
-                          <a:latin typeface="Cambria Math" panose="02040503050406030204" pitchFamily="18" charset="0"/>
-                          <a:ea typeface="Cambria Math" panose="02040503050406030204" pitchFamily="18" charset="0"/>
-                        </a:rPr>
-                        <m:t>42</m:t>
-                      </m:r>
-                      <m:r>
-                        <a:rPr lang="en-US" i="1">
-                          <a:latin typeface="Cambria Math" panose="02040503050406030204" pitchFamily="18" charset="0"/>
-                          <a:ea typeface="Cambria Math" panose="02040503050406030204" pitchFamily="18" charset="0"/>
-                        </a:rPr>
-                        <m:t>)</m:t>
-                      </m:r>
-                    </m:oMath>
-                  </m:oMathPara>
-                </a14:m>
-                <a:endParaRPr lang="ru-RU" dirty="0"/>
-              </a:p>
-            </p:txBody>
-          </p:sp>
-        </mc:Choice>
-        <mc:Fallback xmlns="">
-          <p:sp>
-            <p:nvSpPr>
-              <p:cNvPr id="6" name="Content Placeholder 2"/>
-              <p:cNvSpPr txBox="1">
-                <a:spLocks noRot="1" noChangeAspect="1" noMove="1" noResize="1" noEditPoints="1" noAdjustHandles="1" noChangeArrowheads="1" noChangeShapeType="1" noTextEdit="1"/>
-              </p:cNvSpPr>
-              <p:nvPr/>
-            </p:nvSpPr>
-            <p:spPr>
-              <a:xfrm>
-                <a:off x="457200" y="2298699"/>
-                <a:ext cx="8128000" cy="2295923"/>
-              </a:xfrm>
-              <a:prstGeom prst="rect">
-                <a:avLst/>
-              </a:prstGeom>
-              <a:blipFill>
-                <a:blip r:embed="rId4"/>
-                <a:stretch>
-                  <a:fillRect l="-1125" t="-2122"/>
-                </a:stretch>
-              </a:blipFill>
-            </p:spPr>
-            <p:txBody>
-              <a:bodyPr/>
-              <a:lstStyle/>
-              <a:p>
-                <a:r>
-                  <a:rPr lang="ru-RU">
-                    <a:noFill/>
-                  </a:rPr>
-                  <a:t> </a:t>
-                </a:r>
-              </a:p>
-            </p:txBody>
-          </p:sp>
-        </mc:Fallback>
-      </mc:AlternateContent>
-    </p:spTree>
-    <p:extLst>
-      <p:ext uri="{BB962C8B-B14F-4D97-AF65-F5344CB8AC3E}">
-        <p14:creationId xmlns:p14="http://schemas.microsoft.com/office/powerpoint/2010/main" val="3400051497"/>
-      </p:ext>
-    </p:extLst>
-  </p:cSld>
-  <p:clrMapOvr>
-    <a:masterClrMapping/>
-  </p:clrMapOvr>
-  <p:timing>
-    <p:tnLst>
-      <p:par>
-        <p:cTn id="1" dur="indefinite" restart="never" nodeType="tmRoot"/>
-      </p:par>
-    </p:tnLst>
-  </p:timing>
-</p:sld>
-</file>
-
-<file path=ppt/slides/slide13.xml><?xml version="1.0" encoding="utf-8"?>
-<p:sld xmlns:a="http://schemas.openxmlformats.org/drawingml/2006/main" xmlns:r="http://schemas.openxmlformats.org/officeDocument/2006/relationships" xmlns:p="http://schemas.openxmlformats.org/presentationml/2006/main" show="0">
-  <p:cSld>
-    <p:bg>
-      <p:bgPr>
-        <a:solidFill>
-          <a:schemeClr val="bg1"/>
-        </a:solidFill>
-        <a:effectLst/>
-      </p:bgPr>
-    </p:bg>
-    <p:spTree>
-      <p:nvGrpSpPr>
-        <p:cNvPr id="1" name=""/>
-        <p:cNvGrpSpPr/>
-        <p:nvPr/>
-      </p:nvGrpSpPr>
-      <p:grpSpPr>
-        <a:xfrm>
-          <a:off x="0" y="0"/>
-          <a:ext cx="0" cy="0"/>
-          <a:chOff x="0" y="0"/>
-          <a:chExt cx="0" cy="0"/>
-        </a:xfrm>
-      </p:grpSpPr>
-      <p:sp>
-        <p:nvSpPr>
-          <p:cNvPr id="2" name="Title 1"/>
-          <p:cNvSpPr>
-            <a:spLocks noGrp="1"/>
-          </p:cNvSpPr>
-          <p:nvPr>
-            <p:ph type="title"/>
-          </p:nvPr>
-        </p:nvSpPr>
-        <p:spPr>
-          <a:xfrm>
-            <a:off x="457200" y="238634"/>
-            <a:ext cx="8229600" cy="620483"/>
-          </a:xfrm>
-        </p:spPr>
-        <p:txBody>
-          <a:bodyPr/>
-          <a:lstStyle/>
-          <a:p>
-            <a:r>
-              <a:rPr lang="en-US" dirty="0" smtClean="0"/>
-              <a:t>Other Metrics</a:t>
-            </a:r>
-            <a:endParaRPr lang="ru-RU" dirty="0"/>
-          </a:p>
-        </p:txBody>
-      </p:sp>
-      <p:pic>
-        <p:nvPicPr>
-          <p:cNvPr id="6" name="Picture 5"/>
-          <p:cNvPicPr>
-            <a:picLocks noChangeAspect="1"/>
-          </p:cNvPicPr>
-          <p:nvPr/>
-        </p:nvPicPr>
-        <p:blipFill>
-          <a:blip r:embed="rId2"/>
-          <a:stretch>
-            <a:fillRect/>
-          </a:stretch>
-        </p:blipFill>
-        <p:spPr>
-          <a:xfrm>
-            <a:off x="722312" y="2395537"/>
-            <a:ext cx="2466975" cy="352425"/>
-          </a:xfrm>
-          <a:prstGeom prst="rect">
-            <a:avLst/>
-          </a:prstGeom>
-        </p:spPr>
-      </p:pic>
-      <p:sp>
-        <p:nvSpPr>
-          <p:cNvPr id="7" name="Content Placeholder 6"/>
-          <p:cNvSpPr>
-            <a:spLocks noGrp="1"/>
-          </p:cNvSpPr>
-          <p:nvPr>
-            <p:ph sz="half" idx="1"/>
-          </p:nvPr>
-        </p:nvSpPr>
-        <p:spPr/>
-        <p:txBody>
-          <a:bodyPr/>
-          <a:lstStyle/>
-          <a:p>
-            <a:endParaRPr lang="ru-RU"/>
-          </a:p>
-        </p:txBody>
-      </p:sp>
-    </p:spTree>
-    <p:extLst>
-      <p:ext uri="{BB962C8B-B14F-4D97-AF65-F5344CB8AC3E}">
-        <p14:creationId xmlns:p14="http://schemas.microsoft.com/office/powerpoint/2010/main" val="4028347123"/>
-      </p:ext>
-    </p:extLst>
-  </p:cSld>
-  <p:clrMapOvr>
-    <a:masterClrMapping/>
-  </p:clrMapOvr>
-  <mc:AlternateContent xmlns:mc="http://schemas.openxmlformats.org/markup-compatibility/2006" xmlns:p14="http://schemas.microsoft.com/office/powerpoint/2010/main">
-    <mc:Choice Requires="p14">
-      <p:transition spd="slow" p14:dur="2000"/>
-    </mc:Choice>
-    <mc:Fallback xmlns="">
-      <p:transition spd="slow"/>
-    </mc:Fallback>
-  </mc:AlternateContent>
-</p:sld>
-</file>
-
-<file path=ppt/slides/slide14.xml><?xml version="1.0" encoding="utf-8"?>
-<p:sld xmlns:a="http://schemas.openxmlformats.org/drawingml/2006/main" xmlns:r="http://schemas.openxmlformats.org/officeDocument/2006/relationships" xmlns:p="http://schemas.openxmlformats.org/presentationml/2006/main">
-  <p:cSld>
-    <p:bg>
-      <p:bgPr>
-        <a:solidFill>
-          <a:schemeClr val="bg1"/>
-        </a:solidFill>
-        <a:effectLst/>
-      </p:bgPr>
-    </p:bg>
-    <p:spTree>
-      <p:nvGrpSpPr>
-        <p:cNvPr id="1" name=""/>
-        <p:cNvGrpSpPr/>
-        <p:nvPr/>
-      </p:nvGrpSpPr>
-      <p:grpSpPr>
-        <a:xfrm>
-          <a:off x="0" y="0"/>
-          <a:ext cx="0" cy="0"/>
-          <a:chOff x="0" y="0"/>
-          <a:chExt cx="0" cy="0"/>
-        </a:xfrm>
-      </p:grpSpPr>
-      <p:sp>
-        <p:nvSpPr>
-          <p:cNvPr id="2" name="Title 1"/>
-          <p:cNvSpPr>
-            <a:spLocks noGrp="1"/>
-          </p:cNvSpPr>
-          <p:nvPr>
-            <p:ph type="title"/>
-          </p:nvPr>
-        </p:nvSpPr>
-        <p:spPr>
-          <a:xfrm>
-            <a:off x="457200" y="383381"/>
-            <a:ext cx="6273934" cy="620483"/>
-          </a:xfrm>
-        </p:spPr>
-        <p:txBody>
-          <a:bodyPr/>
-          <a:lstStyle/>
-          <a:p>
-            <a:r>
-              <a:rPr lang="en-US" dirty="0" smtClean="0"/>
-              <a:t>Models to check</a:t>
-            </a:r>
-            <a:endParaRPr lang="ru-RU" dirty="0"/>
-          </a:p>
-        </p:txBody>
-      </p:sp>
-      <p:sp>
-        <p:nvSpPr>
-          <p:cNvPr id="3" name="Content Placeholder 2"/>
-          <p:cNvSpPr>
-            <a:spLocks noGrp="1"/>
-          </p:cNvSpPr>
-          <p:nvPr>
-            <p:ph sz="half" idx="1"/>
-          </p:nvPr>
-        </p:nvSpPr>
-        <p:spPr>
-          <a:xfrm>
-            <a:off x="457200" y="1130300"/>
-            <a:ext cx="6273934" cy="3464323"/>
-          </a:xfrm>
-        </p:spPr>
-        <p:txBody>
-          <a:bodyPr/>
-          <a:lstStyle/>
-          <a:p>
-            <a:pPr marL="0" indent="0">
-              <a:buNone/>
-            </a:pPr>
-            <a:r>
-              <a:rPr lang="en-US" dirty="0" smtClean="0"/>
-              <a:t>Not exactly matches the power low</a:t>
-            </a:r>
-          </a:p>
-          <a:p>
-            <a:pPr marL="0" indent="0">
-              <a:buNone/>
-            </a:pPr>
-            <a:r>
-              <a:rPr lang="en-US" dirty="0" smtClean="0"/>
-              <a:t>- BA model</a:t>
-            </a:r>
-            <a:endParaRPr lang="ru-RU" dirty="0"/>
-          </a:p>
-        </p:txBody>
-      </p:sp>
-    </p:spTree>
-    <p:extLst>
-      <p:ext uri="{BB962C8B-B14F-4D97-AF65-F5344CB8AC3E}">
-        <p14:creationId xmlns:p14="http://schemas.microsoft.com/office/powerpoint/2010/main" val="484092184"/>
-      </p:ext>
-    </p:extLst>
-  </p:cSld>
-  <p:clrMapOvr>
-    <a:masterClrMapping/>
-  </p:clrMapOvr>
-</p:sld>
-</file>
-
-<file path=ppt/slides/slide15.xml><?xml version="1.0" encoding="utf-8"?>
-<p:sld xmlns:a="http://schemas.openxmlformats.org/drawingml/2006/main" xmlns:r="http://schemas.openxmlformats.org/officeDocument/2006/relationships" xmlns:p="http://schemas.openxmlformats.org/presentationml/2006/main">
-  <p:cSld>
-    <p:bg>
-      <p:bgPr>
-        <a:blipFill dpi="0" rotWithShape="1">
-          <a:blip r:embed="rId2">
-            <a:lum/>
-          </a:blip>
-          <a:srcRect/>
-          <a:stretch>
-            <a:fillRect/>
-          </a:stretch>
-        </a:blipFill>
-        <a:effectLst/>
-      </p:bgPr>
-    </p:bg>
-    <p:spTree>
-      <p:nvGrpSpPr>
-        <p:cNvPr id="1" name=""/>
-        <p:cNvGrpSpPr/>
-        <p:nvPr/>
-      </p:nvGrpSpPr>
-      <p:grpSpPr>
-        <a:xfrm>
-          <a:off x="0" y="0"/>
-          <a:ext cx="0" cy="0"/>
-          <a:chOff x="0" y="0"/>
-          <a:chExt cx="0" cy="0"/>
-        </a:xfrm>
-      </p:grpSpPr>
-      <p:sp>
-        <p:nvSpPr>
-          <p:cNvPr id="2" name="Title 1"/>
-          <p:cNvSpPr>
-            <a:spLocks noGrp="1"/>
-          </p:cNvSpPr>
-          <p:nvPr>
-            <p:ph type="title"/>
-          </p:nvPr>
-        </p:nvSpPr>
-        <p:spPr>
-          <a:xfrm>
-            <a:off x="457200" y="1801258"/>
-            <a:ext cx="8229600" cy="620483"/>
-          </a:xfrm>
-        </p:spPr>
-        <p:txBody>
-          <a:bodyPr/>
-          <a:lstStyle/>
-          <a:p>
-            <a:r>
-              <a:rPr lang="en-US" dirty="0" smtClean="0"/>
-              <a:t>Thank you</a:t>
-            </a:r>
-            <a:r>
-              <a:rPr lang="ru-RU" dirty="0" smtClean="0"/>
-              <a:t>!</a:t>
-            </a:r>
-            <a:endParaRPr lang="en-US" dirty="0"/>
-          </a:p>
-        </p:txBody>
-      </p:sp>
-    </p:spTree>
-    <p:extLst>
-      <p:ext uri="{BB962C8B-B14F-4D97-AF65-F5344CB8AC3E}">
-        <p14:creationId xmlns:p14="http://schemas.microsoft.com/office/powerpoint/2010/main" val="1864942597"/>
-      </p:ext>
-    </p:extLst>
-  </p:cSld>
-  <p:clrMapOvr>
-    <a:masterClrMapping/>
-  </p:clrMapOvr>
-  <p:timing>
-    <p:tnLst>
-      <p:par>
-        <p:cTn id="1" dur="indefinite" restart="never" nodeType="tmRoot"/>
-      </p:par>
-    </p:tnLst>
-  </p:timing>
-</p:sld>
-</file>
-
-<file path=ppt/slides/slide2.xml><?xml version="1.0" encoding="utf-8"?>
-<p:sld xmlns:a="http://schemas.openxmlformats.org/drawingml/2006/main" xmlns:r="http://schemas.openxmlformats.org/officeDocument/2006/relationships" xmlns:p="http://schemas.openxmlformats.org/presentationml/2006/main">
-  <p:cSld>
-    <p:bg>
-      <p:bgPr>
-        <a:solidFill>
-          <a:schemeClr val="bg1"/>
-        </a:solidFill>
-        <a:effectLst/>
-      </p:bgPr>
-    </p:bg>
-    <p:spTree>
-      <p:nvGrpSpPr>
-        <p:cNvPr id="1" name=""/>
-        <p:cNvGrpSpPr/>
-        <p:nvPr/>
-      </p:nvGrpSpPr>
-      <p:grpSpPr>
-        <a:xfrm>
-          <a:off x="0" y="0"/>
-          <a:ext cx="0" cy="0"/>
-          <a:chOff x="0" y="0"/>
-          <a:chExt cx="0" cy="0"/>
-        </a:xfrm>
-      </p:grpSpPr>
-      <p:sp>
-        <p:nvSpPr>
-          <p:cNvPr id="3" name="Content Placeholder 2"/>
-          <p:cNvSpPr>
-            <a:spLocks noGrp="1"/>
-          </p:cNvSpPr>
-          <p:nvPr>
-            <p:ph sz="half" idx="1"/>
-          </p:nvPr>
-        </p:nvSpPr>
-        <p:spPr>
-          <a:xfrm>
-            <a:off x="457197" y="2906605"/>
-            <a:ext cx="8229601" cy="1618263"/>
-          </a:xfrm>
-        </p:spPr>
-        <p:txBody>
-          <a:bodyPr>
-            <a:normAutofit/>
-          </a:bodyPr>
-          <a:lstStyle/>
-          <a:p>
-            <a:pPr marL="0" indent="0" algn="just">
-              <a:spcBef>
-                <a:spcPts val="0"/>
-              </a:spcBef>
-              <a:buNone/>
-            </a:pPr>
-            <a:r>
-              <a:rPr lang="en-US" b="1" dirty="0" smtClean="0"/>
-              <a:t>Properties:</a:t>
-            </a:r>
-          </a:p>
-          <a:p>
-            <a:pPr algn="just">
-              <a:spcBef>
-                <a:spcPts val="0"/>
-              </a:spcBef>
-              <a:buFontTx/>
-              <a:buChar char="-"/>
-            </a:pPr>
-            <a:r>
-              <a:rPr lang="en-US" dirty="0" smtClean="0"/>
-              <a:t>directed;</a:t>
-            </a:r>
-          </a:p>
-          <a:p>
-            <a:pPr algn="just">
-              <a:spcBef>
-                <a:spcPts val="0"/>
-              </a:spcBef>
-              <a:buFontTx/>
-              <a:buChar char="-"/>
-            </a:pPr>
-            <a:r>
-              <a:rPr lang="en-US" dirty="0" smtClean="0"/>
-              <a:t>34 546 vertices (publications)</a:t>
-            </a:r>
-          </a:p>
-          <a:p>
-            <a:pPr algn="just">
-              <a:spcBef>
-                <a:spcPts val="0"/>
-              </a:spcBef>
-              <a:buFontTx/>
-              <a:buChar char="-"/>
-            </a:pPr>
-            <a:r>
-              <a:rPr lang="en-US" dirty="0" smtClean="0"/>
-              <a:t>421 578 edges (citations)</a:t>
-            </a:r>
-            <a:endParaRPr lang="en-US" dirty="0"/>
-          </a:p>
-        </p:txBody>
-      </p:sp>
-      <p:sp>
-        <p:nvSpPr>
-          <p:cNvPr id="4" name="Content Placeholder 2"/>
-          <p:cNvSpPr txBox="1">
-            <a:spLocks/>
-          </p:cNvSpPr>
-          <p:nvPr/>
-        </p:nvSpPr>
-        <p:spPr>
-          <a:xfrm>
-            <a:off x="457196" y="925405"/>
-            <a:ext cx="8229601" cy="1618263"/>
-          </a:xfrm>
-          <a:prstGeom prst="rect">
-            <a:avLst/>
-          </a:prstGeom>
-        </p:spPr>
-        <p:txBody>
-          <a:bodyPr vert="horz" lIns="91440" tIns="45720" rIns="91440" bIns="45720" rtlCol="0">
-            <a:normAutofit/>
-          </a:bodyPr>
-          <a:lstStyle>
-            <a:lvl1pPr marL="342900" indent="-342900" algn="l" defTabSz="457200" rtl="0" eaLnBrk="1" latinLnBrk="0" hangingPunct="1">
-              <a:spcBef>
-                <a:spcPct val="20000"/>
-              </a:spcBef>
-              <a:buSzPct val="100000"/>
-              <a:buFontTx/>
-              <a:buBlip>
-                <a:blip r:embed="rId2"/>
-              </a:buBlip>
-              <a:defRPr sz="2400" kern="1200">
-                <a:solidFill>
-                  <a:schemeClr val="tx1"/>
-                </a:solidFill>
-                <a:latin typeface="+mn-lt"/>
-                <a:ea typeface="+mn-ea"/>
-                <a:cs typeface="+mn-cs"/>
-              </a:defRPr>
-            </a:lvl1pPr>
-            <a:lvl2pPr marL="742950" indent="-285750" algn="l" defTabSz="457200" rtl="0" eaLnBrk="1" latinLnBrk="0" hangingPunct="1">
-              <a:spcBef>
-                <a:spcPct val="20000"/>
-              </a:spcBef>
-              <a:buFont typeface="Arial"/>
-              <a:buChar char="•"/>
-              <a:defRPr sz="2400" kern="1200">
-                <a:solidFill>
-                  <a:schemeClr val="tx1"/>
-                </a:solidFill>
-                <a:latin typeface="+mn-lt"/>
-                <a:ea typeface="+mn-ea"/>
-                <a:cs typeface="+mn-cs"/>
-              </a:defRPr>
-            </a:lvl2pPr>
-            <a:lvl3pPr marL="1143000" indent="-228600" algn="l" defTabSz="457200" rtl="0" eaLnBrk="1" latinLnBrk="0" hangingPunct="1">
-              <a:spcBef>
-                <a:spcPct val="20000"/>
-              </a:spcBef>
-              <a:buFont typeface="Arial"/>
-              <a:buChar char="•"/>
-              <a:defRPr sz="2000" kern="1200">
-                <a:solidFill>
-                  <a:schemeClr val="tx1"/>
-                </a:solidFill>
-                <a:latin typeface="+mn-lt"/>
-                <a:ea typeface="+mn-ea"/>
-                <a:cs typeface="+mn-cs"/>
-              </a:defRPr>
-            </a:lvl3pPr>
-            <a:lvl4pPr marL="1600200" indent="-228600" algn="l" defTabSz="457200" rtl="0" eaLnBrk="1" latinLnBrk="0" hangingPunct="1">
-              <a:spcBef>
-                <a:spcPct val="20000"/>
-              </a:spcBef>
-              <a:buFont typeface="Arial"/>
-              <a:buChar char="•"/>
-              <a:defRPr sz="1800" kern="1200">
-                <a:solidFill>
-                  <a:schemeClr val="tx1"/>
-                </a:solidFill>
-                <a:latin typeface="+mn-lt"/>
-                <a:ea typeface="+mn-ea"/>
-                <a:cs typeface="+mn-cs"/>
-              </a:defRPr>
-            </a:lvl4pPr>
-            <a:lvl5pPr marL="2057400" indent="-228600" algn="l" defTabSz="457200" rtl="0" eaLnBrk="1" latinLnBrk="0" hangingPunct="1">
-              <a:spcBef>
-                <a:spcPct val="20000"/>
-              </a:spcBef>
-              <a:buFont typeface="Arial"/>
-              <a:buChar char="•"/>
-              <a:defRPr sz="1800" kern="1200">
-                <a:solidFill>
-                  <a:schemeClr val="tx1"/>
-                </a:solidFill>
-                <a:latin typeface="+mn-lt"/>
-                <a:ea typeface="+mn-ea"/>
-                <a:cs typeface="+mn-cs"/>
-              </a:defRPr>
-            </a:lvl5pPr>
-            <a:lvl6pPr marL="2514600" indent="-228600" algn="l" defTabSz="457200" rtl="0" eaLnBrk="1" latinLnBrk="0" hangingPunct="1">
-              <a:spcBef>
-                <a:spcPct val="20000"/>
-              </a:spcBef>
-              <a:buFont typeface="Arial"/>
-              <a:buChar char="•"/>
-              <a:defRPr sz="1800" kern="1200">
-                <a:solidFill>
-                  <a:schemeClr val="tx1"/>
-                </a:solidFill>
-                <a:latin typeface="+mn-lt"/>
-                <a:ea typeface="+mn-ea"/>
-                <a:cs typeface="+mn-cs"/>
-              </a:defRPr>
-            </a:lvl6pPr>
-            <a:lvl7pPr marL="2971800" indent="-228600" algn="l" defTabSz="457200" rtl="0" eaLnBrk="1" latinLnBrk="0" hangingPunct="1">
-              <a:spcBef>
-                <a:spcPct val="20000"/>
-              </a:spcBef>
-              <a:buFont typeface="Arial"/>
-              <a:buChar char="•"/>
-              <a:defRPr sz="1800" kern="1200">
-                <a:solidFill>
-                  <a:schemeClr val="tx1"/>
-                </a:solidFill>
-                <a:latin typeface="+mn-lt"/>
-                <a:ea typeface="+mn-ea"/>
-                <a:cs typeface="+mn-cs"/>
-              </a:defRPr>
-            </a:lvl7pPr>
-            <a:lvl8pPr marL="3429000" indent="-228600" algn="l" defTabSz="457200" rtl="0" eaLnBrk="1" latinLnBrk="0" hangingPunct="1">
-              <a:spcBef>
-                <a:spcPct val="20000"/>
-              </a:spcBef>
-              <a:buFont typeface="Arial"/>
-              <a:buChar char="•"/>
-              <a:defRPr sz="1800" kern="1200">
-                <a:solidFill>
-                  <a:schemeClr val="tx1"/>
-                </a:solidFill>
-                <a:latin typeface="+mn-lt"/>
-                <a:ea typeface="+mn-ea"/>
-                <a:cs typeface="+mn-cs"/>
-              </a:defRPr>
-            </a:lvl8pPr>
-            <a:lvl9pPr marL="3886200" indent="-228600" algn="l" defTabSz="457200" rtl="0" eaLnBrk="1" latinLnBrk="0" hangingPunct="1">
-              <a:spcBef>
-                <a:spcPct val="20000"/>
-              </a:spcBef>
-              <a:buFont typeface="Arial"/>
-              <a:buChar char="•"/>
-              <a:defRPr sz="1800" kern="1200">
-                <a:solidFill>
-                  <a:schemeClr val="tx1"/>
-                </a:solidFill>
-                <a:latin typeface="+mn-lt"/>
-                <a:ea typeface="+mn-ea"/>
-                <a:cs typeface="+mn-cs"/>
-              </a:defRPr>
-            </a:lvl9pPr>
-          </a:lstStyle>
-          <a:p>
-            <a:pPr marL="0" indent="0" algn="just">
-              <a:spcBef>
-                <a:spcPts val="0"/>
-              </a:spcBef>
-              <a:buFontTx/>
-              <a:buNone/>
-            </a:pPr>
-            <a:r>
-              <a:rPr lang="en-US" dirty="0" smtClean="0"/>
-              <a:t>The network of publications in the </a:t>
-            </a:r>
-            <a:r>
-              <a:rPr lang="en-US" dirty="0" err="1" smtClean="0"/>
-              <a:t>arXiv's</a:t>
-            </a:r>
-            <a:r>
-              <a:rPr lang="en-US" dirty="0" smtClean="0"/>
-              <a:t> High Energy Physics Phenomenology (</a:t>
-            </a:r>
-            <a:r>
-              <a:rPr lang="en-US" dirty="0" err="1" smtClean="0"/>
-              <a:t>hep-ph</a:t>
-            </a:r>
-            <a:r>
-              <a:rPr lang="en-US" dirty="0" smtClean="0"/>
-              <a:t>) section. The directed links that connect the publications are citations. Some publications cite themselves, and therefore the network contains loops.</a:t>
-            </a:r>
-            <a:endParaRPr lang="en-US" dirty="0"/>
-          </a:p>
-        </p:txBody>
-      </p:sp>
-      <p:sp>
-        <p:nvSpPr>
-          <p:cNvPr id="5" name="Title 1"/>
-          <p:cNvSpPr txBox="1">
-            <a:spLocks/>
-          </p:cNvSpPr>
-          <p:nvPr/>
-        </p:nvSpPr>
-        <p:spPr>
-          <a:xfrm>
-            <a:off x="457200" y="128595"/>
-            <a:ext cx="6273934" cy="620483"/>
-          </a:xfrm>
-          <a:prstGeom prst="rect">
-            <a:avLst/>
-          </a:prstGeom>
-        </p:spPr>
-        <p:txBody>
-          <a:bodyPr vert="horz" lIns="91440" tIns="45720" rIns="91440" bIns="45720" rtlCol="0" anchor="ctr">
-            <a:normAutofit/>
-          </a:bodyPr>
-          <a:lstStyle>
-            <a:lvl1pPr algn="l" defTabSz="457200" rtl="0" eaLnBrk="1" latinLnBrk="0" hangingPunct="1">
-              <a:spcBef>
-                <a:spcPct val="0"/>
-              </a:spcBef>
-              <a:buNone/>
-              <a:defRPr sz="3200" b="1" i="0" kern="1200" baseline="0">
-                <a:solidFill>
-                  <a:schemeClr val="tx1"/>
-                </a:solidFill>
-                <a:latin typeface="+mj-lt"/>
-                <a:ea typeface="+mj-ea"/>
-                <a:cs typeface="+mj-cs"/>
-              </a:defRPr>
-            </a:lvl1pPr>
-          </a:lstStyle>
-          <a:p>
-            <a:r>
-              <a:rPr lang="en-US" dirty="0" smtClean="0"/>
-              <a:t>Short Description</a:t>
-            </a:r>
-            <a:endParaRPr lang="ru-RU" dirty="0"/>
-          </a:p>
-        </p:txBody>
-      </p:sp>
-    </p:spTree>
-    <p:extLst>
-      <p:ext uri="{BB962C8B-B14F-4D97-AF65-F5344CB8AC3E}">
-        <p14:creationId xmlns:p14="http://schemas.microsoft.com/office/powerpoint/2010/main" val="238712034"/>
-      </p:ext>
-    </p:extLst>
-  </p:cSld>
-  <p:clrMapOvr>
-    <a:masterClrMapping/>
-  </p:clrMapOvr>
-  <p:timing>
-    <p:tnLst>
-      <p:par>
-        <p:cTn id="1" dur="indefinite" restart="never" nodeType="tmRoot"/>
-      </p:par>
-    </p:tnLst>
-  </p:timing>
-</p:sld>
-</file>
-
-<file path=ppt/slides/slide3.xml><?xml version="1.0" encoding="utf-8"?>
-<p:sld xmlns:a="http://schemas.openxmlformats.org/drawingml/2006/main" xmlns:r="http://schemas.openxmlformats.org/officeDocument/2006/relationships" xmlns:p="http://schemas.openxmlformats.org/presentationml/2006/main">
-  <p:cSld>
-    <p:bg>
-      <p:bgPr>
-        <a:solidFill>
-          <a:schemeClr val="bg1"/>
-        </a:solidFill>
-        <a:effectLst/>
-      </p:bgPr>
-    </p:bg>
-    <p:spTree>
-      <p:nvGrpSpPr>
-        <p:cNvPr id="1" name=""/>
-        <p:cNvGrpSpPr/>
-        <p:nvPr/>
-      </p:nvGrpSpPr>
-      <p:grpSpPr>
-        <a:xfrm>
-          <a:off x="0" y="0"/>
-          <a:ext cx="0" cy="0"/>
-          <a:chOff x="0" y="0"/>
-          <a:chExt cx="0" cy="0"/>
-        </a:xfrm>
-      </p:grpSpPr>
-      <p:pic>
-        <p:nvPicPr>
-          <p:cNvPr id="3" name="Picture 2"/>
-          <p:cNvPicPr>
-            <a:picLocks noChangeAspect="1"/>
-          </p:cNvPicPr>
-          <p:nvPr/>
-        </p:nvPicPr>
-        <p:blipFill>
-          <a:blip r:embed="rId2">
-            <a:extLst>
-              <a:ext uri="{28A0092B-C50C-407E-A947-70E740481C1C}">
-                <a14:useLocalDpi xmlns:a14="http://schemas.microsoft.com/office/drawing/2010/main" val="0"/>
-              </a:ext>
-            </a:extLst>
-          </a:blip>
-          <a:stretch>
-            <a:fillRect/>
-          </a:stretch>
-        </p:blipFill>
-        <p:spPr>
-          <a:xfrm>
-            <a:off x="0" y="559953"/>
-            <a:ext cx="4572000" cy="4572000"/>
-          </a:xfrm>
-          <a:prstGeom prst="rect">
-            <a:avLst/>
-          </a:prstGeom>
-        </p:spPr>
-      </p:pic>
-      <p:pic>
-        <p:nvPicPr>
-          <p:cNvPr id="4" name="Picture 3"/>
-          <p:cNvPicPr>
-            <a:picLocks noChangeAspect="1"/>
-          </p:cNvPicPr>
-          <p:nvPr/>
-        </p:nvPicPr>
-        <p:blipFill>
-          <a:blip r:embed="rId3">
-            <a:extLst>
-              <a:ext uri="{28A0092B-C50C-407E-A947-70E740481C1C}">
-                <a14:useLocalDpi xmlns:a14="http://schemas.microsoft.com/office/drawing/2010/main" val="0"/>
-              </a:ext>
-            </a:extLst>
-          </a:blip>
-          <a:stretch>
-            <a:fillRect/>
-          </a:stretch>
-        </p:blipFill>
-        <p:spPr>
-          <a:xfrm>
-            <a:off x="4572000" y="559953"/>
-            <a:ext cx="4572000" cy="4572000"/>
-          </a:xfrm>
-          <a:prstGeom prst="rect">
-            <a:avLst/>
-          </a:prstGeom>
-        </p:spPr>
-      </p:pic>
-      <p:sp>
-        <p:nvSpPr>
-          <p:cNvPr id="5" name="Title 1"/>
-          <p:cNvSpPr txBox="1">
-            <a:spLocks/>
-          </p:cNvSpPr>
-          <p:nvPr/>
-        </p:nvSpPr>
-        <p:spPr>
-          <a:xfrm>
-            <a:off x="1295400" y="100749"/>
-            <a:ext cx="1981200" cy="538155"/>
-          </a:xfrm>
-          <a:prstGeom prst="rect">
-            <a:avLst/>
-          </a:prstGeom>
-        </p:spPr>
-        <p:txBody>
-          <a:bodyPr vert="horz" lIns="91440" tIns="45720" rIns="91440" bIns="45720" rtlCol="0" anchor="ctr">
-            <a:normAutofit lnSpcReduction="10000"/>
-          </a:bodyPr>
-          <a:lstStyle>
-            <a:lvl1pPr algn="l" defTabSz="457200" rtl="0" eaLnBrk="1" latinLnBrk="0" hangingPunct="1">
-              <a:spcBef>
-                <a:spcPct val="0"/>
-              </a:spcBef>
-              <a:buNone/>
-              <a:defRPr sz="3200" b="1" i="0" kern="1200" baseline="0">
-                <a:solidFill>
-                  <a:schemeClr val="tx1"/>
-                </a:solidFill>
-                <a:latin typeface="+mj-lt"/>
-                <a:ea typeface="+mj-ea"/>
-                <a:cs typeface="+mj-cs"/>
-              </a:defRPr>
-            </a:lvl1pPr>
-          </a:lstStyle>
-          <a:p>
-            <a:r>
-              <a:rPr lang="en-US" dirty="0" smtClean="0"/>
-              <a:t>In-degree</a:t>
-            </a:r>
-            <a:endParaRPr lang="ru-RU" dirty="0"/>
-          </a:p>
-        </p:txBody>
-      </p:sp>
-      <p:sp>
-        <p:nvSpPr>
-          <p:cNvPr id="6" name="Title 1"/>
-          <p:cNvSpPr txBox="1">
-            <a:spLocks/>
-          </p:cNvSpPr>
-          <p:nvPr/>
-        </p:nvSpPr>
-        <p:spPr>
-          <a:xfrm>
-            <a:off x="5778500" y="48340"/>
-            <a:ext cx="2159000" cy="642971"/>
-          </a:xfrm>
-          <a:prstGeom prst="rect">
-            <a:avLst/>
-          </a:prstGeom>
-        </p:spPr>
-        <p:txBody>
-          <a:bodyPr vert="horz" lIns="91440" tIns="45720" rIns="91440" bIns="45720" rtlCol="0" anchor="ctr">
-            <a:normAutofit/>
-          </a:bodyPr>
-          <a:lstStyle>
-            <a:lvl1pPr algn="l" defTabSz="457200" rtl="0" eaLnBrk="1" latinLnBrk="0" hangingPunct="1">
-              <a:spcBef>
-                <a:spcPct val="0"/>
-              </a:spcBef>
-              <a:buNone/>
-              <a:defRPr sz="3200" b="1" i="0" kern="1200" baseline="0">
-                <a:solidFill>
-                  <a:schemeClr val="tx1"/>
-                </a:solidFill>
-                <a:latin typeface="+mj-lt"/>
-                <a:ea typeface="+mj-ea"/>
-                <a:cs typeface="+mj-cs"/>
-              </a:defRPr>
-            </a:lvl1pPr>
-          </a:lstStyle>
-          <a:p>
-            <a:r>
-              <a:rPr lang="en-US" dirty="0" smtClean="0"/>
-              <a:t>Out-degree</a:t>
-            </a:r>
-            <a:endParaRPr lang="ru-RU" dirty="0"/>
-          </a:p>
-        </p:txBody>
-      </p:sp>
-    </p:spTree>
-    <p:extLst>
-      <p:ext uri="{BB962C8B-B14F-4D97-AF65-F5344CB8AC3E}">
-        <p14:creationId xmlns:p14="http://schemas.microsoft.com/office/powerpoint/2010/main" val="2247482143"/>
-      </p:ext>
-    </p:extLst>
-  </p:cSld>
-  <p:clrMapOvr>
-    <a:masterClrMapping/>
-  </p:clrMapOvr>
-</p:sld>
-</file>
-
-<file path=ppt/slides/slide4.xml><?xml version="1.0" encoding="utf-8"?>
-<p:sld xmlns:a="http://schemas.openxmlformats.org/drawingml/2006/main" xmlns:r="http://schemas.openxmlformats.org/officeDocument/2006/relationships" xmlns:p="http://schemas.openxmlformats.org/presentationml/2006/main">
-  <p:cSld>
-    <p:bg>
-      <p:bgPr>
-        <a:solidFill>
-          <a:schemeClr val="bg1"/>
-        </a:solidFill>
-        <a:effectLst/>
-      </p:bgPr>
-    </p:bg>
-    <p:spTree>
-      <p:nvGrpSpPr>
-        <p:cNvPr id="1" name=""/>
-        <p:cNvGrpSpPr/>
-        <p:nvPr/>
-      </p:nvGrpSpPr>
-      <p:grpSpPr>
-        <a:xfrm>
-          <a:off x="0" y="0"/>
-          <a:ext cx="0" cy="0"/>
-          <a:chOff x="0" y="0"/>
-          <a:chExt cx="0" cy="0"/>
-        </a:xfrm>
-      </p:grpSpPr>
-      <p:sp>
-        <p:nvSpPr>
-          <p:cNvPr id="2" name="Название 1"/>
-          <p:cNvSpPr>
-            <a:spLocks noGrp="1"/>
-          </p:cNvSpPr>
-          <p:nvPr>
-            <p:ph type="title"/>
-          </p:nvPr>
-        </p:nvSpPr>
-        <p:spPr/>
-        <p:txBody>
-          <a:bodyPr/>
-          <a:lstStyle/>
-          <a:p>
-            <a:endParaRPr lang="ru-RU"/>
-          </a:p>
-        </p:txBody>
-      </p:sp>
-      <p:pic>
-        <p:nvPicPr>
-          <p:cNvPr id="4" name="Content Placeholder 3"/>
-          <p:cNvPicPr>
-            <a:picLocks noGrp="1" noChangeAspect="1"/>
-          </p:cNvPicPr>
-          <p:nvPr>
-            <p:ph sz="half" idx="1"/>
-          </p:nvPr>
-        </p:nvPicPr>
-        <p:blipFill>
-          <a:blip r:embed="rId2">
-            <a:extLst>
-              <a:ext uri="{28A0092B-C50C-407E-A947-70E740481C1C}">
-                <a14:useLocalDpi xmlns:a14="http://schemas.microsoft.com/office/drawing/2010/main" val="0"/>
-              </a:ext>
-            </a:extLst>
-          </a:blip>
-          <a:stretch>
-            <a:fillRect/>
-          </a:stretch>
-        </p:blipFill>
-        <p:spPr>
-          <a:xfrm>
-            <a:off x="5255" y="927381"/>
-            <a:ext cx="4566807" cy="3425105"/>
-          </a:xfrm>
-        </p:spPr>
-      </p:pic>
-      <p:pic>
-        <p:nvPicPr>
-          <p:cNvPr id="5" name="Picture 4"/>
-          <p:cNvPicPr>
-            <a:picLocks noChangeAspect="1"/>
-          </p:cNvPicPr>
-          <p:nvPr/>
-        </p:nvPicPr>
-        <p:blipFill>
-          <a:blip r:embed="rId3">
-            <a:extLst>
-              <a:ext uri="{28A0092B-C50C-407E-A947-70E740481C1C}">
-                <a14:useLocalDpi xmlns:a14="http://schemas.microsoft.com/office/drawing/2010/main" val="0"/>
-              </a:ext>
-            </a:extLst>
-          </a:blip>
-          <a:stretch>
-            <a:fillRect/>
-          </a:stretch>
-        </p:blipFill>
-        <p:spPr>
-          <a:xfrm>
-            <a:off x="4572062" y="958911"/>
-            <a:ext cx="4566808" cy="3425105"/>
-          </a:xfrm>
-          <a:prstGeom prst="rect">
-            <a:avLst/>
-          </a:prstGeom>
-        </p:spPr>
-      </p:pic>
-      <p:sp>
-        <p:nvSpPr>
-          <p:cNvPr id="7" name="Title 1"/>
-          <p:cNvSpPr txBox="1">
-            <a:spLocks/>
-          </p:cNvSpPr>
-          <p:nvPr/>
-        </p:nvSpPr>
-        <p:spPr>
-          <a:xfrm>
-            <a:off x="457200" y="97064"/>
-            <a:ext cx="6273934" cy="620483"/>
-          </a:xfrm>
-          <a:prstGeom prst="rect">
-            <a:avLst/>
-          </a:prstGeom>
-        </p:spPr>
-        <p:txBody>
-          <a:bodyPr vert="horz" lIns="91440" tIns="45720" rIns="91440" bIns="45720" rtlCol="0" anchor="ctr">
-            <a:normAutofit/>
-          </a:bodyPr>
-          <a:lstStyle>
-            <a:lvl1pPr algn="l" defTabSz="457200" rtl="0" eaLnBrk="1" latinLnBrk="0" hangingPunct="1">
-              <a:spcBef>
-                <a:spcPct val="0"/>
-              </a:spcBef>
-              <a:buNone/>
-              <a:defRPr sz="3200" b="1" i="0" kern="1200" baseline="0">
-                <a:solidFill>
-                  <a:schemeClr val="tx1"/>
-                </a:solidFill>
-                <a:latin typeface="+mj-lt"/>
-                <a:ea typeface="+mj-ea"/>
-                <a:cs typeface="+mj-cs"/>
-              </a:defRPr>
-            </a:lvl1pPr>
-          </a:lstStyle>
-          <a:p>
-            <a:r>
-              <a:rPr lang="en-US" dirty="0" smtClean="0"/>
-              <a:t>Degree Distributions</a:t>
-            </a:r>
-            <a:endParaRPr lang="ru-RU" dirty="0"/>
-          </a:p>
-        </p:txBody>
-      </p:sp>
-      <p:sp>
-        <p:nvSpPr>
-          <p:cNvPr id="3" name="TextBox 2"/>
-          <p:cNvSpPr txBox="1"/>
-          <p:nvPr/>
-        </p:nvSpPr>
-        <p:spPr>
-          <a:xfrm flipH="1">
-            <a:off x="203900" y="4530787"/>
-            <a:ext cx="5145340" cy="369332"/>
-          </a:xfrm>
-          <a:prstGeom prst="rect">
-            <a:avLst/>
-          </a:prstGeom>
-          <a:noFill/>
-        </p:spPr>
-        <p:txBody>
-          <a:bodyPr wrap="square" rtlCol="0">
-            <a:spAutoFit/>
-          </a:bodyPr>
-          <a:lstStyle/>
-          <a:p>
-            <a:r>
-              <a:rPr lang="en-US" dirty="0" smtClean="0"/>
-              <a:t>Average degree: </a:t>
-            </a:r>
-            <a:r>
-              <a:rPr lang="en-US" dirty="0" err="1" smtClean="0"/>
-              <a:t>Gephi</a:t>
-            </a:r>
-            <a:r>
-              <a:rPr lang="en-US" dirty="0" smtClean="0"/>
-              <a:t> (12.203)</a:t>
-            </a:r>
-            <a:endParaRPr lang="ru-RU" dirty="0"/>
-          </a:p>
-        </p:txBody>
-      </p:sp>
-    </p:spTree>
-    <p:extLst>
-      <p:ext uri="{BB962C8B-B14F-4D97-AF65-F5344CB8AC3E}">
-        <p14:creationId xmlns:p14="http://schemas.microsoft.com/office/powerpoint/2010/main" val="191886464"/>
-      </p:ext>
-    </p:extLst>
-  </p:cSld>
-  <p:clrMapOvr>
-    <a:masterClrMapping/>
-  </p:clrMapOvr>
-  <p:timing>
-    <p:tnLst>
-      <p:par>
-        <p:cTn id="1" dur="indefinite" restart="never" nodeType="tmRoot"/>
-      </p:par>
-    </p:tnLst>
-  </p:timing>
-</p:sld>
-</file>
-
-<file path=ppt/slides/slide5.xml><?xml version="1.0" encoding="utf-8"?>
-<p:sld xmlns:a="http://schemas.openxmlformats.org/drawingml/2006/main" xmlns:r="http://schemas.openxmlformats.org/officeDocument/2006/relationships" xmlns:p="http://schemas.openxmlformats.org/presentationml/2006/main">
-  <p:cSld>
-    <p:bg>
-      <p:bgPr>
-        <a:solidFill>
-          <a:schemeClr val="bg1"/>
-        </a:solidFill>
-        <a:effectLst/>
-      </p:bgPr>
-    </p:bg>
-    <p:spTree>
-      <p:nvGrpSpPr>
-        <p:cNvPr id="1" name=""/>
-        <p:cNvGrpSpPr/>
-        <p:nvPr/>
-      </p:nvGrpSpPr>
-      <p:grpSpPr>
-        <a:xfrm>
-          <a:off x="0" y="0"/>
-          <a:ext cx="0" cy="0"/>
-          <a:chOff x="0" y="0"/>
-          <a:chExt cx="0" cy="0"/>
-        </a:xfrm>
-      </p:grpSpPr>
-      <p:sp>
-        <p:nvSpPr>
-          <p:cNvPr id="3" name="Title 1"/>
-          <p:cNvSpPr txBox="1">
-            <a:spLocks/>
-          </p:cNvSpPr>
-          <p:nvPr/>
-        </p:nvSpPr>
-        <p:spPr>
-          <a:xfrm>
-            <a:off x="457200" y="97064"/>
-            <a:ext cx="6273934" cy="620483"/>
-          </a:xfrm>
-          <a:prstGeom prst="rect">
-            <a:avLst/>
-          </a:prstGeom>
-        </p:spPr>
-        <p:txBody>
-          <a:bodyPr vert="horz" lIns="91440" tIns="45720" rIns="91440" bIns="45720" rtlCol="0" anchor="ctr">
-            <a:normAutofit/>
-          </a:bodyPr>
-          <a:lstStyle>
-            <a:lvl1pPr algn="l" defTabSz="457200" rtl="0" eaLnBrk="1" latinLnBrk="0" hangingPunct="1">
-              <a:spcBef>
-                <a:spcPct val="0"/>
-              </a:spcBef>
-              <a:buNone/>
-              <a:defRPr sz="3200" b="1" i="0" kern="1200" baseline="0">
-                <a:solidFill>
-                  <a:schemeClr val="tx1"/>
-                </a:solidFill>
-                <a:latin typeface="+mj-lt"/>
-                <a:ea typeface="+mj-ea"/>
-                <a:cs typeface="+mj-cs"/>
-              </a:defRPr>
-            </a:lvl1pPr>
-          </a:lstStyle>
-          <a:p>
-            <a:r>
-              <a:rPr lang="en-US" dirty="0" smtClean="0"/>
-              <a:t>Filtering the giant component</a:t>
-            </a:r>
-            <a:endParaRPr lang="ru-RU" dirty="0"/>
-          </a:p>
-        </p:txBody>
-      </p:sp>
-      <p:sp>
-        <p:nvSpPr>
-          <p:cNvPr id="4" name="Content Placeholder 2"/>
-          <p:cNvSpPr txBox="1">
-            <a:spLocks/>
-          </p:cNvSpPr>
-          <p:nvPr/>
-        </p:nvSpPr>
-        <p:spPr>
-          <a:xfrm>
-            <a:off x="457196" y="925405"/>
-            <a:ext cx="8229601" cy="1618263"/>
-          </a:xfrm>
-          <a:prstGeom prst="rect">
-            <a:avLst/>
-          </a:prstGeom>
-        </p:spPr>
-        <p:txBody>
-          <a:bodyPr vert="horz" lIns="91440" tIns="45720" rIns="91440" bIns="45720" rtlCol="0">
-            <a:normAutofit/>
-          </a:bodyPr>
-          <a:lstStyle>
-            <a:lvl1pPr marL="342900" indent="-342900" algn="l" defTabSz="457200" rtl="0" eaLnBrk="1" latinLnBrk="0" hangingPunct="1">
-              <a:spcBef>
-                <a:spcPct val="20000"/>
-              </a:spcBef>
-              <a:buSzPct val="100000"/>
-              <a:buFontTx/>
-              <a:buBlip>
-                <a:blip r:embed="rId2"/>
-              </a:buBlip>
-              <a:defRPr sz="2400" kern="1200">
-                <a:solidFill>
-                  <a:schemeClr val="tx1"/>
-                </a:solidFill>
-                <a:latin typeface="+mn-lt"/>
-                <a:ea typeface="+mn-ea"/>
-                <a:cs typeface="+mn-cs"/>
-              </a:defRPr>
-            </a:lvl1pPr>
-            <a:lvl2pPr marL="742950" indent="-285750" algn="l" defTabSz="457200" rtl="0" eaLnBrk="1" latinLnBrk="0" hangingPunct="1">
-              <a:spcBef>
-                <a:spcPct val="20000"/>
-              </a:spcBef>
-              <a:buFont typeface="Arial"/>
-              <a:buChar char="•"/>
-              <a:defRPr sz="2400" kern="1200">
-                <a:solidFill>
-                  <a:schemeClr val="tx1"/>
-                </a:solidFill>
-                <a:latin typeface="+mn-lt"/>
-                <a:ea typeface="+mn-ea"/>
-                <a:cs typeface="+mn-cs"/>
-              </a:defRPr>
-            </a:lvl2pPr>
-            <a:lvl3pPr marL="1143000" indent="-228600" algn="l" defTabSz="457200" rtl="0" eaLnBrk="1" latinLnBrk="0" hangingPunct="1">
-              <a:spcBef>
-                <a:spcPct val="20000"/>
-              </a:spcBef>
-              <a:buFont typeface="Arial"/>
-              <a:buChar char="•"/>
-              <a:defRPr sz="2000" kern="1200">
-                <a:solidFill>
-                  <a:schemeClr val="tx1"/>
-                </a:solidFill>
-                <a:latin typeface="+mn-lt"/>
-                <a:ea typeface="+mn-ea"/>
-                <a:cs typeface="+mn-cs"/>
-              </a:defRPr>
-            </a:lvl3pPr>
-            <a:lvl4pPr marL="1600200" indent="-228600" algn="l" defTabSz="457200" rtl="0" eaLnBrk="1" latinLnBrk="0" hangingPunct="1">
-              <a:spcBef>
-                <a:spcPct val="20000"/>
-              </a:spcBef>
-              <a:buFont typeface="Arial"/>
-              <a:buChar char="•"/>
-              <a:defRPr sz="1800" kern="1200">
-                <a:solidFill>
-                  <a:schemeClr val="tx1"/>
-                </a:solidFill>
-                <a:latin typeface="+mn-lt"/>
-                <a:ea typeface="+mn-ea"/>
-                <a:cs typeface="+mn-cs"/>
-              </a:defRPr>
-            </a:lvl4pPr>
-            <a:lvl5pPr marL="2057400" indent="-228600" algn="l" defTabSz="457200" rtl="0" eaLnBrk="1" latinLnBrk="0" hangingPunct="1">
-              <a:spcBef>
-                <a:spcPct val="20000"/>
-              </a:spcBef>
-              <a:buFont typeface="Arial"/>
-              <a:buChar char="•"/>
-              <a:defRPr sz="1800" kern="1200">
-                <a:solidFill>
-                  <a:schemeClr val="tx1"/>
-                </a:solidFill>
-                <a:latin typeface="+mn-lt"/>
-                <a:ea typeface="+mn-ea"/>
-                <a:cs typeface="+mn-cs"/>
-              </a:defRPr>
-            </a:lvl5pPr>
-            <a:lvl6pPr marL="2514600" indent="-228600" algn="l" defTabSz="457200" rtl="0" eaLnBrk="1" latinLnBrk="0" hangingPunct="1">
-              <a:spcBef>
-                <a:spcPct val="20000"/>
-              </a:spcBef>
-              <a:buFont typeface="Arial"/>
-              <a:buChar char="•"/>
-              <a:defRPr sz="1800" kern="1200">
-                <a:solidFill>
-                  <a:schemeClr val="tx1"/>
-                </a:solidFill>
-                <a:latin typeface="+mn-lt"/>
-                <a:ea typeface="+mn-ea"/>
-                <a:cs typeface="+mn-cs"/>
-              </a:defRPr>
-            </a:lvl6pPr>
-            <a:lvl7pPr marL="2971800" indent="-228600" algn="l" defTabSz="457200" rtl="0" eaLnBrk="1" latinLnBrk="0" hangingPunct="1">
-              <a:spcBef>
-                <a:spcPct val="20000"/>
-              </a:spcBef>
-              <a:buFont typeface="Arial"/>
-              <a:buChar char="•"/>
-              <a:defRPr sz="1800" kern="1200">
-                <a:solidFill>
-                  <a:schemeClr val="tx1"/>
-                </a:solidFill>
-                <a:latin typeface="+mn-lt"/>
-                <a:ea typeface="+mn-ea"/>
-                <a:cs typeface="+mn-cs"/>
-              </a:defRPr>
-            </a:lvl7pPr>
-            <a:lvl8pPr marL="3429000" indent="-228600" algn="l" defTabSz="457200" rtl="0" eaLnBrk="1" latinLnBrk="0" hangingPunct="1">
-              <a:spcBef>
-                <a:spcPct val="20000"/>
-              </a:spcBef>
-              <a:buFont typeface="Arial"/>
-              <a:buChar char="•"/>
-              <a:defRPr sz="1800" kern="1200">
-                <a:solidFill>
-                  <a:schemeClr val="tx1"/>
-                </a:solidFill>
-                <a:latin typeface="+mn-lt"/>
-                <a:ea typeface="+mn-ea"/>
-                <a:cs typeface="+mn-cs"/>
-              </a:defRPr>
-            </a:lvl8pPr>
-            <a:lvl9pPr marL="3886200" indent="-228600" algn="l" defTabSz="457200" rtl="0" eaLnBrk="1" latinLnBrk="0" hangingPunct="1">
-              <a:spcBef>
-                <a:spcPct val="20000"/>
-              </a:spcBef>
-              <a:buFont typeface="Arial"/>
-              <a:buChar char="•"/>
-              <a:defRPr sz="1800" kern="1200">
-                <a:solidFill>
-                  <a:schemeClr val="tx1"/>
-                </a:solidFill>
-                <a:latin typeface="+mn-lt"/>
-                <a:ea typeface="+mn-ea"/>
-                <a:cs typeface="+mn-cs"/>
-              </a:defRPr>
-            </a:lvl9pPr>
-          </a:lstStyle>
-          <a:p>
-            <a:pPr marL="0" indent="0" algn="just">
-              <a:spcBef>
-                <a:spcPts val="0"/>
-              </a:spcBef>
-              <a:buFontTx/>
-              <a:buNone/>
-            </a:pPr>
-            <a:r>
-              <a:rPr lang="en-US" dirty="0" smtClean="0"/>
-              <a:t>Significant reduce in amount of nodes and edges:</a:t>
-            </a:r>
-          </a:p>
-          <a:p>
-            <a:pPr marL="0" indent="0" algn="just">
-              <a:spcBef>
-                <a:spcPts val="0"/>
-              </a:spcBef>
-              <a:buFontTx/>
-              <a:buNone/>
-            </a:pPr>
-            <a:endParaRPr lang="en-US" dirty="0"/>
-          </a:p>
-          <a:p>
-            <a:pPr marL="0" indent="0" algn="just">
-              <a:spcBef>
-                <a:spcPts val="0"/>
-              </a:spcBef>
-              <a:buNone/>
-            </a:pPr>
-            <a:r>
-              <a:rPr lang="en-US" dirty="0" smtClean="0"/>
-              <a:t>Nodes</a:t>
-            </a:r>
-            <a:r>
-              <a:rPr lang="en-US" dirty="0"/>
-              <a:t>: </a:t>
-            </a:r>
-            <a:r>
-              <a:rPr lang="en-US" dirty="0" smtClean="0"/>
-              <a:t>34546 -&gt; </a:t>
-            </a:r>
-            <a:r>
-              <a:rPr lang="en-US" dirty="0"/>
-              <a:t>12711</a:t>
-            </a:r>
-            <a:endParaRPr lang="en-US" dirty="0" smtClean="0"/>
-          </a:p>
-          <a:p>
-            <a:pPr marL="0" indent="0" algn="just">
-              <a:spcBef>
-                <a:spcPts val="0"/>
-              </a:spcBef>
-              <a:buNone/>
-            </a:pPr>
-            <a:r>
-              <a:rPr lang="en-US" dirty="0" smtClean="0"/>
-              <a:t>Edges</a:t>
-            </a:r>
-            <a:r>
-              <a:rPr lang="en-US" dirty="0"/>
-              <a:t>: 421578 </a:t>
-            </a:r>
-            <a:r>
-              <a:rPr lang="en-US" dirty="0" smtClean="0"/>
-              <a:t>-&gt; 139981</a:t>
-            </a:r>
-            <a:endParaRPr lang="en-US" dirty="0"/>
-          </a:p>
-        </p:txBody>
-      </p:sp>
-      <p:sp>
-        <p:nvSpPr>
-          <p:cNvPr id="5" name="Content Placeholder 2"/>
-          <p:cNvSpPr txBox="1">
-            <a:spLocks/>
-          </p:cNvSpPr>
-          <p:nvPr/>
-        </p:nvSpPr>
-        <p:spPr>
-          <a:xfrm>
-            <a:off x="457200" y="4060371"/>
-            <a:ext cx="8229601" cy="627782"/>
-          </a:xfrm>
-          <a:prstGeom prst="rect">
-            <a:avLst/>
-          </a:prstGeom>
-        </p:spPr>
-        <p:txBody>
-          <a:bodyPr vert="horz" lIns="91440" tIns="45720" rIns="91440" bIns="45720" rtlCol="0">
-            <a:normAutofit/>
-          </a:bodyPr>
-          <a:lstStyle>
-            <a:lvl1pPr marL="342900" indent="-342900" algn="l" defTabSz="457200" rtl="0" eaLnBrk="1" latinLnBrk="0" hangingPunct="1">
-              <a:spcBef>
-                <a:spcPct val="20000"/>
-              </a:spcBef>
-              <a:buSzPct val="100000"/>
-              <a:buFontTx/>
-              <a:buBlip>
-                <a:blip r:embed="rId2"/>
-              </a:buBlip>
-              <a:defRPr sz="2400" kern="1200">
-                <a:solidFill>
-                  <a:schemeClr val="tx1"/>
-                </a:solidFill>
-                <a:latin typeface="+mn-lt"/>
-                <a:ea typeface="+mn-ea"/>
-                <a:cs typeface="+mn-cs"/>
-              </a:defRPr>
-            </a:lvl1pPr>
-            <a:lvl2pPr marL="742950" indent="-285750" algn="l" defTabSz="457200" rtl="0" eaLnBrk="1" latinLnBrk="0" hangingPunct="1">
-              <a:spcBef>
-                <a:spcPct val="20000"/>
-              </a:spcBef>
-              <a:buFont typeface="Arial"/>
-              <a:buChar char="•"/>
-              <a:defRPr sz="2400" kern="1200">
-                <a:solidFill>
-                  <a:schemeClr val="tx1"/>
-                </a:solidFill>
-                <a:latin typeface="+mn-lt"/>
-                <a:ea typeface="+mn-ea"/>
-                <a:cs typeface="+mn-cs"/>
-              </a:defRPr>
-            </a:lvl2pPr>
-            <a:lvl3pPr marL="1143000" indent="-228600" algn="l" defTabSz="457200" rtl="0" eaLnBrk="1" latinLnBrk="0" hangingPunct="1">
-              <a:spcBef>
-                <a:spcPct val="20000"/>
-              </a:spcBef>
-              <a:buFont typeface="Arial"/>
-              <a:buChar char="•"/>
-              <a:defRPr sz="2000" kern="1200">
-                <a:solidFill>
-                  <a:schemeClr val="tx1"/>
-                </a:solidFill>
-                <a:latin typeface="+mn-lt"/>
-                <a:ea typeface="+mn-ea"/>
-                <a:cs typeface="+mn-cs"/>
-              </a:defRPr>
-            </a:lvl3pPr>
-            <a:lvl4pPr marL="1600200" indent="-228600" algn="l" defTabSz="457200" rtl="0" eaLnBrk="1" latinLnBrk="0" hangingPunct="1">
-              <a:spcBef>
-                <a:spcPct val="20000"/>
-              </a:spcBef>
-              <a:buFont typeface="Arial"/>
-              <a:buChar char="•"/>
-              <a:defRPr sz="1800" kern="1200">
-                <a:solidFill>
-                  <a:schemeClr val="tx1"/>
-                </a:solidFill>
-                <a:latin typeface="+mn-lt"/>
-                <a:ea typeface="+mn-ea"/>
-                <a:cs typeface="+mn-cs"/>
-              </a:defRPr>
-            </a:lvl4pPr>
-            <a:lvl5pPr marL="2057400" indent="-228600" algn="l" defTabSz="457200" rtl="0" eaLnBrk="1" latinLnBrk="0" hangingPunct="1">
-              <a:spcBef>
-                <a:spcPct val="20000"/>
-              </a:spcBef>
-              <a:buFont typeface="Arial"/>
-              <a:buChar char="•"/>
-              <a:defRPr sz="1800" kern="1200">
-                <a:solidFill>
-                  <a:schemeClr val="tx1"/>
-                </a:solidFill>
-                <a:latin typeface="+mn-lt"/>
-                <a:ea typeface="+mn-ea"/>
-                <a:cs typeface="+mn-cs"/>
-              </a:defRPr>
-            </a:lvl5pPr>
-            <a:lvl6pPr marL="2514600" indent="-228600" algn="l" defTabSz="457200" rtl="0" eaLnBrk="1" latinLnBrk="0" hangingPunct="1">
-              <a:spcBef>
-                <a:spcPct val="20000"/>
-              </a:spcBef>
-              <a:buFont typeface="Arial"/>
-              <a:buChar char="•"/>
-              <a:defRPr sz="1800" kern="1200">
-                <a:solidFill>
-                  <a:schemeClr val="tx1"/>
-                </a:solidFill>
-                <a:latin typeface="+mn-lt"/>
-                <a:ea typeface="+mn-ea"/>
-                <a:cs typeface="+mn-cs"/>
-              </a:defRPr>
-            </a:lvl6pPr>
-            <a:lvl7pPr marL="2971800" indent="-228600" algn="l" defTabSz="457200" rtl="0" eaLnBrk="1" latinLnBrk="0" hangingPunct="1">
-              <a:spcBef>
-                <a:spcPct val="20000"/>
-              </a:spcBef>
-              <a:buFont typeface="Arial"/>
-              <a:buChar char="•"/>
-              <a:defRPr sz="1800" kern="1200">
-                <a:solidFill>
-                  <a:schemeClr val="tx1"/>
-                </a:solidFill>
-                <a:latin typeface="+mn-lt"/>
-                <a:ea typeface="+mn-ea"/>
-                <a:cs typeface="+mn-cs"/>
-              </a:defRPr>
-            </a:lvl7pPr>
-            <a:lvl8pPr marL="3429000" indent="-228600" algn="l" defTabSz="457200" rtl="0" eaLnBrk="1" latinLnBrk="0" hangingPunct="1">
-              <a:spcBef>
-                <a:spcPct val="20000"/>
-              </a:spcBef>
-              <a:buFont typeface="Arial"/>
-              <a:buChar char="•"/>
-              <a:defRPr sz="1800" kern="1200">
-                <a:solidFill>
-                  <a:schemeClr val="tx1"/>
-                </a:solidFill>
-                <a:latin typeface="+mn-lt"/>
-                <a:ea typeface="+mn-ea"/>
-                <a:cs typeface="+mn-cs"/>
-              </a:defRPr>
-            </a:lvl8pPr>
-            <a:lvl9pPr marL="3886200" indent="-228600" algn="l" defTabSz="457200" rtl="0" eaLnBrk="1" latinLnBrk="0" hangingPunct="1">
-              <a:spcBef>
-                <a:spcPct val="20000"/>
-              </a:spcBef>
-              <a:buFont typeface="Arial"/>
-              <a:buChar char="•"/>
-              <a:defRPr sz="1800" kern="1200">
-                <a:solidFill>
-                  <a:schemeClr val="tx1"/>
-                </a:solidFill>
-                <a:latin typeface="+mn-lt"/>
-                <a:ea typeface="+mn-ea"/>
-                <a:cs typeface="+mn-cs"/>
-              </a:defRPr>
-            </a:lvl9pPr>
-          </a:lstStyle>
-          <a:p>
-            <a:pPr marL="0" indent="0" algn="just">
-              <a:spcBef>
-                <a:spcPts val="0"/>
-              </a:spcBef>
-              <a:buFontTx/>
-              <a:buNone/>
-            </a:pPr>
-            <a:r>
-              <a:rPr lang="en-US" dirty="0" smtClean="0"/>
-              <a:t>TODO: Other components should be checked</a:t>
-            </a:r>
-            <a:endParaRPr lang="en-US" dirty="0"/>
-          </a:p>
-        </p:txBody>
-      </p:sp>
-    </p:spTree>
-    <p:extLst>
-      <p:ext uri="{BB962C8B-B14F-4D97-AF65-F5344CB8AC3E}">
-        <p14:creationId xmlns:p14="http://schemas.microsoft.com/office/powerpoint/2010/main" val="2008142909"/>
-      </p:ext>
-    </p:extLst>
-  </p:cSld>
-  <p:clrMapOvr>
-    <a:masterClrMapping/>
-  </p:clrMapOvr>
-</p:sld>
-</file>
-
-<file path=ppt/slides/slide6.xml><?xml version="1.0" encoding="utf-8"?>
-<p:sld xmlns:a="http://schemas.openxmlformats.org/drawingml/2006/main" xmlns:r="http://schemas.openxmlformats.org/officeDocument/2006/relationships" xmlns:p="http://schemas.openxmlformats.org/presentationml/2006/main">
-  <p:cSld>
-    <p:bg>
-      <p:bgPr>
-        <a:solidFill>
-          <a:schemeClr val="bg1"/>
-        </a:solidFill>
-        <a:effectLst/>
-      </p:bgPr>
-    </p:bg>
-    <p:spTree>
-      <p:nvGrpSpPr>
-        <p:cNvPr id="1" name=""/>
-        <p:cNvGrpSpPr/>
-        <p:nvPr/>
-      </p:nvGrpSpPr>
-      <p:grpSpPr>
-        <a:xfrm>
-          <a:off x="0" y="0"/>
-          <a:ext cx="0" cy="0"/>
-          <a:chOff x="0" y="0"/>
-          <a:chExt cx="0" cy="0"/>
-        </a:xfrm>
-      </p:grpSpPr>
-      <p:sp>
-        <p:nvSpPr>
-          <p:cNvPr id="2" name="Footer Placeholder 1"/>
-          <p:cNvSpPr>
-            <a:spLocks noGrp="1"/>
-          </p:cNvSpPr>
-          <p:nvPr>
-            <p:ph type="ftr" sz="quarter" idx="3"/>
-          </p:nvPr>
-        </p:nvSpPr>
-        <p:spPr/>
-        <p:txBody>
-          <a:bodyPr/>
-          <a:lstStyle/>
-          <a:p>
-            <a:r>
-              <a:rPr lang="en-US" smtClean="0"/>
-              <a:t>International Students and Scholars Rock</a:t>
-            </a:r>
-            <a:endParaRPr lang="en-US" dirty="0"/>
-          </a:p>
-        </p:txBody>
-      </p:sp>
-      <p:pic>
-        <p:nvPicPr>
-          <p:cNvPr id="3" name="Picture 2"/>
-          <p:cNvPicPr>
-            <a:picLocks noChangeAspect="1"/>
-          </p:cNvPicPr>
-          <p:nvPr/>
-        </p:nvPicPr>
-        <p:blipFill>
-          <a:blip r:embed="rId2">
-            <a:extLst>
-              <a:ext uri="{28A0092B-C50C-407E-A947-70E740481C1C}">
-                <a14:useLocalDpi xmlns:a14="http://schemas.microsoft.com/office/drawing/2010/main" val="0"/>
-              </a:ext>
-            </a:extLst>
-          </a:blip>
-          <a:stretch>
-            <a:fillRect/>
-          </a:stretch>
-        </p:blipFill>
-        <p:spPr>
-          <a:xfrm>
-            <a:off x="4571995" y="2571747"/>
-            <a:ext cx="9" cy="6"/>
-          </a:xfrm>
-          <a:prstGeom prst="rect">
-            <a:avLst/>
-          </a:prstGeom>
-        </p:spPr>
-      </p:pic>
-      <p:pic>
-        <p:nvPicPr>
-          <p:cNvPr id="4" name="Picture 3"/>
-          <p:cNvPicPr>
-            <a:picLocks noChangeAspect="1"/>
-          </p:cNvPicPr>
-          <p:nvPr/>
-        </p:nvPicPr>
-        <p:blipFill>
-          <a:blip r:embed="rId2">
-            <a:extLst>
-              <a:ext uri="{28A0092B-C50C-407E-A947-70E740481C1C}">
-                <a14:useLocalDpi xmlns:a14="http://schemas.microsoft.com/office/drawing/2010/main" val="0"/>
-              </a:ext>
-            </a:extLst>
-          </a:blip>
-          <a:stretch>
-            <a:fillRect/>
-          </a:stretch>
-        </p:blipFill>
-        <p:spPr>
-          <a:xfrm>
-            <a:off x="4571995" y="2571747"/>
-            <a:ext cx="9" cy="6"/>
-          </a:xfrm>
-          <a:prstGeom prst="rect">
-            <a:avLst/>
-          </a:prstGeom>
-        </p:spPr>
-      </p:pic>
-      <p:pic>
-        <p:nvPicPr>
-          <p:cNvPr id="5" name="Picture 4"/>
-          <p:cNvPicPr>
-            <a:picLocks noChangeAspect="1"/>
-          </p:cNvPicPr>
-          <p:nvPr/>
-        </p:nvPicPr>
-        <p:blipFill>
-          <a:blip r:embed="rId2">
-            <a:extLst>
-              <a:ext uri="{28A0092B-C50C-407E-A947-70E740481C1C}">
-                <a14:useLocalDpi xmlns:a14="http://schemas.microsoft.com/office/drawing/2010/main" val="0"/>
-              </a:ext>
-            </a:extLst>
-          </a:blip>
-          <a:stretch>
-            <a:fillRect/>
-          </a:stretch>
-        </p:blipFill>
-        <p:spPr>
-          <a:xfrm>
-            <a:off x="4571995" y="2571747"/>
-            <a:ext cx="9" cy="6"/>
-          </a:xfrm>
-          <a:prstGeom prst="rect">
-            <a:avLst/>
-          </a:prstGeom>
-        </p:spPr>
-      </p:pic>
-      <p:pic>
-        <p:nvPicPr>
-          <p:cNvPr id="6" name="Picture 5"/>
-          <p:cNvPicPr>
-            <a:picLocks noChangeAspect="1"/>
-          </p:cNvPicPr>
-          <p:nvPr/>
-        </p:nvPicPr>
-        <p:blipFill>
-          <a:blip r:embed="rId2">
-            <a:extLst>
-              <a:ext uri="{28A0092B-C50C-407E-A947-70E740481C1C}">
-                <a14:useLocalDpi xmlns:a14="http://schemas.microsoft.com/office/drawing/2010/main" val="0"/>
-              </a:ext>
-            </a:extLst>
-          </a:blip>
-          <a:stretch>
-            <a:fillRect/>
-          </a:stretch>
-        </p:blipFill>
-        <p:spPr>
-          <a:xfrm>
-            <a:off x="4571995" y="2571747"/>
-            <a:ext cx="9" cy="6"/>
-          </a:xfrm>
-          <a:prstGeom prst="rect">
-            <a:avLst/>
-          </a:prstGeom>
-        </p:spPr>
-      </p:pic>
-      <p:pic>
-        <p:nvPicPr>
-          <p:cNvPr id="8" name="Picture 7"/>
-          <p:cNvPicPr>
-            <a:picLocks noChangeAspect="1"/>
-          </p:cNvPicPr>
-          <p:nvPr/>
-        </p:nvPicPr>
-        <p:blipFill>
-          <a:blip r:embed="rId2">
-            <a:extLst>
-              <a:ext uri="{28A0092B-C50C-407E-A947-70E740481C1C}">
-                <a14:useLocalDpi xmlns:a14="http://schemas.microsoft.com/office/drawing/2010/main" val="0"/>
-              </a:ext>
-            </a:extLst>
-          </a:blip>
-          <a:stretch>
-            <a:fillRect/>
-          </a:stretch>
-        </p:blipFill>
-        <p:spPr>
-          <a:xfrm>
-            <a:off x="1253549" y="596594"/>
-            <a:ext cx="5878290" cy="3950318"/>
-          </a:xfrm>
-          <a:prstGeom prst="rect">
-            <a:avLst/>
-          </a:prstGeom>
-        </p:spPr>
-      </p:pic>
-    </p:spTree>
-    <p:extLst>
-      <p:ext uri="{BB962C8B-B14F-4D97-AF65-F5344CB8AC3E}">
-        <p14:creationId xmlns:p14="http://schemas.microsoft.com/office/powerpoint/2010/main" val="1704754107"/>
-      </p:ext>
-    </p:extLst>
-  </p:cSld>
-  <p:clrMapOvr>
-    <a:masterClrMapping/>
-  </p:clrMapOvr>
-</p:sld>
-</file>
-
-<file path=ppt/slides/slide7.xml><?xml version="1.0" encoding="utf-8"?>
-<p:sld xmlns:a="http://schemas.openxmlformats.org/drawingml/2006/main" xmlns:r="http://schemas.openxmlformats.org/officeDocument/2006/relationships" xmlns:p="http://schemas.openxmlformats.org/presentationml/2006/main">
-  <p:cSld>
-    <p:bg>
-      <p:bgPr>
-        <a:solidFill>
-          <a:schemeClr val="bg1"/>
-        </a:solidFill>
-        <a:effectLst/>
-      </p:bgPr>
-    </p:bg>
-    <p:spTree>
-      <p:nvGrpSpPr>
-        <p:cNvPr id="1" name=""/>
-        <p:cNvGrpSpPr/>
-        <p:nvPr/>
-      </p:nvGrpSpPr>
-      <p:grpSpPr>
-        <a:xfrm>
-          <a:off x="0" y="0"/>
-          <a:ext cx="0" cy="0"/>
-          <a:chOff x="0" y="0"/>
-          <a:chExt cx="0" cy="0"/>
-        </a:xfrm>
-      </p:grpSpPr>
-      <p:sp>
-        <p:nvSpPr>
-          <p:cNvPr id="2" name="Title 1"/>
-          <p:cNvSpPr>
-            <a:spLocks noGrp="1"/>
-          </p:cNvSpPr>
-          <p:nvPr>
-            <p:ph type="title"/>
-          </p:nvPr>
-        </p:nvSpPr>
-        <p:spPr>
-          <a:xfrm>
-            <a:off x="279400" y="306899"/>
-            <a:ext cx="6273934" cy="620483"/>
-          </a:xfrm>
-        </p:spPr>
-        <p:txBody>
-          <a:bodyPr/>
-          <a:lstStyle/>
-          <a:p>
-            <a:r>
-              <a:rPr lang="en-US" dirty="0" smtClean="0"/>
-              <a:t>Distances</a:t>
-            </a:r>
-            <a:endParaRPr lang="ru-RU" dirty="0"/>
-          </a:p>
-        </p:txBody>
-      </p:sp>
-      <p:pic>
-        <p:nvPicPr>
-          <p:cNvPr id="5" name="Picture 4"/>
-          <p:cNvPicPr>
-            <a:picLocks noChangeAspect="1"/>
-          </p:cNvPicPr>
-          <p:nvPr/>
-        </p:nvPicPr>
-        <p:blipFill>
-          <a:blip r:embed="rId2"/>
-          <a:stretch>
-            <a:fillRect/>
-          </a:stretch>
-        </p:blipFill>
-        <p:spPr>
-          <a:xfrm>
-            <a:off x="6786562" y="4226323"/>
-            <a:ext cx="2124075" cy="457200"/>
-          </a:xfrm>
-          <a:prstGeom prst="rect">
-            <a:avLst/>
-          </a:prstGeom>
-        </p:spPr>
-      </p:pic>
-      <p:pic>
-        <p:nvPicPr>
-          <p:cNvPr id="10" name="Content Placeholder 9"/>
-          <p:cNvPicPr>
-            <a:picLocks noGrp="1" noChangeAspect="1"/>
-          </p:cNvPicPr>
-          <p:nvPr>
-            <p:ph sz="half" idx="1"/>
-          </p:nvPr>
-        </p:nvPicPr>
-        <p:blipFill>
-          <a:blip r:embed="rId3">
-            <a:extLst>
-              <a:ext uri="{28A0092B-C50C-407E-A947-70E740481C1C}">
-                <a14:useLocalDpi xmlns:a14="http://schemas.microsoft.com/office/drawing/2010/main" val="0"/>
-              </a:ext>
-            </a:extLst>
-          </a:blip>
-          <a:stretch>
-            <a:fillRect/>
-          </a:stretch>
-        </p:blipFill>
-        <p:spPr>
-          <a:xfrm>
-            <a:off x="2641205" y="1085850"/>
-            <a:ext cx="3556529" cy="2847975"/>
-          </a:xfrm>
-        </p:spPr>
-      </p:pic>
-    </p:spTree>
-    <p:extLst>
-      <p:ext uri="{BB962C8B-B14F-4D97-AF65-F5344CB8AC3E}">
-        <p14:creationId xmlns:p14="http://schemas.microsoft.com/office/powerpoint/2010/main" val="3164072325"/>
-      </p:ext>
-    </p:extLst>
-  </p:cSld>
-  <p:clrMapOvr>
-    <a:masterClrMapping/>
-  </p:clrMapOvr>
-</p:sld>
-</file>
-
-<file path=ppt/slides/slide8.xml><?xml version="1.0" encoding="utf-8"?>
-<p:sld xmlns:a="http://schemas.openxmlformats.org/drawingml/2006/main" xmlns:r="http://schemas.openxmlformats.org/officeDocument/2006/relationships" xmlns:p="http://schemas.openxmlformats.org/presentationml/2006/main">
-  <p:cSld>
-    <p:bg>
-      <p:bgPr>
-        <a:solidFill>
-          <a:schemeClr val="bg1"/>
-        </a:solidFill>
-        <a:effectLst/>
-      </p:bgPr>
-    </p:bg>
-    <p:spTree>
-      <p:nvGrpSpPr>
-        <p:cNvPr id="1" name=""/>
-        <p:cNvGrpSpPr/>
-        <p:nvPr/>
-      </p:nvGrpSpPr>
-      <p:grpSpPr>
-        <a:xfrm>
-          <a:off x="0" y="0"/>
-          <a:ext cx="0" cy="0"/>
-          <a:chOff x="0" y="0"/>
-          <a:chExt cx="0" cy="0"/>
-        </a:xfrm>
-      </p:grpSpPr>
-      <p:pic>
-        <p:nvPicPr>
-          <p:cNvPr id="2" name="Picture 1"/>
-          <p:cNvPicPr>
-            <a:picLocks noChangeAspect="1"/>
-          </p:cNvPicPr>
-          <p:nvPr/>
-        </p:nvPicPr>
-        <p:blipFill>
-          <a:blip r:embed="rId2"/>
-          <a:stretch>
-            <a:fillRect/>
-          </a:stretch>
-        </p:blipFill>
-        <p:spPr>
-          <a:xfrm>
-            <a:off x="633412" y="4623027"/>
-            <a:ext cx="1781175" cy="142875"/>
-          </a:xfrm>
-          <a:prstGeom prst="rect">
-            <a:avLst/>
-          </a:prstGeom>
-        </p:spPr>
-      </p:pic>
-      <p:sp>
-        <p:nvSpPr>
           <p:cNvPr id="3" name="Title 1"/>
           <p:cNvSpPr txBox="1">
             <a:spLocks/>
@@ -9072,43 +6044,187 @@
           </a:lstStyle>
           <a:p>
             <a:r>
-              <a:rPr lang="en-US" dirty="0" smtClean="0"/>
-              <a:t>Clustering Coefficient Distribution</a:t>
+              <a:rPr lang="en-US" dirty="0" err="1" smtClean="0"/>
+              <a:t>Assortativity</a:t>
             </a:r>
             <a:endParaRPr lang="ru-RU" dirty="0"/>
           </a:p>
         </p:txBody>
       </p:sp>
-      <p:pic>
-        <p:nvPicPr>
-          <p:cNvPr id="4" name="Picture 3"/>
-          <p:cNvPicPr>
-            <a:picLocks noChangeAspect="1"/>
-          </p:cNvPicPr>
+      <p:sp>
+        <p:nvSpPr>
+          <p:cNvPr id="7" name="Content Placeholder 2"/>
+          <p:cNvSpPr txBox="1">
+            <a:spLocks/>
+          </p:cNvSpPr>
           <p:nvPr/>
-        </p:nvPicPr>
-        <p:blipFill>
-          <a:blip r:embed="rId3">
-            <a:extLst>
-              <a:ext uri="{28A0092B-C50C-407E-A947-70E740481C1C}">
-                <a14:useLocalDpi xmlns:a14="http://schemas.microsoft.com/office/drawing/2010/main" val="0"/>
-              </a:ext>
-            </a:extLst>
-          </a:blip>
-          <a:stretch>
-            <a:fillRect/>
-          </a:stretch>
-        </p:blipFill>
+        </p:nvSpPr>
         <p:spPr>
           <a:xfrm>
-            <a:off x="2300287" y="885361"/>
-            <a:ext cx="4545013" cy="3601382"/>
+            <a:off x="-25333" y="3111775"/>
+            <a:ext cx="3619500" cy="1486113"/>
           </a:xfrm>
           <a:prstGeom prst="rect">
             <a:avLst/>
           </a:prstGeom>
         </p:spPr>
-      </p:pic>
+        <p:txBody>
+          <a:bodyPr>
+            <a:normAutofit/>
+          </a:bodyPr>
+          <a:lstStyle>
+            <a:lvl1pPr marL="342900" indent="-342900" algn="l" defTabSz="457200" rtl="0" eaLnBrk="1" latinLnBrk="0" hangingPunct="1">
+              <a:spcBef>
+                <a:spcPct val="20000"/>
+              </a:spcBef>
+              <a:buSzPct val="100000"/>
+              <a:buFontTx/>
+              <a:buBlip>
+                <a:blip r:embed="rId3"/>
+              </a:buBlip>
+              <a:defRPr sz="2000" kern="1200">
+                <a:solidFill>
+                  <a:schemeClr val="tx1"/>
+                </a:solidFill>
+                <a:latin typeface="+mn-lt"/>
+                <a:ea typeface="+mn-ea"/>
+                <a:cs typeface="+mn-cs"/>
+              </a:defRPr>
+            </a:lvl1pPr>
+            <a:lvl2pPr marL="742950" indent="-285750" algn="l" defTabSz="457200" rtl="0" eaLnBrk="1" latinLnBrk="0" hangingPunct="1">
+              <a:spcBef>
+                <a:spcPct val="20000"/>
+              </a:spcBef>
+              <a:buFont typeface="Arial"/>
+              <a:buChar char="•"/>
+              <a:defRPr sz="2000" kern="1200">
+                <a:solidFill>
+                  <a:schemeClr val="tx1"/>
+                </a:solidFill>
+                <a:latin typeface="+mn-lt"/>
+                <a:ea typeface="+mn-ea"/>
+                <a:cs typeface="+mn-cs"/>
+              </a:defRPr>
+            </a:lvl2pPr>
+            <a:lvl3pPr marL="1143000" indent="-228600" algn="l" defTabSz="457200" rtl="0" eaLnBrk="1" latinLnBrk="0" hangingPunct="1">
+              <a:spcBef>
+                <a:spcPct val="20000"/>
+              </a:spcBef>
+              <a:buFont typeface="Arial"/>
+              <a:buChar char="•"/>
+              <a:defRPr sz="1600" kern="1200">
+                <a:solidFill>
+                  <a:schemeClr val="tx1"/>
+                </a:solidFill>
+                <a:latin typeface="+mn-lt"/>
+                <a:ea typeface="+mn-ea"/>
+                <a:cs typeface="+mn-cs"/>
+              </a:defRPr>
+            </a:lvl3pPr>
+            <a:lvl4pPr marL="1600200" indent="-228600" algn="l" defTabSz="457200" rtl="0" eaLnBrk="1" latinLnBrk="0" hangingPunct="1">
+              <a:spcBef>
+                <a:spcPct val="20000"/>
+              </a:spcBef>
+              <a:buFont typeface="Arial"/>
+              <a:buChar char="•"/>
+              <a:defRPr sz="1600" kern="1200">
+                <a:solidFill>
+                  <a:schemeClr val="tx1"/>
+                </a:solidFill>
+                <a:latin typeface="+mn-lt"/>
+                <a:ea typeface="+mn-ea"/>
+                <a:cs typeface="+mn-cs"/>
+              </a:defRPr>
+            </a:lvl4pPr>
+            <a:lvl5pPr marL="2057400" indent="-228600" algn="l" defTabSz="457200" rtl="0" eaLnBrk="1" latinLnBrk="0" hangingPunct="1">
+              <a:spcBef>
+                <a:spcPct val="20000"/>
+              </a:spcBef>
+              <a:buFont typeface="Arial"/>
+              <a:buChar char="•"/>
+              <a:defRPr sz="1600" kern="1200">
+                <a:solidFill>
+                  <a:schemeClr val="tx1"/>
+                </a:solidFill>
+                <a:latin typeface="+mn-lt"/>
+                <a:ea typeface="+mn-ea"/>
+                <a:cs typeface="+mn-cs"/>
+              </a:defRPr>
+            </a:lvl5pPr>
+            <a:lvl6pPr marL="2514600" indent="-228600" algn="l" defTabSz="457200" rtl="0" eaLnBrk="1" latinLnBrk="0" hangingPunct="1">
+              <a:spcBef>
+                <a:spcPct val="20000"/>
+              </a:spcBef>
+              <a:buFont typeface="Arial"/>
+              <a:buChar char="•"/>
+              <a:defRPr sz="2000" kern="1200">
+                <a:solidFill>
+                  <a:schemeClr val="tx1"/>
+                </a:solidFill>
+                <a:latin typeface="+mn-lt"/>
+                <a:ea typeface="+mn-ea"/>
+                <a:cs typeface="+mn-cs"/>
+              </a:defRPr>
+            </a:lvl6pPr>
+            <a:lvl7pPr marL="2971800" indent="-228600" algn="l" defTabSz="457200" rtl="0" eaLnBrk="1" latinLnBrk="0" hangingPunct="1">
+              <a:spcBef>
+                <a:spcPct val="20000"/>
+              </a:spcBef>
+              <a:buFont typeface="Arial"/>
+              <a:buChar char="•"/>
+              <a:defRPr sz="2000" kern="1200">
+                <a:solidFill>
+                  <a:schemeClr val="tx1"/>
+                </a:solidFill>
+                <a:latin typeface="+mn-lt"/>
+                <a:ea typeface="+mn-ea"/>
+                <a:cs typeface="+mn-cs"/>
+              </a:defRPr>
+            </a:lvl7pPr>
+            <a:lvl8pPr marL="3429000" indent="-228600" algn="l" defTabSz="457200" rtl="0" eaLnBrk="1" latinLnBrk="0" hangingPunct="1">
+              <a:spcBef>
+                <a:spcPct val="20000"/>
+              </a:spcBef>
+              <a:buFont typeface="Arial"/>
+              <a:buChar char="•"/>
+              <a:defRPr sz="2000" kern="1200">
+                <a:solidFill>
+                  <a:schemeClr val="tx1"/>
+                </a:solidFill>
+                <a:latin typeface="+mn-lt"/>
+                <a:ea typeface="+mn-ea"/>
+                <a:cs typeface="+mn-cs"/>
+              </a:defRPr>
+            </a:lvl8pPr>
+            <a:lvl9pPr marL="3886200" indent="-228600" algn="l" defTabSz="457200" rtl="0" eaLnBrk="1" latinLnBrk="0" hangingPunct="1">
+              <a:spcBef>
+                <a:spcPct val="20000"/>
+              </a:spcBef>
+              <a:buFont typeface="Arial"/>
+              <a:buChar char="•"/>
+              <a:defRPr sz="2000" kern="1200">
+                <a:solidFill>
+                  <a:schemeClr val="tx1"/>
+                </a:solidFill>
+                <a:latin typeface="+mn-lt"/>
+                <a:ea typeface="+mn-ea"/>
+                <a:cs typeface="+mn-cs"/>
+              </a:defRPr>
+            </a:lvl9pPr>
+          </a:lstStyle>
+          <a:p>
+            <a:pPr marL="0" indent="0" algn="just">
+              <a:buFontTx/>
+              <a:buNone/>
+            </a:pPr>
+            <a:r>
+              <a:rPr lang="en-US" smtClean="0"/>
+              <a:t>The average degree connectivity is the average nearest neighbor degree of nodes with degree k. </a:t>
+            </a:r>
+            <a:endParaRPr lang="ru-RU" dirty="0"/>
+          </a:p>
+        </p:txBody>
+      </p:sp>
     </p:spTree>
     <p:extLst>
       <p:ext uri="{BB962C8B-B14F-4D97-AF65-F5344CB8AC3E}">
@@ -9129,7 +6245,7 @@
 </p:sld>
 </file>
 
-<file path=ppt/slides/slide9.xml><?xml version="1.0" encoding="utf-8"?>
+<file path=ppt/slides/slide11.xml><?xml version="1.0" encoding="utf-8"?>
 <p:sld xmlns:a="http://schemas.openxmlformats.org/drawingml/2006/main" xmlns:r="http://schemas.openxmlformats.org/officeDocument/2006/relationships" xmlns:p="http://schemas.openxmlformats.org/presentationml/2006/main">
   <p:cSld>
     <p:bg>
@@ -9182,49 +6298,16 @@
             </a:r>
             <a:r>
               <a:rPr lang="en-US" dirty="0" smtClean="0"/>
-              <a:t> Centrality in log </a:t>
-            </a:r>
-            <a:r>
-              <a:rPr lang="en-US" dirty="0" err="1" smtClean="0"/>
-              <a:t>log</a:t>
+              <a:t> </a:t>
             </a:r>
             <a:r>
               <a:rPr lang="en-US" dirty="0" smtClean="0"/>
-              <a:t> scale</a:t>
+              <a:t>Centrality</a:t>
             </a:r>
             <a:endParaRPr lang="ru-RU" dirty="0"/>
           </a:p>
         </p:txBody>
       </p:sp>
-      <p:pic>
-        <p:nvPicPr>
-          <p:cNvPr id="4" name="Content Placeholder 3"/>
-          <p:cNvPicPr>
-            <a:picLocks noGrp="1" noChangeAspect="1"/>
-          </p:cNvPicPr>
-          <p:nvPr>
-            <p:ph sz="half" idx="1"/>
-          </p:nvPr>
-        </p:nvPicPr>
-        <p:blipFill>
-          <a:blip r:embed="rId2">
-            <a:extLst>
-              <a:ext uri="{28A0092B-C50C-407E-A947-70E740481C1C}">
-                <a14:useLocalDpi xmlns:a14="http://schemas.microsoft.com/office/drawing/2010/main" val="0"/>
-              </a:ext>
-            </a:extLst>
-          </a:blip>
-          <a:stretch>
-            <a:fillRect/>
-          </a:stretch>
-        </p:blipFill>
-        <p:spPr>
-          <a:xfrm>
-            <a:off x="224911" y="927382"/>
-            <a:ext cx="4195233" cy="3146425"/>
-          </a:xfrm>
-        </p:spPr>
-      </p:pic>
       <mc:AlternateContent xmlns:mc="http://schemas.openxmlformats.org/markup-compatibility/2006" xmlns:a14="http://schemas.microsoft.com/office/drawing/2010/main">
         <mc:Choice Requires="a14">
           <p:sp>
@@ -9404,10 +6487,4097 @@
           </p:sp>
         </mc:Fallback>
       </mc:AlternateContent>
+      <p:pic>
+        <p:nvPicPr>
+          <p:cNvPr id="5" name="Picture 4" descr="D:\UNIVERSITY\MS\Semester2\Complex Systems Simulation\Code\Complex-System-Simulation\Project\Figures\betweenesscentrality_binned2.jpeg"/>
+          <p:cNvPicPr/>
+          <p:nvPr/>
+        </p:nvPicPr>
+        <p:blipFill>
+          <a:blip r:embed="rId4">
+            <a:extLst>
+              <a:ext uri="{28A0092B-C50C-407E-A947-70E740481C1C}">
+                <a14:useLocalDpi xmlns:a14="http://schemas.microsoft.com/office/drawing/2010/main" val="0"/>
+              </a:ext>
+            </a:extLst>
+          </a:blip>
+          <a:srcRect/>
+          <a:stretch>
+            <a:fillRect/>
+          </a:stretch>
+        </p:blipFill>
+        <p:spPr bwMode="auto">
+          <a:xfrm>
+            <a:off x="2192246" y="1064260"/>
+            <a:ext cx="4455795" cy="3202940"/>
+          </a:xfrm>
+          <a:prstGeom prst="rect">
+            <a:avLst/>
+          </a:prstGeom>
+          <a:noFill/>
+          <a:ln>
+            <a:noFill/>
+          </a:ln>
+        </p:spPr>
+      </p:pic>
     </p:spTree>
     <p:extLst>
       <p:ext uri="{BB962C8B-B14F-4D97-AF65-F5344CB8AC3E}">
         <p14:creationId xmlns:p14="http://schemas.microsoft.com/office/powerpoint/2010/main" val="3123058431"/>
+      </p:ext>
+    </p:extLst>
+  </p:cSld>
+  <p:clrMapOvr>
+    <a:masterClrMapping/>
+  </p:clrMapOvr>
+</p:sld>
+</file>
+
+<file path=ppt/slides/slide12.xml><?xml version="1.0" encoding="utf-8"?>
+<p:sld xmlns:a="http://schemas.openxmlformats.org/drawingml/2006/main" xmlns:r="http://schemas.openxmlformats.org/officeDocument/2006/relationships" xmlns:p="http://schemas.openxmlformats.org/presentationml/2006/main" show="0">
+  <p:cSld>
+    <p:bg>
+      <p:bgPr>
+        <a:solidFill>
+          <a:schemeClr val="bg1"/>
+        </a:solidFill>
+        <a:effectLst/>
+      </p:bgPr>
+    </p:bg>
+    <p:spTree>
+      <p:nvGrpSpPr>
+        <p:cNvPr id="1" name=""/>
+        <p:cNvGrpSpPr/>
+        <p:nvPr/>
+      </p:nvGrpSpPr>
+      <p:grpSpPr>
+        <a:xfrm>
+          <a:off x="0" y="0"/>
+          <a:ext cx="0" cy="0"/>
+          <a:chOff x="0" y="0"/>
+          <a:chExt cx="0" cy="0"/>
+        </a:xfrm>
+      </p:grpSpPr>
+      <p:sp>
+        <p:nvSpPr>
+          <p:cNvPr id="2" name="Footer Placeholder 1"/>
+          <p:cNvSpPr>
+            <a:spLocks noGrp="1"/>
+          </p:cNvSpPr>
+          <p:nvPr>
+            <p:ph type="ftr" sz="quarter" idx="3"/>
+          </p:nvPr>
+        </p:nvSpPr>
+        <p:spPr/>
+        <p:txBody>
+          <a:bodyPr/>
+          <a:lstStyle/>
+          <a:p>
+            <a:r>
+              <a:rPr lang="en-US" smtClean="0"/>
+              <a:t>International Students and Scholars Rock</a:t>
+            </a:r>
+            <a:endParaRPr lang="en-US" dirty="0"/>
+          </a:p>
+        </p:txBody>
+      </p:sp>
+      <p:pic>
+        <p:nvPicPr>
+          <p:cNvPr id="3" name="Picture 2"/>
+          <p:cNvPicPr>
+            <a:picLocks noChangeAspect="1"/>
+          </p:cNvPicPr>
+          <p:nvPr/>
+        </p:nvPicPr>
+        <p:blipFill>
+          <a:blip r:embed="rId2">
+            <a:extLst>
+              <a:ext uri="{28A0092B-C50C-407E-A947-70E740481C1C}">
+                <a14:useLocalDpi xmlns:a14="http://schemas.microsoft.com/office/drawing/2010/main" val="0"/>
+              </a:ext>
+            </a:extLst>
+          </a:blip>
+          <a:stretch>
+            <a:fillRect/>
+          </a:stretch>
+        </p:blipFill>
+        <p:spPr>
+          <a:xfrm>
+            <a:off x="1885400" y="703756"/>
+            <a:ext cx="5451572" cy="4088679"/>
+          </a:xfrm>
+          <a:prstGeom prst="rect">
+            <a:avLst/>
+          </a:prstGeom>
+        </p:spPr>
+      </p:pic>
+    </p:spTree>
+    <p:extLst>
+      <p:ext uri="{BB962C8B-B14F-4D97-AF65-F5344CB8AC3E}">
+        <p14:creationId xmlns:p14="http://schemas.microsoft.com/office/powerpoint/2010/main" val="447801248"/>
+      </p:ext>
+    </p:extLst>
+  </p:cSld>
+  <p:clrMapOvr>
+    <a:masterClrMapping/>
+  </p:clrMapOvr>
+  <mc:AlternateContent xmlns:mc="http://schemas.openxmlformats.org/markup-compatibility/2006">
+    <mc:Choice xmlns:p14="http://schemas.microsoft.com/office/powerpoint/2010/main" Requires="p14">
+      <p:transition spd="slow" p14:dur="2000"/>
+    </mc:Choice>
+    <mc:Fallback>
+      <p:transition spd="slow"/>
+    </mc:Fallback>
+  </mc:AlternateContent>
+</p:sld>
+</file>
+
+<file path=ppt/slides/slide13.xml><?xml version="1.0" encoding="utf-8"?>
+<p:sld xmlns:a="http://schemas.openxmlformats.org/drawingml/2006/main" xmlns:r="http://schemas.openxmlformats.org/officeDocument/2006/relationships" xmlns:p="http://schemas.openxmlformats.org/presentationml/2006/main">
+  <p:cSld>
+    <p:bg>
+      <p:bgPr>
+        <a:solidFill>
+          <a:schemeClr val="bg1"/>
+        </a:solidFill>
+        <a:effectLst/>
+      </p:bgPr>
+    </p:bg>
+    <p:spTree>
+      <p:nvGrpSpPr>
+        <p:cNvPr id="1" name=""/>
+        <p:cNvGrpSpPr/>
+        <p:nvPr/>
+      </p:nvGrpSpPr>
+      <p:grpSpPr>
+        <a:xfrm>
+          <a:off x="0" y="0"/>
+          <a:ext cx="0" cy="0"/>
+          <a:chOff x="0" y="0"/>
+          <a:chExt cx="0" cy="0"/>
+        </a:xfrm>
+      </p:grpSpPr>
+      <p:pic>
+        <p:nvPicPr>
+          <p:cNvPr id="9" name="Picture 8"/>
+          <p:cNvPicPr/>
+          <p:nvPr/>
+        </p:nvPicPr>
+        <p:blipFill>
+          <a:blip r:embed="rId2">
+            <a:extLst>
+              <a:ext uri="{28A0092B-C50C-407E-A947-70E740481C1C}">
+                <a14:useLocalDpi xmlns:a14="http://schemas.microsoft.com/office/drawing/2010/main" val="0"/>
+              </a:ext>
+            </a:extLst>
+          </a:blip>
+          <a:stretch>
+            <a:fillRect/>
+          </a:stretch>
+        </p:blipFill>
+        <p:spPr>
+          <a:xfrm>
+            <a:off x="2348230" y="647700"/>
+            <a:ext cx="4662170" cy="3867150"/>
+          </a:xfrm>
+          <a:prstGeom prst="rect">
+            <a:avLst/>
+          </a:prstGeom>
+        </p:spPr>
+      </p:pic>
+      <p:sp>
+        <p:nvSpPr>
+          <p:cNvPr id="10" name="Title 1"/>
+          <p:cNvSpPr>
+            <a:spLocks noGrp="1"/>
+          </p:cNvSpPr>
+          <p:nvPr>
+            <p:ph type="title"/>
+          </p:nvPr>
+        </p:nvSpPr>
+        <p:spPr>
+          <a:xfrm>
+            <a:off x="457200" y="306899"/>
+            <a:ext cx="7016262" cy="620483"/>
+          </a:xfrm>
+        </p:spPr>
+        <p:txBody>
+          <a:bodyPr>
+            <a:normAutofit/>
+          </a:bodyPr>
+          <a:lstStyle/>
+          <a:p>
+            <a:r>
+              <a:rPr lang="en-US" dirty="0" smtClean="0"/>
+              <a:t>Communities</a:t>
+            </a:r>
+            <a:endParaRPr lang="ru-RU" dirty="0"/>
+          </a:p>
+        </p:txBody>
+      </p:sp>
+    </p:spTree>
+    <p:extLst>
+      <p:ext uri="{BB962C8B-B14F-4D97-AF65-F5344CB8AC3E}">
+        <p14:creationId xmlns:p14="http://schemas.microsoft.com/office/powerpoint/2010/main" val="2827962398"/>
+      </p:ext>
+    </p:extLst>
+  </p:cSld>
+  <p:clrMapOvr>
+    <a:masterClrMapping/>
+  </p:clrMapOvr>
+  <p:timing>
+    <p:tnLst>
+      <p:par>
+        <p:cTn id="1" dur="indefinite" restart="never" nodeType="tmRoot"/>
+      </p:par>
+    </p:tnLst>
+  </p:timing>
+</p:sld>
+</file>
+
+<file path=ppt/slides/slide14.xml><?xml version="1.0" encoding="utf-8"?>
+<p:sld xmlns:a="http://schemas.openxmlformats.org/drawingml/2006/main" xmlns:r="http://schemas.openxmlformats.org/officeDocument/2006/relationships" xmlns:p="http://schemas.openxmlformats.org/presentationml/2006/main" show="0">
+  <p:cSld>
+    <p:bg>
+      <p:bgPr>
+        <a:solidFill>
+          <a:schemeClr val="bg1"/>
+        </a:solidFill>
+        <a:effectLst/>
+      </p:bgPr>
+    </p:bg>
+    <p:spTree>
+      <p:nvGrpSpPr>
+        <p:cNvPr id="1" name=""/>
+        <p:cNvGrpSpPr/>
+        <p:nvPr/>
+      </p:nvGrpSpPr>
+      <p:grpSpPr>
+        <a:xfrm>
+          <a:off x="0" y="0"/>
+          <a:ext cx="0" cy="0"/>
+          <a:chOff x="0" y="0"/>
+          <a:chExt cx="0" cy="0"/>
+        </a:xfrm>
+      </p:grpSpPr>
+      <p:sp>
+        <p:nvSpPr>
+          <p:cNvPr id="2" name="Title 1"/>
+          <p:cNvSpPr>
+            <a:spLocks noGrp="1"/>
+          </p:cNvSpPr>
+          <p:nvPr>
+            <p:ph type="title"/>
+          </p:nvPr>
+        </p:nvSpPr>
+        <p:spPr>
+          <a:xfrm>
+            <a:off x="457200" y="238634"/>
+            <a:ext cx="8229600" cy="620483"/>
+          </a:xfrm>
+        </p:spPr>
+        <p:txBody>
+          <a:bodyPr/>
+          <a:lstStyle/>
+          <a:p>
+            <a:r>
+              <a:rPr lang="en-US" dirty="0" smtClean="0"/>
+              <a:t>Other Metrics</a:t>
+            </a:r>
+            <a:endParaRPr lang="ru-RU" dirty="0"/>
+          </a:p>
+        </p:txBody>
+      </p:sp>
+      <p:pic>
+        <p:nvPicPr>
+          <p:cNvPr id="6" name="Picture 5"/>
+          <p:cNvPicPr>
+            <a:picLocks noChangeAspect="1"/>
+          </p:cNvPicPr>
+          <p:nvPr/>
+        </p:nvPicPr>
+        <p:blipFill>
+          <a:blip r:embed="rId2"/>
+          <a:stretch>
+            <a:fillRect/>
+          </a:stretch>
+        </p:blipFill>
+        <p:spPr>
+          <a:xfrm>
+            <a:off x="722312" y="2395537"/>
+            <a:ext cx="2466975" cy="352425"/>
+          </a:xfrm>
+          <a:prstGeom prst="rect">
+            <a:avLst/>
+          </a:prstGeom>
+        </p:spPr>
+      </p:pic>
+      <p:sp>
+        <p:nvSpPr>
+          <p:cNvPr id="7" name="Content Placeholder 6"/>
+          <p:cNvSpPr>
+            <a:spLocks noGrp="1"/>
+          </p:cNvSpPr>
+          <p:nvPr>
+            <p:ph sz="half" idx="1"/>
+          </p:nvPr>
+        </p:nvSpPr>
+        <p:spPr/>
+        <p:txBody>
+          <a:bodyPr/>
+          <a:lstStyle/>
+          <a:p>
+            <a:endParaRPr lang="ru-RU"/>
+          </a:p>
+        </p:txBody>
+      </p:sp>
+    </p:spTree>
+    <p:extLst>
+      <p:ext uri="{BB962C8B-B14F-4D97-AF65-F5344CB8AC3E}">
+        <p14:creationId xmlns:p14="http://schemas.microsoft.com/office/powerpoint/2010/main" val="4028347123"/>
+      </p:ext>
+    </p:extLst>
+  </p:cSld>
+  <p:clrMapOvr>
+    <a:masterClrMapping/>
+  </p:clrMapOvr>
+  <mc:AlternateContent xmlns:mc="http://schemas.openxmlformats.org/markup-compatibility/2006" xmlns:p14="http://schemas.microsoft.com/office/powerpoint/2010/main">
+    <mc:Choice Requires="p14">
+      <p:transition spd="slow" p14:dur="2000"/>
+    </mc:Choice>
+    <mc:Fallback xmlns="">
+      <p:transition spd="slow"/>
+    </mc:Fallback>
+  </mc:AlternateContent>
+</p:sld>
+</file>
+
+<file path=ppt/slides/slide15.xml><?xml version="1.0" encoding="utf-8"?>
+<p:sld xmlns:a="http://schemas.openxmlformats.org/drawingml/2006/main" xmlns:r="http://schemas.openxmlformats.org/officeDocument/2006/relationships" xmlns:p="http://schemas.openxmlformats.org/presentationml/2006/main">
+  <p:cSld>
+    <p:bg>
+      <p:bgPr>
+        <a:solidFill>
+          <a:schemeClr val="bg1"/>
+        </a:solidFill>
+        <a:effectLst/>
+      </p:bgPr>
+    </p:bg>
+    <p:spTree>
+      <p:nvGrpSpPr>
+        <p:cNvPr id="1" name=""/>
+        <p:cNvGrpSpPr/>
+        <p:nvPr/>
+      </p:nvGrpSpPr>
+      <p:grpSpPr>
+        <a:xfrm>
+          <a:off x="0" y="0"/>
+          <a:ext cx="0" cy="0"/>
+          <a:chOff x="0" y="0"/>
+          <a:chExt cx="0" cy="0"/>
+        </a:xfrm>
+      </p:grpSpPr>
+      <p:sp>
+        <p:nvSpPr>
+          <p:cNvPr id="2" name="Title 1"/>
+          <p:cNvSpPr>
+            <a:spLocks noGrp="1"/>
+          </p:cNvSpPr>
+          <p:nvPr>
+            <p:ph type="title"/>
+          </p:nvPr>
+        </p:nvSpPr>
+        <p:spPr>
+          <a:xfrm>
+            <a:off x="457200" y="383381"/>
+            <a:ext cx="6273934" cy="620483"/>
+          </a:xfrm>
+        </p:spPr>
+        <p:txBody>
+          <a:bodyPr/>
+          <a:lstStyle/>
+          <a:p>
+            <a:r>
+              <a:rPr lang="en-US" dirty="0" smtClean="0"/>
+              <a:t>Extended model</a:t>
+            </a:r>
+            <a:endParaRPr lang="ru-RU" dirty="0"/>
+          </a:p>
+        </p:txBody>
+      </p:sp>
+      <p:pic>
+        <p:nvPicPr>
+          <p:cNvPr id="3074" name="Picture 2" descr="distribution_panel"/>
+          <p:cNvPicPr>
+            <a:picLocks noChangeAspect="1" noChangeArrowheads="1"/>
+          </p:cNvPicPr>
+          <p:nvPr/>
+        </p:nvPicPr>
+        <p:blipFill>
+          <a:blip r:embed="rId2">
+            <a:extLst>
+              <a:ext uri="{28A0092B-C50C-407E-A947-70E740481C1C}">
+                <a14:useLocalDpi xmlns:a14="http://schemas.microsoft.com/office/drawing/2010/main" val="0"/>
+              </a:ext>
+            </a:extLst>
+          </a:blip>
+          <a:srcRect/>
+          <a:stretch>
+            <a:fillRect/>
+          </a:stretch>
+        </p:blipFill>
+        <p:spPr bwMode="auto">
+          <a:xfrm>
+            <a:off x="1028700" y="1325758"/>
+            <a:ext cx="7067549" cy="2910059"/>
+          </a:xfrm>
+          <a:prstGeom prst="rect">
+            <a:avLst/>
+          </a:prstGeom>
+          <a:noFill/>
+          <a:ln>
+            <a:noFill/>
+          </a:ln>
+          <a:extLst>
+            <a:ext uri="{909E8E84-426E-40DD-AFC4-6F175D3DCCD1}">
+              <a14:hiddenFill xmlns:a14="http://schemas.microsoft.com/office/drawing/2010/main">
+                <a:solidFill>
+                  <a:srgbClr val="FFFFFF"/>
+                </a:solidFill>
+              </a14:hiddenFill>
+            </a:ext>
+            <a:ext uri="{91240B29-F687-4F45-9708-019B960494DF}">
+              <a14:hiddenLine xmlns:a14="http://schemas.microsoft.com/office/drawing/2010/main" w="9525">
+                <a:solidFill>
+                  <a:srgbClr val="000000"/>
+                </a:solidFill>
+                <a:miter lim="800000"/>
+                <a:headEnd/>
+                <a:tailEnd/>
+              </a14:hiddenLine>
+            </a:ext>
+          </a:extLst>
+        </p:spPr>
+      </p:pic>
+      <mc:AlternateContent xmlns:mc="http://schemas.openxmlformats.org/markup-compatibility/2006">
+        <mc:Choice xmlns:a14="http://schemas.microsoft.com/office/drawing/2010/main" Requires="a14">
+          <p:sp>
+            <p:nvSpPr>
+              <p:cNvPr id="5" name="Rectangle 4"/>
+              <p:cNvSpPr/>
+              <p:nvPr/>
+            </p:nvSpPr>
+            <p:spPr>
+              <a:xfrm>
+                <a:off x="1134933" y="4373045"/>
+                <a:ext cx="3427541" cy="369332"/>
+              </a:xfrm>
+              <a:prstGeom prst="rect">
+                <a:avLst/>
+              </a:prstGeom>
+            </p:spPr>
+            <p:txBody>
+              <a:bodyPr wrap="none">
+                <a:spAutoFit/>
+              </a:bodyPr>
+              <a:lstStyle/>
+              <a:p>
+                <a14:m>
+                  <m:oMath xmlns:m="http://schemas.openxmlformats.org/officeDocument/2006/math">
+                    <m:r>
+                      <a:rPr lang="en-US" i="1">
+                        <a:latin typeface="Cambria Math" panose="02040503050406030204" pitchFamily="18" charset="0"/>
+                        <a:ea typeface="Calibri" panose="020F0502020204030204" pitchFamily="34" charset="0"/>
+                        <a:cs typeface="Times New Roman" panose="02020603050405020304" pitchFamily="18" charset="0"/>
+                      </a:rPr>
+                      <m:t>𝑝</m:t>
+                    </m:r>
+                  </m:oMath>
+                </a14:m>
+                <a:r>
+                  <a:rPr lang="en-US" dirty="0">
+                    <a:latin typeface="Times New Roman" panose="02020603050405020304" pitchFamily="18" charset="0"/>
+                    <a:ea typeface="Times New Roman" panose="02020603050405020304" pitchFamily="18" charset="0"/>
+                  </a:rPr>
+                  <a:t> = 0.9,</a:t>
+                </a:r>
+                <a:r>
+                  <a:rPr lang="en-US" dirty="0">
+                    <a:latin typeface="Times New Roman" panose="02020603050405020304" pitchFamily="18" charset="0"/>
+                    <a:ea typeface="Calibri" panose="020F0502020204030204" pitchFamily="34" charset="0"/>
+                  </a:rPr>
+                  <a:t> </a:t>
+                </a:r>
+                <a14:m>
+                  <m:oMath xmlns:m="http://schemas.openxmlformats.org/officeDocument/2006/math">
+                    <m:r>
+                      <a:rPr lang="en-US" i="1">
+                        <a:latin typeface="Cambria Math" panose="02040503050406030204" pitchFamily="18" charset="0"/>
+                        <a:ea typeface="Calibri" panose="020F0502020204030204" pitchFamily="34" charset="0"/>
+                        <a:cs typeface="Times New Roman" panose="02020603050405020304" pitchFamily="18" charset="0"/>
+                      </a:rPr>
+                      <m:t>𝑚</m:t>
+                    </m:r>
+                  </m:oMath>
+                </a14:m>
+                <a:r>
+                  <a:rPr lang="en-US" dirty="0">
+                    <a:latin typeface="Times New Roman" panose="02020603050405020304" pitchFamily="18" charset="0"/>
+                    <a:ea typeface="Times New Roman" panose="02020603050405020304" pitchFamily="18" charset="0"/>
+                  </a:rPr>
+                  <a:t> = 1, </a:t>
+                </a:r>
+                <a14:m>
+                  <m:oMath xmlns:m="http://schemas.openxmlformats.org/officeDocument/2006/math">
+                    <m:r>
+                      <a:rPr lang="en-US" i="1">
+                        <a:latin typeface="Cambria Math" panose="02040503050406030204" pitchFamily="18" charset="0"/>
+                        <a:ea typeface="Times New Roman" panose="02020603050405020304" pitchFamily="18" charset="0"/>
+                        <a:cs typeface="Times New Roman" panose="02020603050405020304" pitchFamily="18" charset="0"/>
+                      </a:rPr>
+                      <m:t>𝜅</m:t>
+                    </m:r>
+                  </m:oMath>
+                </a14:m>
+                <a:r>
+                  <a:rPr lang="en-US" dirty="0">
+                    <a:latin typeface="Times New Roman" panose="02020603050405020304" pitchFamily="18" charset="0"/>
+                    <a:ea typeface="Times New Roman" panose="02020603050405020304" pitchFamily="18" charset="0"/>
+                  </a:rPr>
+                  <a:t> = 31.68, </a:t>
+                </a:r>
+                <a14:m>
+                  <m:oMath xmlns:m="http://schemas.openxmlformats.org/officeDocument/2006/math">
+                    <m:r>
+                      <a:rPr lang="en-US" i="1">
+                        <a:latin typeface="Cambria Math" panose="02040503050406030204" pitchFamily="18" charset="0"/>
+                        <a:ea typeface="Times New Roman" panose="02020603050405020304" pitchFamily="18" charset="0"/>
+                        <a:cs typeface="Times New Roman" panose="02020603050405020304" pitchFamily="18" charset="0"/>
+                      </a:rPr>
+                      <m:t>𝛾</m:t>
+                    </m:r>
+                  </m:oMath>
+                </a14:m>
+                <a:r>
+                  <a:rPr lang="en-US" dirty="0">
+                    <a:latin typeface="Times New Roman" panose="02020603050405020304" pitchFamily="18" charset="0"/>
+                    <a:ea typeface="Times New Roman" panose="02020603050405020304" pitchFamily="18" charset="0"/>
+                  </a:rPr>
+                  <a:t> = 3.07</a:t>
+                </a:r>
+                <a:endParaRPr lang="ru-RU" dirty="0"/>
+              </a:p>
+            </p:txBody>
+          </p:sp>
+        </mc:Choice>
+        <mc:Fallback>
+          <p:sp>
+            <p:nvSpPr>
+              <p:cNvPr id="5" name="Rectangle 4"/>
+              <p:cNvSpPr>
+                <a:spLocks noRot="1" noChangeAspect="1" noMove="1" noResize="1" noEditPoints="1" noAdjustHandles="1" noChangeArrowheads="1" noChangeShapeType="1" noTextEdit="1"/>
+              </p:cNvSpPr>
+              <p:nvPr/>
+            </p:nvSpPr>
+            <p:spPr>
+              <a:xfrm>
+                <a:off x="1134933" y="4373045"/>
+                <a:ext cx="3427541" cy="369332"/>
+              </a:xfrm>
+              <a:prstGeom prst="rect">
+                <a:avLst/>
+              </a:prstGeom>
+              <a:blipFill>
+                <a:blip r:embed="rId3"/>
+                <a:stretch>
+                  <a:fillRect t="-9836" r="-890" b="-22951"/>
+                </a:stretch>
+              </a:blipFill>
+            </p:spPr>
+            <p:txBody>
+              <a:bodyPr/>
+              <a:lstStyle/>
+              <a:p>
+                <a:r>
+                  <a:rPr lang="ru-RU">
+                    <a:noFill/>
+                  </a:rPr>
+                  <a:t> </a:t>
+                </a:r>
+              </a:p>
+            </p:txBody>
+          </p:sp>
+        </mc:Fallback>
+      </mc:AlternateContent>
+    </p:spTree>
+    <p:extLst>
+      <p:ext uri="{BB962C8B-B14F-4D97-AF65-F5344CB8AC3E}">
+        <p14:creationId xmlns:p14="http://schemas.microsoft.com/office/powerpoint/2010/main" val="484092184"/>
+      </p:ext>
+    </p:extLst>
+  </p:cSld>
+  <p:clrMapOvr>
+    <a:masterClrMapping/>
+  </p:clrMapOvr>
+</p:sld>
+</file>
+
+<file path=ppt/slides/slide16.xml><?xml version="1.0" encoding="utf-8"?>
+<p:sld xmlns:a="http://schemas.openxmlformats.org/drawingml/2006/main" xmlns:r="http://schemas.openxmlformats.org/officeDocument/2006/relationships" xmlns:p="http://schemas.openxmlformats.org/presentationml/2006/main">
+  <p:cSld>
+    <p:bg>
+      <p:bgPr>
+        <a:solidFill>
+          <a:schemeClr val="bg1"/>
+        </a:solidFill>
+        <a:effectLst/>
+      </p:bgPr>
+    </p:bg>
+    <p:spTree>
+      <p:nvGrpSpPr>
+        <p:cNvPr id="1" name=""/>
+        <p:cNvGrpSpPr/>
+        <p:nvPr/>
+      </p:nvGrpSpPr>
+      <p:grpSpPr>
+        <a:xfrm>
+          <a:off x="0" y="0"/>
+          <a:ext cx="0" cy="0"/>
+          <a:chOff x="0" y="0"/>
+          <a:chExt cx="0" cy="0"/>
+        </a:xfrm>
+      </p:grpSpPr>
+      <p:sp>
+        <p:nvSpPr>
+          <p:cNvPr id="2" name="Title 1"/>
+          <p:cNvSpPr>
+            <a:spLocks noGrp="1"/>
+          </p:cNvSpPr>
+          <p:nvPr>
+            <p:ph type="title"/>
+          </p:nvPr>
+        </p:nvSpPr>
+        <p:spPr/>
+        <p:txBody>
+          <a:bodyPr/>
+          <a:lstStyle/>
+          <a:p>
+            <a:endParaRPr lang="ru-RU"/>
+          </a:p>
+        </p:txBody>
+      </p:sp>
+      <p:sp>
+        <p:nvSpPr>
+          <p:cNvPr id="3" name="Content Placeholder 2"/>
+          <p:cNvSpPr>
+            <a:spLocks noGrp="1"/>
+          </p:cNvSpPr>
+          <p:nvPr>
+            <p:ph sz="half" idx="1"/>
+          </p:nvPr>
+        </p:nvSpPr>
+        <p:spPr/>
+        <p:txBody>
+          <a:bodyPr/>
+          <a:lstStyle/>
+          <a:p>
+            <a:endParaRPr lang="ru-RU"/>
+          </a:p>
+        </p:txBody>
+      </p:sp>
+      <p:sp>
+        <p:nvSpPr>
+          <p:cNvPr id="4" name="Content Placeholder 3"/>
+          <p:cNvSpPr>
+            <a:spLocks noGrp="1"/>
+          </p:cNvSpPr>
+          <p:nvPr>
+            <p:ph sz="half" idx="2"/>
+          </p:nvPr>
+        </p:nvSpPr>
+        <p:spPr/>
+        <p:txBody>
+          <a:bodyPr/>
+          <a:lstStyle/>
+          <a:p>
+            <a:endParaRPr lang="ru-RU" dirty="0"/>
+          </a:p>
+        </p:txBody>
+      </p:sp>
+      <p:pic>
+        <p:nvPicPr>
+          <p:cNvPr id="6" name="Picture 5"/>
+          <p:cNvPicPr/>
+          <p:nvPr/>
+        </p:nvPicPr>
+        <p:blipFill>
+          <a:blip r:embed="rId2" cstate="print">
+            <a:extLst>
+              <a:ext uri="{28A0092B-C50C-407E-A947-70E740481C1C}">
+                <a14:useLocalDpi xmlns:a14="http://schemas.microsoft.com/office/drawing/2010/main" val="0"/>
+              </a:ext>
+            </a:extLst>
+          </a:blip>
+          <a:stretch>
+            <a:fillRect/>
+          </a:stretch>
+        </p:blipFill>
+        <p:spPr>
+          <a:xfrm>
+            <a:off x="-12065" y="671555"/>
+            <a:ext cx="4584065" cy="3310890"/>
+          </a:xfrm>
+          <a:prstGeom prst="rect">
+            <a:avLst/>
+          </a:prstGeom>
+        </p:spPr>
+      </p:pic>
+      <p:pic>
+        <p:nvPicPr>
+          <p:cNvPr id="7" name="Picture 6"/>
+          <p:cNvPicPr>
+            <a:picLocks noChangeAspect="1"/>
+          </p:cNvPicPr>
+          <p:nvPr/>
+        </p:nvPicPr>
+        <p:blipFill>
+          <a:blip r:embed="rId3"/>
+          <a:stretch>
+            <a:fillRect/>
+          </a:stretch>
+        </p:blipFill>
+        <p:spPr>
+          <a:xfrm>
+            <a:off x="4487968" y="1803692"/>
+            <a:ext cx="4651651" cy="3359187"/>
+          </a:xfrm>
+          <a:prstGeom prst="rect">
+            <a:avLst/>
+          </a:prstGeom>
+        </p:spPr>
+      </p:pic>
+      <p:sp>
+        <p:nvSpPr>
+          <p:cNvPr id="8" name="Title 1"/>
+          <p:cNvSpPr txBox="1">
+            <a:spLocks/>
+          </p:cNvSpPr>
+          <p:nvPr/>
+        </p:nvSpPr>
+        <p:spPr>
+          <a:xfrm>
+            <a:off x="184467" y="0"/>
+            <a:ext cx="6273934" cy="620483"/>
+          </a:xfrm>
+          <a:prstGeom prst="rect">
+            <a:avLst/>
+          </a:prstGeom>
+        </p:spPr>
+        <p:txBody>
+          <a:bodyPr vert="horz" lIns="91440" tIns="45720" rIns="91440" bIns="45720" rtlCol="0" anchor="ctr">
+            <a:normAutofit/>
+          </a:bodyPr>
+          <a:lstStyle>
+            <a:lvl1pPr algn="l" defTabSz="457200" rtl="0" eaLnBrk="1" latinLnBrk="0" hangingPunct="1">
+              <a:spcBef>
+                <a:spcPct val="0"/>
+              </a:spcBef>
+              <a:buNone/>
+              <a:defRPr sz="3200" b="1" i="0" kern="1200" baseline="0">
+                <a:solidFill>
+                  <a:schemeClr val="tx1"/>
+                </a:solidFill>
+                <a:latin typeface="+mj-lt"/>
+                <a:ea typeface="+mj-ea"/>
+                <a:cs typeface="+mj-cs"/>
+              </a:defRPr>
+            </a:lvl1pPr>
+          </a:lstStyle>
+          <a:p>
+            <a:r>
+              <a:rPr lang="en-US" dirty="0" smtClean="0"/>
+              <a:t>Propagation model</a:t>
+            </a:r>
+            <a:endParaRPr lang="ru-RU" dirty="0"/>
+          </a:p>
+        </p:txBody>
+      </p:sp>
+    </p:spTree>
+    <p:extLst>
+      <p:ext uri="{BB962C8B-B14F-4D97-AF65-F5344CB8AC3E}">
+        <p14:creationId xmlns:p14="http://schemas.microsoft.com/office/powerpoint/2010/main" val="1252819246"/>
+      </p:ext>
+    </p:extLst>
+  </p:cSld>
+  <p:clrMapOvr>
+    <a:masterClrMapping/>
+  </p:clrMapOvr>
+</p:sld>
+</file>
+
+<file path=ppt/slides/slide17.xml><?xml version="1.0" encoding="utf-8"?>
+<p:sld xmlns:a="http://schemas.openxmlformats.org/drawingml/2006/main" xmlns:r="http://schemas.openxmlformats.org/officeDocument/2006/relationships" xmlns:p="http://schemas.openxmlformats.org/presentationml/2006/main">
+  <p:cSld>
+    <p:bg>
+      <p:bgPr>
+        <a:blipFill dpi="0" rotWithShape="1">
+          <a:blip r:embed="rId2">
+            <a:lum/>
+          </a:blip>
+          <a:srcRect/>
+          <a:stretch>
+            <a:fillRect/>
+          </a:stretch>
+        </a:blipFill>
+        <a:effectLst/>
+      </p:bgPr>
+    </p:bg>
+    <p:spTree>
+      <p:nvGrpSpPr>
+        <p:cNvPr id="1" name=""/>
+        <p:cNvGrpSpPr/>
+        <p:nvPr/>
+      </p:nvGrpSpPr>
+      <p:grpSpPr>
+        <a:xfrm>
+          <a:off x="0" y="0"/>
+          <a:ext cx="0" cy="0"/>
+          <a:chOff x="0" y="0"/>
+          <a:chExt cx="0" cy="0"/>
+        </a:xfrm>
+      </p:grpSpPr>
+      <p:sp>
+        <p:nvSpPr>
+          <p:cNvPr id="2" name="Title 1"/>
+          <p:cNvSpPr>
+            <a:spLocks noGrp="1"/>
+          </p:cNvSpPr>
+          <p:nvPr>
+            <p:ph type="title"/>
+          </p:nvPr>
+        </p:nvSpPr>
+        <p:spPr>
+          <a:xfrm>
+            <a:off x="457200" y="1801258"/>
+            <a:ext cx="8229600" cy="620483"/>
+          </a:xfrm>
+        </p:spPr>
+        <p:txBody>
+          <a:bodyPr/>
+          <a:lstStyle/>
+          <a:p>
+            <a:r>
+              <a:rPr lang="en-US" dirty="0" smtClean="0"/>
+              <a:t>Thank you</a:t>
+            </a:r>
+            <a:r>
+              <a:rPr lang="ru-RU" dirty="0" smtClean="0"/>
+              <a:t>!</a:t>
+            </a:r>
+            <a:endParaRPr lang="en-US" dirty="0"/>
+          </a:p>
+        </p:txBody>
+      </p:sp>
+    </p:spTree>
+    <p:extLst>
+      <p:ext uri="{BB962C8B-B14F-4D97-AF65-F5344CB8AC3E}">
+        <p14:creationId xmlns:p14="http://schemas.microsoft.com/office/powerpoint/2010/main" val="1864942597"/>
+      </p:ext>
+    </p:extLst>
+  </p:cSld>
+  <p:clrMapOvr>
+    <a:masterClrMapping/>
+  </p:clrMapOvr>
+  <p:timing>
+    <p:tnLst>
+      <p:par>
+        <p:cTn id="1" dur="indefinite" restart="never" nodeType="tmRoot"/>
+      </p:par>
+    </p:tnLst>
+  </p:timing>
+</p:sld>
+</file>
+
+<file path=ppt/slides/slide2.xml><?xml version="1.0" encoding="utf-8"?>
+<p:sld xmlns:a="http://schemas.openxmlformats.org/drawingml/2006/main" xmlns:r="http://schemas.openxmlformats.org/officeDocument/2006/relationships" xmlns:p="http://schemas.openxmlformats.org/presentationml/2006/main">
+  <p:cSld>
+    <p:bg>
+      <p:bgPr>
+        <a:solidFill>
+          <a:schemeClr val="bg1"/>
+        </a:solidFill>
+        <a:effectLst/>
+      </p:bgPr>
+    </p:bg>
+    <p:spTree>
+      <p:nvGrpSpPr>
+        <p:cNvPr id="1" name=""/>
+        <p:cNvGrpSpPr/>
+        <p:nvPr/>
+      </p:nvGrpSpPr>
+      <p:grpSpPr>
+        <a:xfrm>
+          <a:off x="0" y="0"/>
+          <a:ext cx="0" cy="0"/>
+          <a:chOff x="0" y="0"/>
+          <a:chExt cx="0" cy="0"/>
+        </a:xfrm>
+      </p:grpSpPr>
+      <p:sp>
+        <p:nvSpPr>
+          <p:cNvPr id="3" name="Content Placeholder 2"/>
+          <p:cNvSpPr>
+            <a:spLocks noGrp="1"/>
+          </p:cNvSpPr>
+          <p:nvPr>
+            <p:ph sz="half" idx="1"/>
+          </p:nvPr>
+        </p:nvSpPr>
+        <p:spPr>
+          <a:xfrm>
+            <a:off x="457197" y="2906605"/>
+            <a:ext cx="8229601" cy="1618263"/>
+          </a:xfrm>
+        </p:spPr>
+        <p:txBody>
+          <a:bodyPr>
+            <a:normAutofit/>
+          </a:bodyPr>
+          <a:lstStyle/>
+          <a:p>
+            <a:pPr marL="0" indent="0" algn="just">
+              <a:spcBef>
+                <a:spcPts val="0"/>
+              </a:spcBef>
+              <a:buNone/>
+            </a:pPr>
+            <a:r>
+              <a:rPr lang="en-US" b="1" dirty="0" smtClean="0"/>
+              <a:t>Properties:</a:t>
+            </a:r>
+          </a:p>
+          <a:p>
+            <a:pPr algn="just">
+              <a:spcBef>
+                <a:spcPts val="0"/>
+              </a:spcBef>
+              <a:buFontTx/>
+              <a:buChar char="-"/>
+            </a:pPr>
+            <a:r>
+              <a:rPr lang="en-US" dirty="0" smtClean="0"/>
+              <a:t>directed;</a:t>
+            </a:r>
+          </a:p>
+          <a:p>
+            <a:pPr algn="just">
+              <a:spcBef>
+                <a:spcPts val="0"/>
+              </a:spcBef>
+              <a:buFontTx/>
+              <a:buChar char="-"/>
+            </a:pPr>
+            <a:r>
+              <a:rPr lang="en-US" dirty="0" smtClean="0"/>
+              <a:t>34 546 vertices (publications)</a:t>
+            </a:r>
+          </a:p>
+          <a:p>
+            <a:pPr algn="just">
+              <a:spcBef>
+                <a:spcPts val="0"/>
+              </a:spcBef>
+              <a:buFontTx/>
+              <a:buChar char="-"/>
+            </a:pPr>
+            <a:r>
+              <a:rPr lang="en-US" dirty="0" smtClean="0"/>
+              <a:t>421 578 edges (citations)</a:t>
+            </a:r>
+            <a:endParaRPr lang="en-US" dirty="0"/>
+          </a:p>
+        </p:txBody>
+      </p:sp>
+      <p:sp>
+        <p:nvSpPr>
+          <p:cNvPr id="4" name="Content Placeholder 2"/>
+          <p:cNvSpPr txBox="1">
+            <a:spLocks/>
+          </p:cNvSpPr>
+          <p:nvPr/>
+        </p:nvSpPr>
+        <p:spPr>
+          <a:xfrm>
+            <a:off x="457196" y="925405"/>
+            <a:ext cx="8229601" cy="1618263"/>
+          </a:xfrm>
+          <a:prstGeom prst="rect">
+            <a:avLst/>
+          </a:prstGeom>
+        </p:spPr>
+        <p:txBody>
+          <a:bodyPr vert="horz" lIns="91440" tIns="45720" rIns="91440" bIns="45720" rtlCol="0">
+            <a:normAutofit/>
+          </a:bodyPr>
+          <a:lstStyle>
+            <a:lvl1pPr marL="342900" indent="-342900" algn="l" defTabSz="457200" rtl="0" eaLnBrk="1" latinLnBrk="0" hangingPunct="1">
+              <a:spcBef>
+                <a:spcPct val="20000"/>
+              </a:spcBef>
+              <a:buSzPct val="100000"/>
+              <a:buFontTx/>
+              <a:buBlip>
+                <a:blip r:embed="rId2"/>
+              </a:buBlip>
+              <a:defRPr sz="2400" kern="1200">
+                <a:solidFill>
+                  <a:schemeClr val="tx1"/>
+                </a:solidFill>
+                <a:latin typeface="+mn-lt"/>
+                <a:ea typeface="+mn-ea"/>
+                <a:cs typeface="+mn-cs"/>
+              </a:defRPr>
+            </a:lvl1pPr>
+            <a:lvl2pPr marL="742950" indent="-285750" algn="l" defTabSz="457200" rtl="0" eaLnBrk="1" latinLnBrk="0" hangingPunct="1">
+              <a:spcBef>
+                <a:spcPct val="20000"/>
+              </a:spcBef>
+              <a:buFont typeface="Arial"/>
+              <a:buChar char="•"/>
+              <a:defRPr sz="2400" kern="1200">
+                <a:solidFill>
+                  <a:schemeClr val="tx1"/>
+                </a:solidFill>
+                <a:latin typeface="+mn-lt"/>
+                <a:ea typeface="+mn-ea"/>
+                <a:cs typeface="+mn-cs"/>
+              </a:defRPr>
+            </a:lvl2pPr>
+            <a:lvl3pPr marL="1143000" indent="-228600" algn="l" defTabSz="457200" rtl="0" eaLnBrk="1" latinLnBrk="0" hangingPunct="1">
+              <a:spcBef>
+                <a:spcPct val="20000"/>
+              </a:spcBef>
+              <a:buFont typeface="Arial"/>
+              <a:buChar char="•"/>
+              <a:defRPr sz="2000" kern="1200">
+                <a:solidFill>
+                  <a:schemeClr val="tx1"/>
+                </a:solidFill>
+                <a:latin typeface="+mn-lt"/>
+                <a:ea typeface="+mn-ea"/>
+                <a:cs typeface="+mn-cs"/>
+              </a:defRPr>
+            </a:lvl3pPr>
+            <a:lvl4pPr marL="1600200" indent="-228600" algn="l" defTabSz="457200" rtl="0" eaLnBrk="1" latinLnBrk="0" hangingPunct="1">
+              <a:spcBef>
+                <a:spcPct val="20000"/>
+              </a:spcBef>
+              <a:buFont typeface="Arial"/>
+              <a:buChar char="•"/>
+              <a:defRPr sz="1800" kern="1200">
+                <a:solidFill>
+                  <a:schemeClr val="tx1"/>
+                </a:solidFill>
+                <a:latin typeface="+mn-lt"/>
+                <a:ea typeface="+mn-ea"/>
+                <a:cs typeface="+mn-cs"/>
+              </a:defRPr>
+            </a:lvl4pPr>
+            <a:lvl5pPr marL="2057400" indent="-228600" algn="l" defTabSz="457200" rtl="0" eaLnBrk="1" latinLnBrk="0" hangingPunct="1">
+              <a:spcBef>
+                <a:spcPct val="20000"/>
+              </a:spcBef>
+              <a:buFont typeface="Arial"/>
+              <a:buChar char="•"/>
+              <a:defRPr sz="1800" kern="1200">
+                <a:solidFill>
+                  <a:schemeClr val="tx1"/>
+                </a:solidFill>
+                <a:latin typeface="+mn-lt"/>
+                <a:ea typeface="+mn-ea"/>
+                <a:cs typeface="+mn-cs"/>
+              </a:defRPr>
+            </a:lvl5pPr>
+            <a:lvl6pPr marL="2514600" indent="-228600" algn="l" defTabSz="457200" rtl="0" eaLnBrk="1" latinLnBrk="0" hangingPunct="1">
+              <a:spcBef>
+                <a:spcPct val="20000"/>
+              </a:spcBef>
+              <a:buFont typeface="Arial"/>
+              <a:buChar char="•"/>
+              <a:defRPr sz="1800" kern="1200">
+                <a:solidFill>
+                  <a:schemeClr val="tx1"/>
+                </a:solidFill>
+                <a:latin typeface="+mn-lt"/>
+                <a:ea typeface="+mn-ea"/>
+                <a:cs typeface="+mn-cs"/>
+              </a:defRPr>
+            </a:lvl6pPr>
+            <a:lvl7pPr marL="2971800" indent="-228600" algn="l" defTabSz="457200" rtl="0" eaLnBrk="1" latinLnBrk="0" hangingPunct="1">
+              <a:spcBef>
+                <a:spcPct val="20000"/>
+              </a:spcBef>
+              <a:buFont typeface="Arial"/>
+              <a:buChar char="•"/>
+              <a:defRPr sz="1800" kern="1200">
+                <a:solidFill>
+                  <a:schemeClr val="tx1"/>
+                </a:solidFill>
+                <a:latin typeface="+mn-lt"/>
+                <a:ea typeface="+mn-ea"/>
+                <a:cs typeface="+mn-cs"/>
+              </a:defRPr>
+            </a:lvl7pPr>
+            <a:lvl8pPr marL="3429000" indent="-228600" algn="l" defTabSz="457200" rtl="0" eaLnBrk="1" latinLnBrk="0" hangingPunct="1">
+              <a:spcBef>
+                <a:spcPct val="20000"/>
+              </a:spcBef>
+              <a:buFont typeface="Arial"/>
+              <a:buChar char="•"/>
+              <a:defRPr sz="1800" kern="1200">
+                <a:solidFill>
+                  <a:schemeClr val="tx1"/>
+                </a:solidFill>
+                <a:latin typeface="+mn-lt"/>
+                <a:ea typeface="+mn-ea"/>
+                <a:cs typeface="+mn-cs"/>
+              </a:defRPr>
+            </a:lvl8pPr>
+            <a:lvl9pPr marL="3886200" indent="-228600" algn="l" defTabSz="457200" rtl="0" eaLnBrk="1" latinLnBrk="0" hangingPunct="1">
+              <a:spcBef>
+                <a:spcPct val="20000"/>
+              </a:spcBef>
+              <a:buFont typeface="Arial"/>
+              <a:buChar char="•"/>
+              <a:defRPr sz="1800" kern="1200">
+                <a:solidFill>
+                  <a:schemeClr val="tx1"/>
+                </a:solidFill>
+                <a:latin typeface="+mn-lt"/>
+                <a:ea typeface="+mn-ea"/>
+                <a:cs typeface="+mn-cs"/>
+              </a:defRPr>
+            </a:lvl9pPr>
+          </a:lstStyle>
+          <a:p>
+            <a:pPr marL="0" indent="0" algn="just">
+              <a:spcBef>
+                <a:spcPts val="0"/>
+              </a:spcBef>
+              <a:buFontTx/>
+              <a:buNone/>
+            </a:pPr>
+            <a:r>
+              <a:rPr lang="en-US" dirty="0" smtClean="0"/>
+              <a:t>The network of publications in the </a:t>
+            </a:r>
+            <a:r>
+              <a:rPr lang="en-US" dirty="0" err="1" smtClean="0"/>
+              <a:t>arXiv's</a:t>
+            </a:r>
+            <a:r>
+              <a:rPr lang="en-US" dirty="0" smtClean="0"/>
+              <a:t> High Energy Physics Phenomenology (</a:t>
+            </a:r>
+            <a:r>
+              <a:rPr lang="en-US" dirty="0" err="1" smtClean="0"/>
+              <a:t>hep-ph</a:t>
+            </a:r>
+            <a:r>
+              <a:rPr lang="en-US" dirty="0" smtClean="0"/>
+              <a:t>) section. The directed links that connect the publications are citations. Some publications cite themselves, and therefore the network contains loops.</a:t>
+            </a:r>
+            <a:endParaRPr lang="en-US" dirty="0"/>
+          </a:p>
+        </p:txBody>
+      </p:sp>
+      <p:sp>
+        <p:nvSpPr>
+          <p:cNvPr id="5" name="Title 1"/>
+          <p:cNvSpPr txBox="1">
+            <a:spLocks/>
+          </p:cNvSpPr>
+          <p:nvPr/>
+        </p:nvSpPr>
+        <p:spPr>
+          <a:xfrm>
+            <a:off x="457200" y="128595"/>
+            <a:ext cx="6273934" cy="620483"/>
+          </a:xfrm>
+          <a:prstGeom prst="rect">
+            <a:avLst/>
+          </a:prstGeom>
+        </p:spPr>
+        <p:txBody>
+          <a:bodyPr vert="horz" lIns="91440" tIns="45720" rIns="91440" bIns="45720" rtlCol="0" anchor="ctr">
+            <a:normAutofit/>
+          </a:bodyPr>
+          <a:lstStyle>
+            <a:lvl1pPr algn="l" defTabSz="457200" rtl="0" eaLnBrk="1" latinLnBrk="0" hangingPunct="1">
+              <a:spcBef>
+                <a:spcPct val="0"/>
+              </a:spcBef>
+              <a:buNone/>
+              <a:defRPr sz="3200" b="1" i="0" kern="1200" baseline="0">
+                <a:solidFill>
+                  <a:schemeClr val="tx1"/>
+                </a:solidFill>
+                <a:latin typeface="+mj-lt"/>
+                <a:ea typeface="+mj-ea"/>
+                <a:cs typeface="+mj-cs"/>
+              </a:defRPr>
+            </a:lvl1pPr>
+          </a:lstStyle>
+          <a:p>
+            <a:r>
+              <a:rPr lang="en-US" dirty="0" smtClean="0"/>
+              <a:t>Short Description</a:t>
+            </a:r>
+            <a:endParaRPr lang="ru-RU" dirty="0"/>
+          </a:p>
+        </p:txBody>
+      </p:sp>
+    </p:spTree>
+    <p:extLst>
+      <p:ext uri="{BB962C8B-B14F-4D97-AF65-F5344CB8AC3E}">
+        <p14:creationId xmlns:p14="http://schemas.microsoft.com/office/powerpoint/2010/main" val="238712034"/>
+      </p:ext>
+    </p:extLst>
+  </p:cSld>
+  <p:clrMapOvr>
+    <a:masterClrMapping/>
+  </p:clrMapOvr>
+  <p:timing>
+    <p:tnLst>
+      <p:par>
+        <p:cTn id="1" dur="indefinite" restart="never" nodeType="tmRoot"/>
+      </p:par>
+    </p:tnLst>
+  </p:timing>
+</p:sld>
+</file>
+
+<file path=ppt/slides/slide3.xml><?xml version="1.0" encoding="utf-8"?>
+<p:sld xmlns:a="http://schemas.openxmlformats.org/drawingml/2006/main" xmlns:r="http://schemas.openxmlformats.org/officeDocument/2006/relationships" xmlns:p="http://schemas.openxmlformats.org/presentationml/2006/main">
+  <p:cSld>
+    <p:bg>
+      <p:bgPr>
+        <a:solidFill>
+          <a:schemeClr val="bg1"/>
+        </a:solidFill>
+        <a:effectLst/>
+      </p:bgPr>
+    </p:bg>
+    <p:spTree>
+      <p:nvGrpSpPr>
+        <p:cNvPr id="1" name=""/>
+        <p:cNvGrpSpPr/>
+        <p:nvPr/>
+      </p:nvGrpSpPr>
+      <p:grpSpPr>
+        <a:xfrm>
+          <a:off x="0" y="0"/>
+          <a:ext cx="0" cy="0"/>
+          <a:chOff x="0" y="0"/>
+          <a:chExt cx="0" cy="0"/>
+        </a:xfrm>
+      </p:grpSpPr>
+      <p:pic>
+        <p:nvPicPr>
+          <p:cNvPr id="3" name="Picture 2"/>
+          <p:cNvPicPr>
+            <a:picLocks noChangeAspect="1"/>
+          </p:cNvPicPr>
+          <p:nvPr/>
+        </p:nvPicPr>
+        <p:blipFill>
+          <a:blip r:embed="rId2">
+            <a:extLst>
+              <a:ext uri="{28A0092B-C50C-407E-A947-70E740481C1C}">
+                <a14:useLocalDpi xmlns:a14="http://schemas.microsoft.com/office/drawing/2010/main" val="0"/>
+              </a:ext>
+            </a:extLst>
+          </a:blip>
+          <a:stretch>
+            <a:fillRect/>
+          </a:stretch>
+        </p:blipFill>
+        <p:spPr>
+          <a:xfrm>
+            <a:off x="0" y="559953"/>
+            <a:ext cx="4572000" cy="4572000"/>
+          </a:xfrm>
+          <a:prstGeom prst="rect">
+            <a:avLst/>
+          </a:prstGeom>
+        </p:spPr>
+      </p:pic>
+      <p:pic>
+        <p:nvPicPr>
+          <p:cNvPr id="4" name="Picture 3"/>
+          <p:cNvPicPr>
+            <a:picLocks noChangeAspect="1"/>
+          </p:cNvPicPr>
+          <p:nvPr/>
+        </p:nvPicPr>
+        <p:blipFill>
+          <a:blip r:embed="rId3">
+            <a:extLst>
+              <a:ext uri="{28A0092B-C50C-407E-A947-70E740481C1C}">
+                <a14:useLocalDpi xmlns:a14="http://schemas.microsoft.com/office/drawing/2010/main" val="0"/>
+              </a:ext>
+            </a:extLst>
+          </a:blip>
+          <a:stretch>
+            <a:fillRect/>
+          </a:stretch>
+        </p:blipFill>
+        <p:spPr>
+          <a:xfrm>
+            <a:off x="4572000" y="559953"/>
+            <a:ext cx="4572000" cy="4572000"/>
+          </a:xfrm>
+          <a:prstGeom prst="rect">
+            <a:avLst/>
+          </a:prstGeom>
+        </p:spPr>
+      </p:pic>
+      <p:sp>
+        <p:nvSpPr>
+          <p:cNvPr id="5" name="Title 1"/>
+          <p:cNvSpPr txBox="1">
+            <a:spLocks/>
+          </p:cNvSpPr>
+          <p:nvPr/>
+        </p:nvSpPr>
+        <p:spPr>
+          <a:xfrm>
+            <a:off x="1295400" y="100749"/>
+            <a:ext cx="1981200" cy="538155"/>
+          </a:xfrm>
+          <a:prstGeom prst="rect">
+            <a:avLst/>
+          </a:prstGeom>
+        </p:spPr>
+        <p:txBody>
+          <a:bodyPr vert="horz" lIns="91440" tIns="45720" rIns="91440" bIns="45720" rtlCol="0" anchor="ctr">
+            <a:normAutofit lnSpcReduction="10000"/>
+          </a:bodyPr>
+          <a:lstStyle>
+            <a:lvl1pPr algn="l" defTabSz="457200" rtl="0" eaLnBrk="1" latinLnBrk="0" hangingPunct="1">
+              <a:spcBef>
+                <a:spcPct val="0"/>
+              </a:spcBef>
+              <a:buNone/>
+              <a:defRPr sz="3200" b="1" i="0" kern="1200" baseline="0">
+                <a:solidFill>
+                  <a:schemeClr val="tx1"/>
+                </a:solidFill>
+                <a:latin typeface="+mj-lt"/>
+                <a:ea typeface="+mj-ea"/>
+                <a:cs typeface="+mj-cs"/>
+              </a:defRPr>
+            </a:lvl1pPr>
+          </a:lstStyle>
+          <a:p>
+            <a:r>
+              <a:rPr lang="en-US" dirty="0" smtClean="0"/>
+              <a:t>In-degree</a:t>
+            </a:r>
+            <a:endParaRPr lang="ru-RU" dirty="0"/>
+          </a:p>
+        </p:txBody>
+      </p:sp>
+      <p:sp>
+        <p:nvSpPr>
+          <p:cNvPr id="6" name="Title 1"/>
+          <p:cNvSpPr txBox="1">
+            <a:spLocks/>
+          </p:cNvSpPr>
+          <p:nvPr/>
+        </p:nvSpPr>
+        <p:spPr>
+          <a:xfrm>
+            <a:off x="5778500" y="48340"/>
+            <a:ext cx="2159000" cy="642971"/>
+          </a:xfrm>
+          <a:prstGeom prst="rect">
+            <a:avLst/>
+          </a:prstGeom>
+        </p:spPr>
+        <p:txBody>
+          <a:bodyPr vert="horz" lIns="91440" tIns="45720" rIns="91440" bIns="45720" rtlCol="0" anchor="ctr">
+            <a:normAutofit/>
+          </a:bodyPr>
+          <a:lstStyle>
+            <a:lvl1pPr algn="l" defTabSz="457200" rtl="0" eaLnBrk="1" latinLnBrk="0" hangingPunct="1">
+              <a:spcBef>
+                <a:spcPct val="0"/>
+              </a:spcBef>
+              <a:buNone/>
+              <a:defRPr sz="3200" b="1" i="0" kern="1200" baseline="0">
+                <a:solidFill>
+                  <a:schemeClr val="tx1"/>
+                </a:solidFill>
+                <a:latin typeface="+mj-lt"/>
+                <a:ea typeface="+mj-ea"/>
+                <a:cs typeface="+mj-cs"/>
+              </a:defRPr>
+            </a:lvl1pPr>
+          </a:lstStyle>
+          <a:p>
+            <a:r>
+              <a:rPr lang="en-US" dirty="0" smtClean="0"/>
+              <a:t>Out-degree</a:t>
+            </a:r>
+            <a:endParaRPr lang="ru-RU" dirty="0"/>
+          </a:p>
+        </p:txBody>
+      </p:sp>
+    </p:spTree>
+    <p:extLst>
+      <p:ext uri="{BB962C8B-B14F-4D97-AF65-F5344CB8AC3E}">
+        <p14:creationId xmlns:p14="http://schemas.microsoft.com/office/powerpoint/2010/main" val="2247482143"/>
+      </p:ext>
+    </p:extLst>
+  </p:cSld>
+  <p:clrMapOvr>
+    <a:masterClrMapping/>
+  </p:clrMapOvr>
+</p:sld>
+</file>
+
+<file path=ppt/slides/slide4.xml><?xml version="1.0" encoding="utf-8"?>
+<p:sld xmlns:a="http://schemas.openxmlformats.org/drawingml/2006/main" xmlns:r="http://schemas.openxmlformats.org/officeDocument/2006/relationships" xmlns:p="http://schemas.openxmlformats.org/presentationml/2006/main">
+  <p:cSld>
+    <p:bg>
+      <p:bgPr>
+        <a:solidFill>
+          <a:schemeClr val="bg1"/>
+        </a:solidFill>
+        <a:effectLst/>
+      </p:bgPr>
+    </p:bg>
+    <p:spTree>
+      <p:nvGrpSpPr>
+        <p:cNvPr id="1" name=""/>
+        <p:cNvGrpSpPr/>
+        <p:nvPr/>
+      </p:nvGrpSpPr>
+      <p:grpSpPr>
+        <a:xfrm>
+          <a:off x="0" y="0"/>
+          <a:ext cx="0" cy="0"/>
+          <a:chOff x="0" y="0"/>
+          <a:chExt cx="0" cy="0"/>
+        </a:xfrm>
+      </p:grpSpPr>
+      <p:sp>
+        <p:nvSpPr>
+          <p:cNvPr id="3" name="Title 1"/>
+          <p:cNvSpPr txBox="1">
+            <a:spLocks/>
+          </p:cNvSpPr>
+          <p:nvPr/>
+        </p:nvSpPr>
+        <p:spPr>
+          <a:xfrm>
+            <a:off x="457200" y="97064"/>
+            <a:ext cx="6273934" cy="620483"/>
+          </a:xfrm>
+          <a:prstGeom prst="rect">
+            <a:avLst/>
+          </a:prstGeom>
+        </p:spPr>
+        <p:txBody>
+          <a:bodyPr vert="horz" lIns="91440" tIns="45720" rIns="91440" bIns="45720" rtlCol="0" anchor="ctr">
+            <a:normAutofit/>
+          </a:bodyPr>
+          <a:lstStyle>
+            <a:lvl1pPr algn="l" defTabSz="457200" rtl="0" eaLnBrk="1" latinLnBrk="0" hangingPunct="1">
+              <a:spcBef>
+                <a:spcPct val="0"/>
+              </a:spcBef>
+              <a:buNone/>
+              <a:defRPr sz="3200" b="1" i="0" kern="1200" baseline="0">
+                <a:solidFill>
+                  <a:schemeClr val="tx1"/>
+                </a:solidFill>
+                <a:latin typeface="+mj-lt"/>
+                <a:ea typeface="+mj-ea"/>
+                <a:cs typeface="+mj-cs"/>
+              </a:defRPr>
+            </a:lvl1pPr>
+          </a:lstStyle>
+          <a:p>
+            <a:r>
+              <a:rPr lang="en-US" dirty="0" smtClean="0"/>
+              <a:t>Filtering the </a:t>
+            </a:r>
+            <a:r>
+              <a:rPr lang="en-US" dirty="0" smtClean="0"/>
+              <a:t>biggest </a:t>
+            </a:r>
+            <a:r>
+              <a:rPr lang="en-US" dirty="0" smtClean="0"/>
+              <a:t>component</a:t>
+            </a:r>
+            <a:endParaRPr lang="ru-RU" dirty="0"/>
+          </a:p>
+        </p:txBody>
+      </p:sp>
+      <p:sp>
+        <p:nvSpPr>
+          <p:cNvPr id="4" name="Content Placeholder 2"/>
+          <p:cNvSpPr txBox="1">
+            <a:spLocks/>
+          </p:cNvSpPr>
+          <p:nvPr/>
+        </p:nvSpPr>
+        <p:spPr>
+          <a:xfrm>
+            <a:off x="457196" y="925405"/>
+            <a:ext cx="8229601" cy="1618263"/>
+          </a:xfrm>
+          <a:prstGeom prst="rect">
+            <a:avLst/>
+          </a:prstGeom>
+        </p:spPr>
+        <p:txBody>
+          <a:bodyPr vert="horz" lIns="91440" tIns="45720" rIns="91440" bIns="45720" rtlCol="0">
+            <a:normAutofit/>
+          </a:bodyPr>
+          <a:lstStyle>
+            <a:lvl1pPr marL="342900" indent="-342900" algn="l" defTabSz="457200" rtl="0" eaLnBrk="1" latinLnBrk="0" hangingPunct="1">
+              <a:spcBef>
+                <a:spcPct val="20000"/>
+              </a:spcBef>
+              <a:buSzPct val="100000"/>
+              <a:buFontTx/>
+              <a:buBlip>
+                <a:blip r:embed="rId2"/>
+              </a:buBlip>
+              <a:defRPr sz="2400" kern="1200">
+                <a:solidFill>
+                  <a:schemeClr val="tx1"/>
+                </a:solidFill>
+                <a:latin typeface="+mn-lt"/>
+                <a:ea typeface="+mn-ea"/>
+                <a:cs typeface="+mn-cs"/>
+              </a:defRPr>
+            </a:lvl1pPr>
+            <a:lvl2pPr marL="742950" indent="-285750" algn="l" defTabSz="457200" rtl="0" eaLnBrk="1" latinLnBrk="0" hangingPunct="1">
+              <a:spcBef>
+                <a:spcPct val="20000"/>
+              </a:spcBef>
+              <a:buFont typeface="Arial"/>
+              <a:buChar char="•"/>
+              <a:defRPr sz="2400" kern="1200">
+                <a:solidFill>
+                  <a:schemeClr val="tx1"/>
+                </a:solidFill>
+                <a:latin typeface="+mn-lt"/>
+                <a:ea typeface="+mn-ea"/>
+                <a:cs typeface="+mn-cs"/>
+              </a:defRPr>
+            </a:lvl2pPr>
+            <a:lvl3pPr marL="1143000" indent="-228600" algn="l" defTabSz="457200" rtl="0" eaLnBrk="1" latinLnBrk="0" hangingPunct="1">
+              <a:spcBef>
+                <a:spcPct val="20000"/>
+              </a:spcBef>
+              <a:buFont typeface="Arial"/>
+              <a:buChar char="•"/>
+              <a:defRPr sz="2000" kern="1200">
+                <a:solidFill>
+                  <a:schemeClr val="tx1"/>
+                </a:solidFill>
+                <a:latin typeface="+mn-lt"/>
+                <a:ea typeface="+mn-ea"/>
+                <a:cs typeface="+mn-cs"/>
+              </a:defRPr>
+            </a:lvl3pPr>
+            <a:lvl4pPr marL="1600200" indent="-228600" algn="l" defTabSz="457200" rtl="0" eaLnBrk="1" latinLnBrk="0" hangingPunct="1">
+              <a:spcBef>
+                <a:spcPct val="20000"/>
+              </a:spcBef>
+              <a:buFont typeface="Arial"/>
+              <a:buChar char="•"/>
+              <a:defRPr sz="1800" kern="1200">
+                <a:solidFill>
+                  <a:schemeClr val="tx1"/>
+                </a:solidFill>
+                <a:latin typeface="+mn-lt"/>
+                <a:ea typeface="+mn-ea"/>
+                <a:cs typeface="+mn-cs"/>
+              </a:defRPr>
+            </a:lvl4pPr>
+            <a:lvl5pPr marL="2057400" indent="-228600" algn="l" defTabSz="457200" rtl="0" eaLnBrk="1" latinLnBrk="0" hangingPunct="1">
+              <a:spcBef>
+                <a:spcPct val="20000"/>
+              </a:spcBef>
+              <a:buFont typeface="Arial"/>
+              <a:buChar char="•"/>
+              <a:defRPr sz="1800" kern="1200">
+                <a:solidFill>
+                  <a:schemeClr val="tx1"/>
+                </a:solidFill>
+                <a:latin typeface="+mn-lt"/>
+                <a:ea typeface="+mn-ea"/>
+                <a:cs typeface="+mn-cs"/>
+              </a:defRPr>
+            </a:lvl5pPr>
+            <a:lvl6pPr marL="2514600" indent="-228600" algn="l" defTabSz="457200" rtl="0" eaLnBrk="1" latinLnBrk="0" hangingPunct="1">
+              <a:spcBef>
+                <a:spcPct val="20000"/>
+              </a:spcBef>
+              <a:buFont typeface="Arial"/>
+              <a:buChar char="•"/>
+              <a:defRPr sz="1800" kern="1200">
+                <a:solidFill>
+                  <a:schemeClr val="tx1"/>
+                </a:solidFill>
+                <a:latin typeface="+mn-lt"/>
+                <a:ea typeface="+mn-ea"/>
+                <a:cs typeface="+mn-cs"/>
+              </a:defRPr>
+            </a:lvl6pPr>
+            <a:lvl7pPr marL="2971800" indent="-228600" algn="l" defTabSz="457200" rtl="0" eaLnBrk="1" latinLnBrk="0" hangingPunct="1">
+              <a:spcBef>
+                <a:spcPct val="20000"/>
+              </a:spcBef>
+              <a:buFont typeface="Arial"/>
+              <a:buChar char="•"/>
+              <a:defRPr sz="1800" kern="1200">
+                <a:solidFill>
+                  <a:schemeClr val="tx1"/>
+                </a:solidFill>
+                <a:latin typeface="+mn-lt"/>
+                <a:ea typeface="+mn-ea"/>
+                <a:cs typeface="+mn-cs"/>
+              </a:defRPr>
+            </a:lvl7pPr>
+            <a:lvl8pPr marL="3429000" indent="-228600" algn="l" defTabSz="457200" rtl="0" eaLnBrk="1" latinLnBrk="0" hangingPunct="1">
+              <a:spcBef>
+                <a:spcPct val="20000"/>
+              </a:spcBef>
+              <a:buFont typeface="Arial"/>
+              <a:buChar char="•"/>
+              <a:defRPr sz="1800" kern="1200">
+                <a:solidFill>
+                  <a:schemeClr val="tx1"/>
+                </a:solidFill>
+                <a:latin typeface="+mn-lt"/>
+                <a:ea typeface="+mn-ea"/>
+                <a:cs typeface="+mn-cs"/>
+              </a:defRPr>
+            </a:lvl8pPr>
+            <a:lvl9pPr marL="3886200" indent="-228600" algn="l" defTabSz="457200" rtl="0" eaLnBrk="1" latinLnBrk="0" hangingPunct="1">
+              <a:spcBef>
+                <a:spcPct val="20000"/>
+              </a:spcBef>
+              <a:buFont typeface="Arial"/>
+              <a:buChar char="•"/>
+              <a:defRPr sz="1800" kern="1200">
+                <a:solidFill>
+                  <a:schemeClr val="tx1"/>
+                </a:solidFill>
+                <a:latin typeface="+mn-lt"/>
+                <a:ea typeface="+mn-ea"/>
+                <a:cs typeface="+mn-cs"/>
+              </a:defRPr>
+            </a:lvl9pPr>
+          </a:lstStyle>
+          <a:p>
+            <a:pPr marL="0" indent="0" algn="just">
+              <a:spcBef>
+                <a:spcPts val="0"/>
+              </a:spcBef>
+              <a:buFontTx/>
+              <a:buNone/>
+            </a:pPr>
+            <a:r>
+              <a:rPr lang="en-US" dirty="0" smtClean="0"/>
+              <a:t>Significant reduce in amount of nodes and edges:</a:t>
+            </a:r>
+          </a:p>
+          <a:p>
+            <a:pPr marL="0" indent="0" algn="just">
+              <a:spcBef>
+                <a:spcPts val="0"/>
+              </a:spcBef>
+              <a:buFontTx/>
+              <a:buNone/>
+            </a:pPr>
+            <a:endParaRPr lang="en-US" dirty="0"/>
+          </a:p>
+          <a:p>
+            <a:pPr marL="0" indent="0" algn="just">
+              <a:spcBef>
+                <a:spcPts val="0"/>
+              </a:spcBef>
+              <a:buNone/>
+            </a:pPr>
+            <a:r>
+              <a:rPr lang="en-US" dirty="0" smtClean="0"/>
+              <a:t>Nodes</a:t>
+            </a:r>
+            <a:r>
+              <a:rPr lang="en-US" dirty="0"/>
+              <a:t>: </a:t>
+            </a:r>
+            <a:r>
+              <a:rPr lang="en-US" dirty="0" smtClean="0"/>
+              <a:t>34546 -&gt; </a:t>
+            </a:r>
+            <a:r>
+              <a:rPr lang="en-US" dirty="0"/>
+              <a:t>12711</a:t>
+            </a:r>
+            <a:endParaRPr lang="en-US" dirty="0" smtClean="0"/>
+          </a:p>
+          <a:p>
+            <a:pPr marL="0" indent="0" algn="just">
+              <a:spcBef>
+                <a:spcPts val="0"/>
+              </a:spcBef>
+              <a:buNone/>
+            </a:pPr>
+            <a:r>
+              <a:rPr lang="en-US" dirty="0" smtClean="0"/>
+              <a:t>Edges</a:t>
+            </a:r>
+            <a:r>
+              <a:rPr lang="en-US" dirty="0"/>
+              <a:t>: 421578 </a:t>
+            </a:r>
+            <a:r>
+              <a:rPr lang="en-US" dirty="0" smtClean="0"/>
+              <a:t>-&gt; 139981</a:t>
+            </a:r>
+            <a:endParaRPr lang="en-US" dirty="0"/>
+          </a:p>
+        </p:txBody>
+      </p:sp>
+      <p:sp>
+        <p:nvSpPr>
+          <p:cNvPr id="6" name="Content Placeholder 2"/>
+          <p:cNvSpPr txBox="1">
+            <a:spLocks/>
+          </p:cNvSpPr>
+          <p:nvPr/>
+        </p:nvSpPr>
+        <p:spPr>
+          <a:xfrm>
+            <a:off x="457195" y="3771900"/>
+            <a:ext cx="8229601" cy="627944"/>
+          </a:xfrm>
+          <a:prstGeom prst="rect">
+            <a:avLst/>
+          </a:prstGeom>
+        </p:spPr>
+        <p:txBody>
+          <a:bodyPr vert="horz" lIns="91440" tIns="45720" rIns="91440" bIns="45720" rtlCol="0">
+            <a:normAutofit/>
+          </a:bodyPr>
+          <a:lstStyle>
+            <a:lvl1pPr marL="342900" indent="-342900" algn="l" defTabSz="457200" rtl="0" eaLnBrk="1" latinLnBrk="0" hangingPunct="1">
+              <a:spcBef>
+                <a:spcPct val="20000"/>
+              </a:spcBef>
+              <a:buSzPct val="100000"/>
+              <a:buFontTx/>
+              <a:buBlip>
+                <a:blip r:embed="rId2"/>
+              </a:buBlip>
+              <a:defRPr sz="2400" kern="1200">
+                <a:solidFill>
+                  <a:schemeClr val="tx1"/>
+                </a:solidFill>
+                <a:latin typeface="+mn-lt"/>
+                <a:ea typeface="+mn-ea"/>
+                <a:cs typeface="+mn-cs"/>
+              </a:defRPr>
+            </a:lvl1pPr>
+            <a:lvl2pPr marL="742950" indent="-285750" algn="l" defTabSz="457200" rtl="0" eaLnBrk="1" latinLnBrk="0" hangingPunct="1">
+              <a:spcBef>
+                <a:spcPct val="20000"/>
+              </a:spcBef>
+              <a:buFont typeface="Arial"/>
+              <a:buChar char="•"/>
+              <a:defRPr sz="2400" kern="1200">
+                <a:solidFill>
+                  <a:schemeClr val="tx1"/>
+                </a:solidFill>
+                <a:latin typeface="+mn-lt"/>
+                <a:ea typeface="+mn-ea"/>
+                <a:cs typeface="+mn-cs"/>
+              </a:defRPr>
+            </a:lvl2pPr>
+            <a:lvl3pPr marL="1143000" indent="-228600" algn="l" defTabSz="457200" rtl="0" eaLnBrk="1" latinLnBrk="0" hangingPunct="1">
+              <a:spcBef>
+                <a:spcPct val="20000"/>
+              </a:spcBef>
+              <a:buFont typeface="Arial"/>
+              <a:buChar char="•"/>
+              <a:defRPr sz="2000" kern="1200">
+                <a:solidFill>
+                  <a:schemeClr val="tx1"/>
+                </a:solidFill>
+                <a:latin typeface="+mn-lt"/>
+                <a:ea typeface="+mn-ea"/>
+                <a:cs typeface="+mn-cs"/>
+              </a:defRPr>
+            </a:lvl3pPr>
+            <a:lvl4pPr marL="1600200" indent="-228600" algn="l" defTabSz="457200" rtl="0" eaLnBrk="1" latinLnBrk="0" hangingPunct="1">
+              <a:spcBef>
+                <a:spcPct val="20000"/>
+              </a:spcBef>
+              <a:buFont typeface="Arial"/>
+              <a:buChar char="•"/>
+              <a:defRPr sz="1800" kern="1200">
+                <a:solidFill>
+                  <a:schemeClr val="tx1"/>
+                </a:solidFill>
+                <a:latin typeface="+mn-lt"/>
+                <a:ea typeface="+mn-ea"/>
+                <a:cs typeface="+mn-cs"/>
+              </a:defRPr>
+            </a:lvl4pPr>
+            <a:lvl5pPr marL="2057400" indent="-228600" algn="l" defTabSz="457200" rtl="0" eaLnBrk="1" latinLnBrk="0" hangingPunct="1">
+              <a:spcBef>
+                <a:spcPct val="20000"/>
+              </a:spcBef>
+              <a:buFont typeface="Arial"/>
+              <a:buChar char="•"/>
+              <a:defRPr sz="1800" kern="1200">
+                <a:solidFill>
+                  <a:schemeClr val="tx1"/>
+                </a:solidFill>
+                <a:latin typeface="+mn-lt"/>
+                <a:ea typeface="+mn-ea"/>
+                <a:cs typeface="+mn-cs"/>
+              </a:defRPr>
+            </a:lvl5pPr>
+            <a:lvl6pPr marL="2514600" indent="-228600" algn="l" defTabSz="457200" rtl="0" eaLnBrk="1" latinLnBrk="0" hangingPunct="1">
+              <a:spcBef>
+                <a:spcPct val="20000"/>
+              </a:spcBef>
+              <a:buFont typeface="Arial"/>
+              <a:buChar char="•"/>
+              <a:defRPr sz="1800" kern="1200">
+                <a:solidFill>
+                  <a:schemeClr val="tx1"/>
+                </a:solidFill>
+                <a:latin typeface="+mn-lt"/>
+                <a:ea typeface="+mn-ea"/>
+                <a:cs typeface="+mn-cs"/>
+              </a:defRPr>
+            </a:lvl6pPr>
+            <a:lvl7pPr marL="2971800" indent="-228600" algn="l" defTabSz="457200" rtl="0" eaLnBrk="1" latinLnBrk="0" hangingPunct="1">
+              <a:spcBef>
+                <a:spcPct val="20000"/>
+              </a:spcBef>
+              <a:buFont typeface="Arial"/>
+              <a:buChar char="•"/>
+              <a:defRPr sz="1800" kern="1200">
+                <a:solidFill>
+                  <a:schemeClr val="tx1"/>
+                </a:solidFill>
+                <a:latin typeface="+mn-lt"/>
+                <a:ea typeface="+mn-ea"/>
+                <a:cs typeface="+mn-cs"/>
+              </a:defRPr>
+            </a:lvl7pPr>
+            <a:lvl8pPr marL="3429000" indent="-228600" algn="l" defTabSz="457200" rtl="0" eaLnBrk="1" latinLnBrk="0" hangingPunct="1">
+              <a:spcBef>
+                <a:spcPct val="20000"/>
+              </a:spcBef>
+              <a:buFont typeface="Arial"/>
+              <a:buChar char="•"/>
+              <a:defRPr sz="1800" kern="1200">
+                <a:solidFill>
+                  <a:schemeClr val="tx1"/>
+                </a:solidFill>
+                <a:latin typeface="+mn-lt"/>
+                <a:ea typeface="+mn-ea"/>
+                <a:cs typeface="+mn-cs"/>
+              </a:defRPr>
+            </a:lvl8pPr>
+            <a:lvl9pPr marL="3886200" indent="-228600" algn="l" defTabSz="457200" rtl="0" eaLnBrk="1" latinLnBrk="0" hangingPunct="1">
+              <a:spcBef>
+                <a:spcPct val="20000"/>
+              </a:spcBef>
+              <a:buFont typeface="Arial"/>
+              <a:buChar char="•"/>
+              <a:defRPr sz="1800" kern="1200">
+                <a:solidFill>
+                  <a:schemeClr val="tx1"/>
+                </a:solidFill>
+                <a:latin typeface="+mn-lt"/>
+                <a:ea typeface="+mn-ea"/>
+                <a:cs typeface="+mn-cs"/>
+              </a:defRPr>
+            </a:lvl9pPr>
+          </a:lstStyle>
+          <a:p>
+            <a:pPr marL="0" indent="0" algn="just">
+              <a:spcBef>
+                <a:spcPts val="0"/>
+              </a:spcBef>
+              <a:buFontTx/>
+              <a:buNone/>
+            </a:pPr>
+            <a:r>
+              <a:rPr lang="en-US" dirty="0" smtClean="0"/>
+              <a:t>Other components are too small no more than 12 nodes.</a:t>
+            </a:r>
+            <a:endParaRPr lang="en-US" dirty="0"/>
+          </a:p>
+        </p:txBody>
+      </p:sp>
+    </p:spTree>
+    <p:extLst>
+      <p:ext uri="{BB962C8B-B14F-4D97-AF65-F5344CB8AC3E}">
+        <p14:creationId xmlns:p14="http://schemas.microsoft.com/office/powerpoint/2010/main" val="2008142909"/>
+      </p:ext>
+    </p:extLst>
+  </p:cSld>
+  <p:clrMapOvr>
+    <a:masterClrMapping/>
+  </p:clrMapOvr>
+</p:sld>
+</file>
+
+<file path=ppt/slides/slide5.xml><?xml version="1.0" encoding="utf-8"?>
+<p:sld xmlns:a="http://schemas.openxmlformats.org/drawingml/2006/main" xmlns:r="http://schemas.openxmlformats.org/officeDocument/2006/relationships" xmlns:p="http://schemas.openxmlformats.org/presentationml/2006/main">
+  <p:cSld>
+    <p:bg>
+      <p:bgPr>
+        <a:solidFill>
+          <a:schemeClr val="bg1"/>
+        </a:solidFill>
+        <a:effectLst/>
+      </p:bgPr>
+    </p:bg>
+    <p:spTree>
+      <p:nvGrpSpPr>
+        <p:cNvPr id="1" name=""/>
+        <p:cNvGrpSpPr/>
+        <p:nvPr/>
+      </p:nvGrpSpPr>
+      <p:grpSpPr>
+        <a:xfrm>
+          <a:off x="0" y="0"/>
+          <a:ext cx="0" cy="0"/>
+          <a:chOff x="0" y="0"/>
+          <a:chExt cx="0" cy="0"/>
+        </a:xfrm>
+      </p:grpSpPr>
+      <p:sp>
+        <p:nvSpPr>
+          <p:cNvPr id="2" name="Footer Placeholder 1"/>
+          <p:cNvSpPr>
+            <a:spLocks noGrp="1"/>
+          </p:cNvSpPr>
+          <p:nvPr>
+            <p:ph type="ftr" sz="quarter" idx="3"/>
+          </p:nvPr>
+        </p:nvSpPr>
+        <p:spPr/>
+        <p:txBody>
+          <a:bodyPr/>
+          <a:lstStyle/>
+          <a:p>
+            <a:r>
+              <a:rPr lang="en-US" smtClean="0"/>
+              <a:t>International Students and Scholars Rock</a:t>
+            </a:r>
+            <a:endParaRPr lang="en-US" dirty="0"/>
+          </a:p>
+        </p:txBody>
+      </p:sp>
+      <p:pic>
+        <p:nvPicPr>
+          <p:cNvPr id="3" name="Picture 2"/>
+          <p:cNvPicPr>
+            <a:picLocks noChangeAspect="1"/>
+          </p:cNvPicPr>
+          <p:nvPr/>
+        </p:nvPicPr>
+        <p:blipFill>
+          <a:blip r:embed="rId2">
+            <a:extLst>
+              <a:ext uri="{28A0092B-C50C-407E-A947-70E740481C1C}">
+                <a14:useLocalDpi xmlns:a14="http://schemas.microsoft.com/office/drawing/2010/main" val="0"/>
+              </a:ext>
+            </a:extLst>
+          </a:blip>
+          <a:stretch>
+            <a:fillRect/>
+          </a:stretch>
+        </p:blipFill>
+        <p:spPr>
+          <a:xfrm>
+            <a:off x="4571995" y="2571747"/>
+            <a:ext cx="9" cy="6"/>
+          </a:xfrm>
+          <a:prstGeom prst="rect">
+            <a:avLst/>
+          </a:prstGeom>
+        </p:spPr>
+      </p:pic>
+      <p:pic>
+        <p:nvPicPr>
+          <p:cNvPr id="4" name="Picture 3"/>
+          <p:cNvPicPr>
+            <a:picLocks noChangeAspect="1"/>
+          </p:cNvPicPr>
+          <p:nvPr/>
+        </p:nvPicPr>
+        <p:blipFill>
+          <a:blip r:embed="rId2">
+            <a:extLst>
+              <a:ext uri="{28A0092B-C50C-407E-A947-70E740481C1C}">
+                <a14:useLocalDpi xmlns:a14="http://schemas.microsoft.com/office/drawing/2010/main" val="0"/>
+              </a:ext>
+            </a:extLst>
+          </a:blip>
+          <a:stretch>
+            <a:fillRect/>
+          </a:stretch>
+        </p:blipFill>
+        <p:spPr>
+          <a:xfrm>
+            <a:off x="4571995" y="2571747"/>
+            <a:ext cx="9" cy="6"/>
+          </a:xfrm>
+          <a:prstGeom prst="rect">
+            <a:avLst/>
+          </a:prstGeom>
+        </p:spPr>
+      </p:pic>
+      <p:pic>
+        <p:nvPicPr>
+          <p:cNvPr id="5" name="Picture 4"/>
+          <p:cNvPicPr>
+            <a:picLocks noChangeAspect="1"/>
+          </p:cNvPicPr>
+          <p:nvPr/>
+        </p:nvPicPr>
+        <p:blipFill>
+          <a:blip r:embed="rId2">
+            <a:extLst>
+              <a:ext uri="{28A0092B-C50C-407E-A947-70E740481C1C}">
+                <a14:useLocalDpi xmlns:a14="http://schemas.microsoft.com/office/drawing/2010/main" val="0"/>
+              </a:ext>
+            </a:extLst>
+          </a:blip>
+          <a:stretch>
+            <a:fillRect/>
+          </a:stretch>
+        </p:blipFill>
+        <p:spPr>
+          <a:xfrm>
+            <a:off x="4571995" y="2571747"/>
+            <a:ext cx="9" cy="6"/>
+          </a:xfrm>
+          <a:prstGeom prst="rect">
+            <a:avLst/>
+          </a:prstGeom>
+        </p:spPr>
+      </p:pic>
+      <p:pic>
+        <p:nvPicPr>
+          <p:cNvPr id="6" name="Picture 5"/>
+          <p:cNvPicPr>
+            <a:picLocks noChangeAspect="1"/>
+          </p:cNvPicPr>
+          <p:nvPr/>
+        </p:nvPicPr>
+        <p:blipFill>
+          <a:blip r:embed="rId2">
+            <a:extLst>
+              <a:ext uri="{28A0092B-C50C-407E-A947-70E740481C1C}">
+                <a14:useLocalDpi xmlns:a14="http://schemas.microsoft.com/office/drawing/2010/main" val="0"/>
+              </a:ext>
+            </a:extLst>
+          </a:blip>
+          <a:stretch>
+            <a:fillRect/>
+          </a:stretch>
+        </p:blipFill>
+        <p:spPr>
+          <a:xfrm>
+            <a:off x="4571995" y="2571747"/>
+            <a:ext cx="9" cy="6"/>
+          </a:xfrm>
+          <a:prstGeom prst="rect">
+            <a:avLst/>
+          </a:prstGeom>
+        </p:spPr>
+      </p:pic>
+      <p:pic>
+        <p:nvPicPr>
+          <p:cNvPr id="8" name="Picture 7"/>
+          <p:cNvPicPr>
+            <a:picLocks noChangeAspect="1"/>
+          </p:cNvPicPr>
+          <p:nvPr/>
+        </p:nvPicPr>
+        <p:blipFill>
+          <a:blip r:embed="rId2">
+            <a:extLst>
+              <a:ext uri="{28A0092B-C50C-407E-A947-70E740481C1C}">
+                <a14:useLocalDpi xmlns:a14="http://schemas.microsoft.com/office/drawing/2010/main" val="0"/>
+              </a:ext>
+            </a:extLst>
+          </a:blip>
+          <a:stretch>
+            <a:fillRect/>
+          </a:stretch>
+        </p:blipFill>
+        <p:spPr>
+          <a:xfrm>
+            <a:off x="1253549" y="596594"/>
+            <a:ext cx="5878290" cy="3950318"/>
+          </a:xfrm>
+          <a:prstGeom prst="rect">
+            <a:avLst/>
+          </a:prstGeom>
+        </p:spPr>
+      </p:pic>
+    </p:spTree>
+    <p:extLst>
+      <p:ext uri="{BB962C8B-B14F-4D97-AF65-F5344CB8AC3E}">
+        <p14:creationId xmlns:p14="http://schemas.microsoft.com/office/powerpoint/2010/main" val="1704754107"/>
+      </p:ext>
+    </p:extLst>
+  </p:cSld>
+  <p:clrMapOvr>
+    <a:masterClrMapping/>
+  </p:clrMapOvr>
+</p:sld>
+</file>
+
+<file path=ppt/slides/slide6.xml><?xml version="1.0" encoding="utf-8"?>
+<p:sld xmlns:a="http://schemas.openxmlformats.org/drawingml/2006/main" xmlns:r="http://schemas.openxmlformats.org/officeDocument/2006/relationships" xmlns:p="http://schemas.openxmlformats.org/presentationml/2006/main">
+  <p:cSld>
+    <p:bg>
+      <p:bgPr>
+        <a:solidFill>
+          <a:schemeClr val="bg1"/>
+        </a:solidFill>
+        <a:effectLst/>
+      </p:bgPr>
+    </p:bg>
+    <p:spTree>
+      <p:nvGrpSpPr>
+        <p:cNvPr id="1" name=""/>
+        <p:cNvGrpSpPr/>
+        <p:nvPr/>
+      </p:nvGrpSpPr>
+      <p:grpSpPr>
+        <a:xfrm>
+          <a:off x="0" y="0"/>
+          <a:ext cx="0" cy="0"/>
+          <a:chOff x="0" y="0"/>
+          <a:chExt cx="0" cy="0"/>
+        </a:xfrm>
+      </p:grpSpPr>
+      <mc:AlternateContent xmlns:mc="http://schemas.openxmlformats.org/markup-compatibility/2006">
+        <mc:Choice xmlns:a14="http://schemas.microsoft.com/office/drawing/2010/main" Requires="a14">
+          <p:graphicFrame>
+            <p:nvGraphicFramePr>
+              <p:cNvPr id="3" name="Table 2"/>
+              <p:cNvGraphicFramePr>
+                <a:graphicFrameLocks noGrp="1"/>
+              </p:cNvGraphicFramePr>
+              <p:nvPr>
+                <p:extLst>
+                  <p:ext uri="{D42A27DB-BD31-4B8C-83A1-F6EECF244321}">
+                    <p14:modId xmlns:p14="http://schemas.microsoft.com/office/powerpoint/2010/main" val="3431822025"/>
+                  </p:ext>
+                </p:extLst>
+              </p:nvPr>
+            </p:nvGraphicFramePr>
+            <p:xfrm>
+              <a:off x="1496695" y="2343117"/>
+              <a:ext cx="6150610" cy="552196"/>
+            </p:xfrm>
+            <a:graphic>
+              <a:graphicData uri="http://schemas.openxmlformats.org/drawingml/2006/table">
+                <a:tbl>
+                  <a:tblPr firstRow="1" firstCol="1" bandRow="1">
+                    <a:tableStyleId>{5940675A-B579-460E-94D1-54222C63F5DA}</a:tableStyleId>
+                  </a:tblPr>
+                  <a:tblGrid>
+                    <a:gridCol w="1537335">
+                      <a:extLst>
+                        <a:ext uri="{9D8B030D-6E8A-4147-A177-3AD203B41FA5}">
+                          <a16:colId xmlns:a16="http://schemas.microsoft.com/office/drawing/2014/main" val="2375205740"/>
+                        </a:ext>
+                      </a:extLst>
+                    </a:gridCol>
+                    <a:gridCol w="1537335">
+                      <a:extLst>
+                        <a:ext uri="{9D8B030D-6E8A-4147-A177-3AD203B41FA5}">
+                          <a16:colId xmlns:a16="http://schemas.microsoft.com/office/drawing/2014/main" val="4157339385"/>
+                        </a:ext>
+                      </a:extLst>
+                    </a:gridCol>
+                    <a:gridCol w="1537335">
+                      <a:extLst>
+                        <a:ext uri="{9D8B030D-6E8A-4147-A177-3AD203B41FA5}">
+                          <a16:colId xmlns:a16="http://schemas.microsoft.com/office/drawing/2014/main" val="3545203801"/>
+                        </a:ext>
+                      </a:extLst>
+                    </a:gridCol>
+                    <a:gridCol w="1538605">
+                      <a:extLst>
+                        <a:ext uri="{9D8B030D-6E8A-4147-A177-3AD203B41FA5}">
+                          <a16:colId xmlns:a16="http://schemas.microsoft.com/office/drawing/2014/main" val="3199971878"/>
+                        </a:ext>
+                      </a:extLst>
+                    </a:gridCol>
+                  </a:tblGrid>
+                  <a:tr h="208915">
+                    <a:tc>
+                      <a:txBody>
+                        <a:bodyPr/>
+                        <a:lstStyle/>
+                        <a:p>
+                          <a:pPr indent="450215" algn="just">
+                            <a:lnSpc>
+                              <a:spcPct val="150000"/>
+                            </a:lnSpc>
+                            <a:spcAft>
+                              <a:spcPts val="0"/>
+                            </a:spcAft>
+                          </a:pPr>
+                          <a14:m>
+                            <m:oMathPara xmlns:m="http://schemas.openxmlformats.org/officeDocument/2006/math">
+                              <m:oMathParaPr>
+                                <m:jc m:val="centerGroup"/>
+                              </m:oMathParaPr>
+                              <m:oMath xmlns:m="http://schemas.openxmlformats.org/officeDocument/2006/math">
+                                <m:d>
+                                  <m:dPr>
+                                    <m:begChr m:val="〈"/>
+                                    <m:endChr m:val="〉"/>
+                                    <m:ctrlPr>
+                                      <a:rPr lang="ru-RU" sz="1200">
+                                        <a:effectLst/>
+                                      </a:rPr>
+                                    </m:ctrlPr>
+                                  </m:dPr>
+                                  <m:e>
+                                    <m:sSup>
+                                      <m:sSupPr>
+                                        <m:ctrlPr>
+                                          <a:rPr lang="ru-RU" sz="1200">
+                                            <a:effectLst/>
+                                          </a:rPr>
+                                        </m:ctrlPr>
+                                      </m:sSupPr>
+                                      <m:e>
+                                        <m:r>
+                                          <a:rPr lang="en-US" sz="1200">
+                                            <a:effectLst/>
+                                          </a:rPr>
+                                          <m:t>𝑘</m:t>
+                                        </m:r>
+                                      </m:e>
+                                      <m:sup>
+                                        <m:r>
+                                          <a:rPr lang="en-US" sz="1200">
+                                            <a:effectLst/>
+                                          </a:rPr>
+                                          <m:t>𝑖𝑛</m:t>
+                                        </m:r>
+                                      </m:sup>
+                                    </m:sSup>
+                                  </m:e>
+                                </m:d>
+                              </m:oMath>
+                            </m:oMathPara>
+                          </a14:m>
+                          <a:endParaRPr lang="ru-RU" sz="1200">
+                            <a:solidFill>
+                              <a:srgbClr val="000000"/>
+                            </a:solidFill>
+                            <a:effectLst/>
+                            <a:latin typeface="Times New Roman" panose="02020603050405020304" pitchFamily="18" charset="0"/>
+                            <a:ea typeface="Calibri" panose="020F0502020204030204" pitchFamily="34" charset="0"/>
+                            <a:cs typeface="Times New Roman" panose="02020603050405020304" pitchFamily="18" charset="0"/>
+                          </a:endParaRPr>
+                        </a:p>
+                      </a:txBody>
+                      <a:tcPr marL="68580" marR="68580" marT="0" marB="0"/>
+                    </a:tc>
+                    <a:tc>
+                      <a:txBody>
+                        <a:bodyPr/>
+                        <a:lstStyle/>
+                        <a:p>
+                          <a:pPr indent="450215" algn="just">
+                            <a:lnSpc>
+                              <a:spcPct val="150000"/>
+                            </a:lnSpc>
+                            <a:spcAft>
+                              <a:spcPts val="0"/>
+                            </a:spcAft>
+                          </a:pPr>
+                          <a14:m>
+                            <m:oMathPara xmlns:m="http://schemas.openxmlformats.org/officeDocument/2006/math">
+                              <m:oMathParaPr>
+                                <m:jc m:val="centerGroup"/>
+                              </m:oMathParaPr>
+                              <m:oMath xmlns:m="http://schemas.openxmlformats.org/officeDocument/2006/math">
+                                <m:d>
+                                  <m:dPr>
+                                    <m:begChr m:val="〈"/>
+                                    <m:endChr m:val="〉"/>
+                                    <m:ctrlPr>
+                                      <a:rPr lang="ru-RU" sz="1200">
+                                        <a:effectLst/>
+                                      </a:rPr>
+                                    </m:ctrlPr>
+                                  </m:dPr>
+                                  <m:e>
+                                    <m:r>
+                                      <a:rPr lang="en-US" sz="1200">
+                                        <a:effectLst/>
+                                      </a:rPr>
+                                      <m:t>𝑑</m:t>
+                                    </m:r>
+                                  </m:e>
+                                </m:d>
+                              </m:oMath>
+                            </m:oMathPara>
+                          </a14:m>
+                          <a:endParaRPr lang="ru-RU" sz="1200">
+                            <a:solidFill>
+                              <a:srgbClr val="000000"/>
+                            </a:solidFill>
+                            <a:effectLst/>
+                            <a:latin typeface="Times New Roman" panose="02020603050405020304" pitchFamily="18" charset="0"/>
+                            <a:ea typeface="Calibri" panose="020F0502020204030204" pitchFamily="34" charset="0"/>
+                            <a:cs typeface="Times New Roman" panose="02020603050405020304" pitchFamily="18" charset="0"/>
+                          </a:endParaRPr>
+                        </a:p>
+                      </a:txBody>
+                      <a:tcPr marL="68580" marR="68580" marT="0" marB="0"/>
+                    </a:tc>
+                    <a:tc>
+                      <a:txBody>
+                        <a:bodyPr/>
+                        <a:lstStyle/>
+                        <a:p>
+                          <a:pPr indent="450215" algn="just">
+                            <a:lnSpc>
+                              <a:spcPct val="150000"/>
+                            </a:lnSpc>
+                            <a:spcAft>
+                              <a:spcPts val="0"/>
+                            </a:spcAft>
+                          </a:pPr>
+                          <a14:m>
+                            <m:oMathPara xmlns:m="http://schemas.openxmlformats.org/officeDocument/2006/math">
+                              <m:oMathParaPr>
+                                <m:jc m:val="centerGroup"/>
+                              </m:oMathParaPr>
+                              <m:oMath xmlns:m="http://schemas.openxmlformats.org/officeDocument/2006/math">
+                                <m:sSub>
+                                  <m:sSubPr>
+                                    <m:ctrlPr>
+                                      <a:rPr lang="ru-RU" sz="1200">
+                                        <a:effectLst/>
+                                      </a:rPr>
+                                    </m:ctrlPr>
+                                  </m:sSubPr>
+                                  <m:e>
+                                    <m:r>
+                                      <a:rPr lang="en-US" sz="1200">
+                                        <a:effectLst/>
+                                      </a:rPr>
+                                      <m:t>𝑑</m:t>
+                                    </m:r>
+                                  </m:e>
+                                  <m:sub>
+                                    <m:r>
+                                      <a:rPr lang="en-US" sz="1200">
+                                        <a:effectLst/>
+                                      </a:rPr>
+                                      <m:t>𝑚𝑎𝑥</m:t>
+                                    </m:r>
+                                  </m:sub>
+                                </m:sSub>
+                                <m:r>
+                                  <a:rPr lang="en-US" sz="1200">
+                                    <a:effectLst/>
+                                  </a:rPr>
+                                  <m:t>(</m:t>
+                                </m:r>
+                                <m:r>
+                                  <a:rPr lang="en-US" sz="1200">
+                                    <a:effectLst/>
+                                    <a:hlinkClick r:id="" action="ppaction://noaction"/>
+                                  </a:rPr>
+                                  <m:t>𝑏𝑐</m:t>
+                                </m:r>
+                                <m:r>
+                                  <a:rPr lang="en-US" sz="1200">
+                                    <a:effectLst/>
+                                  </a:rPr>
+                                  <m:t>)</m:t>
+                                </m:r>
+                              </m:oMath>
+                            </m:oMathPara>
+                          </a14:m>
+                          <a:endParaRPr lang="ru-RU" sz="1200">
+                            <a:solidFill>
+                              <a:srgbClr val="000000"/>
+                            </a:solidFill>
+                            <a:effectLst/>
+                            <a:latin typeface="Times New Roman" panose="02020603050405020304" pitchFamily="18" charset="0"/>
+                            <a:ea typeface="Calibri" panose="020F0502020204030204" pitchFamily="34" charset="0"/>
+                            <a:cs typeface="Times New Roman" panose="02020603050405020304" pitchFamily="18" charset="0"/>
+                          </a:endParaRPr>
+                        </a:p>
+                      </a:txBody>
+                      <a:tcPr marL="68580" marR="68580" marT="0" marB="0"/>
+                    </a:tc>
+                    <a:tc>
+                      <a:txBody>
+                        <a:bodyPr/>
+                        <a:lstStyle/>
+                        <a:p>
+                          <a:pPr indent="450215" algn="just">
+                            <a:lnSpc>
+                              <a:spcPct val="150000"/>
+                            </a:lnSpc>
+                            <a:spcAft>
+                              <a:spcPts val="0"/>
+                            </a:spcAft>
+                          </a:pPr>
+                          <a14:m>
+                            <m:oMathPara xmlns:m="http://schemas.openxmlformats.org/officeDocument/2006/math">
+                              <m:oMathParaPr>
+                                <m:jc m:val="centerGroup"/>
+                              </m:oMathParaPr>
+                              <m:oMath xmlns:m="http://schemas.openxmlformats.org/officeDocument/2006/math">
+                                <m:d>
+                                  <m:dPr>
+                                    <m:begChr m:val="〈"/>
+                                    <m:endChr m:val="〉"/>
+                                    <m:ctrlPr>
+                                      <a:rPr lang="ru-RU" sz="1200">
+                                        <a:effectLst/>
+                                      </a:rPr>
+                                    </m:ctrlPr>
+                                  </m:dPr>
+                                  <m:e>
+                                    <m:r>
+                                      <a:rPr lang="en-US" sz="1200">
+                                        <a:effectLst/>
+                                      </a:rPr>
+                                      <m:t>𝐶</m:t>
+                                    </m:r>
+                                  </m:e>
+                                </m:d>
+                              </m:oMath>
+                            </m:oMathPara>
+                          </a14:m>
+                          <a:endParaRPr lang="ru-RU" sz="1200">
+                            <a:solidFill>
+                              <a:srgbClr val="000000"/>
+                            </a:solidFill>
+                            <a:effectLst/>
+                            <a:latin typeface="Times New Roman" panose="02020603050405020304" pitchFamily="18" charset="0"/>
+                            <a:ea typeface="Calibri" panose="020F0502020204030204" pitchFamily="34" charset="0"/>
+                            <a:cs typeface="Times New Roman" panose="02020603050405020304" pitchFamily="18" charset="0"/>
+                          </a:endParaRPr>
+                        </a:p>
+                      </a:txBody>
+                      <a:tcPr marL="68580" marR="68580" marT="0" marB="0"/>
+                    </a:tc>
+                    <a:extLst>
+                      <a:ext uri="{0D108BD9-81ED-4DB2-BD59-A6C34878D82A}">
+                        <a16:rowId xmlns:a16="http://schemas.microsoft.com/office/drawing/2014/main" val="2055836884"/>
+                      </a:ext>
+                    </a:extLst>
+                  </a:tr>
+                  <a:tr h="188595">
+                    <a:tc>
+                      <a:txBody>
+                        <a:bodyPr/>
+                        <a:lstStyle/>
+                        <a:p>
+                          <a:pPr indent="450215" algn="ctr">
+                            <a:lnSpc>
+                              <a:spcPct val="150000"/>
+                            </a:lnSpc>
+                            <a:spcAft>
+                              <a:spcPts val="0"/>
+                            </a:spcAft>
+                          </a:pPr>
+                          <a:r>
+                            <a:rPr lang="en-US" sz="1200">
+                              <a:effectLst/>
+                            </a:rPr>
+                            <a:t>12.203</a:t>
+                          </a:r>
+                          <a:endParaRPr lang="ru-RU" sz="1200">
+                            <a:solidFill>
+                              <a:srgbClr val="000000"/>
+                            </a:solidFill>
+                            <a:effectLst/>
+                            <a:latin typeface="Times New Roman" panose="02020603050405020304" pitchFamily="18" charset="0"/>
+                            <a:ea typeface="Calibri" panose="020F0502020204030204" pitchFamily="34" charset="0"/>
+                            <a:cs typeface="Times New Roman" panose="02020603050405020304" pitchFamily="18" charset="0"/>
+                          </a:endParaRPr>
+                        </a:p>
+                      </a:txBody>
+                      <a:tcPr marL="68580" marR="68580" marT="0" marB="0"/>
+                    </a:tc>
+                    <a:tc>
+                      <a:txBody>
+                        <a:bodyPr/>
+                        <a:lstStyle/>
+                        <a:p>
+                          <a:pPr indent="450215" algn="ctr">
+                            <a:lnSpc>
+                              <a:spcPct val="150000"/>
+                            </a:lnSpc>
+                            <a:spcAft>
+                              <a:spcPts val="0"/>
+                            </a:spcAft>
+                          </a:pPr>
+                          <a:r>
+                            <a:rPr lang="en-US" sz="1200">
+                              <a:effectLst/>
+                            </a:rPr>
+                            <a:t>4.4</a:t>
+                          </a:r>
+                          <a:endParaRPr lang="ru-RU" sz="1200">
+                            <a:solidFill>
+                              <a:srgbClr val="000000"/>
+                            </a:solidFill>
+                            <a:effectLst/>
+                            <a:latin typeface="Times New Roman" panose="02020603050405020304" pitchFamily="18" charset="0"/>
+                            <a:ea typeface="Calibri" panose="020F0502020204030204" pitchFamily="34" charset="0"/>
+                            <a:cs typeface="Times New Roman" panose="02020603050405020304" pitchFamily="18" charset="0"/>
+                          </a:endParaRPr>
+                        </a:p>
+                      </a:txBody>
+                      <a:tcPr marL="68580" marR="68580" marT="0" marB="0"/>
+                    </a:tc>
+                    <a:tc>
+                      <a:txBody>
+                        <a:bodyPr/>
+                        <a:lstStyle/>
+                        <a:p>
+                          <a:pPr indent="450215" algn="ctr">
+                            <a:lnSpc>
+                              <a:spcPct val="150000"/>
+                            </a:lnSpc>
+                            <a:spcAft>
+                              <a:spcPts val="0"/>
+                            </a:spcAft>
+                          </a:pPr>
+                          <a:r>
+                            <a:rPr lang="en-US" sz="1200">
+                              <a:effectLst/>
+                            </a:rPr>
+                            <a:t>49</a:t>
+                          </a:r>
+                          <a:endParaRPr lang="ru-RU" sz="1200">
+                            <a:solidFill>
+                              <a:srgbClr val="000000"/>
+                            </a:solidFill>
+                            <a:effectLst/>
+                            <a:latin typeface="Times New Roman" panose="02020603050405020304" pitchFamily="18" charset="0"/>
+                            <a:ea typeface="Calibri" panose="020F0502020204030204" pitchFamily="34" charset="0"/>
+                            <a:cs typeface="Times New Roman" panose="02020603050405020304" pitchFamily="18" charset="0"/>
+                          </a:endParaRPr>
+                        </a:p>
+                      </a:txBody>
+                      <a:tcPr marL="68580" marR="68580" marT="0" marB="0"/>
+                    </a:tc>
+                    <a:tc>
+                      <a:txBody>
+                        <a:bodyPr/>
+                        <a:lstStyle/>
+                        <a:p>
+                          <a:pPr indent="450215" algn="ctr">
+                            <a:lnSpc>
+                              <a:spcPct val="150000"/>
+                            </a:lnSpc>
+                            <a:spcAft>
+                              <a:spcPts val="0"/>
+                            </a:spcAft>
+                          </a:pPr>
+                          <a:r>
+                            <a:rPr lang="en-US" sz="1200" dirty="0">
+                              <a:effectLst/>
+                            </a:rPr>
+                            <a:t>0.143</a:t>
+                          </a:r>
+                          <a:endParaRPr lang="ru-RU" sz="1200" dirty="0">
+                            <a:solidFill>
+                              <a:srgbClr val="000000"/>
+                            </a:solidFill>
+                            <a:effectLst/>
+                            <a:latin typeface="Times New Roman" panose="02020603050405020304" pitchFamily="18" charset="0"/>
+                            <a:ea typeface="Calibri" panose="020F0502020204030204" pitchFamily="34" charset="0"/>
+                            <a:cs typeface="Times New Roman" panose="02020603050405020304" pitchFamily="18" charset="0"/>
+                          </a:endParaRPr>
+                        </a:p>
+                      </a:txBody>
+                      <a:tcPr marL="68580" marR="68580" marT="0" marB="0"/>
+                    </a:tc>
+                    <a:extLst>
+                      <a:ext uri="{0D108BD9-81ED-4DB2-BD59-A6C34878D82A}">
+                        <a16:rowId xmlns:a16="http://schemas.microsoft.com/office/drawing/2014/main" val="3086293544"/>
+                      </a:ext>
+                    </a:extLst>
+                  </a:tr>
+                </a:tbl>
+              </a:graphicData>
+            </a:graphic>
+          </p:graphicFrame>
+        </mc:Choice>
+        <mc:Fallback>
+          <p:graphicFrame>
+            <p:nvGraphicFramePr>
+              <p:cNvPr id="3" name="Table 2"/>
+              <p:cNvGraphicFramePr>
+                <a:graphicFrameLocks noGrp="1"/>
+              </p:cNvGraphicFramePr>
+              <p:nvPr>
+                <p:extLst>
+                  <p:ext uri="{D42A27DB-BD31-4B8C-83A1-F6EECF244321}">
+                    <p14:modId xmlns:p14="http://schemas.microsoft.com/office/powerpoint/2010/main" val="3431822025"/>
+                  </p:ext>
+                </p:extLst>
+              </p:nvPr>
+            </p:nvGraphicFramePr>
+            <p:xfrm>
+              <a:off x="1496695" y="2343117"/>
+              <a:ext cx="6150610" cy="552196"/>
+            </p:xfrm>
+            <a:graphic>
+              <a:graphicData uri="http://schemas.openxmlformats.org/drawingml/2006/table">
+                <a:tbl>
+                  <a:tblPr firstRow="1" firstCol="1" bandRow="1">
+                    <a:tableStyleId>{5940675A-B579-460E-94D1-54222C63F5DA}</a:tableStyleId>
+                  </a:tblPr>
+                  <a:tblGrid>
+                    <a:gridCol w="1537335">
+                      <a:extLst>
+                        <a:ext uri="{9D8B030D-6E8A-4147-A177-3AD203B41FA5}">
+                          <a16:colId xmlns:a16="http://schemas.microsoft.com/office/drawing/2014/main" val="2375205740"/>
+                        </a:ext>
+                      </a:extLst>
+                    </a:gridCol>
+                    <a:gridCol w="1537335">
+                      <a:extLst>
+                        <a:ext uri="{9D8B030D-6E8A-4147-A177-3AD203B41FA5}">
+                          <a16:colId xmlns:a16="http://schemas.microsoft.com/office/drawing/2014/main" val="4157339385"/>
+                        </a:ext>
+                      </a:extLst>
+                    </a:gridCol>
+                    <a:gridCol w="1537335">
+                      <a:extLst>
+                        <a:ext uri="{9D8B030D-6E8A-4147-A177-3AD203B41FA5}">
+                          <a16:colId xmlns:a16="http://schemas.microsoft.com/office/drawing/2014/main" val="3545203801"/>
+                        </a:ext>
+                      </a:extLst>
+                    </a:gridCol>
+                    <a:gridCol w="1538605">
+                      <a:extLst>
+                        <a:ext uri="{9D8B030D-6E8A-4147-A177-3AD203B41FA5}">
+                          <a16:colId xmlns:a16="http://schemas.microsoft.com/office/drawing/2014/main" val="3199971878"/>
+                        </a:ext>
+                      </a:extLst>
+                    </a:gridCol>
+                  </a:tblGrid>
+                  <a:tr h="277876">
+                    <a:tc>
+                      <a:txBody>
+                        <a:bodyPr/>
+                        <a:lstStyle/>
+                        <a:p>
+                          <a:endParaRPr lang="ru-RU"/>
+                        </a:p>
+                      </a:txBody>
+                      <a:tcPr marL="68580" marR="68580" marT="0" marB="0">
+                        <a:blipFill>
+                          <a:blip r:embed="rId2"/>
+                          <a:stretch>
+                            <a:fillRect l="-397" t="-2174" r="-301587" b="-121739"/>
+                          </a:stretch>
+                        </a:blipFill>
+                      </a:tcPr>
+                    </a:tc>
+                    <a:tc>
+                      <a:txBody>
+                        <a:bodyPr/>
+                        <a:lstStyle/>
+                        <a:p>
+                          <a:endParaRPr lang="ru-RU"/>
+                        </a:p>
+                      </a:txBody>
+                      <a:tcPr marL="68580" marR="68580" marT="0" marB="0">
+                        <a:blipFill>
+                          <a:blip r:embed="rId2"/>
+                          <a:stretch>
+                            <a:fillRect l="-100000" t="-2174" r="-200395" b="-121739"/>
+                          </a:stretch>
+                        </a:blipFill>
+                      </a:tcPr>
+                    </a:tc>
+                    <a:tc>
+                      <a:txBody>
+                        <a:bodyPr/>
+                        <a:lstStyle/>
+                        <a:p>
+                          <a:endParaRPr lang="ru-RU"/>
+                        </a:p>
+                      </a:txBody>
+                      <a:tcPr marL="68580" marR="68580" marT="0" marB="0">
+                        <a:blipFill>
+                          <a:blip r:embed="rId2"/>
+                          <a:stretch>
+                            <a:fillRect l="-200794" t="-2174" r="-101190" b="-121739"/>
+                          </a:stretch>
+                        </a:blipFill>
+                      </a:tcPr>
+                    </a:tc>
+                    <a:tc>
+                      <a:txBody>
+                        <a:bodyPr/>
+                        <a:lstStyle/>
+                        <a:p>
+                          <a:endParaRPr lang="ru-RU"/>
+                        </a:p>
+                      </a:txBody>
+                      <a:tcPr marL="68580" marR="68580" marT="0" marB="0">
+                        <a:blipFill>
+                          <a:blip r:embed="rId2"/>
+                          <a:stretch>
+                            <a:fillRect l="-299605" t="-2174" r="-791" b="-121739"/>
+                          </a:stretch>
+                        </a:blipFill>
+                      </a:tcPr>
+                    </a:tc>
+                    <a:extLst>
+                      <a:ext uri="{0D108BD9-81ED-4DB2-BD59-A6C34878D82A}">
+                        <a16:rowId xmlns:a16="http://schemas.microsoft.com/office/drawing/2014/main" val="2055836884"/>
+                      </a:ext>
+                    </a:extLst>
+                  </a:tr>
+                  <a:tr h="274320">
+                    <a:tc>
+                      <a:txBody>
+                        <a:bodyPr/>
+                        <a:lstStyle/>
+                        <a:p>
+                          <a:pPr indent="450215" algn="ctr">
+                            <a:lnSpc>
+                              <a:spcPct val="150000"/>
+                            </a:lnSpc>
+                            <a:spcAft>
+                              <a:spcPts val="0"/>
+                            </a:spcAft>
+                          </a:pPr>
+                          <a:r>
+                            <a:rPr lang="en-US" sz="1200">
+                              <a:effectLst/>
+                            </a:rPr>
+                            <a:t>12.203</a:t>
+                          </a:r>
+                          <a:endParaRPr lang="ru-RU" sz="1200">
+                            <a:solidFill>
+                              <a:srgbClr val="000000"/>
+                            </a:solidFill>
+                            <a:effectLst/>
+                            <a:latin typeface="Times New Roman" panose="02020603050405020304" pitchFamily="18" charset="0"/>
+                            <a:ea typeface="Calibri" panose="020F0502020204030204" pitchFamily="34" charset="0"/>
+                            <a:cs typeface="Times New Roman" panose="02020603050405020304" pitchFamily="18" charset="0"/>
+                          </a:endParaRPr>
+                        </a:p>
+                      </a:txBody>
+                      <a:tcPr marL="68580" marR="68580" marT="0" marB="0"/>
+                    </a:tc>
+                    <a:tc>
+                      <a:txBody>
+                        <a:bodyPr/>
+                        <a:lstStyle/>
+                        <a:p>
+                          <a:pPr indent="450215" algn="ctr">
+                            <a:lnSpc>
+                              <a:spcPct val="150000"/>
+                            </a:lnSpc>
+                            <a:spcAft>
+                              <a:spcPts val="0"/>
+                            </a:spcAft>
+                          </a:pPr>
+                          <a:r>
+                            <a:rPr lang="en-US" sz="1200">
+                              <a:effectLst/>
+                            </a:rPr>
+                            <a:t>4.4</a:t>
+                          </a:r>
+                          <a:endParaRPr lang="ru-RU" sz="1200">
+                            <a:solidFill>
+                              <a:srgbClr val="000000"/>
+                            </a:solidFill>
+                            <a:effectLst/>
+                            <a:latin typeface="Times New Roman" panose="02020603050405020304" pitchFamily="18" charset="0"/>
+                            <a:ea typeface="Calibri" panose="020F0502020204030204" pitchFamily="34" charset="0"/>
+                            <a:cs typeface="Times New Roman" panose="02020603050405020304" pitchFamily="18" charset="0"/>
+                          </a:endParaRPr>
+                        </a:p>
+                      </a:txBody>
+                      <a:tcPr marL="68580" marR="68580" marT="0" marB="0"/>
+                    </a:tc>
+                    <a:tc>
+                      <a:txBody>
+                        <a:bodyPr/>
+                        <a:lstStyle/>
+                        <a:p>
+                          <a:pPr indent="450215" algn="ctr">
+                            <a:lnSpc>
+                              <a:spcPct val="150000"/>
+                            </a:lnSpc>
+                            <a:spcAft>
+                              <a:spcPts val="0"/>
+                            </a:spcAft>
+                          </a:pPr>
+                          <a:r>
+                            <a:rPr lang="en-US" sz="1200">
+                              <a:effectLst/>
+                            </a:rPr>
+                            <a:t>49</a:t>
+                          </a:r>
+                          <a:endParaRPr lang="ru-RU" sz="1200">
+                            <a:solidFill>
+                              <a:srgbClr val="000000"/>
+                            </a:solidFill>
+                            <a:effectLst/>
+                            <a:latin typeface="Times New Roman" panose="02020603050405020304" pitchFamily="18" charset="0"/>
+                            <a:ea typeface="Calibri" panose="020F0502020204030204" pitchFamily="34" charset="0"/>
+                            <a:cs typeface="Times New Roman" panose="02020603050405020304" pitchFamily="18" charset="0"/>
+                          </a:endParaRPr>
+                        </a:p>
+                      </a:txBody>
+                      <a:tcPr marL="68580" marR="68580" marT="0" marB="0"/>
+                    </a:tc>
+                    <a:tc>
+                      <a:txBody>
+                        <a:bodyPr/>
+                        <a:lstStyle/>
+                        <a:p>
+                          <a:pPr indent="450215" algn="ctr">
+                            <a:lnSpc>
+                              <a:spcPct val="150000"/>
+                            </a:lnSpc>
+                            <a:spcAft>
+                              <a:spcPts val="0"/>
+                            </a:spcAft>
+                          </a:pPr>
+                          <a:r>
+                            <a:rPr lang="en-US" sz="1200" dirty="0">
+                              <a:effectLst/>
+                            </a:rPr>
+                            <a:t>0.143</a:t>
+                          </a:r>
+                          <a:endParaRPr lang="ru-RU" sz="1200" dirty="0">
+                            <a:solidFill>
+                              <a:srgbClr val="000000"/>
+                            </a:solidFill>
+                            <a:effectLst/>
+                            <a:latin typeface="Times New Roman" panose="02020603050405020304" pitchFamily="18" charset="0"/>
+                            <a:ea typeface="Calibri" panose="020F0502020204030204" pitchFamily="34" charset="0"/>
+                            <a:cs typeface="Times New Roman" panose="02020603050405020304" pitchFamily="18" charset="0"/>
+                          </a:endParaRPr>
+                        </a:p>
+                      </a:txBody>
+                      <a:tcPr marL="68580" marR="68580" marT="0" marB="0"/>
+                    </a:tc>
+                    <a:extLst>
+                      <a:ext uri="{0D108BD9-81ED-4DB2-BD59-A6C34878D82A}">
+                        <a16:rowId xmlns:a16="http://schemas.microsoft.com/office/drawing/2014/main" val="3086293544"/>
+                      </a:ext>
+                    </a:extLst>
+                  </a:tr>
+                </a:tbl>
+              </a:graphicData>
+            </a:graphic>
+          </p:graphicFrame>
+        </mc:Fallback>
+      </mc:AlternateContent>
+      <p:sp>
+        <p:nvSpPr>
+          <p:cNvPr id="4" name="Title 1"/>
+          <p:cNvSpPr txBox="1">
+            <a:spLocks/>
+          </p:cNvSpPr>
+          <p:nvPr/>
+        </p:nvSpPr>
+        <p:spPr>
+          <a:xfrm>
+            <a:off x="457200" y="97064"/>
+            <a:ext cx="6273934" cy="620483"/>
+          </a:xfrm>
+          <a:prstGeom prst="rect">
+            <a:avLst/>
+          </a:prstGeom>
+        </p:spPr>
+        <p:txBody>
+          <a:bodyPr vert="horz" lIns="91440" tIns="45720" rIns="91440" bIns="45720" rtlCol="0" anchor="ctr">
+            <a:normAutofit/>
+          </a:bodyPr>
+          <a:lstStyle>
+            <a:lvl1pPr algn="l" defTabSz="457200" rtl="0" eaLnBrk="1" latinLnBrk="0" hangingPunct="1">
+              <a:spcBef>
+                <a:spcPct val="0"/>
+              </a:spcBef>
+              <a:buNone/>
+              <a:defRPr sz="3200" b="1" i="0" kern="1200" baseline="0">
+                <a:solidFill>
+                  <a:schemeClr val="tx1"/>
+                </a:solidFill>
+                <a:latin typeface="+mj-lt"/>
+                <a:ea typeface="+mj-ea"/>
+                <a:cs typeface="+mj-cs"/>
+              </a:defRPr>
+            </a:lvl1pPr>
+          </a:lstStyle>
+          <a:p>
+            <a:r>
+              <a:rPr lang="en-US" dirty="0" smtClean="0"/>
+              <a:t>Main statistics</a:t>
+            </a:r>
+            <a:endParaRPr lang="ru-RU" dirty="0"/>
+          </a:p>
+        </p:txBody>
+      </p:sp>
+    </p:spTree>
+    <p:extLst>
+      <p:ext uri="{BB962C8B-B14F-4D97-AF65-F5344CB8AC3E}">
+        <p14:creationId xmlns:p14="http://schemas.microsoft.com/office/powerpoint/2010/main" val="1209247692"/>
+      </p:ext>
+    </p:extLst>
+  </p:cSld>
+  <p:clrMapOvr>
+    <a:masterClrMapping/>
+  </p:clrMapOvr>
+</p:sld>
+</file>
+
+<file path=ppt/slides/slide7.xml><?xml version="1.0" encoding="utf-8"?>
+<p:sld xmlns:a="http://schemas.openxmlformats.org/drawingml/2006/main" xmlns:r="http://schemas.openxmlformats.org/officeDocument/2006/relationships" xmlns:p="http://schemas.openxmlformats.org/presentationml/2006/main">
+  <p:cSld>
+    <p:bg>
+      <p:bgPr>
+        <a:solidFill>
+          <a:schemeClr val="bg1"/>
+        </a:solidFill>
+        <a:effectLst/>
+      </p:bgPr>
+    </p:bg>
+    <p:spTree>
+      <p:nvGrpSpPr>
+        <p:cNvPr id="1" name=""/>
+        <p:cNvGrpSpPr/>
+        <p:nvPr/>
+      </p:nvGrpSpPr>
+      <p:grpSpPr>
+        <a:xfrm>
+          <a:off x="0" y="0"/>
+          <a:ext cx="0" cy="0"/>
+          <a:chOff x="0" y="0"/>
+          <a:chExt cx="0" cy="0"/>
+        </a:xfrm>
+      </p:grpSpPr>
+      <p:sp>
+        <p:nvSpPr>
+          <p:cNvPr id="2" name="Название 1"/>
+          <p:cNvSpPr>
+            <a:spLocks noGrp="1"/>
+          </p:cNvSpPr>
+          <p:nvPr>
+            <p:ph type="title"/>
+          </p:nvPr>
+        </p:nvSpPr>
+        <p:spPr/>
+        <p:txBody>
+          <a:bodyPr/>
+          <a:lstStyle/>
+          <a:p>
+            <a:endParaRPr lang="ru-RU"/>
+          </a:p>
+        </p:txBody>
+      </p:sp>
+      <p:pic>
+        <p:nvPicPr>
+          <p:cNvPr id="4" name="Content Placeholder 3"/>
+          <p:cNvPicPr>
+            <a:picLocks noGrp="1" noChangeAspect="1"/>
+          </p:cNvPicPr>
+          <p:nvPr>
+            <p:ph sz="half" idx="1"/>
+          </p:nvPr>
+        </p:nvPicPr>
+        <p:blipFill>
+          <a:blip r:embed="rId2">
+            <a:extLst>
+              <a:ext uri="{28A0092B-C50C-407E-A947-70E740481C1C}">
+                <a14:useLocalDpi xmlns:a14="http://schemas.microsoft.com/office/drawing/2010/main" val="0"/>
+              </a:ext>
+            </a:extLst>
+          </a:blip>
+          <a:stretch>
+            <a:fillRect/>
+          </a:stretch>
+        </p:blipFill>
+        <p:spPr>
+          <a:xfrm>
+            <a:off x="5255" y="927381"/>
+            <a:ext cx="4566807" cy="3425105"/>
+          </a:xfrm>
+        </p:spPr>
+      </p:pic>
+      <p:pic>
+        <p:nvPicPr>
+          <p:cNvPr id="5" name="Picture 4"/>
+          <p:cNvPicPr>
+            <a:picLocks noChangeAspect="1"/>
+          </p:cNvPicPr>
+          <p:nvPr/>
+        </p:nvPicPr>
+        <p:blipFill>
+          <a:blip r:embed="rId3">
+            <a:extLst>
+              <a:ext uri="{28A0092B-C50C-407E-A947-70E740481C1C}">
+                <a14:useLocalDpi xmlns:a14="http://schemas.microsoft.com/office/drawing/2010/main" val="0"/>
+              </a:ext>
+            </a:extLst>
+          </a:blip>
+          <a:stretch>
+            <a:fillRect/>
+          </a:stretch>
+        </p:blipFill>
+        <p:spPr>
+          <a:xfrm>
+            <a:off x="4572062" y="958911"/>
+            <a:ext cx="4566808" cy="3425105"/>
+          </a:xfrm>
+          <a:prstGeom prst="rect">
+            <a:avLst/>
+          </a:prstGeom>
+        </p:spPr>
+      </p:pic>
+      <p:sp>
+        <p:nvSpPr>
+          <p:cNvPr id="7" name="Title 1"/>
+          <p:cNvSpPr txBox="1">
+            <a:spLocks/>
+          </p:cNvSpPr>
+          <p:nvPr/>
+        </p:nvSpPr>
+        <p:spPr>
+          <a:xfrm>
+            <a:off x="457200" y="97064"/>
+            <a:ext cx="6273934" cy="620483"/>
+          </a:xfrm>
+          <a:prstGeom prst="rect">
+            <a:avLst/>
+          </a:prstGeom>
+        </p:spPr>
+        <p:txBody>
+          <a:bodyPr vert="horz" lIns="91440" tIns="45720" rIns="91440" bIns="45720" rtlCol="0" anchor="ctr">
+            <a:normAutofit/>
+          </a:bodyPr>
+          <a:lstStyle>
+            <a:lvl1pPr algn="l" defTabSz="457200" rtl="0" eaLnBrk="1" latinLnBrk="0" hangingPunct="1">
+              <a:spcBef>
+                <a:spcPct val="0"/>
+              </a:spcBef>
+              <a:buNone/>
+              <a:defRPr sz="3200" b="1" i="0" kern="1200" baseline="0">
+                <a:solidFill>
+                  <a:schemeClr val="tx1"/>
+                </a:solidFill>
+                <a:latin typeface="+mj-lt"/>
+                <a:ea typeface="+mj-ea"/>
+                <a:cs typeface="+mj-cs"/>
+              </a:defRPr>
+            </a:lvl1pPr>
+          </a:lstStyle>
+          <a:p>
+            <a:r>
+              <a:rPr lang="en-US" dirty="0" smtClean="0"/>
+              <a:t>Degree Distributions</a:t>
+            </a:r>
+            <a:endParaRPr lang="ru-RU" dirty="0"/>
+          </a:p>
+        </p:txBody>
+      </p:sp>
+      <p:sp>
+        <p:nvSpPr>
+          <p:cNvPr id="3" name="TextBox 2"/>
+          <p:cNvSpPr txBox="1"/>
+          <p:nvPr/>
+        </p:nvSpPr>
+        <p:spPr>
+          <a:xfrm flipH="1">
+            <a:off x="222950" y="4530787"/>
+            <a:ext cx="5145340" cy="369332"/>
+          </a:xfrm>
+          <a:prstGeom prst="rect">
+            <a:avLst/>
+          </a:prstGeom>
+          <a:noFill/>
+        </p:spPr>
+        <p:txBody>
+          <a:bodyPr wrap="square" rtlCol="0">
+            <a:spAutoFit/>
+          </a:bodyPr>
+          <a:lstStyle/>
+          <a:p>
+            <a:r>
+              <a:rPr lang="en-US" dirty="0" smtClean="0"/>
+              <a:t>Average degree: </a:t>
+            </a:r>
+            <a:r>
+              <a:rPr lang="en-US" dirty="0" smtClean="0"/>
+              <a:t>12.203</a:t>
+            </a:r>
+            <a:endParaRPr lang="ru-RU" dirty="0"/>
+          </a:p>
+        </p:txBody>
+      </p:sp>
+    </p:spTree>
+    <p:extLst>
+      <p:ext uri="{BB962C8B-B14F-4D97-AF65-F5344CB8AC3E}">
+        <p14:creationId xmlns:p14="http://schemas.microsoft.com/office/powerpoint/2010/main" val="191886464"/>
+      </p:ext>
+    </p:extLst>
+  </p:cSld>
+  <p:clrMapOvr>
+    <a:masterClrMapping/>
+  </p:clrMapOvr>
+  <p:timing>
+    <p:tnLst>
+      <p:par>
+        <p:cTn id="1" dur="indefinite" restart="never" nodeType="tmRoot"/>
+      </p:par>
+    </p:tnLst>
+  </p:timing>
+</p:sld>
+</file>
+
+<file path=ppt/slides/slide8.xml><?xml version="1.0" encoding="utf-8"?>
+<p:sld xmlns:a="http://schemas.openxmlformats.org/drawingml/2006/main" xmlns:r="http://schemas.openxmlformats.org/officeDocument/2006/relationships" xmlns:p="http://schemas.openxmlformats.org/presentationml/2006/main">
+  <p:cSld>
+    <p:bg>
+      <p:bgPr>
+        <a:solidFill>
+          <a:schemeClr val="bg1"/>
+        </a:solidFill>
+        <a:effectLst/>
+      </p:bgPr>
+    </p:bg>
+    <p:spTree>
+      <p:nvGrpSpPr>
+        <p:cNvPr id="1" name=""/>
+        <p:cNvGrpSpPr/>
+        <p:nvPr/>
+      </p:nvGrpSpPr>
+      <p:grpSpPr>
+        <a:xfrm>
+          <a:off x="0" y="0"/>
+          <a:ext cx="0" cy="0"/>
+          <a:chOff x="0" y="0"/>
+          <a:chExt cx="0" cy="0"/>
+        </a:xfrm>
+      </p:grpSpPr>
+      <p:sp>
+        <p:nvSpPr>
+          <p:cNvPr id="2" name="Title 1"/>
+          <p:cNvSpPr>
+            <a:spLocks noGrp="1"/>
+          </p:cNvSpPr>
+          <p:nvPr>
+            <p:ph type="title"/>
+          </p:nvPr>
+        </p:nvSpPr>
+        <p:spPr>
+          <a:xfrm>
+            <a:off x="457200" y="128595"/>
+            <a:ext cx="6273934" cy="620483"/>
+          </a:xfrm>
+        </p:spPr>
+        <p:txBody>
+          <a:bodyPr/>
+          <a:lstStyle/>
+          <a:p>
+            <a:r>
+              <a:rPr lang="en-US" dirty="0" smtClean="0"/>
+              <a:t>Estimation of Power Law Exponent</a:t>
+            </a:r>
+            <a:endParaRPr lang="ru-RU" dirty="0"/>
+          </a:p>
+        </p:txBody>
+      </p:sp>
+      <mc:AlternateContent xmlns:mc="http://schemas.openxmlformats.org/markup-compatibility/2006" xmlns:a14="http://schemas.microsoft.com/office/drawing/2010/main">
+        <mc:Choice Requires="a14">
+          <p:sp>
+            <p:nvSpPr>
+              <p:cNvPr id="3" name="Content Placeholder 2"/>
+              <p:cNvSpPr>
+                <a:spLocks noGrp="1"/>
+              </p:cNvSpPr>
+              <p:nvPr>
+                <p:ph sz="half" idx="1"/>
+              </p:nvPr>
+            </p:nvSpPr>
+            <p:spPr>
+              <a:xfrm>
+                <a:off x="457200" y="1016001"/>
+                <a:ext cx="8014138" cy="1673622"/>
+              </a:xfrm>
+            </p:spPr>
+            <p:txBody>
+              <a:bodyPr>
+                <a:normAutofit/>
+              </a:bodyPr>
+              <a:lstStyle/>
+              <a:p>
+                <a:pPr marL="0" indent="0" algn="just">
+                  <a:buNone/>
+                </a:pPr>
+                <a14:m>
+                  <m:oMathPara xmlns:m="http://schemas.openxmlformats.org/officeDocument/2006/math">
+                    <m:oMathParaPr>
+                      <m:jc m:val="centerGroup"/>
+                    </m:oMathParaPr>
+                    <m:oMath xmlns:m="http://schemas.openxmlformats.org/officeDocument/2006/math">
+                      <m:r>
+                        <a:rPr lang="ru-RU" i="1" smtClean="0">
+                          <a:latin typeface="Cambria Math" panose="02040503050406030204" pitchFamily="18" charset="0"/>
+                          <a:ea typeface="Cambria Math" panose="02040503050406030204" pitchFamily="18" charset="0"/>
+                        </a:rPr>
+                        <m:t>𝛾</m:t>
+                      </m:r>
+                      <m:r>
+                        <a:rPr lang="en-US" b="0" i="1" smtClean="0">
+                          <a:latin typeface="Cambria Math" panose="02040503050406030204" pitchFamily="18" charset="0"/>
+                          <a:ea typeface="Cambria Math" panose="02040503050406030204" pitchFamily="18" charset="0"/>
+                        </a:rPr>
+                        <m:t>=1+</m:t>
+                      </m:r>
+                      <m:r>
+                        <a:rPr lang="en-US" b="0" i="1" smtClean="0">
+                          <a:latin typeface="Cambria Math" panose="02040503050406030204" pitchFamily="18" charset="0"/>
+                          <a:ea typeface="Cambria Math" panose="02040503050406030204" pitchFamily="18" charset="0"/>
+                        </a:rPr>
+                        <m:t>𝑛</m:t>
+                      </m:r>
+                      <m:sSup>
+                        <m:sSupPr>
+                          <m:ctrlPr>
+                            <a:rPr lang="en-US" b="0" i="1" smtClean="0">
+                              <a:latin typeface="Cambria Math" panose="02040503050406030204" pitchFamily="18" charset="0"/>
+                              <a:ea typeface="Cambria Math" panose="02040503050406030204" pitchFamily="18" charset="0"/>
+                            </a:rPr>
+                          </m:ctrlPr>
+                        </m:sSupPr>
+                        <m:e>
+                          <m:d>
+                            <m:dPr>
+                              <m:ctrlPr>
+                                <a:rPr lang="en-US" i="1">
+                                  <a:latin typeface="Cambria Math" panose="02040503050406030204" pitchFamily="18" charset="0"/>
+                                  <a:ea typeface="Cambria Math" panose="02040503050406030204" pitchFamily="18" charset="0"/>
+                                </a:rPr>
+                              </m:ctrlPr>
+                            </m:dPr>
+                            <m:e>
+                              <m:nary>
+                                <m:naryPr>
+                                  <m:chr m:val="∑"/>
+                                  <m:supHide m:val="on"/>
+                                  <m:ctrlPr>
+                                    <a:rPr lang="en-US" i="1">
+                                      <a:latin typeface="Cambria Math" panose="02040503050406030204" pitchFamily="18" charset="0"/>
+                                      <a:ea typeface="Cambria Math" panose="02040503050406030204" pitchFamily="18" charset="0"/>
+                                    </a:rPr>
+                                  </m:ctrlPr>
+                                </m:naryPr>
+                                <m:sub>
+                                  <m:r>
+                                    <m:rPr>
+                                      <m:brk m:alnAt="7"/>
+                                    </m:rPr>
+                                    <a:rPr lang="en-US" i="1">
+                                      <a:latin typeface="Cambria Math" panose="02040503050406030204" pitchFamily="18" charset="0"/>
+                                      <a:ea typeface="Cambria Math" panose="02040503050406030204" pitchFamily="18" charset="0"/>
+                                    </a:rPr>
+                                    <m:t>𝑢</m:t>
+                                  </m:r>
+                                  <m:r>
+                                    <a:rPr lang="en-US" i="1">
+                                      <a:latin typeface="Cambria Math" panose="02040503050406030204" pitchFamily="18" charset="0"/>
+                                      <a:ea typeface="Cambria Math" panose="02040503050406030204" pitchFamily="18" charset="0"/>
+                                    </a:rPr>
+                                    <m:t>𝜖</m:t>
+                                  </m:r>
+                                  <m:r>
+                                    <a:rPr lang="en-US" i="1">
+                                      <a:latin typeface="Cambria Math" panose="02040503050406030204" pitchFamily="18" charset="0"/>
+                                      <a:ea typeface="Cambria Math" panose="02040503050406030204" pitchFamily="18" charset="0"/>
+                                    </a:rPr>
+                                    <m:t>𝑉</m:t>
+                                  </m:r>
+                                </m:sub>
+                                <m:sup/>
+                                <m:e>
+                                  <m:func>
+                                    <m:funcPr>
+                                      <m:ctrlPr>
+                                        <a:rPr lang="en-US" i="1">
+                                          <a:latin typeface="Cambria Math" panose="02040503050406030204" pitchFamily="18" charset="0"/>
+                                          <a:ea typeface="Cambria Math" panose="02040503050406030204" pitchFamily="18" charset="0"/>
+                                        </a:rPr>
+                                      </m:ctrlPr>
+                                    </m:funcPr>
+                                    <m:fName>
+                                      <m:r>
+                                        <m:rPr>
+                                          <m:sty m:val="p"/>
+                                        </m:rPr>
+                                        <a:rPr lang="en-US">
+                                          <a:latin typeface="Cambria Math" panose="02040503050406030204" pitchFamily="18" charset="0"/>
+                                          <a:ea typeface="Cambria Math" panose="02040503050406030204" pitchFamily="18" charset="0"/>
+                                        </a:rPr>
+                                        <m:t>ln</m:t>
+                                      </m:r>
+                                    </m:fName>
+                                    <m:e>
+                                      <m:f>
+                                        <m:fPr>
+                                          <m:ctrlPr>
+                                            <a:rPr lang="en-US" i="1">
+                                              <a:latin typeface="Cambria Math" panose="02040503050406030204" pitchFamily="18" charset="0"/>
+                                              <a:ea typeface="Cambria Math" panose="02040503050406030204" pitchFamily="18" charset="0"/>
+                                            </a:rPr>
+                                          </m:ctrlPr>
+                                        </m:fPr>
+                                        <m:num>
+                                          <m:r>
+                                            <a:rPr lang="en-US" i="1">
+                                              <a:latin typeface="Cambria Math" panose="02040503050406030204" pitchFamily="18" charset="0"/>
+                                              <a:ea typeface="Cambria Math" panose="02040503050406030204" pitchFamily="18" charset="0"/>
+                                            </a:rPr>
+                                            <m:t>𝑑</m:t>
+                                          </m:r>
+                                          <m:r>
+                                            <a:rPr lang="en-US" i="1">
+                                              <a:latin typeface="Cambria Math" panose="02040503050406030204" pitchFamily="18" charset="0"/>
+                                              <a:ea typeface="Cambria Math" panose="02040503050406030204" pitchFamily="18" charset="0"/>
+                                            </a:rPr>
+                                            <m:t>(</m:t>
+                                          </m:r>
+                                          <m:r>
+                                            <a:rPr lang="en-US" i="1">
+                                              <a:latin typeface="Cambria Math" panose="02040503050406030204" pitchFamily="18" charset="0"/>
+                                              <a:ea typeface="Cambria Math" panose="02040503050406030204" pitchFamily="18" charset="0"/>
+                                            </a:rPr>
+                                            <m:t>𝑢</m:t>
+                                          </m:r>
+                                          <m:r>
+                                            <a:rPr lang="en-US" i="1">
+                                              <a:latin typeface="Cambria Math" panose="02040503050406030204" pitchFamily="18" charset="0"/>
+                                              <a:ea typeface="Cambria Math" panose="02040503050406030204" pitchFamily="18" charset="0"/>
+                                            </a:rPr>
+                                            <m:t>)</m:t>
+                                          </m:r>
+                                        </m:num>
+                                        <m:den>
+                                          <m:sSub>
+                                            <m:sSubPr>
+                                              <m:ctrlPr>
+                                                <a:rPr lang="en-US" i="1">
+                                                  <a:latin typeface="Cambria Math" panose="02040503050406030204" pitchFamily="18" charset="0"/>
+                                                  <a:ea typeface="Cambria Math" panose="02040503050406030204" pitchFamily="18" charset="0"/>
+                                                </a:rPr>
+                                              </m:ctrlPr>
+                                            </m:sSubPr>
+                                            <m:e>
+                                              <m:r>
+                                                <a:rPr lang="en-US" i="1">
+                                                  <a:latin typeface="Cambria Math" panose="02040503050406030204" pitchFamily="18" charset="0"/>
+                                                  <a:ea typeface="Cambria Math" panose="02040503050406030204" pitchFamily="18" charset="0"/>
+                                                </a:rPr>
+                                                <m:t>𝑑</m:t>
+                                              </m:r>
+                                            </m:e>
+                                            <m:sub>
+                                              <m:r>
+                                                <a:rPr lang="en-US" i="1">
+                                                  <a:latin typeface="Cambria Math" panose="02040503050406030204" pitchFamily="18" charset="0"/>
+                                                  <a:ea typeface="Cambria Math" panose="02040503050406030204" pitchFamily="18" charset="0"/>
+                                                </a:rPr>
+                                                <m:t>𝑚𝑖𝑛</m:t>
+                                              </m:r>
+                                            </m:sub>
+                                          </m:sSub>
+                                        </m:den>
+                                      </m:f>
+                                    </m:e>
+                                  </m:func>
+                                </m:e>
+                              </m:nary>
+                            </m:e>
+                          </m:d>
+                        </m:e>
+                        <m:sup>
+                          <m:r>
+                            <a:rPr lang="en-US" b="0" i="1" smtClean="0">
+                              <a:latin typeface="Cambria Math" panose="02040503050406030204" pitchFamily="18" charset="0"/>
+                              <a:ea typeface="Cambria Math" panose="02040503050406030204" pitchFamily="18" charset="0"/>
+                            </a:rPr>
+                            <m:t>−1</m:t>
+                          </m:r>
+                        </m:sup>
+                      </m:sSup>
+                    </m:oMath>
+                  </m:oMathPara>
+                </a14:m>
+                <a:endParaRPr lang="ru-RU" dirty="0"/>
+              </a:p>
+            </p:txBody>
+          </p:sp>
+        </mc:Choice>
+        <mc:Fallback xmlns="">
+          <p:sp>
+            <p:nvSpPr>
+              <p:cNvPr id="3" name="Content Placeholder 2"/>
+              <p:cNvSpPr>
+                <a:spLocks noGrp="1" noRot="1" noChangeAspect="1" noMove="1" noResize="1" noEditPoints="1" noAdjustHandles="1" noChangeArrowheads="1" noChangeShapeType="1" noTextEdit="1"/>
+              </p:cNvSpPr>
+              <p:nvPr>
+                <p:ph sz="half" idx="1"/>
+              </p:nvPr>
+            </p:nvSpPr>
+            <p:spPr>
+              <a:xfrm>
+                <a:off x="457200" y="1016001"/>
+                <a:ext cx="8014138" cy="1673622"/>
+              </a:xfrm>
+              <a:blipFill>
+                <a:blip r:embed="rId2"/>
+                <a:stretch>
+                  <a:fillRect/>
+                </a:stretch>
+              </a:blipFill>
+            </p:spPr>
+            <p:txBody>
+              <a:bodyPr/>
+              <a:lstStyle/>
+              <a:p>
+                <a:r>
+                  <a:rPr lang="ru-RU">
+                    <a:noFill/>
+                  </a:rPr>
+                  <a:t> </a:t>
+                </a:r>
+              </a:p>
+            </p:txBody>
+          </p:sp>
+        </mc:Fallback>
+      </mc:AlternateContent>
+      <p:sp>
+        <p:nvSpPr>
+          <p:cNvPr id="5" name="TextBox 4"/>
+          <p:cNvSpPr txBox="1"/>
+          <p:nvPr/>
+        </p:nvSpPr>
+        <p:spPr>
+          <a:xfrm>
+            <a:off x="1788886" y="4774168"/>
+            <a:ext cx="7670800" cy="369332"/>
+          </a:xfrm>
+          <a:prstGeom prst="rect">
+            <a:avLst/>
+          </a:prstGeom>
+          <a:noFill/>
+        </p:spPr>
+        <p:txBody>
+          <a:bodyPr wrap="square" rtlCol="0">
+            <a:spAutoFit/>
+          </a:bodyPr>
+          <a:lstStyle/>
+          <a:p>
+            <a:r>
+              <a:rPr lang="en-US" dirty="0">
+                <a:solidFill>
+                  <a:schemeClr val="bg1">
+                    <a:lumMod val="75000"/>
+                  </a:schemeClr>
+                </a:solidFill>
+              </a:rPr>
+              <a:t>Emergence of scaling in random networks. </a:t>
+            </a:r>
+            <a:r>
+              <a:rPr lang="en-US" i="1" dirty="0">
+                <a:solidFill>
+                  <a:schemeClr val="bg1">
+                    <a:lumMod val="75000"/>
+                  </a:schemeClr>
+                </a:solidFill>
+              </a:rPr>
+              <a:t>Science</a:t>
+            </a:r>
+            <a:r>
+              <a:rPr lang="en-US" dirty="0">
+                <a:solidFill>
+                  <a:schemeClr val="bg1">
+                    <a:lumMod val="75000"/>
+                  </a:schemeClr>
+                </a:solidFill>
+              </a:rPr>
+              <a:t>, 286(5439):509–512, 1999.</a:t>
+            </a:r>
+            <a:endParaRPr lang="ru-RU" dirty="0">
+              <a:solidFill>
+                <a:schemeClr val="bg1">
+                  <a:lumMod val="75000"/>
+                </a:schemeClr>
+              </a:solidFill>
+            </a:endParaRPr>
+          </a:p>
+        </p:txBody>
+      </p:sp>
+      <mc:AlternateContent xmlns:mc="http://schemas.openxmlformats.org/markup-compatibility/2006">
+        <mc:Choice xmlns:a14="http://schemas.microsoft.com/office/drawing/2010/main" Requires="a14">
+          <p:sp>
+            <p:nvSpPr>
+              <p:cNvPr id="6" name="Content Placeholder 2"/>
+              <p:cNvSpPr txBox="1">
+                <a:spLocks/>
+              </p:cNvSpPr>
+              <p:nvPr/>
+            </p:nvSpPr>
+            <p:spPr>
+              <a:xfrm>
+                <a:off x="457200" y="2298699"/>
+                <a:ext cx="8128000" cy="2295923"/>
+              </a:xfrm>
+              <a:prstGeom prst="rect">
+                <a:avLst/>
+              </a:prstGeom>
+            </p:spPr>
+            <p:txBody>
+              <a:bodyPr vert="horz" lIns="91440" tIns="45720" rIns="91440" bIns="45720" rtlCol="0">
+                <a:normAutofit/>
+              </a:bodyPr>
+              <a:lstStyle>
+                <a:lvl1pPr marL="342900" indent="-342900" algn="l" defTabSz="457200" rtl="0" eaLnBrk="1" latinLnBrk="0" hangingPunct="1">
+                  <a:spcBef>
+                    <a:spcPct val="20000"/>
+                  </a:spcBef>
+                  <a:buSzPct val="100000"/>
+                  <a:buFontTx/>
+                  <a:buBlip>
+                    <a:blip r:embed="rId3"/>
+                  </a:buBlip>
+                  <a:defRPr sz="2400" kern="1200">
+                    <a:solidFill>
+                      <a:schemeClr val="tx1"/>
+                    </a:solidFill>
+                    <a:latin typeface="+mn-lt"/>
+                    <a:ea typeface="+mn-ea"/>
+                    <a:cs typeface="+mn-cs"/>
+                  </a:defRPr>
+                </a:lvl1pPr>
+                <a:lvl2pPr marL="742950" indent="-285750" algn="l" defTabSz="457200" rtl="0" eaLnBrk="1" latinLnBrk="0" hangingPunct="1">
+                  <a:spcBef>
+                    <a:spcPct val="20000"/>
+                  </a:spcBef>
+                  <a:buFont typeface="Arial"/>
+                  <a:buChar char="•"/>
+                  <a:defRPr sz="2400" kern="1200">
+                    <a:solidFill>
+                      <a:schemeClr val="tx1"/>
+                    </a:solidFill>
+                    <a:latin typeface="+mn-lt"/>
+                    <a:ea typeface="+mn-ea"/>
+                    <a:cs typeface="+mn-cs"/>
+                  </a:defRPr>
+                </a:lvl2pPr>
+                <a:lvl3pPr marL="1143000" indent="-228600" algn="l" defTabSz="457200" rtl="0" eaLnBrk="1" latinLnBrk="0" hangingPunct="1">
+                  <a:spcBef>
+                    <a:spcPct val="20000"/>
+                  </a:spcBef>
+                  <a:buFont typeface="Arial"/>
+                  <a:buChar char="•"/>
+                  <a:defRPr sz="2000" kern="1200">
+                    <a:solidFill>
+                      <a:schemeClr val="tx1"/>
+                    </a:solidFill>
+                    <a:latin typeface="+mn-lt"/>
+                    <a:ea typeface="+mn-ea"/>
+                    <a:cs typeface="+mn-cs"/>
+                  </a:defRPr>
+                </a:lvl3pPr>
+                <a:lvl4pPr marL="1600200" indent="-228600" algn="l" defTabSz="457200" rtl="0" eaLnBrk="1" latinLnBrk="0" hangingPunct="1">
+                  <a:spcBef>
+                    <a:spcPct val="20000"/>
+                  </a:spcBef>
+                  <a:buFont typeface="Arial"/>
+                  <a:buChar char="•"/>
+                  <a:defRPr sz="1800" kern="1200">
+                    <a:solidFill>
+                      <a:schemeClr val="tx1"/>
+                    </a:solidFill>
+                    <a:latin typeface="+mn-lt"/>
+                    <a:ea typeface="+mn-ea"/>
+                    <a:cs typeface="+mn-cs"/>
+                  </a:defRPr>
+                </a:lvl4pPr>
+                <a:lvl5pPr marL="2057400" indent="-228600" algn="l" defTabSz="457200" rtl="0" eaLnBrk="1" latinLnBrk="0" hangingPunct="1">
+                  <a:spcBef>
+                    <a:spcPct val="20000"/>
+                  </a:spcBef>
+                  <a:buFont typeface="Arial"/>
+                  <a:buChar char="•"/>
+                  <a:defRPr sz="1800" kern="1200">
+                    <a:solidFill>
+                      <a:schemeClr val="tx1"/>
+                    </a:solidFill>
+                    <a:latin typeface="+mn-lt"/>
+                    <a:ea typeface="+mn-ea"/>
+                    <a:cs typeface="+mn-cs"/>
+                  </a:defRPr>
+                </a:lvl5pPr>
+                <a:lvl6pPr marL="2514600" indent="-228600" algn="l" defTabSz="457200" rtl="0" eaLnBrk="1" latinLnBrk="0" hangingPunct="1">
+                  <a:spcBef>
+                    <a:spcPct val="20000"/>
+                  </a:spcBef>
+                  <a:buFont typeface="Arial"/>
+                  <a:buChar char="•"/>
+                  <a:defRPr sz="1800" kern="1200">
+                    <a:solidFill>
+                      <a:schemeClr val="tx1"/>
+                    </a:solidFill>
+                    <a:latin typeface="+mn-lt"/>
+                    <a:ea typeface="+mn-ea"/>
+                    <a:cs typeface="+mn-cs"/>
+                  </a:defRPr>
+                </a:lvl6pPr>
+                <a:lvl7pPr marL="2971800" indent="-228600" algn="l" defTabSz="457200" rtl="0" eaLnBrk="1" latinLnBrk="0" hangingPunct="1">
+                  <a:spcBef>
+                    <a:spcPct val="20000"/>
+                  </a:spcBef>
+                  <a:buFont typeface="Arial"/>
+                  <a:buChar char="•"/>
+                  <a:defRPr sz="1800" kern="1200">
+                    <a:solidFill>
+                      <a:schemeClr val="tx1"/>
+                    </a:solidFill>
+                    <a:latin typeface="+mn-lt"/>
+                    <a:ea typeface="+mn-ea"/>
+                    <a:cs typeface="+mn-cs"/>
+                  </a:defRPr>
+                </a:lvl7pPr>
+                <a:lvl8pPr marL="3429000" indent="-228600" algn="l" defTabSz="457200" rtl="0" eaLnBrk="1" latinLnBrk="0" hangingPunct="1">
+                  <a:spcBef>
+                    <a:spcPct val="20000"/>
+                  </a:spcBef>
+                  <a:buFont typeface="Arial"/>
+                  <a:buChar char="•"/>
+                  <a:defRPr sz="1800" kern="1200">
+                    <a:solidFill>
+                      <a:schemeClr val="tx1"/>
+                    </a:solidFill>
+                    <a:latin typeface="+mn-lt"/>
+                    <a:ea typeface="+mn-ea"/>
+                    <a:cs typeface="+mn-cs"/>
+                  </a:defRPr>
+                </a:lvl8pPr>
+                <a:lvl9pPr marL="3886200" indent="-228600" algn="l" defTabSz="457200" rtl="0" eaLnBrk="1" latinLnBrk="0" hangingPunct="1">
+                  <a:spcBef>
+                    <a:spcPct val="20000"/>
+                  </a:spcBef>
+                  <a:buFont typeface="Arial"/>
+                  <a:buChar char="•"/>
+                  <a:defRPr sz="1800" kern="1200">
+                    <a:solidFill>
+                      <a:schemeClr val="tx1"/>
+                    </a:solidFill>
+                    <a:latin typeface="+mn-lt"/>
+                    <a:ea typeface="+mn-ea"/>
+                    <a:cs typeface="+mn-cs"/>
+                  </a:defRPr>
+                </a:lvl9pPr>
+              </a:lstStyle>
+              <a:p>
+                <a:pPr marL="0" indent="0">
+                  <a:buFontTx/>
+                  <a:buNone/>
+                </a:pPr>
+                <a:r>
+                  <a:rPr lang="en-US" dirty="0" smtClean="0"/>
+                  <a:t>Here</a:t>
+                </a:r>
+                <a:r>
+                  <a:rPr lang="en-US" dirty="0" smtClean="0"/>
+                  <a:t>,</a:t>
+                </a:r>
+              </a:p>
+              <a:p>
+                <a:pPr marL="0" indent="0">
+                  <a:buNone/>
+                </a:pPr>
+                <a:r>
+                  <a:rPr lang="en-US" dirty="0"/>
+                  <a:t>For in-degree with </a:t>
+                </a:r>
+                <a14:m>
+                  <m:oMath xmlns:m="http://schemas.openxmlformats.org/officeDocument/2006/math">
+                    <m:sSub>
+                      <m:sSubPr>
+                        <m:ctrlPr>
+                          <a:rPr lang="ru-RU" i="1"/>
+                        </m:ctrlPr>
+                      </m:sSubPr>
+                      <m:e>
+                        <m:r>
+                          <a:rPr lang="en-US" i="1"/>
+                          <m:t>𝑘</m:t>
+                        </m:r>
+                      </m:e>
+                      <m:sub>
+                        <m:r>
+                          <a:rPr lang="en-US" i="1"/>
+                          <m:t>𝑚𝑖𝑛</m:t>
+                        </m:r>
+                      </m:sub>
+                    </m:sSub>
+                  </m:oMath>
+                </a14:m>
+                <a:r>
+                  <a:rPr lang="en-US" dirty="0"/>
+                  <a:t> = 10</a:t>
+                </a:r>
+                <a:r>
+                  <a:rPr lang="en-US" dirty="0" smtClean="0"/>
+                  <a:t>, </a:t>
+                </a:r>
+                <a14:m>
+                  <m:oMath xmlns:m="http://schemas.openxmlformats.org/officeDocument/2006/math">
+                    <m:r>
+                      <a:rPr lang="ru-RU" i="1">
+                        <a:latin typeface="Cambria Math" panose="02040503050406030204" pitchFamily="18" charset="0"/>
+                        <a:ea typeface="Cambria Math" panose="02040503050406030204" pitchFamily="18" charset="0"/>
+                      </a:rPr>
+                      <m:t>𝛾</m:t>
+                    </m:r>
+                  </m:oMath>
+                </a14:m>
+                <a:r>
+                  <a:rPr lang="en-US" dirty="0" smtClean="0"/>
+                  <a:t> = 2.29</a:t>
+                </a:r>
+              </a:p>
+              <a:p>
+                <a:pPr marL="0" indent="0">
+                  <a:buNone/>
+                </a:pPr>
+                <a:r>
+                  <a:rPr lang="en-US" dirty="0" smtClean="0"/>
+                  <a:t>For out-degree with </a:t>
+                </a:r>
+                <a14:m>
+                  <m:oMath xmlns:m="http://schemas.openxmlformats.org/officeDocument/2006/math">
+                    <m:sSub>
+                      <m:sSubPr>
+                        <m:ctrlPr>
+                          <a:rPr lang="ru-RU" i="1">
+                            <a:latin typeface="Cambria Math" panose="02040503050406030204" pitchFamily="18" charset="0"/>
+                          </a:rPr>
+                        </m:ctrlPr>
+                      </m:sSubPr>
+                      <m:e>
+                        <m:r>
+                          <a:rPr lang="en-US" i="1">
+                            <a:latin typeface="Cambria Math" panose="02040503050406030204" pitchFamily="18" charset="0"/>
+                          </a:rPr>
+                          <m:t>𝑘</m:t>
+                        </m:r>
+                      </m:e>
+                      <m:sub>
+                        <m:r>
+                          <a:rPr lang="en-US" i="1">
+                            <a:latin typeface="Cambria Math" panose="02040503050406030204" pitchFamily="18" charset="0"/>
+                          </a:rPr>
+                          <m:t>𝑚𝑖𝑛</m:t>
+                        </m:r>
+                      </m:sub>
+                    </m:sSub>
+                  </m:oMath>
+                </a14:m>
+                <a:r>
+                  <a:rPr lang="en-US" dirty="0"/>
+                  <a:t> = </a:t>
+                </a:r>
+                <a:r>
+                  <a:rPr lang="en-US" dirty="0" smtClean="0"/>
+                  <a:t>50</a:t>
+                </a:r>
+                <a:r>
+                  <a:rPr lang="en-US" dirty="0"/>
+                  <a:t>, </a:t>
+                </a:r>
+                <a14:m>
+                  <m:oMath xmlns:m="http://schemas.openxmlformats.org/officeDocument/2006/math">
+                    <m:r>
+                      <a:rPr lang="ru-RU" i="1">
+                        <a:latin typeface="Cambria Math" panose="02040503050406030204" pitchFamily="18" charset="0"/>
+                        <a:ea typeface="Cambria Math" panose="02040503050406030204" pitchFamily="18" charset="0"/>
+                      </a:rPr>
+                      <m:t>𝛾</m:t>
+                    </m:r>
+                  </m:oMath>
+                </a14:m>
+                <a:r>
+                  <a:rPr lang="en-US" dirty="0"/>
+                  <a:t> = </a:t>
+                </a:r>
+                <a:r>
+                  <a:rPr lang="en-US" dirty="0" smtClean="0"/>
+                  <a:t>4.16</a:t>
+                </a:r>
+                <a:endParaRPr lang="en-US" dirty="0"/>
+              </a:p>
+              <a:p>
+                <a:pPr marL="0" indent="0">
+                  <a:buNone/>
+                </a:pPr>
+                <a:r>
+                  <a:rPr lang="en-US" dirty="0" smtClean="0"/>
+                  <a:t> </a:t>
+                </a:r>
+                <a:endParaRPr lang="en-US" dirty="0" smtClean="0"/>
+              </a:p>
+            </p:txBody>
+          </p:sp>
+        </mc:Choice>
+        <mc:Fallback>
+          <p:sp>
+            <p:nvSpPr>
+              <p:cNvPr id="6" name="Content Placeholder 2"/>
+              <p:cNvSpPr txBox="1">
+                <a:spLocks noRot="1" noChangeAspect="1" noMove="1" noResize="1" noEditPoints="1" noAdjustHandles="1" noChangeArrowheads="1" noChangeShapeType="1" noTextEdit="1"/>
+              </p:cNvSpPr>
+              <p:nvPr/>
+            </p:nvSpPr>
+            <p:spPr>
+              <a:xfrm>
+                <a:off x="457200" y="2298699"/>
+                <a:ext cx="8128000" cy="2295923"/>
+              </a:xfrm>
+              <a:prstGeom prst="rect">
+                <a:avLst/>
+              </a:prstGeom>
+              <a:blipFill>
+                <a:blip r:embed="rId4"/>
+                <a:stretch>
+                  <a:fillRect l="-1125" t="-2122"/>
+                </a:stretch>
+              </a:blipFill>
+            </p:spPr>
+            <p:txBody>
+              <a:bodyPr/>
+              <a:lstStyle/>
+              <a:p>
+                <a:r>
+                  <a:rPr lang="ru-RU">
+                    <a:noFill/>
+                  </a:rPr>
+                  <a:t> </a:t>
+                </a:r>
+              </a:p>
+            </p:txBody>
+          </p:sp>
+        </mc:Fallback>
+      </mc:AlternateContent>
+    </p:spTree>
+    <p:extLst>
+      <p:ext uri="{BB962C8B-B14F-4D97-AF65-F5344CB8AC3E}">
+        <p14:creationId xmlns:p14="http://schemas.microsoft.com/office/powerpoint/2010/main" val="3400051497"/>
+      </p:ext>
+    </p:extLst>
+  </p:cSld>
+  <p:clrMapOvr>
+    <a:masterClrMapping/>
+  </p:clrMapOvr>
+  <p:timing>
+    <p:tnLst>
+      <p:par>
+        <p:cTn id="1" dur="indefinite" restart="never" nodeType="tmRoot"/>
+      </p:par>
+    </p:tnLst>
+  </p:timing>
+</p:sld>
+</file>
+
+<file path=ppt/slides/slide9.xml><?xml version="1.0" encoding="utf-8"?>
+<p:sld xmlns:a="http://schemas.openxmlformats.org/drawingml/2006/main" xmlns:r="http://schemas.openxmlformats.org/officeDocument/2006/relationships" xmlns:p="http://schemas.openxmlformats.org/presentationml/2006/main">
+  <p:cSld>
+    <p:bg>
+      <p:bgPr>
+        <a:solidFill>
+          <a:schemeClr val="bg1"/>
+        </a:solidFill>
+        <a:effectLst/>
+      </p:bgPr>
+    </p:bg>
+    <p:spTree>
+      <p:nvGrpSpPr>
+        <p:cNvPr id="1" name=""/>
+        <p:cNvGrpSpPr/>
+        <p:nvPr/>
+      </p:nvGrpSpPr>
+      <p:grpSpPr>
+        <a:xfrm>
+          <a:off x="0" y="0"/>
+          <a:ext cx="0" cy="0"/>
+          <a:chOff x="0" y="0"/>
+          <a:chExt cx="0" cy="0"/>
+        </a:xfrm>
+      </p:grpSpPr>
+      <p:pic>
+        <p:nvPicPr>
+          <p:cNvPr id="6" name="Picture 5"/>
+          <p:cNvPicPr/>
+          <p:nvPr/>
+        </p:nvPicPr>
+        <p:blipFill>
+          <a:blip r:embed="rId2">
+            <a:extLst>
+              <a:ext uri="{28A0092B-C50C-407E-A947-70E740481C1C}">
+                <a14:useLocalDpi xmlns:a14="http://schemas.microsoft.com/office/drawing/2010/main" val="0"/>
+              </a:ext>
+            </a:extLst>
+          </a:blip>
+          <a:stretch>
+            <a:fillRect/>
+          </a:stretch>
+        </p:blipFill>
+        <p:spPr>
+          <a:xfrm>
+            <a:off x="733350" y="1723392"/>
+            <a:ext cx="2891155" cy="3118485"/>
+          </a:xfrm>
+          <a:prstGeom prst="rect">
+            <a:avLst/>
+          </a:prstGeom>
+        </p:spPr>
+      </p:pic>
+      <p:pic>
+        <p:nvPicPr>
+          <p:cNvPr id="2050" name="Picture 2" descr="clustering_binned"/>
+          <p:cNvPicPr>
+            <a:picLocks noChangeAspect="1" noChangeArrowheads="1"/>
+          </p:cNvPicPr>
+          <p:nvPr/>
+        </p:nvPicPr>
+        <p:blipFill>
+          <a:blip r:embed="rId3">
+            <a:extLst>
+              <a:ext uri="{28A0092B-C50C-407E-A947-70E740481C1C}">
+                <a14:useLocalDpi xmlns:a14="http://schemas.microsoft.com/office/drawing/2010/main" val="0"/>
+              </a:ext>
+            </a:extLst>
+          </a:blip>
+          <a:srcRect/>
+          <a:stretch>
+            <a:fillRect/>
+          </a:stretch>
+        </p:blipFill>
+        <p:spPr bwMode="auto">
+          <a:xfrm>
+            <a:off x="3978409" y="927382"/>
+            <a:ext cx="4540250" cy="3244850"/>
+          </a:xfrm>
+          <a:prstGeom prst="rect">
+            <a:avLst/>
+          </a:prstGeom>
+          <a:noFill/>
+          <a:ln>
+            <a:noFill/>
+          </a:ln>
+          <a:extLst>
+            <a:ext uri="{909E8E84-426E-40DD-AFC4-6F175D3DCCD1}">
+              <a14:hiddenFill xmlns:a14="http://schemas.microsoft.com/office/drawing/2010/main">
+                <a:solidFill>
+                  <a:srgbClr val="FFFFFF"/>
+                </a:solidFill>
+              </a14:hiddenFill>
+            </a:ext>
+            <a:ext uri="{91240B29-F687-4F45-9708-019B960494DF}">
+              <a14:hiddenLine xmlns:a14="http://schemas.microsoft.com/office/drawing/2010/main" w="9525">
+                <a:solidFill>
+                  <a:srgbClr val="000000"/>
+                </a:solidFill>
+                <a:miter lim="800000"/>
+                <a:headEnd/>
+                <a:tailEnd/>
+              </a14:hiddenLine>
+            </a:ext>
+          </a:extLst>
+        </p:spPr>
+      </p:pic>
+      <p:sp>
+        <p:nvSpPr>
+          <p:cNvPr id="2" name="Title 1"/>
+          <p:cNvSpPr>
+            <a:spLocks noGrp="1"/>
+          </p:cNvSpPr>
+          <p:nvPr>
+            <p:ph type="title"/>
+          </p:nvPr>
+        </p:nvSpPr>
+        <p:spPr>
+          <a:xfrm>
+            <a:off x="279400" y="306899"/>
+            <a:ext cx="6273934" cy="620483"/>
+          </a:xfrm>
+        </p:spPr>
+        <p:txBody>
+          <a:bodyPr>
+            <a:normAutofit fontScale="90000"/>
+          </a:bodyPr>
+          <a:lstStyle/>
+          <a:p>
+            <a:r>
+              <a:rPr lang="en-US" dirty="0" smtClean="0"/>
+              <a:t>Distance and clustering distributions</a:t>
+            </a:r>
+            <a:endParaRPr lang="ru-RU" dirty="0"/>
+          </a:p>
+        </p:txBody>
+      </p:sp>
+    </p:spTree>
+    <p:extLst>
+      <p:ext uri="{BB962C8B-B14F-4D97-AF65-F5344CB8AC3E}">
+        <p14:creationId xmlns:p14="http://schemas.microsoft.com/office/powerpoint/2010/main" val="3164072325"/>
       </p:ext>
     </p:extLst>
   </p:cSld>
